--- a/Week 1-Basics, Scripting and Project/Week 1- Basics, Scripting and Project.pptx
+++ b/Week 1-Basics, Scripting and Project/Week 1- Basics, Scripting and Project.pptx
@@ -1,55 +1,57 @@
 
 <file path=ppt/presentation.xml><?xml version="1.0" encoding="utf-8"?>
-<p:presentation xmlns:a="http://schemas.openxmlformats.org/drawingml/2006/main" xmlns:r="http://schemas.openxmlformats.org/officeDocument/2006/relationships" xmlns:mc="http://schemas.openxmlformats.org/markup-compatibility/2006" xmlns:mv="urn:schemas-microsoft-com:mac:vml" xmlns:p="http://schemas.openxmlformats.org/presentationml/2006/main" xmlns:c="http://schemas.openxmlformats.org/drawingml/2006/chart" xmlns:dgm="http://schemas.openxmlformats.org/drawingml/2006/diagram" xmlns:o="urn:schemas-microsoft-com:office:office" xmlns:v="urn:schemas-microsoft-com:vml" xmlns:pvml="urn:schemas-microsoft-com:office:powerpoint" xmlns:com="http://schemas.openxmlformats.org/drawingml/2006/compatibility" xmlns:p14="http://schemas.microsoft.com/office/powerpoint/2010/main" xmlns:p15="http://schemas.microsoft.com/office/powerpoint/2012/main" xmlns:ahyp="http://schemas.microsoft.com/office/drawing/2018/hyperlinkcolor" autoCompressPictures="0" embedTrueTypeFonts="1" strictFirstAndLastChars="0" saveSubsetFonts="1">
+<p:presentation xmlns:a="http://schemas.openxmlformats.org/drawingml/2006/main" xmlns:r="http://schemas.openxmlformats.org/officeDocument/2006/relationships" xmlns:p="http://schemas.openxmlformats.org/presentationml/2006/main" strictFirstAndLastChars="0" embedTrueTypeFonts="1" saveSubsetFonts="1" autoCompressPictures="0">
   <p:sldMasterIdLst>
-    <p:sldMasterId id="2147483659" r:id="rId4"/>
+    <p:sldMasterId id="2147483659" r:id="rId1"/>
   </p:sldMasterIdLst>
   <p:notesMasterIdLst>
-    <p:notesMasterId r:id="rId5"/>
+    <p:notesMasterId r:id="rId27"/>
   </p:notesMasterIdLst>
   <p:sldIdLst>
-    <p:sldId id="256" r:id="rId6"/>
-    <p:sldId id="257" r:id="rId7"/>
-    <p:sldId id="258" r:id="rId8"/>
-    <p:sldId id="259" r:id="rId9"/>
-    <p:sldId id="260" r:id="rId10"/>
-    <p:sldId id="261" r:id="rId11"/>
-    <p:sldId id="262" r:id="rId12"/>
-    <p:sldId id="263" r:id="rId13"/>
-    <p:sldId id="264" r:id="rId14"/>
-    <p:sldId id="265" r:id="rId15"/>
-    <p:sldId id="266" r:id="rId16"/>
-    <p:sldId id="267" r:id="rId17"/>
-    <p:sldId id="268" r:id="rId18"/>
-    <p:sldId id="269" r:id="rId19"/>
-    <p:sldId id="270" r:id="rId20"/>
-    <p:sldId id="271" r:id="rId21"/>
-    <p:sldId id="272" r:id="rId22"/>
-    <p:sldId id="273" r:id="rId23"/>
-    <p:sldId id="274" r:id="rId24"/>
-    <p:sldId id="275" r:id="rId25"/>
-    <p:sldId id="276" r:id="rId26"/>
-    <p:sldId id="277" r:id="rId27"/>
-    <p:sldId id="278" r:id="rId28"/>
+    <p:sldId id="256" r:id="rId2"/>
+    <p:sldId id="257" r:id="rId3"/>
+    <p:sldId id="258" r:id="rId4"/>
+    <p:sldId id="259" r:id="rId5"/>
+    <p:sldId id="260" r:id="rId6"/>
+    <p:sldId id="261" r:id="rId7"/>
+    <p:sldId id="262" r:id="rId8"/>
+    <p:sldId id="263" r:id="rId9"/>
+    <p:sldId id="264" r:id="rId10"/>
+    <p:sldId id="265" r:id="rId11"/>
+    <p:sldId id="266" r:id="rId12"/>
+    <p:sldId id="267" r:id="rId13"/>
+    <p:sldId id="268" r:id="rId14"/>
+    <p:sldId id="269" r:id="rId15"/>
+    <p:sldId id="270" r:id="rId16"/>
+    <p:sldId id="271" r:id="rId17"/>
+    <p:sldId id="272" r:id="rId18"/>
+    <p:sldId id="273" r:id="rId19"/>
+    <p:sldId id="274" r:id="rId20"/>
+    <p:sldId id="275" r:id="rId21"/>
+    <p:sldId id="280" r:id="rId22"/>
+    <p:sldId id="279" r:id="rId23"/>
+    <p:sldId id="276" r:id="rId24"/>
+    <p:sldId id="277" r:id="rId25"/>
+    <p:sldId id="278" r:id="rId26"/>
   </p:sldIdLst>
-  <p:sldSz cy="5143500" cx="9144000"/>
+  <p:sldSz cx="9144000" cy="5143500" type="screen16x9"/>
   <p:notesSz cx="6858000" cy="9144000"/>
   <p:embeddedFontLst>
     <p:embeddedFont>
-      <p:font typeface="Roboto Slab"/>
-      <p:regular r:id="rId29"/>
-      <p:bold r:id="rId30"/>
+      <p:font typeface="Roboto Slab" panose="020B0604020202020204" charset="0"/>
+      <p:regular r:id="rId28"/>
+      <p:bold r:id="rId29"/>
     </p:embeddedFont>
     <p:embeddedFont>
-      <p:font typeface="Roboto"/>
-      <p:regular r:id="rId31"/>
-      <p:bold r:id="rId32"/>
-      <p:italic r:id="rId33"/>
-      <p:boldItalic r:id="rId34"/>
+      <p:font typeface="Roboto" panose="020B0604020202020204" charset="0"/>
+      <p:regular r:id="rId30"/>
+      <p:bold r:id="rId31"/>
+      <p:italic r:id="rId32"/>
+      <p:boldItalic r:id="rId33"/>
     </p:embeddedFont>
   </p:embeddedFontLst>
   <p:defaultTextStyle>
-    <a:defPPr lvl="0" marR="0" rtl="0" algn="l">
+    <a:defPPr marR="0" lvl="0" algn="l" rtl="0">
       <a:lnSpc>
         <a:spcPct val="100000"/>
       </a:lnSpc>
@@ -60,7 +62,7 @@
         <a:spcPts val="0"/>
       </a:spcAft>
     </a:defPPr>
-    <a:lvl1pPr lvl="0" marR="0" rtl="0" algn="l">
+    <a:lvl1pPr marR="0" lvl="0" algn="l" rtl="0">
       <a:lnSpc>
         <a:spcPct val="100000"/>
       </a:lnSpc>
@@ -74,7 +76,7 @@
         <a:srgbClr val="000000"/>
       </a:buClr>
       <a:buFont typeface="Arial"/>
-      <a:defRPr b="0" i="0" sz="1400" u="none" cap="none" strike="noStrike">
+      <a:defRPr sz="1400" b="0" i="0" u="none" strike="noStrike" cap="none">
         <a:solidFill>
           <a:srgbClr val="000000"/>
         </a:solidFill>
@@ -84,7 +86,7 @@
         <a:sym typeface="Arial"/>
       </a:defRPr>
     </a:lvl1pPr>
-    <a:lvl2pPr lvl="1" marR="0" rtl="0" algn="l">
+    <a:lvl2pPr marR="0" lvl="1" algn="l" rtl="0">
       <a:lnSpc>
         <a:spcPct val="100000"/>
       </a:lnSpc>
@@ -98,7 +100,7 @@
         <a:srgbClr val="000000"/>
       </a:buClr>
       <a:buFont typeface="Arial"/>
-      <a:defRPr b="0" i="0" sz="1400" u="none" cap="none" strike="noStrike">
+      <a:defRPr sz="1400" b="0" i="0" u="none" strike="noStrike" cap="none">
         <a:solidFill>
           <a:srgbClr val="000000"/>
         </a:solidFill>
@@ -108,7 +110,7 @@
         <a:sym typeface="Arial"/>
       </a:defRPr>
     </a:lvl2pPr>
-    <a:lvl3pPr lvl="2" marR="0" rtl="0" algn="l">
+    <a:lvl3pPr marR="0" lvl="2" algn="l" rtl="0">
       <a:lnSpc>
         <a:spcPct val="100000"/>
       </a:lnSpc>
@@ -122,7 +124,7 @@
         <a:srgbClr val="000000"/>
       </a:buClr>
       <a:buFont typeface="Arial"/>
-      <a:defRPr b="0" i="0" sz="1400" u="none" cap="none" strike="noStrike">
+      <a:defRPr sz="1400" b="0" i="0" u="none" strike="noStrike" cap="none">
         <a:solidFill>
           <a:srgbClr val="000000"/>
         </a:solidFill>
@@ -132,7 +134,7 @@
         <a:sym typeface="Arial"/>
       </a:defRPr>
     </a:lvl3pPr>
-    <a:lvl4pPr lvl="3" marR="0" rtl="0" algn="l">
+    <a:lvl4pPr marR="0" lvl="3" algn="l" rtl="0">
       <a:lnSpc>
         <a:spcPct val="100000"/>
       </a:lnSpc>
@@ -146,7 +148,7 @@
         <a:srgbClr val="000000"/>
       </a:buClr>
       <a:buFont typeface="Arial"/>
-      <a:defRPr b="0" i="0" sz="1400" u="none" cap="none" strike="noStrike">
+      <a:defRPr sz="1400" b="0" i="0" u="none" strike="noStrike" cap="none">
         <a:solidFill>
           <a:srgbClr val="000000"/>
         </a:solidFill>
@@ -156,7 +158,7 @@
         <a:sym typeface="Arial"/>
       </a:defRPr>
     </a:lvl4pPr>
-    <a:lvl5pPr lvl="4" marR="0" rtl="0" algn="l">
+    <a:lvl5pPr marR="0" lvl="4" algn="l" rtl="0">
       <a:lnSpc>
         <a:spcPct val="100000"/>
       </a:lnSpc>
@@ -170,7 +172,7 @@
         <a:srgbClr val="000000"/>
       </a:buClr>
       <a:buFont typeface="Arial"/>
-      <a:defRPr b="0" i="0" sz="1400" u="none" cap="none" strike="noStrike">
+      <a:defRPr sz="1400" b="0" i="0" u="none" strike="noStrike" cap="none">
         <a:solidFill>
           <a:srgbClr val="000000"/>
         </a:solidFill>
@@ -180,7 +182,7 @@
         <a:sym typeface="Arial"/>
       </a:defRPr>
     </a:lvl5pPr>
-    <a:lvl6pPr lvl="5" marR="0" rtl="0" algn="l">
+    <a:lvl6pPr marR="0" lvl="5" algn="l" rtl="0">
       <a:lnSpc>
         <a:spcPct val="100000"/>
       </a:lnSpc>
@@ -194,7 +196,7 @@
         <a:srgbClr val="000000"/>
       </a:buClr>
       <a:buFont typeface="Arial"/>
-      <a:defRPr b="0" i="0" sz="1400" u="none" cap="none" strike="noStrike">
+      <a:defRPr sz="1400" b="0" i="0" u="none" strike="noStrike" cap="none">
         <a:solidFill>
           <a:srgbClr val="000000"/>
         </a:solidFill>
@@ -204,7 +206,7 @@
         <a:sym typeface="Arial"/>
       </a:defRPr>
     </a:lvl6pPr>
-    <a:lvl7pPr lvl="6" marR="0" rtl="0" algn="l">
+    <a:lvl7pPr marR="0" lvl="6" algn="l" rtl="0">
       <a:lnSpc>
         <a:spcPct val="100000"/>
       </a:lnSpc>
@@ -218,7 +220,7 @@
         <a:srgbClr val="000000"/>
       </a:buClr>
       <a:buFont typeface="Arial"/>
-      <a:defRPr b="0" i="0" sz="1400" u="none" cap="none" strike="noStrike">
+      <a:defRPr sz="1400" b="0" i="0" u="none" strike="noStrike" cap="none">
         <a:solidFill>
           <a:srgbClr val="000000"/>
         </a:solidFill>
@@ -228,7 +230,7 @@
         <a:sym typeface="Arial"/>
       </a:defRPr>
     </a:lvl7pPr>
-    <a:lvl8pPr lvl="7" marR="0" rtl="0" algn="l">
+    <a:lvl8pPr marR="0" lvl="7" algn="l" rtl="0">
       <a:lnSpc>
         <a:spcPct val="100000"/>
       </a:lnSpc>
@@ -242,7 +244,7 @@
         <a:srgbClr val="000000"/>
       </a:buClr>
       <a:buFont typeface="Arial"/>
-      <a:defRPr b="0" i="0" sz="1400" u="none" cap="none" strike="noStrike">
+      <a:defRPr sz="1400" b="0" i="0" u="none" strike="noStrike" cap="none">
         <a:solidFill>
           <a:srgbClr val="000000"/>
         </a:solidFill>
@@ -252,7 +254,7 @@
         <a:sym typeface="Arial"/>
       </a:defRPr>
     </a:lvl8pPr>
-    <a:lvl9pPr lvl="8" marR="0" rtl="0" algn="l">
+    <a:lvl9pPr marR="0" lvl="8" algn="l" rtl="0">
       <a:lnSpc>
         <a:spcPct val="100000"/>
       </a:lnSpc>
@@ -266,7 +268,7 @@
         <a:srgbClr val="000000"/>
       </a:buClr>
       <a:buFont typeface="Arial"/>
-      <a:defRPr b="0" i="0" sz="1400" u="none" cap="none" strike="noStrike">
+      <a:defRPr sz="1400" b="0" i="0" u="none" strike="noStrike" cap="none">
         <a:solidFill>
           <a:srgbClr val="000000"/>
         </a:solidFill>
@@ -279,7 +281,7 @@
   </p:defaultTextStyle>
   <p:extLst>
     <p:ext uri="{EFAFB233-063F-42B5-8137-9DF3F51BA10A}">
-      <p15:sldGuideLst>
+      <p15:sldGuideLst xmlns:p15="http://schemas.microsoft.com/office/powerpoint/2012/main">
         <p15:guide id="1" orient="horz" pos="1620">
           <p15:clr>
             <a:srgbClr val="A4A3A4"/>
@@ -297,11 +299,16 @@
 </file>
 
 <file path=ppt/notesMasters/notesMaster1.xml><?xml version="1.0" encoding="utf-8"?>
-<p:notesMaster xmlns:a="http://schemas.openxmlformats.org/drawingml/2006/main" xmlns:r="http://schemas.openxmlformats.org/officeDocument/2006/relationships" xmlns:mc="http://schemas.openxmlformats.org/markup-compatibility/2006" xmlns:mv="urn:schemas-microsoft-com:mac:vml" xmlns:p="http://schemas.openxmlformats.org/presentationml/2006/main" xmlns:c="http://schemas.openxmlformats.org/drawingml/2006/chart" xmlns:dgm="http://schemas.openxmlformats.org/drawingml/2006/diagram" xmlns:o="urn:schemas-microsoft-com:office:office" xmlns:v="urn:schemas-microsoft-com:vml" xmlns:pvml="urn:schemas-microsoft-com:office:powerpoint" xmlns:com="http://schemas.openxmlformats.org/drawingml/2006/compatibility" xmlns:p14="http://schemas.microsoft.com/office/powerpoint/2010/main" xmlns:p15="http://schemas.microsoft.com/office/powerpoint/2012/main" xmlns:ahyp="http://schemas.microsoft.com/office/drawing/2018/hyperlinkcolor">
+<p:notesMaster xmlns:a="http://schemas.openxmlformats.org/drawingml/2006/main" xmlns:r="http://schemas.openxmlformats.org/officeDocument/2006/relationships" xmlns:p="http://schemas.openxmlformats.org/presentationml/2006/main">
   <p:cSld>
+    <p:bg>
+      <p:bgRef idx="1001">
+        <a:schemeClr val="bg1"/>
+      </p:bgRef>
+    </p:bg>
     <p:spTree>
       <p:nvGrpSpPr>
-        <p:cNvPr id="2" name="Shape 2"/>
+        <p:cNvPr id="1" name="Shape 2"/>
         <p:cNvGrpSpPr/>
         <p:nvPr/>
       </p:nvGrpSpPr>
@@ -316,9 +323,11 @@
       <p:sp>
         <p:nvSpPr>
           <p:cNvPr id="3" name="Google Shape;3;n"/>
-          <p:cNvSpPr/>
+          <p:cNvSpPr>
+            <a:spLocks noGrp="1" noRot="1" noChangeAspect="1"/>
+          </p:cNvSpPr>
           <p:nvPr>
-            <p:ph idx="2" type="sldImg"/>
+            <p:ph type="sldImg" idx="2"/>
           </p:nvPr>
         </p:nvSpPr>
         <p:spPr>
@@ -327,9 +336,13 @@
             <a:ext cx="6096075" cy="3429000"/>
           </a:xfrm>
           <a:custGeom>
-            <a:rect b="b" l="l" r="r" t="t"/>
+            <a:avLst/>
+            <a:gdLst/>
+            <a:ahLst/>
+            <a:cxnLst/>
+            <a:rect l="l" t="t" r="r" b="b"/>
             <a:pathLst>
-              <a:path extrusionOk="0" h="120000" w="120000">
+              <a:path w="120000" h="120000" extrusionOk="0">
                 <a:moveTo>
                   <a:pt x="0" y="0"/>
                 </a:moveTo>
@@ -347,23 +360,25 @@
             </a:pathLst>
           </a:custGeom>
           <a:noFill/>
-          <a:ln cap="flat" cmpd="sng" w="9525">
+          <a:ln w="9525" cap="flat" cmpd="sng">
             <a:solidFill>
               <a:srgbClr val="000000"/>
             </a:solidFill>
             <a:prstDash val="solid"/>
             <a:round/>
-            <a:headEnd len="sm" w="sm" type="none"/>
-            <a:tailEnd len="sm" w="sm" type="none"/>
+            <a:headEnd type="none" w="sm" len="sm"/>
+            <a:tailEnd type="none" w="sm" len="sm"/>
           </a:ln>
         </p:spPr>
       </p:sp>
       <p:sp>
         <p:nvSpPr>
           <p:cNvPr id="4" name="Google Shape;4;n"/>
-          <p:cNvSpPr txBox="1"/>
+          <p:cNvSpPr txBox="1">
+            <a:spLocks noGrp="1"/>
+          </p:cNvSpPr>
           <p:nvPr>
-            <p:ph idx="1" type="body"/>
+            <p:ph type="body" idx="1"/>
           </p:nvPr>
         </p:nvSpPr>
         <p:spPr>
@@ -380,11 +395,11 @@
           </a:ln>
         </p:spPr>
         <p:txBody>
-          <a:bodyPr anchorCtr="0" anchor="t" bIns="91425" lIns="91425" spcFirstLastPara="1" rIns="91425" wrap="square" tIns="91425">
+          <a:bodyPr spcFirstLastPara="1" wrap="square" lIns="91425" tIns="91425" rIns="91425" bIns="91425" anchor="t" anchorCtr="0">
             <a:noAutofit/>
           </a:bodyPr>
           <a:lstStyle>
-            <a:lvl1pPr indent="-298450" lvl="0" marL="457200">
+            <a:lvl1pPr marL="457200" lvl="0" indent="-298450">
               <a:spcBef>
                 <a:spcPts val="0"/>
               </a:spcBef>
@@ -395,7 +410,7 @@
               <a:buChar char="●"/>
               <a:defRPr sz="1100"/>
             </a:lvl1pPr>
-            <a:lvl2pPr indent="-298450" lvl="1" marL="914400">
+            <a:lvl2pPr marL="914400" lvl="1" indent="-298450">
               <a:spcBef>
                 <a:spcPts val="0"/>
               </a:spcBef>
@@ -406,7 +421,7 @@
               <a:buChar char="○"/>
               <a:defRPr sz="1100"/>
             </a:lvl2pPr>
-            <a:lvl3pPr indent="-298450" lvl="2" marL="1371600">
+            <a:lvl3pPr marL="1371600" lvl="2" indent="-298450">
               <a:spcBef>
                 <a:spcPts val="0"/>
               </a:spcBef>
@@ -417,7 +432,7 @@
               <a:buChar char="■"/>
               <a:defRPr sz="1100"/>
             </a:lvl3pPr>
-            <a:lvl4pPr indent="-298450" lvl="3" marL="1828800">
+            <a:lvl4pPr marL="1828800" lvl="3" indent="-298450">
               <a:spcBef>
                 <a:spcPts val="0"/>
               </a:spcBef>
@@ -428,7 +443,7 @@
               <a:buChar char="●"/>
               <a:defRPr sz="1100"/>
             </a:lvl4pPr>
-            <a:lvl5pPr indent="-298450" lvl="4" marL="2286000">
+            <a:lvl5pPr marL="2286000" lvl="4" indent="-298450">
               <a:spcBef>
                 <a:spcPts val="0"/>
               </a:spcBef>
@@ -439,7 +454,7 @@
               <a:buChar char="○"/>
               <a:defRPr sz="1100"/>
             </a:lvl5pPr>
-            <a:lvl6pPr indent="-298450" lvl="5" marL="2743200">
+            <a:lvl6pPr marL="2743200" lvl="5" indent="-298450">
               <a:spcBef>
                 <a:spcPts val="0"/>
               </a:spcBef>
@@ -450,7 +465,7 @@
               <a:buChar char="■"/>
               <a:defRPr sz="1100"/>
             </a:lvl6pPr>
-            <a:lvl7pPr indent="-298450" lvl="6" marL="3200400">
+            <a:lvl7pPr marL="3200400" lvl="6" indent="-298450">
               <a:spcBef>
                 <a:spcPts val="0"/>
               </a:spcBef>
@@ -461,7 +476,7 @@
               <a:buChar char="●"/>
               <a:defRPr sz="1100"/>
             </a:lvl7pPr>
-            <a:lvl8pPr indent="-298450" lvl="7" marL="3657600">
+            <a:lvl8pPr marL="3657600" lvl="7" indent="-298450">
               <a:spcBef>
                 <a:spcPts val="0"/>
               </a:spcBef>
@@ -472,7 +487,7 @@
               <a:buChar char="○"/>
               <a:defRPr sz="1100"/>
             </a:lvl8pPr>
-            <a:lvl9pPr indent="-298450" lvl="8" marL="4114800">
+            <a:lvl9pPr marL="4114800" lvl="8" indent="-298450">
               <a:spcBef>
                 <a:spcPts val="0"/>
               </a:spcBef>
@@ -484,14 +499,16 @@
               <a:defRPr sz="1100"/>
             </a:lvl9pPr>
           </a:lstStyle>
-          <a:p/>
+          <a:p>
+            <a:endParaRPr/>
+          </a:p>
         </p:txBody>
       </p:sp>
     </p:spTree>
   </p:cSld>
-  <p:clrMap accent1="accent1" accent2="accent2" accent3="accent3" accent4="accent4" accent5="accent5" accent6="accent6" bg1="lt1" bg2="dk2" tx1="dk1" tx2="lt2" folHlink="folHlink" hlink="hlink"/>
+  <p:clrMap bg1="lt1" tx1="dk1" bg2="dk2" tx2="lt2" accent1="accent1" accent2="accent2" accent3="accent3" accent4="accent4" accent5="accent5" accent6="accent6" hlink="hlink" folHlink="folHlink"/>
   <p:notesStyle>
-    <a:defPPr lvl="0" marR="0" rtl="0" algn="l">
+    <a:defPPr marR="0" lvl="0" algn="l" rtl="0">
       <a:lnSpc>
         <a:spcPct val="100000"/>
       </a:lnSpc>
@@ -502,7 +519,7 @@
         <a:spcPts val="0"/>
       </a:spcAft>
     </a:defPPr>
-    <a:lvl1pPr lvl="0" marR="0" rtl="0" algn="l">
+    <a:lvl1pPr marR="0" lvl="0" algn="l" rtl="0">
       <a:lnSpc>
         <a:spcPct val="100000"/>
       </a:lnSpc>
@@ -516,7 +533,7 @@
         <a:srgbClr val="000000"/>
       </a:buClr>
       <a:buFont typeface="Arial"/>
-      <a:defRPr b="0" i="0" sz="1400" u="none" cap="none" strike="noStrike">
+      <a:defRPr sz="1400" b="0" i="0" u="none" strike="noStrike" cap="none">
         <a:solidFill>
           <a:srgbClr val="000000"/>
         </a:solidFill>
@@ -526,7 +543,7 @@
         <a:sym typeface="Arial"/>
       </a:defRPr>
     </a:lvl1pPr>
-    <a:lvl2pPr lvl="1" marR="0" rtl="0" algn="l">
+    <a:lvl2pPr marR="0" lvl="1" algn="l" rtl="0">
       <a:lnSpc>
         <a:spcPct val="100000"/>
       </a:lnSpc>
@@ -540,7 +557,7 @@
         <a:srgbClr val="000000"/>
       </a:buClr>
       <a:buFont typeface="Arial"/>
-      <a:defRPr b="0" i="0" sz="1400" u="none" cap="none" strike="noStrike">
+      <a:defRPr sz="1400" b="0" i="0" u="none" strike="noStrike" cap="none">
         <a:solidFill>
           <a:srgbClr val="000000"/>
         </a:solidFill>
@@ -550,7 +567,7 @@
         <a:sym typeface="Arial"/>
       </a:defRPr>
     </a:lvl2pPr>
-    <a:lvl3pPr lvl="2" marR="0" rtl="0" algn="l">
+    <a:lvl3pPr marR="0" lvl="2" algn="l" rtl="0">
       <a:lnSpc>
         <a:spcPct val="100000"/>
       </a:lnSpc>
@@ -564,7 +581,7 @@
         <a:srgbClr val="000000"/>
       </a:buClr>
       <a:buFont typeface="Arial"/>
-      <a:defRPr b="0" i="0" sz="1400" u="none" cap="none" strike="noStrike">
+      <a:defRPr sz="1400" b="0" i="0" u="none" strike="noStrike" cap="none">
         <a:solidFill>
           <a:srgbClr val="000000"/>
         </a:solidFill>
@@ -574,7 +591,7 @@
         <a:sym typeface="Arial"/>
       </a:defRPr>
     </a:lvl3pPr>
-    <a:lvl4pPr lvl="3" marR="0" rtl="0" algn="l">
+    <a:lvl4pPr marR="0" lvl="3" algn="l" rtl="0">
       <a:lnSpc>
         <a:spcPct val="100000"/>
       </a:lnSpc>
@@ -588,7 +605,7 @@
         <a:srgbClr val="000000"/>
       </a:buClr>
       <a:buFont typeface="Arial"/>
-      <a:defRPr b="0" i="0" sz="1400" u="none" cap="none" strike="noStrike">
+      <a:defRPr sz="1400" b="0" i="0" u="none" strike="noStrike" cap="none">
         <a:solidFill>
           <a:srgbClr val="000000"/>
         </a:solidFill>
@@ -598,7 +615,7 @@
         <a:sym typeface="Arial"/>
       </a:defRPr>
     </a:lvl4pPr>
-    <a:lvl5pPr lvl="4" marR="0" rtl="0" algn="l">
+    <a:lvl5pPr marR="0" lvl="4" algn="l" rtl="0">
       <a:lnSpc>
         <a:spcPct val="100000"/>
       </a:lnSpc>
@@ -612,7 +629,7 @@
         <a:srgbClr val="000000"/>
       </a:buClr>
       <a:buFont typeface="Arial"/>
-      <a:defRPr b="0" i="0" sz="1400" u="none" cap="none" strike="noStrike">
+      <a:defRPr sz="1400" b="0" i="0" u="none" strike="noStrike" cap="none">
         <a:solidFill>
           <a:srgbClr val="000000"/>
         </a:solidFill>
@@ -622,7 +639,7 @@
         <a:sym typeface="Arial"/>
       </a:defRPr>
     </a:lvl5pPr>
-    <a:lvl6pPr lvl="5" marR="0" rtl="0" algn="l">
+    <a:lvl6pPr marR="0" lvl="5" algn="l" rtl="0">
       <a:lnSpc>
         <a:spcPct val="100000"/>
       </a:lnSpc>
@@ -636,7 +653,7 @@
         <a:srgbClr val="000000"/>
       </a:buClr>
       <a:buFont typeface="Arial"/>
-      <a:defRPr b="0" i="0" sz="1400" u="none" cap="none" strike="noStrike">
+      <a:defRPr sz="1400" b="0" i="0" u="none" strike="noStrike" cap="none">
         <a:solidFill>
           <a:srgbClr val="000000"/>
         </a:solidFill>
@@ -646,7 +663,7 @@
         <a:sym typeface="Arial"/>
       </a:defRPr>
     </a:lvl6pPr>
-    <a:lvl7pPr lvl="6" marR="0" rtl="0" algn="l">
+    <a:lvl7pPr marR="0" lvl="6" algn="l" rtl="0">
       <a:lnSpc>
         <a:spcPct val="100000"/>
       </a:lnSpc>
@@ -660,7 +677,7 @@
         <a:srgbClr val="000000"/>
       </a:buClr>
       <a:buFont typeface="Arial"/>
-      <a:defRPr b="0" i="0" sz="1400" u="none" cap="none" strike="noStrike">
+      <a:defRPr sz="1400" b="0" i="0" u="none" strike="noStrike" cap="none">
         <a:solidFill>
           <a:srgbClr val="000000"/>
         </a:solidFill>
@@ -670,7 +687,7 @@
         <a:sym typeface="Arial"/>
       </a:defRPr>
     </a:lvl7pPr>
-    <a:lvl8pPr lvl="7" marR="0" rtl="0" algn="l">
+    <a:lvl8pPr marR="0" lvl="7" algn="l" rtl="0">
       <a:lnSpc>
         <a:spcPct val="100000"/>
       </a:lnSpc>
@@ -684,7 +701,7 @@
         <a:srgbClr val="000000"/>
       </a:buClr>
       <a:buFont typeface="Arial"/>
-      <a:defRPr b="0" i="0" sz="1400" u="none" cap="none" strike="noStrike">
+      <a:defRPr sz="1400" b="0" i="0" u="none" strike="noStrike" cap="none">
         <a:solidFill>
           <a:srgbClr val="000000"/>
         </a:solidFill>
@@ -694,7 +711,7 @@
         <a:sym typeface="Arial"/>
       </a:defRPr>
     </a:lvl8pPr>
-    <a:lvl9pPr lvl="8" marR="0" rtl="0" algn="l">
+    <a:lvl9pPr marR="0" lvl="8" algn="l" rtl="0">
       <a:lnSpc>
         <a:spcPct val="100000"/>
       </a:lnSpc>
@@ -708,7 +725,7 @@
         <a:srgbClr val="000000"/>
       </a:buClr>
       <a:buFont typeface="Arial"/>
-      <a:defRPr b="0" i="0" sz="1400" u="none" cap="none" strike="noStrike">
+      <a:defRPr sz="1400" b="0" i="0" u="none" strike="noStrike" cap="none">
         <a:solidFill>
           <a:srgbClr val="000000"/>
         </a:solidFill>
@@ -723,11 +740,11 @@
 </file>
 
 <file path=ppt/notesSlides/notesSlide1.xml><?xml version="1.0" encoding="utf-8"?>
-<p:notes xmlns:a="http://schemas.openxmlformats.org/drawingml/2006/main" xmlns:r="http://schemas.openxmlformats.org/officeDocument/2006/relationships" xmlns:mc="http://schemas.openxmlformats.org/markup-compatibility/2006" xmlns:mv="urn:schemas-microsoft-com:mac:vml" xmlns:p="http://schemas.openxmlformats.org/presentationml/2006/main" xmlns:c="http://schemas.openxmlformats.org/drawingml/2006/chart" xmlns:dgm="http://schemas.openxmlformats.org/drawingml/2006/diagram" xmlns:o="urn:schemas-microsoft-com:office:office" xmlns:v="urn:schemas-microsoft-com:vml" xmlns:pvml="urn:schemas-microsoft-com:office:powerpoint" xmlns:com="http://schemas.openxmlformats.org/drawingml/2006/compatibility" xmlns:p14="http://schemas.microsoft.com/office/powerpoint/2010/main" xmlns:p15="http://schemas.microsoft.com/office/powerpoint/2012/main" xmlns:ahyp="http://schemas.microsoft.com/office/drawing/2018/hyperlinkcolor" showMasterPhAnim="0" showMasterSp="0">
+<p:notes xmlns:a="http://schemas.openxmlformats.org/drawingml/2006/main" xmlns:r="http://schemas.openxmlformats.org/officeDocument/2006/relationships" xmlns:p="http://schemas.openxmlformats.org/presentationml/2006/main" showMasterSp="0" showMasterPhAnim="0">
   <p:cSld>
     <p:spTree>
       <p:nvGrpSpPr>
-        <p:cNvPr id="59" name="Shape 59"/>
+        <p:cNvPr id="1" name="Shape 59"/>
         <p:cNvGrpSpPr/>
         <p:nvPr/>
       </p:nvGrpSpPr>
@@ -742,9 +759,11 @@
       <p:sp>
         <p:nvSpPr>
           <p:cNvPr id="60" name="Google Shape;60;p:notes"/>
-          <p:cNvSpPr/>
+          <p:cNvSpPr>
+            <a:spLocks noGrp="1" noRot="1" noChangeAspect="1"/>
+          </p:cNvSpPr>
           <p:nvPr>
-            <p:ph idx="2" type="sldImg"/>
+            <p:ph type="sldImg" idx="2"/>
           </p:nvPr>
         </p:nvSpPr>
         <p:spPr>
@@ -753,9 +772,13 @@
             <a:ext cx="6096075" cy="3429000"/>
           </a:xfrm>
           <a:custGeom>
-            <a:rect b="b" l="l" r="r" t="t"/>
+            <a:avLst/>
+            <a:gdLst/>
+            <a:ahLst/>
+            <a:cxnLst/>
+            <a:rect l="l" t="t" r="r" b="b"/>
             <a:pathLst>
-              <a:path extrusionOk="0" h="120000" w="120000">
+              <a:path w="120000" h="120000" extrusionOk="0">
                 <a:moveTo>
                   <a:pt x="0" y="0"/>
                 </a:moveTo>
@@ -777,9 +800,11 @@
       <p:sp>
         <p:nvSpPr>
           <p:cNvPr id="61" name="Google Shape;61;p:notes"/>
-          <p:cNvSpPr txBox="1"/>
+          <p:cNvSpPr txBox="1">
+            <a:spLocks noGrp="1"/>
+          </p:cNvSpPr>
           <p:nvPr>
-            <p:ph idx="1" type="body"/>
+            <p:ph type="body" idx="1"/>
           </p:nvPr>
         </p:nvSpPr>
         <p:spPr>
@@ -792,23 +817,20 @@
           </a:prstGeom>
         </p:spPr>
         <p:txBody>
-          <a:bodyPr anchorCtr="0" anchor="t" bIns="91425" lIns="91425" spcFirstLastPara="1" rIns="91425" wrap="square" tIns="91425">
+          <a:bodyPr spcFirstLastPara="1" wrap="square" lIns="91425" tIns="91425" rIns="91425" bIns="91425" anchor="t" anchorCtr="0">
             <a:noAutofit/>
           </a:bodyPr>
           <a:lstStyle/>
           <a:p>
-            <a:pPr indent="0" lvl="0" marL="0" rtl="0" algn="l">
-              <a:spcBef>
-                <a:spcPts val="0"/>
-              </a:spcBef>
-              <a:spcAft>
-                <a:spcPts val="0"/>
-              </a:spcAft>
-              <a:buNone/>
-            </a:pPr>
-            <a:r>
-              <a:t/>
-            </a:r>
+            <a:pPr marL="0" lvl="0" indent="0" algn="l" rtl="0">
+              <a:spcBef>
+                <a:spcPts val="0"/>
+              </a:spcBef>
+              <a:spcAft>
+                <a:spcPts val="0"/>
+              </a:spcAft>
+              <a:buNone/>
+            </a:pPr>
             <a:endParaRPr/>
           </a:p>
         </p:txBody>
@@ -822,11 +844,11 @@
 </file>
 
 <file path=ppt/notesSlides/notesSlide10.xml><?xml version="1.0" encoding="utf-8"?>
-<p:notes xmlns:a="http://schemas.openxmlformats.org/drawingml/2006/main" xmlns:r="http://schemas.openxmlformats.org/officeDocument/2006/relationships" xmlns:mc="http://schemas.openxmlformats.org/markup-compatibility/2006" xmlns:mv="urn:schemas-microsoft-com:mac:vml" xmlns:p="http://schemas.openxmlformats.org/presentationml/2006/main" xmlns:c="http://schemas.openxmlformats.org/drawingml/2006/chart" xmlns:dgm="http://schemas.openxmlformats.org/drawingml/2006/diagram" xmlns:o="urn:schemas-microsoft-com:office:office" xmlns:v="urn:schemas-microsoft-com:vml" xmlns:pvml="urn:schemas-microsoft-com:office:powerpoint" xmlns:com="http://schemas.openxmlformats.org/drawingml/2006/compatibility" xmlns:p14="http://schemas.microsoft.com/office/powerpoint/2010/main" xmlns:p15="http://schemas.microsoft.com/office/powerpoint/2012/main" xmlns:ahyp="http://schemas.microsoft.com/office/drawing/2018/hyperlinkcolor" showMasterPhAnim="0" showMasterSp="0">
+<p:notes xmlns:a="http://schemas.openxmlformats.org/drawingml/2006/main" xmlns:r="http://schemas.openxmlformats.org/officeDocument/2006/relationships" xmlns:p="http://schemas.openxmlformats.org/presentationml/2006/main" showMasterSp="0" showMasterPhAnim="0">
   <p:cSld>
     <p:spTree>
       <p:nvGrpSpPr>
-        <p:cNvPr id="117" name="Shape 117"/>
+        <p:cNvPr id="1" name="Shape 117"/>
         <p:cNvGrpSpPr/>
         <p:nvPr/>
       </p:nvGrpSpPr>
@@ -841,20 +863,26 @@
       <p:sp>
         <p:nvSpPr>
           <p:cNvPr id="118" name="Google Shape;118;gd640bc8547_0_19:notes"/>
-          <p:cNvSpPr/>
+          <p:cNvSpPr>
+            <a:spLocks noGrp="1" noRot="1" noChangeAspect="1"/>
+          </p:cNvSpPr>
           <p:nvPr>
-            <p:ph idx="2" type="sldImg"/>
+            <p:ph type="sldImg" idx="2"/>
           </p:nvPr>
         </p:nvSpPr>
         <p:spPr>
           <a:xfrm>
-            <a:off x="381300" y="685800"/>
+            <a:off x="381000" y="685800"/>
             <a:ext cx="6096000" cy="3429000"/>
           </a:xfrm>
           <a:custGeom>
-            <a:rect b="b" l="l" r="r" t="t"/>
+            <a:avLst/>
+            <a:gdLst/>
+            <a:ahLst/>
+            <a:cxnLst/>
+            <a:rect l="l" t="t" r="r" b="b"/>
             <a:pathLst>
-              <a:path extrusionOk="0" h="120000" w="120000">
+              <a:path w="120000" h="120000" extrusionOk="0">
                 <a:moveTo>
                   <a:pt x="0" y="0"/>
                 </a:moveTo>
@@ -876,9 +904,11 @@
       <p:sp>
         <p:nvSpPr>
           <p:cNvPr id="119" name="Google Shape;119;gd640bc8547_0_19:notes"/>
-          <p:cNvSpPr txBox="1"/>
+          <p:cNvSpPr txBox="1">
+            <a:spLocks noGrp="1"/>
+          </p:cNvSpPr>
           <p:nvPr>
-            <p:ph idx="1" type="body"/>
+            <p:ph type="body" idx="1"/>
           </p:nvPr>
         </p:nvSpPr>
         <p:spPr>
@@ -891,12 +921,12 @@
           </a:prstGeom>
         </p:spPr>
         <p:txBody>
-          <a:bodyPr anchorCtr="0" anchor="t" bIns="91425" lIns="91425" spcFirstLastPara="1" rIns="91425" wrap="square" tIns="91425">
+          <a:bodyPr spcFirstLastPara="1" wrap="square" lIns="91425" tIns="91425" rIns="91425" bIns="91425" anchor="t" anchorCtr="0">
             <a:noAutofit/>
           </a:bodyPr>
           <a:lstStyle/>
           <a:p>
-            <a:pPr indent="0" lvl="0" marL="0" rtl="0" algn="l">
+            <a:pPr marL="0" lvl="0" indent="0" algn="l" rtl="0">
               <a:spcBef>
                 <a:spcPts val="0"/>
               </a:spcBef>
@@ -922,11 +952,11 @@
 </file>
 
 <file path=ppt/notesSlides/notesSlide11.xml><?xml version="1.0" encoding="utf-8"?>
-<p:notes xmlns:a="http://schemas.openxmlformats.org/drawingml/2006/main" xmlns:r="http://schemas.openxmlformats.org/officeDocument/2006/relationships" xmlns:mc="http://schemas.openxmlformats.org/markup-compatibility/2006" xmlns:mv="urn:schemas-microsoft-com:mac:vml" xmlns:p="http://schemas.openxmlformats.org/presentationml/2006/main" xmlns:c="http://schemas.openxmlformats.org/drawingml/2006/chart" xmlns:dgm="http://schemas.openxmlformats.org/drawingml/2006/diagram" xmlns:o="urn:schemas-microsoft-com:office:office" xmlns:v="urn:schemas-microsoft-com:vml" xmlns:pvml="urn:schemas-microsoft-com:office:powerpoint" xmlns:com="http://schemas.openxmlformats.org/drawingml/2006/compatibility" xmlns:p14="http://schemas.microsoft.com/office/powerpoint/2010/main" xmlns:p15="http://schemas.microsoft.com/office/powerpoint/2012/main" xmlns:ahyp="http://schemas.microsoft.com/office/drawing/2018/hyperlinkcolor" showMasterPhAnim="0" showMasterSp="0">
+<p:notes xmlns:a="http://schemas.openxmlformats.org/drawingml/2006/main" xmlns:r="http://schemas.openxmlformats.org/officeDocument/2006/relationships" xmlns:p="http://schemas.openxmlformats.org/presentationml/2006/main" showMasterSp="0" showMasterPhAnim="0">
   <p:cSld>
     <p:spTree>
       <p:nvGrpSpPr>
-        <p:cNvPr id="123" name="Shape 123"/>
+        <p:cNvPr id="1" name="Shape 123"/>
         <p:cNvGrpSpPr/>
         <p:nvPr/>
       </p:nvGrpSpPr>
@@ -941,9 +971,11 @@
       <p:sp>
         <p:nvSpPr>
           <p:cNvPr id="124" name="Google Shape;124;gd8fcba4f50_0_124:notes"/>
-          <p:cNvSpPr/>
+          <p:cNvSpPr>
+            <a:spLocks noGrp="1" noRot="1" noChangeAspect="1"/>
+          </p:cNvSpPr>
           <p:nvPr>
-            <p:ph idx="2" type="sldImg"/>
+            <p:ph type="sldImg" idx="2"/>
           </p:nvPr>
         </p:nvSpPr>
         <p:spPr>
@@ -952,9 +984,13 @@
             <a:ext cx="6096000" cy="3429000"/>
           </a:xfrm>
           <a:custGeom>
-            <a:rect b="b" l="l" r="r" t="t"/>
+            <a:avLst/>
+            <a:gdLst/>
+            <a:ahLst/>
+            <a:cxnLst/>
+            <a:rect l="l" t="t" r="r" b="b"/>
             <a:pathLst>
-              <a:path extrusionOk="0" h="120000" w="120000">
+              <a:path w="120000" h="120000" extrusionOk="0">
                 <a:moveTo>
                   <a:pt x="0" y="0"/>
                 </a:moveTo>
@@ -976,9 +1012,11 @@
       <p:sp>
         <p:nvSpPr>
           <p:cNvPr id="125" name="Google Shape;125;gd8fcba4f50_0_124:notes"/>
-          <p:cNvSpPr txBox="1"/>
+          <p:cNvSpPr txBox="1">
+            <a:spLocks noGrp="1"/>
+          </p:cNvSpPr>
           <p:nvPr>
-            <p:ph idx="1" type="body"/>
+            <p:ph type="body" idx="1"/>
           </p:nvPr>
         </p:nvSpPr>
         <p:spPr>
@@ -991,23 +1029,20 @@
           </a:prstGeom>
         </p:spPr>
         <p:txBody>
-          <a:bodyPr anchorCtr="0" anchor="t" bIns="91425" lIns="91425" spcFirstLastPara="1" rIns="91425" wrap="square" tIns="91425">
+          <a:bodyPr spcFirstLastPara="1" wrap="square" lIns="91425" tIns="91425" rIns="91425" bIns="91425" anchor="t" anchorCtr="0">
             <a:noAutofit/>
           </a:bodyPr>
           <a:lstStyle/>
           <a:p>
-            <a:pPr indent="0" lvl="0" marL="0" rtl="0" algn="l">
-              <a:spcBef>
-                <a:spcPts val="0"/>
-              </a:spcBef>
-              <a:spcAft>
-                <a:spcPts val="0"/>
-              </a:spcAft>
-              <a:buNone/>
-            </a:pPr>
-            <a:r>
-              <a:t/>
-            </a:r>
+            <a:pPr marL="0" lvl="0" indent="0" algn="l" rtl="0">
+              <a:spcBef>
+                <a:spcPts val="0"/>
+              </a:spcBef>
+              <a:spcAft>
+                <a:spcPts val="0"/>
+              </a:spcAft>
+              <a:buNone/>
+            </a:pPr>
             <a:endParaRPr/>
           </a:p>
         </p:txBody>
@@ -1021,11 +1056,11 @@
 </file>
 
 <file path=ppt/notesSlides/notesSlide12.xml><?xml version="1.0" encoding="utf-8"?>
-<p:notes xmlns:a="http://schemas.openxmlformats.org/drawingml/2006/main" xmlns:r="http://schemas.openxmlformats.org/officeDocument/2006/relationships" xmlns:mc="http://schemas.openxmlformats.org/markup-compatibility/2006" xmlns:mv="urn:schemas-microsoft-com:mac:vml" xmlns:p="http://schemas.openxmlformats.org/presentationml/2006/main" xmlns:c="http://schemas.openxmlformats.org/drawingml/2006/chart" xmlns:dgm="http://schemas.openxmlformats.org/drawingml/2006/diagram" xmlns:o="urn:schemas-microsoft-com:office:office" xmlns:v="urn:schemas-microsoft-com:vml" xmlns:pvml="urn:schemas-microsoft-com:office:powerpoint" xmlns:com="http://schemas.openxmlformats.org/drawingml/2006/compatibility" xmlns:p14="http://schemas.microsoft.com/office/powerpoint/2010/main" xmlns:p15="http://schemas.microsoft.com/office/powerpoint/2012/main" xmlns:ahyp="http://schemas.microsoft.com/office/drawing/2018/hyperlinkcolor" showMasterPhAnim="0" showMasterSp="0">
+<p:notes xmlns:a="http://schemas.openxmlformats.org/drawingml/2006/main" xmlns:r="http://schemas.openxmlformats.org/officeDocument/2006/relationships" xmlns:p="http://schemas.openxmlformats.org/presentationml/2006/main" showMasterSp="0" showMasterPhAnim="0">
   <p:cSld>
     <p:spTree>
       <p:nvGrpSpPr>
-        <p:cNvPr id="128" name="Shape 128"/>
+        <p:cNvPr id="1" name="Shape 128"/>
         <p:cNvGrpSpPr/>
         <p:nvPr/>
       </p:nvGrpSpPr>
@@ -1040,9 +1075,11 @@
       <p:sp>
         <p:nvSpPr>
           <p:cNvPr id="129" name="Google Shape;129;gd9c0e74c4b_0_0:notes"/>
-          <p:cNvSpPr/>
+          <p:cNvSpPr>
+            <a:spLocks noGrp="1" noRot="1" noChangeAspect="1"/>
+          </p:cNvSpPr>
           <p:nvPr>
-            <p:ph idx="2" type="sldImg"/>
+            <p:ph type="sldImg" idx="2"/>
           </p:nvPr>
         </p:nvSpPr>
         <p:spPr>
@@ -1051,9 +1088,13 @@
             <a:ext cx="6096000" cy="3429000"/>
           </a:xfrm>
           <a:custGeom>
-            <a:rect b="b" l="l" r="r" t="t"/>
+            <a:avLst/>
+            <a:gdLst/>
+            <a:ahLst/>
+            <a:cxnLst/>
+            <a:rect l="l" t="t" r="r" b="b"/>
             <a:pathLst>
-              <a:path extrusionOk="0" h="120000" w="120000">
+              <a:path w="120000" h="120000" extrusionOk="0">
                 <a:moveTo>
                   <a:pt x="0" y="0"/>
                 </a:moveTo>
@@ -1075,9 +1116,11 @@
       <p:sp>
         <p:nvSpPr>
           <p:cNvPr id="130" name="Google Shape;130;gd9c0e74c4b_0_0:notes"/>
-          <p:cNvSpPr txBox="1"/>
+          <p:cNvSpPr txBox="1">
+            <a:spLocks noGrp="1"/>
+          </p:cNvSpPr>
           <p:nvPr>
-            <p:ph idx="1" type="body"/>
+            <p:ph type="body" idx="1"/>
           </p:nvPr>
         </p:nvSpPr>
         <p:spPr>
@@ -1090,12 +1133,12 @@
           </a:prstGeom>
         </p:spPr>
         <p:txBody>
-          <a:bodyPr anchorCtr="0" anchor="t" bIns="91425" lIns="91425" spcFirstLastPara="1" rIns="91425" wrap="square" tIns="91425">
+          <a:bodyPr spcFirstLastPara="1" wrap="square" lIns="91425" tIns="91425" rIns="91425" bIns="91425" anchor="t" anchorCtr="0">
             <a:noAutofit/>
           </a:bodyPr>
           <a:lstStyle/>
           <a:p>
-            <a:pPr indent="0" lvl="0" marL="0" rtl="0" algn="l">
+            <a:pPr marL="0" lvl="0" indent="0" algn="l" rtl="0">
               <a:spcBef>
                 <a:spcPts val="0"/>
               </a:spcBef>
@@ -1121,11 +1164,11 @@
 </file>
 
 <file path=ppt/notesSlides/notesSlide13.xml><?xml version="1.0" encoding="utf-8"?>
-<p:notes xmlns:a="http://schemas.openxmlformats.org/drawingml/2006/main" xmlns:r="http://schemas.openxmlformats.org/officeDocument/2006/relationships" xmlns:mc="http://schemas.openxmlformats.org/markup-compatibility/2006" xmlns:mv="urn:schemas-microsoft-com:mac:vml" xmlns:p="http://schemas.openxmlformats.org/presentationml/2006/main" xmlns:c="http://schemas.openxmlformats.org/drawingml/2006/chart" xmlns:dgm="http://schemas.openxmlformats.org/drawingml/2006/diagram" xmlns:o="urn:schemas-microsoft-com:office:office" xmlns:v="urn:schemas-microsoft-com:vml" xmlns:pvml="urn:schemas-microsoft-com:office:powerpoint" xmlns:com="http://schemas.openxmlformats.org/drawingml/2006/compatibility" xmlns:p14="http://schemas.microsoft.com/office/powerpoint/2010/main" xmlns:p15="http://schemas.microsoft.com/office/powerpoint/2012/main" xmlns:ahyp="http://schemas.microsoft.com/office/drawing/2018/hyperlinkcolor" showMasterPhAnim="0" showMasterSp="0">
+<p:notes xmlns:a="http://schemas.openxmlformats.org/drawingml/2006/main" xmlns:r="http://schemas.openxmlformats.org/officeDocument/2006/relationships" xmlns:p="http://schemas.openxmlformats.org/presentationml/2006/main" showMasterSp="0" showMasterPhAnim="0">
   <p:cSld>
     <p:spTree>
       <p:nvGrpSpPr>
-        <p:cNvPr id="134" name="Shape 134"/>
+        <p:cNvPr id="1" name="Shape 134"/>
         <p:cNvGrpSpPr/>
         <p:nvPr/>
       </p:nvGrpSpPr>
@@ -1140,9 +1183,11 @@
       <p:sp>
         <p:nvSpPr>
           <p:cNvPr id="135" name="Google Shape;135;gd9c0e74c4b_0_14:notes"/>
-          <p:cNvSpPr/>
+          <p:cNvSpPr>
+            <a:spLocks noGrp="1" noRot="1" noChangeAspect="1"/>
+          </p:cNvSpPr>
           <p:nvPr>
-            <p:ph idx="2" type="sldImg"/>
+            <p:ph type="sldImg" idx="2"/>
           </p:nvPr>
         </p:nvSpPr>
         <p:spPr>
@@ -1151,9 +1196,13 @@
             <a:ext cx="6096000" cy="3429000"/>
           </a:xfrm>
           <a:custGeom>
-            <a:rect b="b" l="l" r="r" t="t"/>
+            <a:avLst/>
+            <a:gdLst/>
+            <a:ahLst/>
+            <a:cxnLst/>
+            <a:rect l="l" t="t" r="r" b="b"/>
             <a:pathLst>
-              <a:path extrusionOk="0" h="120000" w="120000">
+              <a:path w="120000" h="120000" extrusionOk="0">
                 <a:moveTo>
                   <a:pt x="0" y="0"/>
                 </a:moveTo>
@@ -1175,9 +1224,11 @@
       <p:sp>
         <p:nvSpPr>
           <p:cNvPr id="136" name="Google Shape;136;gd9c0e74c4b_0_14:notes"/>
-          <p:cNvSpPr txBox="1"/>
+          <p:cNvSpPr txBox="1">
+            <a:spLocks noGrp="1"/>
+          </p:cNvSpPr>
           <p:nvPr>
-            <p:ph idx="1" type="body"/>
+            <p:ph type="body" idx="1"/>
           </p:nvPr>
         </p:nvSpPr>
         <p:spPr>
@@ -1190,23 +1241,20 @@
           </a:prstGeom>
         </p:spPr>
         <p:txBody>
-          <a:bodyPr anchorCtr="0" anchor="t" bIns="91425" lIns="91425" spcFirstLastPara="1" rIns="91425" wrap="square" tIns="91425">
+          <a:bodyPr spcFirstLastPara="1" wrap="square" lIns="91425" tIns="91425" rIns="91425" bIns="91425" anchor="t" anchorCtr="0">
             <a:noAutofit/>
           </a:bodyPr>
           <a:lstStyle/>
           <a:p>
-            <a:pPr indent="0" lvl="0" marL="0" rtl="0" algn="l">
-              <a:spcBef>
-                <a:spcPts val="0"/>
-              </a:spcBef>
-              <a:spcAft>
-                <a:spcPts val="0"/>
-              </a:spcAft>
-              <a:buNone/>
-            </a:pPr>
-            <a:r>
-              <a:t/>
-            </a:r>
+            <a:pPr marL="0" lvl="0" indent="0" algn="l" rtl="0">
+              <a:spcBef>
+                <a:spcPts val="0"/>
+              </a:spcBef>
+              <a:spcAft>
+                <a:spcPts val="0"/>
+              </a:spcAft>
+              <a:buNone/>
+            </a:pPr>
             <a:endParaRPr/>
           </a:p>
         </p:txBody>
@@ -1220,11 +1268,11 @@
 </file>
 
 <file path=ppt/notesSlides/notesSlide14.xml><?xml version="1.0" encoding="utf-8"?>
-<p:notes xmlns:a="http://schemas.openxmlformats.org/drawingml/2006/main" xmlns:r="http://schemas.openxmlformats.org/officeDocument/2006/relationships" xmlns:mc="http://schemas.openxmlformats.org/markup-compatibility/2006" xmlns:mv="urn:schemas-microsoft-com:mac:vml" xmlns:p="http://schemas.openxmlformats.org/presentationml/2006/main" xmlns:c="http://schemas.openxmlformats.org/drawingml/2006/chart" xmlns:dgm="http://schemas.openxmlformats.org/drawingml/2006/diagram" xmlns:o="urn:schemas-microsoft-com:office:office" xmlns:v="urn:schemas-microsoft-com:vml" xmlns:pvml="urn:schemas-microsoft-com:office:powerpoint" xmlns:com="http://schemas.openxmlformats.org/drawingml/2006/compatibility" xmlns:p14="http://schemas.microsoft.com/office/powerpoint/2010/main" xmlns:p15="http://schemas.microsoft.com/office/powerpoint/2012/main" xmlns:ahyp="http://schemas.microsoft.com/office/drawing/2018/hyperlinkcolor" showMasterPhAnim="0" showMasterSp="0">
+<p:notes xmlns:a="http://schemas.openxmlformats.org/drawingml/2006/main" xmlns:r="http://schemas.openxmlformats.org/officeDocument/2006/relationships" xmlns:p="http://schemas.openxmlformats.org/presentationml/2006/main" showMasterSp="0" showMasterPhAnim="0">
   <p:cSld>
     <p:spTree>
       <p:nvGrpSpPr>
-        <p:cNvPr id="141" name="Shape 141"/>
+        <p:cNvPr id="1" name="Shape 141"/>
         <p:cNvGrpSpPr/>
         <p:nvPr/>
       </p:nvGrpSpPr>
@@ -1239,9 +1287,11 @@
       <p:sp>
         <p:nvSpPr>
           <p:cNvPr id="142" name="Google Shape;142;gd9c0e74c4b_0_7:notes"/>
-          <p:cNvSpPr/>
+          <p:cNvSpPr>
+            <a:spLocks noGrp="1" noRot="1" noChangeAspect="1"/>
+          </p:cNvSpPr>
           <p:nvPr>
-            <p:ph idx="2" type="sldImg"/>
+            <p:ph type="sldImg" idx="2"/>
           </p:nvPr>
         </p:nvSpPr>
         <p:spPr>
@@ -1250,9 +1300,13 @@
             <a:ext cx="6096000" cy="3429000"/>
           </a:xfrm>
           <a:custGeom>
-            <a:rect b="b" l="l" r="r" t="t"/>
+            <a:avLst/>
+            <a:gdLst/>
+            <a:ahLst/>
+            <a:cxnLst/>
+            <a:rect l="l" t="t" r="r" b="b"/>
             <a:pathLst>
-              <a:path extrusionOk="0" h="120000" w="120000">
+              <a:path w="120000" h="120000" extrusionOk="0">
                 <a:moveTo>
                   <a:pt x="0" y="0"/>
                 </a:moveTo>
@@ -1274,9 +1328,11 @@
       <p:sp>
         <p:nvSpPr>
           <p:cNvPr id="143" name="Google Shape;143;gd9c0e74c4b_0_7:notes"/>
-          <p:cNvSpPr txBox="1"/>
+          <p:cNvSpPr txBox="1">
+            <a:spLocks noGrp="1"/>
+          </p:cNvSpPr>
           <p:nvPr>
-            <p:ph idx="1" type="body"/>
+            <p:ph type="body" idx="1"/>
           </p:nvPr>
         </p:nvSpPr>
         <p:spPr>
@@ -1289,12 +1345,12 @@
           </a:prstGeom>
         </p:spPr>
         <p:txBody>
-          <a:bodyPr anchorCtr="0" anchor="t" bIns="91425" lIns="91425" spcFirstLastPara="1" rIns="91425" wrap="square" tIns="91425">
+          <a:bodyPr spcFirstLastPara="1" wrap="square" lIns="91425" tIns="91425" rIns="91425" bIns="91425" anchor="t" anchorCtr="0">
             <a:noAutofit/>
           </a:bodyPr>
           <a:lstStyle/>
           <a:p>
-            <a:pPr indent="0" lvl="0" marL="0" rtl="0" algn="l">
+            <a:pPr marL="0" lvl="0" indent="0" algn="l" rtl="0">
               <a:spcBef>
                 <a:spcPts val="0"/>
               </a:spcBef>
@@ -1320,11 +1376,11 @@
 </file>
 
 <file path=ppt/notesSlides/notesSlide15.xml><?xml version="1.0" encoding="utf-8"?>
-<p:notes xmlns:a="http://schemas.openxmlformats.org/drawingml/2006/main" xmlns:r="http://schemas.openxmlformats.org/officeDocument/2006/relationships" xmlns:mc="http://schemas.openxmlformats.org/markup-compatibility/2006" xmlns:mv="urn:schemas-microsoft-com:mac:vml" xmlns:p="http://schemas.openxmlformats.org/presentationml/2006/main" xmlns:c="http://schemas.openxmlformats.org/drawingml/2006/chart" xmlns:dgm="http://schemas.openxmlformats.org/drawingml/2006/diagram" xmlns:o="urn:schemas-microsoft-com:office:office" xmlns:v="urn:schemas-microsoft-com:vml" xmlns:pvml="urn:schemas-microsoft-com:office:powerpoint" xmlns:com="http://schemas.openxmlformats.org/drawingml/2006/compatibility" xmlns:p14="http://schemas.microsoft.com/office/powerpoint/2010/main" xmlns:p15="http://schemas.microsoft.com/office/powerpoint/2012/main" xmlns:ahyp="http://schemas.microsoft.com/office/drawing/2018/hyperlinkcolor" showMasterPhAnim="0" showMasterSp="0">
+<p:notes xmlns:a="http://schemas.openxmlformats.org/drawingml/2006/main" xmlns:r="http://schemas.openxmlformats.org/officeDocument/2006/relationships" xmlns:p="http://schemas.openxmlformats.org/presentationml/2006/main" showMasterSp="0" showMasterPhAnim="0">
   <p:cSld>
     <p:spTree>
       <p:nvGrpSpPr>
-        <p:cNvPr id="147" name="Shape 147"/>
+        <p:cNvPr id="1" name="Shape 147"/>
         <p:cNvGrpSpPr/>
         <p:nvPr/>
       </p:nvGrpSpPr>
@@ -1339,9 +1395,11 @@
       <p:sp>
         <p:nvSpPr>
           <p:cNvPr id="148" name="Google Shape;148;gd9c0e74c4b_0_34:notes"/>
-          <p:cNvSpPr/>
+          <p:cNvSpPr>
+            <a:spLocks noGrp="1" noRot="1" noChangeAspect="1"/>
+          </p:cNvSpPr>
           <p:nvPr>
-            <p:ph idx="2" type="sldImg"/>
+            <p:ph type="sldImg" idx="2"/>
           </p:nvPr>
         </p:nvSpPr>
         <p:spPr>
@@ -1350,9 +1408,13 @@
             <a:ext cx="6096000" cy="3429000"/>
           </a:xfrm>
           <a:custGeom>
-            <a:rect b="b" l="l" r="r" t="t"/>
+            <a:avLst/>
+            <a:gdLst/>
+            <a:ahLst/>
+            <a:cxnLst/>
+            <a:rect l="l" t="t" r="r" b="b"/>
             <a:pathLst>
-              <a:path extrusionOk="0" h="120000" w="120000">
+              <a:path w="120000" h="120000" extrusionOk="0">
                 <a:moveTo>
                   <a:pt x="0" y="0"/>
                 </a:moveTo>
@@ -1374,9 +1436,11 @@
       <p:sp>
         <p:nvSpPr>
           <p:cNvPr id="149" name="Google Shape;149;gd9c0e74c4b_0_34:notes"/>
-          <p:cNvSpPr txBox="1"/>
+          <p:cNvSpPr txBox="1">
+            <a:spLocks noGrp="1"/>
+          </p:cNvSpPr>
           <p:nvPr>
-            <p:ph idx="1" type="body"/>
+            <p:ph type="body" idx="1"/>
           </p:nvPr>
         </p:nvSpPr>
         <p:spPr>
@@ -1389,23 +1453,20 @@
           </a:prstGeom>
         </p:spPr>
         <p:txBody>
-          <a:bodyPr anchorCtr="0" anchor="t" bIns="91425" lIns="91425" spcFirstLastPara="1" rIns="91425" wrap="square" tIns="91425">
+          <a:bodyPr spcFirstLastPara="1" wrap="square" lIns="91425" tIns="91425" rIns="91425" bIns="91425" anchor="t" anchorCtr="0">
             <a:noAutofit/>
           </a:bodyPr>
           <a:lstStyle/>
           <a:p>
-            <a:pPr indent="0" lvl="0" marL="0" rtl="0" algn="l">
-              <a:spcBef>
-                <a:spcPts val="0"/>
-              </a:spcBef>
-              <a:spcAft>
-                <a:spcPts val="0"/>
-              </a:spcAft>
-              <a:buNone/>
-            </a:pPr>
-            <a:r>
-              <a:t/>
-            </a:r>
+            <a:pPr marL="0" lvl="0" indent="0" algn="l" rtl="0">
+              <a:spcBef>
+                <a:spcPts val="0"/>
+              </a:spcBef>
+              <a:spcAft>
+                <a:spcPts val="0"/>
+              </a:spcAft>
+              <a:buNone/>
+            </a:pPr>
             <a:endParaRPr/>
           </a:p>
         </p:txBody>
@@ -1419,11 +1480,11 @@
 </file>
 
 <file path=ppt/notesSlides/notesSlide16.xml><?xml version="1.0" encoding="utf-8"?>
-<p:notes xmlns:a="http://schemas.openxmlformats.org/drawingml/2006/main" xmlns:r="http://schemas.openxmlformats.org/officeDocument/2006/relationships" xmlns:mc="http://schemas.openxmlformats.org/markup-compatibility/2006" xmlns:mv="urn:schemas-microsoft-com:mac:vml" xmlns:p="http://schemas.openxmlformats.org/presentationml/2006/main" xmlns:c="http://schemas.openxmlformats.org/drawingml/2006/chart" xmlns:dgm="http://schemas.openxmlformats.org/drawingml/2006/diagram" xmlns:o="urn:schemas-microsoft-com:office:office" xmlns:v="urn:schemas-microsoft-com:vml" xmlns:pvml="urn:schemas-microsoft-com:office:powerpoint" xmlns:com="http://schemas.openxmlformats.org/drawingml/2006/compatibility" xmlns:p14="http://schemas.microsoft.com/office/powerpoint/2010/main" xmlns:p15="http://schemas.microsoft.com/office/powerpoint/2012/main" xmlns:ahyp="http://schemas.microsoft.com/office/drawing/2018/hyperlinkcolor" showMasterPhAnim="0" showMasterSp="0">
+<p:notes xmlns:a="http://schemas.openxmlformats.org/drawingml/2006/main" xmlns:r="http://schemas.openxmlformats.org/officeDocument/2006/relationships" xmlns:p="http://schemas.openxmlformats.org/presentationml/2006/main" showMasterSp="0" showMasterPhAnim="0">
   <p:cSld>
     <p:spTree>
       <p:nvGrpSpPr>
-        <p:cNvPr id="153" name="Shape 153"/>
+        <p:cNvPr id="1" name="Shape 153"/>
         <p:cNvGrpSpPr/>
         <p:nvPr/>
       </p:nvGrpSpPr>
@@ -1438,9 +1499,11 @@
       <p:sp>
         <p:nvSpPr>
           <p:cNvPr id="154" name="Google Shape;154;gd9c0e74c4b_0_39:notes"/>
-          <p:cNvSpPr/>
+          <p:cNvSpPr>
+            <a:spLocks noGrp="1" noRot="1" noChangeAspect="1"/>
+          </p:cNvSpPr>
           <p:nvPr>
-            <p:ph idx="2" type="sldImg"/>
+            <p:ph type="sldImg" idx="2"/>
           </p:nvPr>
         </p:nvSpPr>
         <p:spPr>
@@ -1449,9 +1512,13 @@
             <a:ext cx="6096000" cy="3429000"/>
           </a:xfrm>
           <a:custGeom>
-            <a:rect b="b" l="l" r="r" t="t"/>
+            <a:avLst/>
+            <a:gdLst/>
+            <a:ahLst/>
+            <a:cxnLst/>
+            <a:rect l="l" t="t" r="r" b="b"/>
             <a:pathLst>
-              <a:path extrusionOk="0" h="120000" w="120000">
+              <a:path w="120000" h="120000" extrusionOk="0">
                 <a:moveTo>
                   <a:pt x="0" y="0"/>
                 </a:moveTo>
@@ -1473,9 +1540,11 @@
       <p:sp>
         <p:nvSpPr>
           <p:cNvPr id="155" name="Google Shape;155;gd9c0e74c4b_0_39:notes"/>
-          <p:cNvSpPr txBox="1"/>
+          <p:cNvSpPr txBox="1">
+            <a:spLocks noGrp="1"/>
+          </p:cNvSpPr>
           <p:nvPr>
-            <p:ph idx="1" type="body"/>
+            <p:ph type="body" idx="1"/>
           </p:nvPr>
         </p:nvSpPr>
         <p:spPr>
@@ -1488,23 +1557,20 @@
           </a:prstGeom>
         </p:spPr>
         <p:txBody>
-          <a:bodyPr anchorCtr="0" anchor="t" bIns="91425" lIns="91425" spcFirstLastPara="1" rIns="91425" wrap="square" tIns="91425">
+          <a:bodyPr spcFirstLastPara="1" wrap="square" lIns="91425" tIns="91425" rIns="91425" bIns="91425" anchor="t" anchorCtr="0">
             <a:noAutofit/>
           </a:bodyPr>
           <a:lstStyle/>
           <a:p>
-            <a:pPr indent="0" lvl="0" marL="0" rtl="0" algn="l">
-              <a:spcBef>
-                <a:spcPts val="0"/>
-              </a:spcBef>
-              <a:spcAft>
-                <a:spcPts val="0"/>
-              </a:spcAft>
-              <a:buNone/>
-            </a:pPr>
-            <a:r>
-              <a:t/>
-            </a:r>
+            <a:pPr marL="0" lvl="0" indent="0" algn="l" rtl="0">
+              <a:spcBef>
+                <a:spcPts val="0"/>
+              </a:spcBef>
+              <a:spcAft>
+                <a:spcPts val="0"/>
+              </a:spcAft>
+              <a:buNone/>
+            </a:pPr>
             <a:endParaRPr/>
           </a:p>
         </p:txBody>
@@ -1518,11 +1584,11 @@
 </file>
 
 <file path=ppt/notesSlides/notesSlide17.xml><?xml version="1.0" encoding="utf-8"?>
-<p:notes xmlns:a="http://schemas.openxmlformats.org/drawingml/2006/main" xmlns:r="http://schemas.openxmlformats.org/officeDocument/2006/relationships" xmlns:mc="http://schemas.openxmlformats.org/markup-compatibility/2006" xmlns:mv="urn:schemas-microsoft-com:mac:vml" xmlns:p="http://schemas.openxmlformats.org/presentationml/2006/main" xmlns:c="http://schemas.openxmlformats.org/drawingml/2006/chart" xmlns:dgm="http://schemas.openxmlformats.org/drawingml/2006/diagram" xmlns:o="urn:schemas-microsoft-com:office:office" xmlns:v="urn:schemas-microsoft-com:vml" xmlns:pvml="urn:schemas-microsoft-com:office:powerpoint" xmlns:com="http://schemas.openxmlformats.org/drawingml/2006/compatibility" xmlns:p14="http://schemas.microsoft.com/office/powerpoint/2010/main" xmlns:p15="http://schemas.microsoft.com/office/powerpoint/2012/main" xmlns:ahyp="http://schemas.microsoft.com/office/drawing/2018/hyperlinkcolor" showMasterPhAnim="0" showMasterSp="0">
+<p:notes xmlns:a="http://schemas.openxmlformats.org/drawingml/2006/main" xmlns:r="http://schemas.openxmlformats.org/officeDocument/2006/relationships" xmlns:p="http://schemas.openxmlformats.org/presentationml/2006/main" showMasterSp="0" showMasterPhAnim="0">
   <p:cSld>
     <p:spTree>
       <p:nvGrpSpPr>
-        <p:cNvPr id="159" name="Shape 159"/>
+        <p:cNvPr id="1" name="Shape 159"/>
         <p:cNvGrpSpPr/>
         <p:nvPr/>
       </p:nvGrpSpPr>
@@ -1537,9 +1603,11 @@
       <p:sp>
         <p:nvSpPr>
           <p:cNvPr id="160" name="Google Shape;160;gd8fcba4f50_0_11:notes"/>
-          <p:cNvSpPr/>
+          <p:cNvSpPr>
+            <a:spLocks noGrp="1" noRot="1" noChangeAspect="1"/>
+          </p:cNvSpPr>
           <p:nvPr>
-            <p:ph idx="2" type="sldImg"/>
+            <p:ph type="sldImg" idx="2"/>
           </p:nvPr>
         </p:nvSpPr>
         <p:spPr>
@@ -1548,9 +1616,13 @@
             <a:ext cx="6096000" cy="3429000"/>
           </a:xfrm>
           <a:custGeom>
-            <a:rect b="b" l="l" r="r" t="t"/>
+            <a:avLst/>
+            <a:gdLst/>
+            <a:ahLst/>
+            <a:cxnLst/>
+            <a:rect l="l" t="t" r="r" b="b"/>
             <a:pathLst>
-              <a:path extrusionOk="0" h="120000" w="120000">
+              <a:path w="120000" h="120000" extrusionOk="0">
                 <a:moveTo>
                   <a:pt x="0" y="0"/>
                 </a:moveTo>
@@ -1572,9 +1644,11 @@
       <p:sp>
         <p:nvSpPr>
           <p:cNvPr id="161" name="Google Shape;161;gd8fcba4f50_0_11:notes"/>
-          <p:cNvSpPr txBox="1"/>
+          <p:cNvSpPr txBox="1">
+            <a:spLocks noGrp="1"/>
+          </p:cNvSpPr>
           <p:nvPr>
-            <p:ph idx="1" type="body"/>
+            <p:ph type="body" idx="1"/>
           </p:nvPr>
         </p:nvSpPr>
         <p:spPr>
@@ -1587,12 +1661,12 @@
           </a:prstGeom>
         </p:spPr>
         <p:txBody>
-          <a:bodyPr anchorCtr="0" anchor="t" bIns="91425" lIns="91425" spcFirstLastPara="1" rIns="91425" wrap="square" tIns="91425">
+          <a:bodyPr spcFirstLastPara="1" wrap="square" lIns="91425" tIns="91425" rIns="91425" bIns="91425" anchor="t" anchorCtr="0">
             <a:noAutofit/>
           </a:bodyPr>
           <a:lstStyle/>
           <a:p>
-            <a:pPr indent="0" lvl="0" marL="0" rtl="0" algn="l">
+            <a:pPr marL="0" lvl="0" indent="0" algn="l" rtl="0">
               <a:spcBef>
                 <a:spcPts val="0"/>
               </a:spcBef>
@@ -1618,11 +1692,11 @@
 </file>
 
 <file path=ppt/notesSlides/notesSlide18.xml><?xml version="1.0" encoding="utf-8"?>
-<p:notes xmlns:a="http://schemas.openxmlformats.org/drawingml/2006/main" xmlns:r="http://schemas.openxmlformats.org/officeDocument/2006/relationships" xmlns:mc="http://schemas.openxmlformats.org/markup-compatibility/2006" xmlns:mv="urn:schemas-microsoft-com:mac:vml" xmlns:p="http://schemas.openxmlformats.org/presentationml/2006/main" xmlns:c="http://schemas.openxmlformats.org/drawingml/2006/chart" xmlns:dgm="http://schemas.openxmlformats.org/drawingml/2006/diagram" xmlns:o="urn:schemas-microsoft-com:office:office" xmlns:v="urn:schemas-microsoft-com:vml" xmlns:pvml="urn:schemas-microsoft-com:office:powerpoint" xmlns:com="http://schemas.openxmlformats.org/drawingml/2006/compatibility" xmlns:p14="http://schemas.microsoft.com/office/powerpoint/2010/main" xmlns:p15="http://schemas.microsoft.com/office/powerpoint/2012/main" xmlns:ahyp="http://schemas.microsoft.com/office/drawing/2018/hyperlinkcolor" showMasterPhAnim="0" showMasterSp="0">
+<p:notes xmlns:a="http://schemas.openxmlformats.org/drawingml/2006/main" xmlns:r="http://schemas.openxmlformats.org/officeDocument/2006/relationships" xmlns:p="http://schemas.openxmlformats.org/presentationml/2006/main" showMasterSp="0" showMasterPhAnim="0">
   <p:cSld>
     <p:spTree>
       <p:nvGrpSpPr>
-        <p:cNvPr id="165" name="Shape 165"/>
+        <p:cNvPr id="1" name="Shape 165"/>
         <p:cNvGrpSpPr/>
         <p:nvPr/>
       </p:nvGrpSpPr>
@@ -1637,9 +1711,11 @@
       <p:sp>
         <p:nvSpPr>
           <p:cNvPr id="166" name="Google Shape;166;gd8fcba4f50_0_0:notes"/>
-          <p:cNvSpPr/>
+          <p:cNvSpPr>
+            <a:spLocks noGrp="1" noRot="1" noChangeAspect="1"/>
+          </p:cNvSpPr>
           <p:nvPr>
-            <p:ph idx="2" type="sldImg"/>
+            <p:ph type="sldImg" idx="2"/>
           </p:nvPr>
         </p:nvSpPr>
         <p:spPr>
@@ -1648,9 +1724,13 @@
             <a:ext cx="6096000" cy="3429000"/>
           </a:xfrm>
           <a:custGeom>
-            <a:rect b="b" l="l" r="r" t="t"/>
+            <a:avLst/>
+            <a:gdLst/>
+            <a:ahLst/>
+            <a:cxnLst/>
+            <a:rect l="l" t="t" r="r" b="b"/>
             <a:pathLst>
-              <a:path extrusionOk="0" h="120000" w="120000">
+              <a:path w="120000" h="120000" extrusionOk="0">
                 <a:moveTo>
                   <a:pt x="0" y="0"/>
                 </a:moveTo>
@@ -1672,9 +1752,11 @@
       <p:sp>
         <p:nvSpPr>
           <p:cNvPr id="167" name="Google Shape;167;gd8fcba4f50_0_0:notes"/>
-          <p:cNvSpPr txBox="1"/>
+          <p:cNvSpPr txBox="1">
+            <a:spLocks noGrp="1"/>
+          </p:cNvSpPr>
           <p:nvPr>
-            <p:ph idx="1" type="body"/>
+            <p:ph type="body" idx="1"/>
           </p:nvPr>
         </p:nvSpPr>
         <p:spPr>
@@ -1687,12 +1769,12 @@
           </a:prstGeom>
         </p:spPr>
         <p:txBody>
-          <a:bodyPr anchorCtr="0" anchor="t" bIns="91425" lIns="91425" spcFirstLastPara="1" rIns="91425" wrap="square" tIns="91425">
+          <a:bodyPr spcFirstLastPara="1" wrap="square" lIns="91425" tIns="91425" rIns="91425" bIns="91425" anchor="t" anchorCtr="0">
             <a:noAutofit/>
           </a:bodyPr>
           <a:lstStyle/>
           <a:p>
-            <a:pPr indent="0" lvl="0" marL="0" rtl="0" algn="l">
+            <a:pPr marL="0" lvl="0" indent="0" algn="l" rtl="0">
               <a:spcBef>
                 <a:spcPts val="0"/>
               </a:spcBef>
@@ -1718,11 +1800,11 @@
 </file>
 
 <file path=ppt/notesSlides/notesSlide19.xml><?xml version="1.0" encoding="utf-8"?>
-<p:notes xmlns:a="http://schemas.openxmlformats.org/drawingml/2006/main" xmlns:r="http://schemas.openxmlformats.org/officeDocument/2006/relationships" xmlns:mc="http://schemas.openxmlformats.org/markup-compatibility/2006" xmlns:mv="urn:schemas-microsoft-com:mac:vml" xmlns:p="http://schemas.openxmlformats.org/presentationml/2006/main" xmlns:c="http://schemas.openxmlformats.org/drawingml/2006/chart" xmlns:dgm="http://schemas.openxmlformats.org/drawingml/2006/diagram" xmlns:o="urn:schemas-microsoft-com:office:office" xmlns:v="urn:schemas-microsoft-com:vml" xmlns:pvml="urn:schemas-microsoft-com:office:powerpoint" xmlns:com="http://schemas.openxmlformats.org/drawingml/2006/compatibility" xmlns:p14="http://schemas.microsoft.com/office/powerpoint/2010/main" xmlns:p15="http://schemas.microsoft.com/office/powerpoint/2012/main" xmlns:ahyp="http://schemas.microsoft.com/office/drawing/2018/hyperlinkcolor" showMasterPhAnim="0" showMasterSp="0">
+<p:notes xmlns:a="http://schemas.openxmlformats.org/drawingml/2006/main" xmlns:r="http://schemas.openxmlformats.org/officeDocument/2006/relationships" xmlns:p="http://schemas.openxmlformats.org/presentationml/2006/main" showMasterSp="0" showMasterPhAnim="0">
   <p:cSld>
     <p:spTree>
       <p:nvGrpSpPr>
-        <p:cNvPr id="171" name="Shape 171"/>
+        <p:cNvPr id="1" name="Shape 171"/>
         <p:cNvGrpSpPr/>
         <p:nvPr/>
       </p:nvGrpSpPr>
@@ -1737,9 +1819,11 @@
       <p:sp>
         <p:nvSpPr>
           <p:cNvPr id="172" name="Google Shape;172;gc9bd2ae073_0_21:notes"/>
-          <p:cNvSpPr/>
+          <p:cNvSpPr>
+            <a:spLocks noGrp="1" noRot="1" noChangeAspect="1"/>
+          </p:cNvSpPr>
           <p:nvPr>
-            <p:ph idx="2" type="sldImg"/>
+            <p:ph type="sldImg" idx="2"/>
           </p:nvPr>
         </p:nvSpPr>
         <p:spPr>
@@ -1748,9 +1832,13 @@
             <a:ext cx="6096000" cy="3429000"/>
           </a:xfrm>
           <a:custGeom>
-            <a:rect b="b" l="l" r="r" t="t"/>
+            <a:avLst/>
+            <a:gdLst/>
+            <a:ahLst/>
+            <a:cxnLst/>
+            <a:rect l="l" t="t" r="r" b="b"/>
             <a:pathLst>
-              <a:path extrusionOk="0" h="120000" w="120000">
+              <a:path w="120000" h="120000" extrusionOk="0">
                 <a:moveTo>
                   <a:pt x="0" y="0"/>
                 </a:moveTo>
@@ -1772,9 +1860,11 @@
       <p:sp>
         <p:nvSpPr>
           <p:cNvPr id="173" name="Google Shape;173;gc9bd2ae073_0_21:notes"/>
-          <p:cNvSpPr txBox="1"/>
+          <p:cNvSpPr txBox="1">
+            <a:spLocks noGrp="1"/>
+          </p:cNvSpPr>
           <p:nvPr>
-            <p:ph idx="1" type="body"/>
+            <p:ph type="body" idx="1"/>
           </p:nvPr>
         </p:nvSpPr>
         <p:spPr>
@@ -1787,12 +1877,12 @@
           </a:prstGeom>
         </p:spPr>
         <p:txBody>
-          <a:bodyPr anchorCtr="0" anchor="t" bIns="91425" lIns="91425" spcFirstLastPara="1" rIns="91425" wrap="square" tIns="91425">
+          <a:bodyPr spcFirstLastPara="1" wrap="square" lIns="91425" tIns="91425" rIns="91425" bIns="91425" anchor="t" anchorCtr="0">
             <a:noAutofit/>
           </a:bodyPr>
           <a:lstStyle/>
           <a:p>
-            <a:pPr indent="0" lvl="0" marL="0" rtl="0" algn="l">
+            <a:pPr marL="0" lvl="0" indent="0" algn="l" rtl="0">
               <a:spcBef>
                 <a:spcPts val="0"/>
               </a:spcBef>
@@ -1818,11 +1908,11 @@
 </file>
 
 <file path=ppt/notesSlides/notesSlide2.xml><?xml version="1.0" encoding="utf-8"?>
-<p:notes xmlns:a="http://schemas.openxmlformats.org/drawingml/2006/main" xmlns:r="http://schemas.openxmlformats.org/officeDocument/2006/relationships" xmlns:mc="http://schemas.openxmlformats.org/markup-compatibility/2006" xmlns:mv="urn:schemas-microsoft-com:mac:vml" xmlns:p="http://schemas.openxmlformats.org/presentationml/2006/main" xmlns:c="http://schemas.openxmlformats.org/drawingml/2006/chart" xmlns:dgm="http://schemas.openxmlformats.org/drawingml/2006/diagram" xmlns:o="urn:schemas-microsoft-com:office:office" xmlns:v="urn:schemas-microsoft-com:vml" xmlns:pvml="urn:schemas-microsoft-com:office:powerpoint" xmlns:com="http://schemas.openxmlformats.org/drawingml/2006/compatibility" xmlns:p14="http://schemas.microsoft.com/office/powerpoint/2010/main" xmlns:p15="http://schemas.microsoft.com/office/powerpoint/2012/main" xmlns:ahyp="http://schemas.microsoft.com/office/drawing/2018/hyperlinkcolor" showMasterPhAnim="0" showMasterSp="0">
+<p:notes xmlns:a="http://schemas.openxmlformats.org/drawingml/2006/main" xmlns:r="http://schemas.openxmlformats.org/officeDocument/2006/relationships" xmlns:p="http://schemas.openxmlformats.org/presentationml/2006/main" showMasterSp="0" showMasterPhAnim="0">
   <p:cSld>
     <p:spTree>
       <p:nvGrpSpPr>
-        <p:cNvPr id="65" name="Shape 65"/>
+        <p:cNvPr id="1" name="Shape 65"/>
         <p:cNvGrpSpPr/>
         <p:nvPr/>
       </p:nvGrpSpPr>
@@ -1837,9 +1927,11 @@
       <p:sp>
         <p:nvSpPr>
           <p:cNvPr id="66" name="Google Shape;66;gc9bd2ae073_0_0:notes"/>
-          <p:cNvSpPr/>
+          <p:cNvSpPr>
+            <a:spLocks noGrp="1" noRot="1" noChangeAspect="1"/>
+          </p:cNvSpPr>
           <p:nvPr>
-            <p:ph idx="2" type="sldImg"/>
+            <p:ph type="sldImg" idx="2"/>
           </p:nvPr>
         </p:nvSpPr>
         <p:spPr>
@@ -1848,9 +1940,13 @@
             <a:ext cx="6096000" cy="3429000"/>
           </a:xfrm>
           <a:custGeom>
-            <a:rect b="b" l="l" r="r" t="t"/>
+            <a:avLst/>
+            <a:gdLst/>
+            <a:ahLst/>
+            <a:cxnLst/>
+            <a:rect l="l" t="t" r="r" b="b"/>
             <a:pathLst>
-              <a:path extrusionOk="0" h="120000" w="120000">
+              <a:path w="120000" h="120000" extrusionOk="0">
                 <a:moveTo>
                   <a:pt x="0" y="0"/>
                 </a:moveTo>
@@ -1872,9 +1968,11 @@
       <p:sp>
         <p:nvSpPr>
           <p:cNvPr id="67" name="Google Shape;67;gc9bd2ae073_0_0:notes"/>
-          <p:cNvSpPr txBox="1"/>
+          <p:cNvSpPr txBox="1">
+            <a:spLocks noGrp="1"/>
+          </p:cNvSpPr>
           <p:nvPr>
-            <p:ph idx="1" type="body"/>
+            <p:ph type="body" idx="1"/>
           </p:nvPr>
         </p:nvSpPr>
         <p:spPr>
@@ -1887,23 +1985,20 @@
           </a:prstGeom>
         </p:spPr>
         <p:txBody>
-          <a:bodyPr anchorCtr="0" anchor="t" bIns="91425" lIns="91425" spcFirstLastPara="1" rIns="91425" wrap="square" tIns="91425">
+          <a:bodyPr spcFirstLastPara="1" wrap="square" lIns="91425" tIns="91425" rIns="91425" bIns="91425" anchor="t" anchorCtr="0">
             <a:noAutofit/>
           </a:bodyPr>
           <a:lstStyle/>
           <a:p>
-            <a:pPr indent="0" lvl="0" marL="0" rtl="0" algn="l">
-              <a:spcBef>
-                <a:spcPts val="0"/>
-              </a:spcBef>
-              <a:spcAft>
-                <a:spcPts val="0"/>
-              </a:spcAft>
-              <a:buNone/>
-            </a:pPr>
-            <a:r>
-              <a:t/>
-            </a:r>
+            <a:pPr marL="0" lvl="0" indent="0" algn="l" rtl="0">
+              <a:spcBef>
+                <a:spcPts val="0"/>
+              </a:spcBef>
+              <a:spcAft>
+                <a:spcPts val="0"/>
+              </a:spcAft>
+              <a:buNone/>
+            </a:pPr>
             <a:endParaRPr/>
           </a:p>
         </p:txBody>
@@ -1917,11 +2012,11 @@
 </file>
 
 <file path=ppt/notesSlides/notesSlide20.xml><?xml version="1.0" encoding="utf-8"?>
-<p:notes xmlns:a="http://schemas.openxmlformats.org/drawingml/2006/main" xmlns:r="http://schemas.openxmlformats.org/officeDocument/2006/relationships" xmlns:mc="http://schemas.openxmlformats.org/markup-compatibility/2006" xmlns:mv="urn:schemas-microsoft-com:mac:vml" xmlns:p="http://schemas.openxmlformats.org/presentationml/2006/main" xmlns:c="http://schemas.openxmlformats.org/drawingml/2006/chart" xmlns:dgm="http://schemas.openxmlformats.org/drawingml/2006/diagram" xmlns:o="urn:schemas-microsoft-com:office:office" xmlns:v="urn:schemas-microsoft-com:vml" xmlns:pvml="urn:schemas-microsoft-com:office:powerpoint" xmlns:com="http://schemas.openxmlformats.org/drawingml/2006/compatibility" xmlns:p14="http://schemas.microsoft.com/office/powerpoint/2010/main" xmlns:p15="http://schemas.microsoft.com/office/powerpoint/2012/main" xmlns:ahyp="http://schemas.microsoft.com/office/drawing/2018/hyperlinkcolor" showMasterPhAnim="0" showMasterSp="0">
+<p:notes xmlns:a="http://schemas.openxmlformats.org/drawingml/2006/main" xmlns:r="http://schemas.openxmlformats.org/officeDocument/2006/relationships" xmlns:p="http://schemas.openxmlformats.org/presentationml/2006/main" showMasterSp="0" showMasterPhAnim="0">
   <p:cSld>
     <p:spTree>
       <p:nvGrpSpPr>
-        <p:cNvPr id="178" name="Shape 178"/>
+        <p:cNvPr id="1" name="Shape 178"/>
         <p:cNvGrpSpPr/>
         <p:nvPr/>
       </p:nvGrpSpPr>
@@ -1936,20 +2031,26 @@
       <p:sp>
         <p:nvSpPr>
           <p:cNvPr id="179" name="Google Shape;179;gd8fcba4f50_0_17:notes"/>
-          <p:cNvSpPr/>
+          <p:cNvSpPr>
+            <a:spLocks noGrp="1" noRot="1" noChangeAspect="1"/>
+          </p:cNvSpPr>
           <p:nvPr>
-            <p:ph idx="2" type="sldImg"/>
+            <p:ph type="sldImg" idx="2"/>
           </p:nvPr>
         </p:nvSpPr>
         <p:spPr>
           <a:xfrm>
-            <a:off x="381300" y="685800"/>
+            <a:off x="381000" y="685800"/>
             <a:ext cx="6096000" cy="3429000"/>
           </a:xfrm>
           <a:custGeom>
-            <a:rect b="b" l="l" r="r" t="t"/>
+            <a:avLst/>
+            <a:gdLst/>
+            <a:ahLst/>
+            <a:cxnLst/>
+            <a:rect l="l" t="t" r="r" b="b"/>
             <a:pathLst>
-              <a:path extrusionOk="0" h="120000" w="120000">
+              <a:path w="120000" h="120000" extrusionOk="0">
                 <a:moveTo>
                   <a:pt x="0" y="0"/>
                 </a:moveTo>
@@ -1971,9 +2072,11 @@
       <p:sp>
         <p:nvSpPr>
           <p:cNvPr id="180" name="Google Shape;180;gd8fcba4f50_0_17:notes"/>
-          <p:cNvSpPr txBox="1"/>
+          <p:cNvSpPr txBox="1">
+            <a:spLocks noGrp="1"/>
+          </p:cNvSpPr>
           <p:nvPr>
-            <p:ph idx="1" type="body"/>
+            <p:ph type="body" idx="1"/>
           </p:nvPr>
         </p:nvSpPr>
         <p:spPr>
@@ -1986,25 +2089,25 @@
           </a:prstGeom>
         </p:spPr>
         <p:txBody>
-          <a:bodyPr anchorCtr="0" anchor="t" bIns="91425" lIns="91425" spcFirstLastPara="1" rIns="91425" wrap="square" tIns="91425">
+          <a:bodyPr spcFirstLastPara="1" wrap="square" lIns="91425" tIns="91425" rIns="91425" bIns="91425" anchor="t" anchorCtr="0">
             <a:noAutofit/>
           </a:bodyPr>
           <a:lstStyle/>
           <a:p>
-            <a:pPr indent="0" lvl="0" marL="0" rtl="0" algn="l">
-              <a:spcBef>
-                <a:spcPts val="0"/>
-              </a:spcBef>
-              <a:spcAft>
-                <a:spcPts val="0"/>
-              </a:spcAft>
-              <a:buNone/>
-            </a:pPr>
-            <a:r>
-              <a:rPr lang="en-GB"/>
+            <a:pPr marL="0" lvl="0" indent="0" algn="l" rtl="0">
+              <a:spcBef>
+                <a:spcPts val="0"/>
+              </a:spcBef>
+              <a:spcAft>
+                <a:spcPts val="0"/>
+              </a:spcAft>
+              <a:buNone/>
+            </a:pPr>
+            <a:r>
+              <a:rPr lang="en-GB" dirty="0"/>
               <a:t>https://support.rstudio.com/hc/en-us/articles/200526207-Using-Projects</a:t>
             </a:r>
-            <a:endParaRPr/>
+            <a:endParaRPr dirty="0"/>
           </a:p>
         </p:txBody>
       </p:sp>
@@ -2017,11 +2120,11 @@
 </file>
 
 <file path=ppt/notesSlides/notesSlide21.xml><?xml version="1.0" encoding="utf-8"?>
-<p:notes xmlns:a="http://schemas.openxmlformats.org/drawingml/2006/main" xmlns:r="http://schemas.openxmlformats.org/officeDocument/2006/relationships" xmlns:mc="http://schemas.openxmlformats.org/markup-compatibility/2006" xmlns:mv="urn:schemas-microsoft-com:mac:vml" xmlns:p="http://schemas.openxmlformats.org/presentationml/2006/main" xmlns:c="http://schemas.openxmlformats.org/drawingml/2006/chart" xmlns:dgm="http://schemas.openxmlformats.org/drawingml/2006/diagram" xmlns:o="urn:schemas-microsoft-com:office:office" xmlns:v="urn:schemas-microsoft-com:vml" xmlns:pvml="urn:schemas-microsoft-com:office:powerpoint" xmlns:com="http://schemas.openxmlformats.org/drawingml/2006/compatibility" xmlns:p14="http://schemas.microsoft.com/office/powerpoint/2010/main" xmlns:p15="http://schemas.microsoft.com/office/powerpoint/2012/main" xmlns:ahyp="http://schemas.microsoft.com/office/drawing/2018/hyperlinkcolor" showMasterPhAnim="0" showMasterSp="0">
+<p:notes xmlns:a="http://schemas.openxmlformats.org/drawingml/2006/main" xmlns:r="http://schemas.openxmlformats.org/officeDocument/2006/relationships" xmlns:p="http://schemas.openxmlformats.org/presentationml/2006/main" showMasterSp="0" showMasterPhAnim="0">
   <p:cSld>
     <p:spTree>
       <p:nvGrpSpPr>
-        <p:cNvPr id="184" name="Shape 184"/>
+        <p:cNvPr id="1" name="Shape 178"/>
         <p:cNvGrpSpPr/>
         <p:nvPr/>
       </p:nvGrpSpPr>
@@ -2035,21 +2138,27 @@
       </p:grpSpPr>
       <p:sp>
         <p:nvSpPr>
-          <p:cNvPr id="185" name="Google Shape;185;gd9c0e74c4b_0_22:notes"/>
-          <p:cNvSpPr/>
+          <p:cNvPr id="179" name="Google Shape;179;gd8fcba4f50_0_17:notes"/>
+          <p:cNvSpPr>
+            <a:spLocks noGrp="1" noRot="1" noChangeAspect="1"/>
+          </p:cNvSpPr>
           <p:nvPr>
-            <p:ph idx="2" type="sldImg"/>
+            <p:ph type="sldImg" idx="2"/>
           </p:nvPr>
         </p:nvSpPr>
         <p:spPr>
           <a:xfrm>
-            <a:off x="381300" y="685800"/>
+            <a:off x="381000" y="685800"/>
             <a:ext cx="6096000" cy="3429000"/>
           </a:xfrm>
           <a:custGeom>
-            <a:rect b="b" l="l" r="r" t="t"/>
+            <a:avLst/>
+            <a:gdLst/>
+            <a:ahLst/>
+            <a:cxnLst/>
+            <a:rect l="l" t="t" r="r" b="b"/>
             <a:pathLst>
-              <a:path extrusionOk="0" h="120000" w="120000">
+              <a:path w="120000" h="120000" extrusionOk="0">
                 <a:moveTo>
                   <a:pt x="0" y="0"/>
                 </a:moveTo>
@@ -2070,10 +2179,12 @@
       </p:sp>
       <p:sp>
         <p:nvSpPr>
-          <p:cNvPr id="186" name="Google Shape;186;gd9c0e74c4b_0_22:notes"/>
-          <p:cNvSpPr txBox="1"/>
+          <p:cNvPr id="180" name="Google Shape;180;gd8fcba4f50_0_17:notes"/>
+          <p:cNvSpPr txBox="1">
+            <a:spLocks noGrp="1"/>
+          </p:cNvSpPr>
           <p:nvPr>
-            <p:ph idx="1" type="body"/>
+            <p:ph type="body" idx="1"/>
           </p:nvPr>
         </p:nvSpPr>
         <p:spPr>
@@ -2086,361 +2197,34 @@
           </a:prstGeom>
         </p:spPr>
         <p:txBody>
-          <a:bodyPr anchorCtr="0" anchor="t" bIns="91425" lIns="91425" spcFirstLastPara="1" rIns="91425" wrap="square" tIns="91425">
+          <a:bodyPr spcFirstLastPara="1" wrap="square" lIns="91425" tIns="91425" rIns="91425" bIns="91425" anchor="t" anchorCtr="0">
             <a:noAutofit/>
           </a:bodyPr>
           <a:lstStyle/>
           <a:p>
-            <a:pPr indent="0" lvl="0" marL="0" rtl="0" algn="l">
-              <a:spcBef>
-                <a:spcPts val="0"/>
-              </a:spcBef>
-              <a:spcAft>
-                <a:spcPts val="0"/>
-              </a:spcAft>
-              <a:buClr>
-                <a:schemeClr val="dk1"/>
-              </a:buClr>
-              <a:buSzPts val="1100"/>
-              <a:buFont typeface="Arial"/>
-              <a:buNone/>
-            </a:pPr>
-            <a:r>
-              <a:rPr lang="en-GB"/>
-              <a:t>---</a:t>
-            </a:r>
-            <a:endParaRPr/>
-          </a:p>
-          <a:p>
-            <a:pPr indent="0" lvl="0" marL="0" rtl="0" algn="l">
-              <a:spcBef>
-                <a:spcPts val="0"/>
-              </a:spcBef>
-              <a:spcAft>
-                <a:spcPts val="0"/>
-              </a:spcAft>
-              <a:buClr>
-                <a:schemeClr val="dk1"/>
-              </a:buClr>
-              <a:buSzPts val="1100"/>
-              <a:buFont typeface="Arial"/>
-              <a:buNone/>
-            </a:pPr>
-            <a:r>
-              <a:rPr lang="en-GB"/>
-              <a:t>title: "Untitled"</a:t>
-            </a:r>
-            <a:endParaRPr/>
-          </a:p>
-          <a:p>
-            <a:pPr indent="0" lvl="0" marL="0" rtl="0" algn="l">
-              <a:spcBef>
-                <a:spcPts val="0"/>
-              </a:spcBef>
-              <a:spcAft>
-                <a:spcPts val="0"/>
-              </a:spcAft>
-              <a:buClr>
-                <a:schemeClr val="dk1"/>
-              </a:buClr>
-              <a:buSzPts val="1100"/>
-              <a:buFont typeface="Arial"/>
-              <a:buNone/>
-            </a:pPr>
-            <a:r>
-              <a:rPr lang="en-GB"/>
-              <a:t>author: "Brandon"</a:t>
-            </a:r>
-            <a:endParaRPr/>
-          </a:p>
-          <a:p>
-            <a:pPr indent="0" lvl="0" marL="0" rtl="0" algn="l">
-              <a:spcBef>
-                <a:spcPts val="0"/>
-              </a:spcBef>
-              <a:spcAft>
-                <a:spcPts val="0"/>
-              </a:spcAft>
-              <a:buClr>
-                <a:schemeClr val="dk1"/>
-              </a:buClr>
-              <a:buSzPts val="1100"/>
-              <a:buFont typeface="Arial"/>
-              <a:buNone/>
-            </a:pPr>
-            <a:r>
-              <a:rPr lang="en-GB"/>
-              <a:t>date: "5/13/2021"</a:t>
-            </a:r>
-            <a:endParaRPr/>
-          </a:p>
-          <a:p>
-            <a:pPr indent="0" lvl="0" marL="0" rtl="0" algn="l">
-              <a:spcBef>
-                <a:spcPts val="0"/>
-              </a:spcBef>
-              <a:spcAft>
-                <a:spcPts val="0"/>
-              </a:spcAft>
-              <a:buClr>
-                <a:schemeClr val="dk1"/>
-              </a:buClr>
-              <a:buSzPts val="1100"/>
-              <a:buFont typeface="Arial"/>
-              <a:buNone/>
-            </a:pPr>
-            <a:r>
-              <a:rPr lang="en-GB"/>
-              <a:t>output: pdf_document</a:t>
-            </a:r>
-            <a:endParaRPr/>
-          </a:p>
-          <a:p>
-            <a:pPr indent="0" lvl="0" marL="0" rtl="0" algn="l">
-              <a:spcBef>
-                <a:spcPts val="0"/>
-              </a:spcBef>
-              <a:spcAft>
-                <a:spcPts val="0"/>
-              </a:spcAft>
-              <a:buClr>
-                <a:schemeClr val="dk1"/>
-              </a:buClr>
-              <a:buSzPts val="1100"/>
-              <a:buFont typeface="Arial"/>
-              <a:buNone/>
-            </a:pPr>
-            <a:r>
-              <a:rPr lang="en-GB"/>
-              <a:t>---</a:t>
-            </a:r>
-            <a:endParaRPr/>
-          </a:p>
-          <a:p>
-            <a:pPr indent="0" lvl="0" marL="0" rtl="0" algn="l">
-              <a:spcBef>
-                <a:spcPts val="0"/>
-              </a:spcBef>
-              <a:spcAft>
-                <a:spcPts val="0"/>
-              </a:spcAft>
-              <a:buClr>
-                <a:schemeClr val="dk1"/>
-              </a:buClr>
-              <a:buSzPts val="1100"/>
-              <a:buFont typeface="Arial"/>
-              <a:buNone/>
-            </a:pPr>
-            <a:r>
-              <a:t/>
-            </a:r>
-            <a:endParaRPr/>
-          </a:p>
-          <a:p>
-            <a:pPr indent="0" lvl="0" marL="0" rtl="0" algn="l">
-              <a:spcBef>
-                <a:spcPts val="0"/>
-              </a:spcBef>
-              <a:spcAft>
-                <a:spcPts val="0"/>
-              </a:spcAft>
-              <a:buClr>
-                <a:schemeClr val="dk1"/>
-              </a:buClr>
-              <a:buSzPts val="1100"/>
-              <a:buFont typeface="Arial"/>
-              <a:buNone/>
-            </a:pPr>
-            <a:r>
-              <a:rPr lang="en-GB"/>
-              <a:t>```{r setup, include=FALSE}</a:t>
-            </a:r>
-            <a:endParaRPr/>
-          </a:p>
-          <a:p>
-            <a:pPr indent="0" lvl="0" marL="0" rtl="0" algn="l">
-              <a:spcBef>
-                <a:spcPts val="0"/>
-              </a:spcBef>
-              <a:spcAft>
-                <a:spcPts val="0"/>
-              </a:spcAft>
-              <a:buClr>
-                <a:schemeClr val="dk1"/>
-              </a:buClr>
-              <a:buSzPts val="1100"/>
-              <a:buFont typeface="Arial"/>
-              <a:buNone/>
-            </a:pPr>
-            <a:r>
-              <a:rPr lang="en-GB"/>
-              <a:t>x &lt;- matrix(rnorm(1000),nrow=100)</a:t>
-            </a:r>
-            <a:endParaRPr/>
-          </a:p>
-          <a:p>
-            <a:pPr indent="0" lvl="0" marL="0" rtl="0" algn="l">
-              <a:spcBef>
-                <a:spcPts val="0"/>
-              </a:spcBef>
-              <a:spcAft>
-                <a:spcPts val="0"/>
-              </a:spcAft>
-              <a:buClr>
-                <a:schemeClr val="dk1"/>
-              </a:buClr>
-              <a:buSzPts val="1100"/>
-              <a:buFont typeface="Arial"/>
-              <a:buNone/>
-            </a:pPr>
-            <a:r>
-              <a:rPr lang="en-GB"/>
-              <a:t>  </a:t>
-            </a:r>
-            <a:endParaRPr/>
-          </a:p>
-          <a:p>
-            <a:pPr indent="0" lvl="0" marL="0" rtl="0" algn="l">
-              <a:spcBef>
-                <a:spcPts val="0"/>
-              </a:spcBef>
-              <a:spcAft>
-                <a:spcPts val="0"/>
-              </a:spcAft>
-              <a:buClr>
-                <a:schemeClr val="dk1"/>
-              </a:buClr>
-              <a:buSzPts val="1100"/>
-              <a:buFont typeface="Arial"/>
-              <a:buNone/>
-            </a:pPr>
-            <a:r>
-              <a:rPr lang="en-GB"/>
-              <a:t>install.packages("pheatmap")</a:t>
-            </a:r>
-            <a:endParaRPr/>
-          </a:p>
-          <a:p>
-            <a:pPr indent="0" lvl="0" marL="0" rtl="0" algn="l">
-              <a:spcBef>
-                <a:spcPts val="0"/>
-              </a:spcBef>
-              <a:spcAft>
-                <a:spcPts val="0"/>
-              </a:spcAft>
-              <a:buClr>
-                <a:schemeClr val="dk1"/>
-              </a:buClr>
-              <a:buSzPts val="1100"/>
-              <a:buFont typeface="Arial"/>
-              <a:buNone/>
-            </a:pPr>
-            <a:r>
-              <a:rPr lang="en-GB"/>
-              <a:t>library(pheatmap)</a:t>
-            </a:r>
-            <a:endParaRPr/>
-          </a:p>
-          <a:p>
-            <a:pPr indent="0" lvl="0" marL="0" rtl="0" algn="l">
-              <a:spcBef>
-                <a:spcPts val="0"/>
-              </a:spcBef>
-              <a:spcAft>
-                <a:spcPts val="0"/>
-              </a:spcAft>
-              <a:buClr>
-                <a:schemeClr val="dk1"/>
-              </a:buClr>
-              <a:buSzPts val="1100"/>
-              <a:buFont typeface="Arial"/>
-              <a:buNone/>
-            </a:pPr>
-            <a:r>
-              <a:t/>
-            </a:r>
-            <a:endParaRPr/>
-          </a:p>
-          <a:p>
-            <a:pPr indent="0" lvl="0" marL="0" rtl="0" algn="l">
-              <a:spcBef>
-                <a:spcPts val="0"/>
-              </a:spcBef>
-              <a:spcAft>
-                <a:spcPts val="0"/>
-              </a:spcAft>
-              <a:buClr>
-                <a:schemeClr val="dk1"/>
-              </a:buClr>
-              <a:buSzPts val="1100"/>
-              <a:buFont typeface="Arial"/>
-              <a:buNone/>
-            </a:pPr>
-            <a:r>
-              <a:rPr lang="en-GB"/>
-              <a:t>pheatmap(x)</a:t>
-            </a:r>
-            <a:endParaRPr/>
-          </a:p>
-          <a:p>
-            <a:pPr indent="0" lvl="0" marL="0" rtl="0" algn="l">
-              <a:spcBef>
-                <a:spcPts val="0"/>
-              </a:spcBef>
-              <a:spcAft>
-                <a:spcPts val="0"/>
-              </a:spcAft>
-              <a:buClr>
-                <a:schemeClr val="dk1"/>
-              </a:buClr>
-              <a:buSzPts val="1100"/>
-              <a:buFont typeface="Arial"/>
-              <a:buNone/>
-            </a:pPr>
-            <a:r>
-              <a:t/>
-            </a:r>
-            <a:endParaRPr/>
-          </a:p>
-          <a:p>
-            <a:pPr indent="0" lvl="0" marL="0" rtl="0" algn="l">
-              <a:spcBef>
-                <a:spcPts val="0"/>
-              </a:spcBef>
-              <a:spcAft>
-                <a:spcPts val="0"/>
-              </a:spcAft>
-              <a:buClr>
-                <a:schemeClr val="dk1"/>
-              </a:buClr>
-              <a:buSzPts val="1100"/>
-              <a:buFont typeface="Arial"/>
-              <a:buNone/>
-            </a:pPr>
-            <a:r>
-              <a:rPr lang="en-GB"/>
-              <a:t>```</a:t>
-            </a:r>
-            <a:endParaRPr/>
-          </a:p>
-          <a:p>
-            <a:pPr indent="0" lvl="0" marL="0" rtl="0" algn="l">
-              <a:spcBef>
-                <a:spcPts val="0"/>
-              </a:spcBef>
-              <a:spcAft>
-                <a:spcPts val="0"/>
-              </a:spcAft>
-              <a:buNone/>
-            </a:pPr>
-            <a:r>
-              <a:t/>
-            </a:r>
-            <a:endParaRPr/>
+            <a:pPr marL="0" lvl="0" indent="0" algn="l" rtl="0">
+              <a:spcBef>
+                <a:spcPts val="0"/>
+              </a:spcBef>
+              <a:spcAft>
+                <a:spcPts val="0"/>
+              </a:spcAft>
+              <a:buNone/>
+            </a:pPr>
+            <a:r>
+              <a:rPr lang="en-GB" dirty="0"/>
+              <a:t>https://support.rstudio.com/hc/en-us/articles/200526207-Using-Projects</a:t>
+            </a:r>
+            <a:endParaRPr dirty="0"/>
           </a:p>
         </p:txBody>
       </p:sp>
     </p:spTree>
+    <p:extLst>
+      <p:ext uri="{BB962C8B-B14F-4D97-AF65-F5344CB8AC3E}">
+        <p14:creationId xmlns:p14="http://schemas.microsoft.com/office/powerpoint/2010/main" val="267019907"/>
+      </p:ext>
+    </p:extLst>
   </p:cSld>
   <p:clrMapOvr>
     <a:masterClrMapping/>
@@ -2449,11 +2233,11 @@
 </file>
 
 <file path=ppt/notesSlides/notesSlide22.xml><?xml version="1.0" encoding="utf-8"?>
-<p:notes xmlns:a="http://schemas.openxmlformats.org/drawingml/2006/main" xmlns:r="http://schemas.openxmlformats.org/officeDocument/2006/relationships" xmlns:mc="http://schemas.openxmlformats.org/markup-compatibility/2006" xmlns:mv="urn:schemas-microsoft-com:mac:vml" xmlns:p="http://schemas.openxmlformats.org/presentationml/2006/main" xmlns:c="http://schemas.openxmlformats.org/drawingml/2006/chart" xmlns:dgm="http://schemas.openxmlformats.org/drawingml/2006/diagram" xmlns:o="urn:schemas-microsoft-com:office:office" xmlns:v="urn:schemas-microsoft-com:vml" xmlns:pvml="urn:schemas-microsoft-com:office:powerpoint" xmlns:com="http://schemas.openxmlformats.org/drawingml/2006/compatibility" xmlns:p14="http://schemas.microsoft.com/office/powerpoint/2010/main" xmlns:p15="http://schemas.microsoft.com/office/powerpoint/2012/main" xmlns:ahyp="http://schemas.microsoft.com/office/drawing/2018/hyperlinkcolor" showMasterPhAnim="0" showMasterSp="0">
+<p:notes xmlns:a="http://schemas.openxmlformats.org/drawingml/2006/main" xmlns:r="http://schemas.openxmlformats.org/officeDocument/2006/relationships" xmlns:p="http://schemas.openxmlformats.org/presentationml/2006/main" showMasterSp="0" showMasterPhAnim="0">
   <p:cSld>
     <p:spTree>
       <p:nvGrpSpPr>
-        <p:cNvPr id="191" name="Shape 191"/>
+        <p:cNvPr id="1" name="Shape 178"/>
         <p:cNvGrpSpPr/>
         <p:nvPr/>
       </p:nvGrpSpPr>
@@ -2467,21 +2251,27 @@
       </p:grpSpPr>
       <p:sp>
         <p:nvSpPr>
-          <p:cNvPr id="192" name="Google Shape;192;gd640bc8547_0_46:notes"/>
-          <p:cNvSpPr/>
+          <p:cNvPr id="179" name="Google Shape;179;gd8fcba4f50_0_17:notes"/>
+          <p:cNvSpPr>
+            <a:spLocks noGrp="1" noRot="1" noChangeAspect="1"/>
+          </p:cNvSpPr>
           <p:nvPr>
-            <p:ph idx="2" type="sldImg"/>
+            <p:ph type="sldImg" idx="2"/>
           </p:nvPr>
         </p:nvSpPr>
         <p:spPr>
           <a:xfrm>
-            <a:off x="381300" y="685800"/>
+            <a:off x="381000" y="685800"/>
             <a:ext cx="6096000" cy="3429000"/>
           </a:xfrm>
           <a:custGeom>
-            <a:rect b="b" l="l" r="r" t="t"/>
+            <a:avLst/>
+            <a:gdLst/>
+            <a:ahLst/>
+            <a:cxnLst/>
+            <a:rect l="l" t="t" r="r" b="b"/>
             <a:pathLst>
-              <a:path extrusionOk="0" h="120000" w="120000">
+              <a:path w="120000" h="120000" extrusionOk="0">
                 <a:moveTo>
                   <a:pt x="0" y="0"/>
                 </a:moveTo>
@@ -2502,10 +2292,12 @@
       </p:sp>
       <p:sp>
         <p:nvSpPr>
-          <p:cNvPr id="193" name="Google Shape;193;gd640bc8547_0_46:notes"/>
-          <p:cNvSpPr txBox="1"/>
+          <p:cNvPr id="180" name="Google Shape;180;gd8fcba4f50_0_17:notes"/>
+          <p:cNvSpPr txBox="1">
+            <a:spLocks noGrp="1"/>
+          </p:cNvSpPr>
           <p:nvPr>
-            <p:ph idx="1" type="body"/>
+            <p:ph type="body" idx="1"/>
           </p:nvPr>
         </p:nvSpPr>
         <p:spPr>
@@ -2518,28 +2310,34 @@
           </a:prstGeom>
         </p:spPr>
         <p:txBody>
-          <a:bodyPr anchorCtr="0" anchor="t" bIns="91425" lIns="91425" spcFirstLastPara="1" rIns="91425" wrap="square" tIns="91425">
+          <a:bodyPr spcFirstLastPara="1" wrap="square" lIns="91425" tIns="91425" rIns="91425" bIns="91425" anchor="t" anchorCtr="0">
             <a:noAutofit/>
           </a:bodyPr>
           <a:lstStyle/>
           <a:p>
-            <a:pPr indent="0" lvl="0" marL="0" rtl="0" algn="l">
-              <a:spcBef>
-                <a:spcPts val="0"/>
-              </a:spcBef>
-              <a:spcAft>
-                <a:spcPts val="0"/>
-              </a:spcAft>
-              <a:buNone/>
-            </a:pPr>
-            <a:r>
-              <a:t/>
-            </a:r>
-            <a:endParaRPr/>
+            <a:pPr marL="0" lvl="0" indent="0" algn="l" rtl="0">
+              <a:spcBef>
+                <a:spcPts val="0"/>
+              </a:spcBef>
+              <a:spcAft>
+                <a:spcPts val="0"/>
+              </a:spcAft>
+              <a:buNone/>
+            </a:pPr>
+            <a:r>
+              <a:rPr lang="en-GB" dirty="0"/>
+              <a:t>https://support.rstudio.com/hc/en-us/articles/200526207-Using-Projects</a:t>
+            </a:r>
+            <a:endParaRPr dirty="0"/>
           </a:p>
         </p:txBody>
       </p:sp>
     </p:spTree>
+    <p:extLst>
+      <p:ext uri="{BB962C8B-B14F-4D97-AF65-F5344CB8AC3E}">
+        <p14:creationId xmlns:p14="http://schemas.microsoft.com/office/powerpoint/2010/main" val="2663918904"/>
+      </p:ext>
+    </p:extLst>
   </p:cSld>
   <p:clrMapOvr>
     <a:masterClrMapping/>
@@ -2548,11 +2346,11 @@
 </file>
 
 <file path=ppt/notesSlides/notesSlide23.xml><?xml version="1.0" encoding="utf-8"?>
-<p:notes xmlns:a="http://schemas.openxmlformats.org/drawingml/2006/main" xmlns:r="http://schemas.openxmlformats.org/officeDocument/2006/relationships" xmlns:mc="http://schemas.openxmlformats.org/markup-compatibility/2006" xmlns:mv="urn:schemas-microsoft-com:mac:vml" xmlns:p="http://schemas.openxmlformats.org/presentationml/2006/main" xmlns:c="http://schemas.openxmlformats.org/drawingml/2006/chart" xmlns:dgm="http://schemas.openxmlformats.org/drawingml/2006/diagram" xmlns:o="urn:schemas-microsoft-com:office:office" xmlns:v="urn:schemas-microsoft-com:vml" xmlns:pvml="urn:schemas-microsoft-com:office:powerpoint" xmlns:com="http://schemas.openxmlformats.org/drawingml/2006/compatibility" xmlns:p14="http://schemas.microsoft.com/office/powerpoint/2010/main" xmlns:p15="http://schemas.microsoft.com/office/powerpoint/2012/main" xmlns:ahyp="http://schemas.microsoft.com/office/drawing/2018/hyperlinkcolor" showMasterPhAnim="0" showMasterSp="0">
+<p:notes xmlns:a="http://schemas.openxmlformats.org/drawingml/2006/main" xmlns:r="http://schemas.openxmlformats.org/officeDocument/2006/relationships" xmlns:p="http://schemas.openxmlformats.org/presentationml/2006/main" showMasterSp="0" showMasterPhAnim="0">
   <p:cSld>
     <p:spTree>
       <p:nvGrpSpPr>
-        <p:cNvPr id="197" name="Shape 197"/>
+        <p:cNvPr id="1" name="Shape 184"/>
         <p:cNvGrpSpPr/>
         <p:nvPr/>
       </p:nvGrpSpPr>
@@ -2566,21 +2364,27 @@
       </p:grpSpPr>
       <p:sp>
         <p:nvSpPr>
-          <p:cNvPr id="198" name="Google Shape;198;gd9c0e74c4b_0_44:notes"/>
-          <p:cNvSpPr/>
+          <p:cNvPr id="185" name="Google Shape;185;gd9c0e74c4b_0_22:notes"/>
+          <p:cNvSpPr>
+            <a:spLocks noGrp="1" noRot="1" noChangeAspect="1"/>
+          </p:cNvSpPr>
           <p:nvPr>
-            <p:ph idx="2" type="sldImg"/>
+            <p:ph type="sldImg" idx="2"/>
           </p:nvPr>
         </p:nvSpPr>
         <p:spPr>
           <a:xfrm>
-            <a:off x="381300" y="685800"/>
+            <a:off x="381000" y="685800"/>
             <a:ext cx="6096000" cy="3429000"/>
           </a:xfrm>
           <a:custGeom>
-            <a:rect b="b" l="l" r="r" t="t"/>
+            <a:avLst/>
+            <a:gdLst/>
+            <a:ahLst/>
+            <a:cxnLst/>
+            <a:rect l="l" t="t" r="r" b="b"/>
             <a:pathLst>
-              <a:path extrusionOk="0" h="120000" w="120000">
+              <a:path w="120000" h="120000" extrusionOk="0">
                 <a:moveTo>
                   <a:pt x="0" y="0"/>
                 </a:moveTo>
@@ -2601,10 +2405,12 @@
       </p:sp>
       <p:sp>
         <p:nvSpPr>
-          <p:cNvPr id="199" name="Google Shape;199;gd9c0e74c4b_0_44:notes"/>
-          <p:cNvSpPr txBox="1"/>
+          <p:cNvPr id="186" name="Google Shape;186;gd9c0e74c4b_0_22:notes"/>
+          <p:cNvSpPr txBox="1">
+            <a:spLocks noGrp="1"/>
+          </p:cNvSpPr>
           <p:nvPr>
-            <p:ph idx="1" type="body"/>
+            <p:ph type="body" idx="1"/>
           </p:nvPr>
         </p:nvSpPr>
         <p:spPr>
@@ -2617,23 +2423,344 @@
           </a:prstGeom>
         </p:spPr>
         <p:txBody>
-          <a:bodyPr anchorCtr="0" anchor="t" bIns="91425" lIns="91425" spcFirstLastPara="1" rIns="91425" wrap="square" tIns="91425">
+          <a:bodyPr spcFirstLastPara="1" wrap="square" lIns="91425" tIns="91425" rIns="91425" bIns="91425" anchor="t" anchorCtr="0">
             <a:noAutofit/>
           </a:bodyPr>
           <a:lstStyle/>
           <a:p>
-            <a:pPr indent="0" lvl="0" marL="0" rtl="0" algn="l">
-              <a:spcBef>
-                <a:spcPts val="0"/>
-              </a:spcBef>
-              <a:spcAft>
-                <a:spcPts val="0"/>
-              </a:spcAft>
-              <a:buNone/>
-            </a:pPr>
-            <a:r>
-              <a:t/>
-            </a:r>
+            <a:pPr marL="0" lvl="0" indent="0" algn="l" rtl="0">
+              <a:spcBef>
+                <a:spcPts val="0"/>
+              </a:spcBef>
+              <a:spcAft>
+                <a:spcPts val="0"/>
+              </a:spcAft>
+              <a:buClr>
+                <a:schemeClr val="dk1"/>
+              </a:buClr>
+              <a:buSzPts val="1100"/>
+              <a:buFont typeface="Arial"/>
+              <a:buNone/>
+            </a:pPr>
+            <a:r>
+              <a:rPr lang="en-GB"/>
+              <a:t>---</a:t>
+            </a:r>
+            <a:endParaRPr/>
+          </a:p>
+          <a:p>
+            <a:pPr marL="0" lvl="0" indent="0" algn="l" rtl="0">
+              <a:spcBef>
+                <a:spcPts val="0"/>
+              </a:spcBef>
+              <a:spcAft>
+                <a:spcPts val="0"/>
+              </a:spcAft>
+              <a:buClr>
+                <a:schemeClr val="dk1"/>
+              </a:buClr>
+              <a:buSzPts val="1100"/>
+              <a:buFont typeface="Arial"/>
+              <a:buNone/>
+            </a:pPr>
+            <a:r>
+              <a:rPr lang="en-GB"/>
+              <a:t>title: "Untitled"</a:t>
+            </a:r>
+            <a:endParaRPr/>
+          </a:p>
+          <a:p>
+            <a:pPr marL="0" lvl="0" indent="0" algn="l" rtl="0">
+              <a:spcBef>
+                <a:spcPts val="0"/>
+              </a:spcBef>
+              <a:spcAft>
+                <a:spcPts val="0"/>
+              </a:spcAft>
+              <a:buClr>
+                <a:schemeClr val="dk1"/>
+              </a:buClr>
+              <a:buSzPts val="1100"/>
+              <a:buFont typeface="Arial"/>
+              <a:buNone/>
+            </a:pPr>
+            <a:r>
+              <a:rPr lang="en-GB"/>
+              <a:t>author: "Brandon"</a:t>
+            </a:r>
+            <a:endParaRPr/>
+          </a:p>
+          <a:p>
+            <a:pPr marL="0" lvl="0" indent="0" algn="l" rtl="0">
+              <a:spcBef>
+                <a:spcPts val="0"/>
+              </a:spcBef>
+              <a:spcAft>
+                <a:spcPts val="0"/>
+              </a:spcAft>
+              <a:buClr>
+                <a:schemeClr val="dk1"/>
+              </a:buClr>
+              <a:buSzPts val="1100"/>
+              <a:buFont typeface="Arial"/>
+              <a:buNone/>
+            </a:pPr>
+            <a:r>
+              <a:rPr lang="en-GB"/>
+              <a:t>date: "5/13/2021"</a:t>
+            </a:r>
+            <a:endParaRPr/>
+          </a:p>
+          <a:p>
+            <a:pPr marL="0" lvl="0" indent="0" algn="l" rtl="0">
+              <a:spcBef>
+                <a:spcPts val="0"/>
+              </a:spcBef>
+              <a:spcAft>
+                <a:spcPts val="0"/>
+              </a:spcAft>
+              <a:buClr>
+                <a:schemeClr val="dk1"/>
+              </a:buClr>
+              <a:buSzPts val="1100"/>
+              <a:buFont typeface="Arial"/>
+              <a:buNone/>
+            </a:pPr>
+            <a:r>
+              <a:rPr lang="en-GB"/>
+              <a:t>output: pdf_document</a:t>
+            </a:r>
+            <a:endParaRPr/>
+          </a:p>
+          <a:p>
+            <a:pPr marL="0" lvl="0" indent="0" algn="l" rtl="0">
+              <a:spcBef>
+                <a:spcPts val="0"/>
+              </a:spcBef>
+              <a:spcAft>
+                <a:spcPts val="0"/>
+              </a:spcAft>
+              <a:buClr>
+                <a:schemeClr val="dk1"/>
+              </a:buClr>
+              <a:buSzPts val="1100"/>
+              <a:buFont typeface="Arial"/>
+              <a:buNone/>
+            </a:pPr>
+            <a:r>
+              <a:rPr lang="en-GB"/>
+              <a:t>---</a:t>
+            </a:r>
+            <a:endParaRPr/>
+          </a:p>
+          <a:p>
+            <a:pPr marL="0" lvl="0" indent="0" algn="l" rtl="0">
+              <a:spcBef>
+                <a:spcPts val="0"/>
+              </a:spcBef>
+              <a:spcAft>
+                <a:spcPts val="0"/>
+              </a:spcAft>
+              <a:buClr>
+                <a:schemeClr val="dk1"/>
+              </a:buClr>
+              <a:buSzPts val="1100"/>
+              <a:buFont typeface="Arial"/>
+              <a:buNone/>
+            </a:pPr>
+            <a:endParaRPr/>
+          </a:p>
+          <a:p>
+            <a:pPr marL="0" lvl="0" indent="0" algn="l" rtl="0">
+              <a:spcBef>
+                <a:spcPts val="0"/>
+              </a:spcBef>
+              <a:spcAft>
+                <a:spcPts val="0"/>
+              </a:spcAft>
+              <a:buClr>
+                <a:schemeClr val="dk1"/>
+              </a:buClr>
+              <a:buSzPts val="1100"/>
+              <a:buFont typeface="Arial"/>
+              <a:buNone/>
+            </a:pPr>
+            <a:r>
+              <a:rPr lang="en-GB"/>
+              <a:t>```{r setup, include=FALSE}</a:t>
+            </a:r>
+            <a:endParaRPr/>
+          </a:p>
+          <a:p>
+            <a:pPr marL="0" lvl="0" indent="0" algn="l" rtl="0">
+              <a:spcBef>
+                <a:spcPts val="0"/>
+              </a:spcBef>
+              <a:spcAft>
+                <a:spcPts val="0"/>
+              </a:spcAft>
+              <a:buClr>
+                <a:schemeClr val="dk1"/>
+              </a:buClr>
+              <a:buSzPts val="1100"/>
+              <a:buFont typeface="Arial"/>
+              <a:buNone/>
+            </a:pPr>
+            <a:r>
+              <a:rPr lang="en-GB"/>
+              <a:t>x &lt;- matrix(rnorm(1000),nrow=100)</a:t>
+            </a:r>
+            <a:endParaRPr/>
+          </a:p>
+          <a:p>
+            <a:pPr marL="0" lvl="0" indent="0" algn="l" rtl="0">
+              <a:spcBef>
+                <a:spcPts val="0"/>
+              </a:spcBef>
+              <a:spcAft>
+                <a:spcPts val="0"/>
+              </a:spcAft>
+              <a:buClr>
+                <a:schemeClr val="dk1"/>
+              </a:buClr>
+              <a:buSzPts val="1100"/>
+              <a:buFont typeface="Arial"/>
+              <a:buNone/>
+            </a:pPr>
+            <a:r>
+              <a:rPr lang="en-GB"/>
+              <a:t>  </a:t>
+            </a:r>
+            <a:endParaRPr/>
+          </a:p>
+          <a:p>
+            <a:pPr marL="0" lvl="0" indent="0" algn="l" rtl="0">
+              <a:spcBef>
+                <a:spcPts val="0"/>
+              </a:spcBef>
+              <a:spcAft>
+                <a:spcPts val="0"/>
+              </a:spcAft>
+              <a:buClr>
+                <a:schemeClr val="dk1"/>
+              </a:buClr>
+              <a:buSzPts val="1100"/>
+              <a:buFont typeface="Arial"/>
+              <a:buNone/>
+            </a:pPr>
+            <a:r>
+              <a:rPr lang="en-GB"/>
+              <a:t>install.packages("pheatmap")</a:t>
+            </a:r>
+            <a:endParaRPr/>
+          </a:p>
+          <a:p>
+            <a:pPr marL="0" lvl="0" indent="0" algn="l" rtl="0">
+              <a:spcBef>
+                <a:spcPts val="0"/>
+              </a:spcBef>
+              <a:spcAft>
+                <a:spcPts val="0"/>
+              </a:spcAft>
+              <a:buClr>
+                <a:schemeClr val="dk1"/>
+              </a:buClr>
+              <a:buSzPts val="1100"/>
+              <a:buFont typeface="Arial"/>
+              <a:buNone/>
+            </a:pPr>
+            <a:r>
+              <a:rPr lang="en-GB"/>
+              <a:t>library(pheatmap)</a:t>
+            </a:r>
+            <a:endParaRPr/>
+          </a:p>
+          <a:p>
+            <a:pPr marL="0" lvl="0" indent="0" algn="l" rtl="0">
+              <a:spcBef>
+                <a:spcPts val="0"/>
+              </a:spcBef>
+              <a:spcAft>
+                <a:spcPts val="0"/>
+              </a:spcAft>
+              <a:buClr>
+                <a:schemeClr val="dk1"/>
+              </a:buClr>
+              <a:buSzPts val="1100"/>
+              <a:buFont typeface="Arial"/>
+              <a:buNone/>
+            </a:pPr>
+            <a:endParaRPr/>
+          </a:p>
+          <a:p>
+            <a:pPr marL="0" lvl="0" indent="0" algn="l" rtl="0">
+              <a:spcBef>
+                <a:spcPts val="0"/>
+              </a:spcBef>
+              <a:spcAft>
+                <a:spcPts val="0"/>
+              </a:spcAft>
+              <a:buClr>
+                <a:schemeClr val="dk1"/>
+              </a:buClr>
+              <a:buSzPts val="1100"/>
+              <a:buFont typeface="Arial"/>
+              <a:buNone/>
+            </a:pPr>
+            <a:r>
+              <a:rPr lang="en-GB"/>
+              <a:t>pheatmap(x)</a:t>
+            </a:r>
+            <a:endParaRPr/>
+          </a:p>
+          <a:p>
+            <a:pPr marL="0" lvl="0" indent="0" algn="l" rtl="0">
+              <a:spcBef>
+                <a:spcPts val="0"/>
+              </a:spcBef>
+              <a:spcAft>
+                <a:spcPts val="0"/>
+              </a:spcAft>
+              <a:buClr>
+                <a:schemeClr val="dk1"/>
+              </a:buClr>
+              <a:buSzPts val="1100"/>
+              <a:buFont typeface="Arial"/>
+              <a:buNone/>
+            </a:pPr>
+            <a:endParaRPr/>
+          </a:p>
+          <a:p>
+            <a:pPr marL="0" lvl="0" indent="0" algn="l" rtl="0">
+              <a:spcBef>
+                <a:spcPts val="0"/>
+              </a:spcBef>
+              <a:spcAft>
+                <a:spcPts val="0"/>
+              </a:spcAft>
+              <a:buClr>
+                <a:schemeClr val="dk1"/>
+              </a:buClr>
+              <a:buSzPts val="1100"/>
+              <a:buFont typeface="Arial"/>
+              <a:buNone/>
+            </a:pPr>
+            <a:r>
+              <a:rPr lang="en-GB"/>
+              <a:t>```</a:t>
+            </a:r>
+            <a:endParaRPr/>
+          </a:p>
+          <a:p>
+            <a:pPr marL="0" lvl="0" indent="0" algn="l" rtl="0">
+              <a:spcBef>
+                <a:spcPts val="0"/>
+              </a:spcBef>
+              <a:spcAft>
+                <a:spcPts val="0"/>
+              </a:spcAft>
+              <a:buNone/>
+            </a:pPr>
             <a:endParaRPr/>
           </a:p>
         </p:txBody>
@@ -2646,12 +2773,12 @@
 </p:notes>
 </file>
 
-<file path=ppt/notesSlides/notesSlide3.xml><?xml version="1.0" encoding="utf-8"?>
-<p:notes xmlns:a="http://schemas.openxmlformats.org/drawingml/2006/main" xmlns:r="http://schemas.openxmlformats.org/officeDocument/2006/relationships" xmlns:mc="http://schemas.openxmlformats.org/markup-compatibility/2006" xmlns:mv="urn:schemas-microsoft-com:mac:vml" xmlns:p="http://schemas.openxmlformats.org/presentationml/2006/main" xmlns:c="http://schemas.openxmlformats.org/drawingml/2006/chart" xmlns:dgm="http://schemas.openxmlformats.org/drawingml/2006/diagram" xmlns:o="urn:schemas-microsoft-com:office:office" xmlns:v="urn:schemas-microsoft-com:vml" xmlns:pvml="urn:schemas-microsoft-com:office:powerpoint" xmlns:com="http://schemas.openxmlformats.org/drawingml/2006/compatibility" xmlns:p14="http://schemas.microsoft.com/office/powerpoint/2010/main" xmlns:p15="http://schemas.microsoft.com/office/powerpoint/2012/main" xmlns:ahyp="http://schemas.microsoft.com/office/drawing/2018/hyperlinkcolor" showMasterPhAnim="0" showMasterSp="0">
+<file path=ppt/notesSlides/notesSlide24.xml><?xml version="1.0" encoding="utf-8"?>
+<p:notes xmlns:a="http://schemas.openxmlformats.org/drawingml/2006/main" xmlns:r="http://schemas.openxmlformats.org/officeDocument/2006/relationships" xmlns:p="http://schemas.openxmlformats.org/presentationml/2006/main" showMasterSp="0" showMasterPhAnim="0">
   <p:cSld>
     <p:spTree>
       <p:nvGrpSpPr>
-        <p:cNvPr id="71" name="Shape 71"/>
+        <p:cNvPr id="1" name="Shape 191"/>
         <p:cNvGrpSpPr/>
         <p:nvPr/>
       </p:nvGrpSpPr>
@@ -2665,21 +2792,27 @@
       </p:grpSpPr>
       <p:sp>
         <p:nvSpPr>
-          <p:cNvPr id="72" name="Google Shape;72;gc9bd2ae073_0_6:notes"/>
-          <p:cNvSpPr/>
+          <p:cNvPr id="192" name="Google Shape;192;gd640bc8547_0_46:notes"/>
+          <p:cNvSpPr>
+            <a:spLocks noGrp="1" noRot="1" noChangeAspect="1"/>
+          </p:cNvSpPr>
           <p:nvPr>
-            <p:ph idx="2" type="sldImg"/>
+            <p:ph type="sldImg" idx="2"/>
           </p:nvPr>
         </p:nvSpPr>
         <p:spPr>
           <a:xfrm>
-            <a:off x="381300" y="685800"/>
+            <a:off x="381000" y="685800"/>
             <a:ext cx="6096000" cy="3429000"/>
           </a:xfrm>
           <a:custGeom>
-            <a:rect b="b" l="l" r="r" t="t"/>
+            <a:avLst/>
+            <a:gdLst/>
+            <a:ahLst/>
+            <a:cxnLst/>
+            <a:rect l="l" t="t" r="r" b="b"/>
             <a:pathLst>
-              <a:path extrusionOk="0" h="120000" w="120000">
+              <a:path w="120000" h="120000" extrusionOk="0">
                 <a:moveTo>
                   <a:pt x="0" y="0"/>
                 </a:moveTo>
@@ -2700,10 +2833,12 @@
       </p:sp>
       <p:sp>
         <p:nvSpPr>
-          <p:cNvPr id="73" name="Google Shape;73;gc9bd2ae073_0_6:notes"/>
-          <p:cNvSpPr txBox="1"/>
+          <p:cNvPr id="193" name="Google Shape;193;gd640bc8547_0_46:notes"/>
+          <p:cNvSpPr txBox="1">
+            <a:spLocks noGrp="1"/>
+          </p:cNvSpPr>
           <p:nvPr>
-            <p:ph idx="1" type="body"/>
+            <p:ph type="body" idx="1"/>
           </p:nvPr>
         </p:nvSpPr>
         <p:spPr>
@@ -2716,95 +2851,20 @@
           </a:prstGeom>
         </p:spPr>
         <p:txBody>
-          <a:bodyPr anchorCtr="0" anchor="t" bIns="91425" lIns="91425" spcFirstLastPara="1" rIns="91425" wrap="square" tIns="91425">
+          <a:bodyPr spcFirstLastPara="1" wrap="square" lIns="91425" tIns="91425" rIns="91425" bIns="91425" anchor="t" anchorCtr="0">
             <a:noAutofit/>
           </a:bodyPr>
           <a:lstStyle/>
           <a:p>
-            <a:pPr indent="0" lvl="0" marL="0" rtl="0" algn="l">
-              <a:spcBef>
-                <a:spcPts val="0"/>
-              </a:spcBef>
-              <a:spcAft>
-                <a:spcPts val="0"/>
-              </a:spcAft>
-              <a:buNone/>
-            </a:pPr>
-            <a:r>
-              <a:rPr lang="en-GB" u="sng">
-                <a:solidFill>
-                  <a:schemeClr val="hlink"/>
-                </a:solidFill>
-                <a:hlinkClick r:id="rId2"/>
-              </a:rPr>
-              <a:t>https://www.r-project.org/</a:t>
-            </a:r>
-            <a:endParaRPr/>
-          </a:p>
-          <a:p>
-            <a:pPr indent="0" lvl="0" marL="0" rtl="0" algn="l">
-              <a:spcBef>
-                <a:spcPts val="0"/>
-              </a:spcBef>
-              <a:spcAft>
-                <a:spcPts val="0"/>
-              </a:spcAft>
-              <a:buNone/>
-            </a:pPr>
-            <a:r>
-              <a:t/>
-            </a:r>
-            <a:endParaRPr/>
-          </a:p>
-          <a:p>
-            <a:pPr indent="0" lvl="0" marL="0" rtl="0" algn="l">
-              <a:spcBef>
-                <a:spcPts val="0"/>
-              </a:spcBef>
-              <a:spcAft>
-                <a:spcPts val="0"/>
-              </a:spcAft>
-              <a:buNone/>
-            </a:pPr>
-            <a:r>
-              <a:rPr lang="en-GB" u="sng">
-                <a:solidFill>
-                  <a:schemeClr val="hlink"/>
-                </a:solidFill>
-                <a:hlinkClick r:id="rId3"/>
-              </a:rPr>
-              <a:t>https://www.r-project.org/about.html</a:t>
-            </a:r>
-            <a:endParaRPr/>
-          </a:p>
-          <a:p>
-            <a:pPr indent="0" lvl="0" marL="0" rtl="0" algn="l">
-              <a:spcBef>
-                <a:spcPts val="0"/>
-              </a:spcBef>
-              <a:spcAft>
-                <a:spcPts val="0"/>
-              </a:spcAft>
-              <a:buNone/>
-            </a:pPr>
-            <a:r>
-              <a:t/>
-            </a:r>
-            <a:endParaRPr/>
-          </a:p>
-          <a:p>
-            <a:pPr indent="0" lvl="0" marL="0" rtl="0" algn="l">
-              <a:spcBef>
-                <a:spcPts val="0"/>
-              </a:spcBef>
-              <a:spcAft>
-                <a:spcPts val="0"/>
-              </a:spcAft>
-              <a:buNone/>
-            </a:pPr>
-            <a:r>
-              <a:t/>
-            </a:r>
+            <a:pPr marL="0" lvl="0" indent="0" algn="l" rtl="0">
+              <a:spcBef>
+                <a:spcPts val="0"/>
+              </a:spcBef>
+              <a:spcAft>
+                <a:spcPts val="0"/>
+              </a:spcAft>
+              <a:buNone/>
+            </a:pPr>
             <a:endParaRPr/>
           </a:p>
         </p:txBody>
@@ -2817,12 +2877,12 @@
 </p:notes>
 </file>
 
-<file path=ppt/notesSlides/notesSlide4.xml><?xml version="1.0" encoding="utf-8"?>
-<p:notes xmlns:a="http://schemas.openxmlformats.org/drawingml/2006/main" xmlns:r="http://schemas.openxmlformats.org/officeDocument/2006/relationships" xmlns:mc="http://schemas.openxmlformats.org/markup-compatibility/2006" xmlns:mv="urn:schemas-microsoft-com:mac:vml" xmlns:p="http://schemas.openxmlformats.org/presentationml/2006/main" xmlns:c="http://schemas.openxmlformats.org/drawingml/2006/chart" xmlns:dgm="http://schemas.openxmlformats.org/drawingml/2006/diagram" xmlns:o="urn:schemas-microsoft-com:office:office" xmlns:v="urn:schemas-microsoft-com:vml" xmlns:pvml="urn:schemas-microsoft-com:office:powerpoint" xmlns:com="http://schemas.openxmlformats.org/drawingml/2006/compatibility" xmlns:p14="http://schemas.microsoft.com/office/powerpoint/2010/main" xmlns:p15="http://schemas.microsoft.com/office/powerpoint/2012/main" xmlns:ahyp="http://schemas.microsoft.com/office/drawing/2018/hyperlinkcolor" showMasterPhAnim="0" showMasterSp="0">
+<file path=ppt/notesSlides/notesSlide25.xml><?xml version="1.0" encoding="utf-8"?>
+<p:notes xmlns:a="http://schemas.openxmlformats.org/drawingml/2006/main" xmlns:r="http://schemas.openxmlformats.org/officeDocument/2006/relationships" xmlns:p="http://schemas.openxmlformats.org/presentationml/2006/main" showMasterSp="0" showMasterPhAnim="0">
   <p:cSld>
     <p:spTree>
       <p:nvGrpSpPr>
-        <p:cNvPr id="77" name="Shape 77"/>
+        <p:cNvPr id="1" name="Shape 197"/>
         <p:cNvGrpSpPr/>
         <p:nvPr/>
       </p:nvGrpSpPr>
@@ -2836,10 +2896,12 @@
       </p:grpSpPr>
       <p:sp>
         <p:nvSpPr>
-          <p:cNvPr id="78" name="Google Shape;78;gc9bd2ae073_0_11:notes"/>
-          <p:cNvSpPr/>
+          <p:cNvPr id="198" name="Google Shape;198;gd9c0e74c4b_0_44:notes"/>
+          <p:cNvSpPr>
+            <a:spLocks noGrp="1" noRot="1" noChangeAspect="1"/>
+          </p:cNvSpPr>
           <p:nvPr>
-            <p:ph idx="2" type="sldImg"/>
+            <p:ph type="sldImg" idx="2"/>
           </p:nvPr>
         </p:nvSpPr>
         <p:spPr>
@@ -2848,9 +2910,13 @@
             <a:ext cx="6096000" cy="3429000"/>
           </a:xfrm>
           <a:custGeom>
-            <a:rect b="b" l="l" r="r" t="t"/>
+            <a:avLst/>
+            <a:gdLst/>
+            <a:ahLst/>
+            <a:cxnLst/>
+            <a:rect l="l" t="t" r="r" b="b"/>
             <a:pathLst>
-              <a:path extrusionOk="0" h="120000" w="120000">
+              <a:path w="120000" h="120000" extrusionOk="0">
                 <a:moveTo>
                   <a:pt x="0" y="0"/>
                 </a:moveTo>
@@ -2871,10 +2937,12 @@
       </p:sp>
       <p:sp>
         <p:nvSpPr>
-          <p:cNvPr id="79" name="Google Shape;79;gc9bd2ae073_0_11:notes"/>
-          <p:cNvSpPr txBox="1"/>
+          <p:cNvPr id="199" name="Google Shape;199;gd9c0e74c4b_0_44:notes"/>
+          <p:cNvSpPr txBox="1">
+            <a:spLocks noGrp="1"/>
+          </p:cNvSpPr>
           <p:nvPr>
-            <p:ph idx="1" type="body"/>
+            <p:ph type="body" idx="1"/>
           </p:nvPr>
         </p:nvSpPr>
         <p:spPr>
@@ -2887,23 +2955,20 @@
           </a:prstGeom>
         </p:spPr>
         <p:txBody>
-          <a:bodyPr anchorCtr="0" anchor="t" bIns="91425" lIns="91425" spcFirstLastPara="1" rIns="91425" wrap="square" tIns="91425">
+          <a:bodyPr spcFirstLastPara="1" wrap="square" lIns="91425" tIns="91425" rIns="91425" bIns="91425" anchor="t" anchorCtr="0">
             <a:noAutofit/>
           </a:bodyPr>
           <a:lstStyle/>
           <a:p>
-            <a:pPr indent="0" lvl="0" marL="0" rtl="0" algn="l">
-              <a:spcBef>
-                <a:spcPts val="0"/>
-              </a:spcBef>
-              <a:spcAft>
-                <a:spcPts val="0"/>
-              </a:spcAft>
-              <a:buNone/>
-            </a:pPr>
-            <a:r>
-              <a:t/>
-            </a:r>
+            <a:pPr marL="0" lvl="0" indent="0" algn="l" rtl="0">
+              <a:spcBef>
+                <a:spcPts val="0"/>
+              </a:spcBef>
+              <a:spcAft>
+                <a:spcPts val="0"/>
+              </a:spcAft>
+              <a:buNone/>
+            </a:pPr>
             <a:endParaRPr/>
           </a:p>
         </p:txBody>
@@ -2916,12 +2981,12 @@
 </p:notes>
 </file>
 
-<file path=ppt/notesSlides/notesSlide5.xml><?xml version="1.0" encoding="utf-8"?>
-<p:notes xmlns:a="http://schemas.openxmlformats.org/drawingml/2006/main" xmlns:r="http://schemas.openxmlformats.org/officeDocument/2006/relationships" xmlns:mc="http://schemas.openxmlformats.org/markup-compatibility/2006" xmlns:mv="urn:schemas-microsoft-com:mac:vml" xmlns:p="http://schemas.openxmlformats.org/presentationml/2006/main" xmlns:c="http://schemas.openxmlformats.org/drawingml/2006/chart" xmlns:dgm="http://schemas.openxmlformats.org/drawingml/2006/diagram" xmlns:o="urn:schemas-microsoft-com:office:office" xmlns:v="urn:schemas-microsoft-com:vml" xmlns:pvml="urn:schemas-microsoft-com:office:powerpoint" xmlns:com="http://schemas.openxmlformats.org/drawingml/2006/compatibility" xmlns:p14="http://schemas.microsoft.com/office/powerpoint/2010/main" xmlns:p15="http://schemas.microsoft.com/office/powerpoint/2012/main" xmlns:ahyp="http://schemas.microsoft.com/office/drawing/2018/hyperlinkcolor" showMasterPhAnim="0" showMasterSp="0">
+<file path=ppt/notesSlides/notesSlide3.xml><?xml version="1.0" encoding="utf-8"?>
+<p:notes xmlns:a="http://schemas.openxmlformats.org/drawingml/2006/main" xmlns:r="http://schemas.openxmlformats.org/officeDocument/2006/relationships" xmlns:p="http://schemas.openxmlformats.org/presentationml/2006/main" showMasterSp="0" showMasterPhAnim="0">
   <p:cSld>
     <p:spTree>
       <p:nvGrpSpPr>
-        <p:cNvPr id="83" name="Shape 83"/>
+        <p:cNvPr id="1" name="Shape 71"/>
         <p:cNvGrpSpPr/>
         <p:nvPr/>
       </p:nvGrpSpPr>
@@ -2935,10 +3000,12 @@
       </p:grpSpPr>
       <p:sp>
         <p:nvSpPr>
-          <p:cNvPr id="84" name="Google Shape;84;gd640bc8547_0_6:notes"/>
-          <p:cNvSpPr/>
+          <p:cNvPr id="72" name="Google Shape;72;gc9bd2ae073_0_6:notes"/>
+          <p:cNvSpPr>
+            <a:spLocks noGrp="1" noRot="1" noChangeAspect="1"/>
+          </p:cNvSpPr>
           <p:nvPr>
-            <p:ph idx="2" type="sldImg"/>
+            <p:ph type="sldImg" idx="2"/>
           </p:nvPr>
         </p:nvSpPr>
         <p:spPr>
@@ -2947,9 +3014,13 @@
             <a:ext cx="6096000" cy="3429000"/>
           </a:xfrm>
           <a:custGeom>
-            <a:rect b="b" l="l" r="r" t="t"/>
+            <a:avLst/>
+            <a:gdLst/>
+            <a:ahLst/>
+            <a:cxnLst/>
+            <a:rect l="l" t="t" r="r" b="b"/>
             <a:pathLst>
-              <a:path extrusionOk="0" h="120000" w="120000">
+              <a:path w="120000" h="120000" extrusionOk="0">
                 <a:moveTo>
                   <a:pt x="0" y="0"/>
                 </a:moveTo>
@@ -2970,10 +3041,12 @@
       </p:sp>
       <p:sp>
         <p:nvSpPr>
-          <p:cNvPr id="85" name="Google Shape;85;gd640bc8547_0_6:notes"/>
-          <p:cNvSpPr txBox="1"/>
+          <p:cNvPr id="73" name="Google Shape;73;gc9bd2ae073_0_6:notes"/>
+          <p:cNvSpPr txBox="1">
+            <a:spLocks noGrp="1"/>
+          </p:cNvSpPr>
           <p:nvPr>
-            <p:ph idx="1" type="body"/>
+            <p:ph type="body" idx="1"/>
           </p:nvPr>
         </p:nvSpPr>
         <p:spPr>
@@ -2986,24 +3059,86 @@
           </a:prstGeom>
         </p:spPr>
         <p:txBody>
-          <a:bodyPr anchorCtr="0" anchor="t" bIns="91425" lIns="91425" spcFirstLastPara="1" rIns="91425" wrap="square" tIns="91425">
+          <a:bodyPr spcFirstLastPara="1" wrap="square" lIns="91425" tIns="91425" rIns="91425" bIns="91425" anchor="t" anchorCtr="0">
             <a:noAutofit/>
           </a:bodyPr>
           <a:lstStyle/>
           <a:p>
-            <a:pPr indent="0" lvl="0" marL="0" rtl="0" algn="l">
-              <a:spcBef>
-                <a:spcPts val="0"/>
-              </a:spcBef>
-              <a:spcAft>
-                <a:spcPts val="0"/>
-              </a:spcAft>
-              <a:buNone/>
-            </a:pPr>
-            <a:r>
-              <a:rPr lang="en-GB"/>
-              <a:t>https://www.guru99.com/r-programming-introduction-basics.html</a:t>
-            </a:r>
+            <a:pPr marL="0" lvl="0" indent="0" algn="l" rtl="0">
+              <a:spcBef>
+                <a:spcPts val="0"/>
+              </a:spcBef>
+              <a:spcAft>
+                <a:spcPts val="0"/>
+              </a:spcAft>
+              <a:buNone/>
+            </a:pPr>
+            <a:r>
+              <a:rPr lang="en-GB" u="sng">
+                <a:solidFill>
+                  <a:schemeClr val="hlink"/>
+                </a:solidFill>
+                <a:hlinkClick r:id="rId3"/>
+              </a:rPr>
+              <a:t>https://www.r-project.org/</a:t>
+            </a:r>
+            <a:endParaRPr/>
+          </a:p>
+          <a:p>
+            <a:pPr marL="0" lvl="0" indent="0" algn="l" rtl="0">
+              <a:spcBef>
+                <a:spcPts val="0"/>
+              </a:spcBef>
+              <a:spcAft>
+                <a:spcPts val="0"/>
+              </a:spcAft>
+              <a:buNone/>
+            </a:pPr>
+            <a:endParaRPr/>
+          </a:p>
+          <a:p>
+            <a:pPr marL="0" lvl="0" indent="0" algn="l" rtl="0">
+              <a:spcBef>
+                <a:spcPts val="0"/>
+              </a:spcBef>
+              <a:spcAft>
+                <a:spcPts val="0"/>
+              </a:spcAft>
+              <a:buNone/>
+            </a:pPr>
+            <a:r>
+              <a:rPr lang="en-GB" u="sng">
+                <a:solidFill>
+                  <a:schemeClr val="hlink"/>
+                </a:solidFill>
+                <a:hlinkClick r:id="rId4"/>
+              </a:rPr>
+              <a:t>https://www.r-project.org/about.html</a:t>
+            </a:r>
+            <a:endParaRPr/>
+          </a:p>
+          <a:p>
+            <a:pPr marL="0" lvl="0" indent="0" algn="l" rtl="0">
+              <a:spcBef>
+                <a:spcPts val="0"/>
+              </a:spcBef>
+              <a:spcAft>
+                <a:spcPts val="0"/>
+              </a:spcAft>
+              <a:buNone/>
+            </a:pPr>
+            <a:endParaRPr/>
+          </a:p>
+          <a:p>
+            <a:pPr marL="0" lvl="0" indent="0" algn="l" rtl="0">
+              <a:spcBef>
+                <a:spcPts val="0"/>
+              </a:spcBef>
+              <a:spcAft>
+                <a:spcPts val="0"/>
+              </a:spcAft>
+              <a:buNone/>
+            </a:pPr>
             <a:endParaRPr/>
           </a:p>
         </p:txBody>
@@ -3016,12 +3151,12 @@
 </p:notes>
 </file>
 
-<file path=ppt/notesSlides/notesSlide6.xml><?xml version="1.0" encoding="utf-8"?>
-<p:notes xmlns:a="http://schemas.openxmlformats.org/drawingml/2006/main" xmlns:r="http://schemas.openxmlformats.org/officeDocument/2006/relationships" xmlns:mc="http://schemas.openxmlformats.org/markup-compatibility/2006" xmlns:mv="urn:schemas-microsoft-com:mac:vml" xmlns:p="http://schemas.openxmlformats.org/presentationml/2006/main" xmlns:c="http://schemas.openxmlformats.org/drawingml/2006/chart" xmlns:dgm="http://schemas.openxmlformats.org/drawingml/2006/diagram" xmlns:o="urn:schemas-microsoft-com:office:office" xmlns:v="urn:schemas-microsoft-com:vml" xmlns:pvml="urn:schemas-microsoft-com:office:powerpoint" xmlns:com="http://schemas.openxmlformats.org/drawingml/2006/compatibility" xmlns:p14="http://schemas.microsoft.com/office/powerpoint/2010/main" xmlns:p15="http://schemas.microsoft.com/office/powerpoint/2012/main" xmlns:ahyp="http://schemas.microsoft.com/office/drawing/2018/hyperlinkcolor" showMasterPhAnim="0" showMasterSp="0">
+<file path=ppt/notesSlides/notesSlide4.xml><?xml version="1.0" encoding="utf-8"?>
+<p:notes xmlns:a="http://schemas.openxmlformats.org/drawingml/2006/main" xmlns:r="http://schemas.openxmlformats.org/officeDocument/2006/relationships" xmlns:p="http://schemas.openxmlformats.org/presentationml/2006/main" showMasterSp="0" showMasterPhAnim="0">
   <p:cSld>
     <p:spTree>
       <p:nvGrpSpPr>
-        <p:cNvPr id="90" name="Shape 90"/>
+        <p:cNvPr id="1" name="Shape 77"/>
         <p:cNvGrpSpPr/>
         <p:nvPr/>
       </p:nvGrpSpPr>
@@ -3035,21 +3170,27 @@
       </p:grpSpPr>
       <p:sp>
         <p:nvSpPr>
-          <p:cNvPr id="91" name="Google Shape;91;gd640bc8547_0_13:notes"/>
-          <p:cNvSpPr/>
+          <p:cNvPr id="78" name="Google Shape;78;gc9bd2ae073_0_11:notes"/>
+          <p:cNvSpPr>
+            <a:spLocks noGrp="1" noRot="1" noChangeAspect="1"/>
+          </p:cNvSpPr>
           <p:nvPr>
-            <p:ph idx="2" type="sldImg"/>
+            <p:ph type="sldImg" idx="2"/>
           </p:nvPr>
         </p:nvSpPr>
         <p:spPr>
           <a:xfrm>
-            <a:off x="381300" y="685800"/>
+            <a:off x="381000" y="685800"/>
             <a:ext cx="6096000" cy="3429000"/>
           </a:xfrm>
           <a:custGeom>
-            <a:rect b="b" l="l" r="r" t="t"/>
+            <a:avLst/>
+            <a:gdLst/>
+            <a:ahLst/>
+            <a:cxnLst/>
+            <a:rect l="l" t="t" r="r" b="b"/>
             <a:pathLst>
-              <a:path extrusionOk="0" h="120000" w="120000">
+              <a:path w="120000" h="120000" extrusionOk="0">
                 <a:moveTo>
                   <a:pt x="0" y="0"/>
                 </a:moveTo>
@@ -3070,10 +3211,12 @@
       </p:sp>
       <p:sp>
         <p:nvSpPr>
-          <p:cNvPr id="92" name="Google Shape;92;gd640bc8547_0_13:notes"/>
-          <p:cNvSpPr txBox="1"/>
+          <p:cNvPr id="79" name="Google Shape;79;gc9bd2ae073_0_11:notes"/>
+          <p:cNvSpPr txBox="1">
+            <a:spLocks noGrp="1"/>
+          </p:cNvSpPr>
           <p:nvPr>
-            <p:ph idx="1" type="body"/>
+            <p:ph type="body" idx="1"/>
           </p:nvPr>
         </p:nvSpPr>
         <p:spPr>
@@ -3086,52 +3229,20 @@
           </a:prstGeom>
         </p:spPr>
         <p:txBody>
-          <a:bodyPr anchorCtr="0" anchor="t" bIns="91425" lIns="91425" spcFirstLastPara="1" rIns="91425" wrap="square" tIns="91425">
+          <a:bodyPr spcFirstLastPara="1" wrap="square" lIns="91425" tIns="91425" rIns="91425" bIns="91425" anchor="t" anchorCtr="0">
             <a:noAutofit/>
           </a:bodyPr>
           <a:lstStyle/>
           <a:p>
-            <a:pPr indent="0" lvl="0" marL="0" rtl="0" algn="l">
-              <a:spcBef>
-                <a:spcPts val="0"/>
-              </a:spcBef>
-              <a:spcAft>
-                <a:spcPts val="0"/>
-              </a:spcAft>
-              <a:buClr>
-                <a:schemeClr val="dk1"/>
-              </a:buClr>
-              <a:buSzPts val="1100"/>
-              <a:buFont typeface="Arial"/>
-              <a:buNone/>
-            </a:pPr>
-            <a:r>
-              <a:rPr lang="en-GB">
-                <a:solidFill>
-                  <a:schemeClr val="dk1"/>
-                </a:solidFill>
-              </a:rPr>
-              <a:t>https://www.guru99.com/r-programming-introduction-basics.html</a:t>
-            </a:r>
-            <a:endParaRPr>
-              <a:solidFill>
-                <a:schemeClr val="dk1"/>
-              </a:solidFill>
-            </a:endParaRPr>
-          </a:p>
-          <a:p>
-            <a:pPr indent="0" lvl="0" marL="0" rtl="0" algn="l">
-              <a:spcBef>
-                <a:spcPts val="0"/>
-              </a:spcBef>
-              <a:spcAft>
-                <a:spcPts val="0"/>
-              </a:spcAft>
-              <a:buNone/>
-            </a:pPr>
-            <a:r>
-              <a:t/>
-            </a:r>
+            <a:pPr marL="0" lvl="0" indent="0" algn="l" rtl="0">
+              <a:spcBef>
+                <a:spcPts val="0"/>
+              </a:spcBef>
+              <a:spcAft>
+                <a:spcPts val="0"/>
+              </a:spcAft>
+              <a:buNone/>
+            </a:pPr>
             <a:endParaRPr/>
           </a:p>
         </p:txBody>
@@ -3144,12 +3255,12 @@
 </p:notes>
 </file>
 
-<file path=ppt/notesSlides/notesSlide7.xml><?xml version="1.0" encoding="utf-8"?>
-<p:notes xmlns:a="http://schemas.openxmlformats.org/drawingml/2006/main" xmlns:r="http://schemas.openxmlformats.org/officeDocument/2006/relationships" xmlns:mc="http://schemas.openxmlformats.org/markup-compatibility/2006" xmlns:mv="urn:schemas-microsoft-com:mac:vml" xmlns:p="http://schemas.openxmlformats.org/presentationml/2006/main" xmlns:c="http://schemas.openxmlformats.org/drawingml/2006/chart" xmlns:dgm="http://schemas.openxmlformats.org/drawingml/2006/diagram" xmlns:o="urn:schemas-microsoft-com:office:office" xmlns:v="urn:schemas-microsoft-com:vml" xmlns:pvml="urn:schemas-microsoft-com:office:powerpoint" xmlns:com="http://schemas.openxmlformats.org/drawingml/2006/compatibility" xmlns:p14="http://schemas.microsoft.com/office/powerpoint/2010/main" xmlns:p15="http://schemas.microsoft.com/office/powerpoint/2012/main" xmlns:ahyp="http://schemas.microsoft.com/office/drawing/2018/hyperlinkcolor" showMasterPhAnim="0" showMasterSp="0">
+<file path=ppt/notesSlides/notesSlide5.xml><?xml version="1.0" encoding="utf-8"?>
+<p:notes xmlns:a="http://schemas.openxmlformats.org/drawingml/2006/main" xmlns:r="http://schemas.openxmlformats.org/officeDocument/2006/relationships" xmlns:p="http://schemas.openxmlformats.org/presentationml/2006/main" showMasterSp="0" showMasterPhAnim="0">
   <p:cSld>
     <p:spTree>
       <p:nvGrpSpPr>
-        <p:cNvPr id="97" name="Shape 97"/>
+        <p:cNvPr id="1" name="Shape 83"/>
         <p:cNvGrpSpPr/>
         <p:nvPr/>
       </p:nvGrpSpPr>
@@ -3163,10 +3274,12 @@
       </p:grpSpPr>
       <p:sp>
         <p:nvSpPr>
-          <p:cNvPr id="98" name="Google Shape;98;gc9bd2ae073_0_16:notes"/>
-          <p:cNvSpPr/>
+          <p:cNvPr id="84" name="Google Shape;84;gd640bc8547_0_6:notes"/>
+          <p:cNvSpPr>
+            <a:spLocks noGrp="1" noRot="1" noChangeAspect="1"/>
+          </p:cNvSpPr>
           <p:nvPr>
-            <p:ph idx="2" type="sldImg"/>
+            <p:ph type="sldImg" idx="2"/>
           </p:nvPr>
         </p:nvSpPr>
         <p:spPr>
@@ -3175,9 +3288,13 @@
             <a:ext cx="6096000" cy="3429000"/>
           </a:xfrm>
           <a:custGeom>
-            <a:rect b="b" l="l" r="r" t="t"/>
+            <a:avLst/>
+            <a:gdLst/>
+            <a:ahLst/>
+            <a:cxnLst/>
+            <a:rect l="l" t="t" r="r" b="b"/>
             <a:pathLst>
-              <a:path extrusionOk="0" h="120000" w="120000">
+              <a:path w="120000" h="120000" extrusionOk="0">
                 <a:moveTo>
                   <a:pt x="0" y="0"/>
                 </a:moveTo>
@@ -3198,10 +3315,12 @@
       </p:sp>
       <p:sp>
         <p:nvSpPr>
-          <p:cNvPr id="99" name="Google Shape;99;gc9bd2ae073_0_16:notes"/>
-          <p:cNvSpPr txBox="1"/>
+          <p:cNvPr id="85" name="Google Shape;85;gd640bc8547_0_6:notes"/>
+          <p:cNvSpPr txBox="1">
+            <a:spLocks noGrp="1"/>
+          </p:cNvSpPr>
           <p:nvPr>
-            <p:ph idx="1" type="body"/>
+            <p:ph type="body" idx="1"/>
           </p:nvPr>
         </p:nvSpPr>
         <p:spPr>
@@ -3214,58 +3333,23 @@
           </a:prstGeom>
         </p:spPr>
         <p:txBody>
-          <a:bodyPr anchorCtr="0" anchor="t" bIns="91425" lIns="91425" spcFirstLastPara="1" rIns="91425" wrap="square" tIns="91425">
+          <a:bodyPr spcFirstLastPara="1" wrap="square" lIns="91425" tIns="91425" rIns="91425" bIns="91425" anchor="t" anchorCtr="0">
             <a:noAutofit/>
           </a:bodyPr>
           <a:lstStyle/>
           <a:p>
-            <a:pPr indent="0" lvl="0" marL="0" rtl="0" algn="l">
-              <a:spcBef>
-                <a:spcPts val="0"/>
-              </a:spcBef>
-              <a:spcAft>
-                <a:spcPts val="0"/>
-              </a:spcAft>
-              <a:buNone/>
-            </a:pPr>
-            <a:r>
-              <a:rPr lang="en-GB" u="sng">
-                <a:solidFill>
-                  <a:schemeClr val="hlink"/>
-                </a:solidFill>
-                <a:hlinkClick r:id="rId2"/>
-              </a:rPr>
-              <a:t>https://cran.r-project.org/</a:t>
-            </a:r>
-            <a:endParaRPr/>
-          </a:p>
-          <a:p>
-            <a:pPr indent="0" lvl="0" marL="0" rtl="0" algn="l">
-              <a:spcBef>
-                <a:spcPts val="0"/>
-              </a:spcBef>
-              <a:spcAft>
-                <a:spcPts val="0"/>
-              </a:spcAft>
-              <a:buNone/>
-            </a:pPr>
-            <a:r>
-              <a:t/>
-            </a:r>
-            <a:endParaRPr/>
-          </a:p>
-          <a:p>
-            <a:pPr indent="0" lvl="0" marL="0" rtl="0" algn="l">
-              <a:spcBef>
-                <a:spcPts val="0"/>
-              </a:spcBef>
-              <a:spcAft>
-                <a:spcPts val="0"/>
-              </a:spcAft>
-              <a:buNone/>
-            </a:pPr>
-            <a:r>
-              <a:t/>
+            <a:pPr marL="0" lvl="0" indent="0" algn="l" rtl="0">
+              <a:spcBef>
+                <a:spcPts val="0"/>
+              </a:spcBef>
+              <a:spcAft>
+                <a:spcPts val="0"/>
+              </a:spcAft>
+              <a:buNone/>
+            </a:pPr>
+            <a:r>
+              <a:rPr lang="en-GB"/>
+              <a:t>https://www.guru99.com/r-programming-introduction-basics.html</a:t>
             </a:r>
             <a:endParaRPr/>
           </a:p>
@@ -3279,12 +3363,12 @@
 </p:notes>
 </file>
 
-<file path=ppt/notesSlides/notesSlide8.xml><?xml version="1.0" encoding="utf-8"?>
-<p:notes xmlns:a="http://schemas.openxmlformats.org/drawingml/2006/main" xmlns:r="http://schemas.openxmlformats.org/officeDocument/2006/relationships" xmlns:mc="http://schemas.openxmlformats.org/markup-compatibility/2006" xmlns:mv="urn:schemas-microsoft-com:mac:vml" xmlns:p="http://schemas.openxmlformats.org/presentationml/2006/main" xmlns:c="http://schemas.openxmlformats.org/drawingml/2006/chart" xmlns:dgm="http://schemas.openxmlformats.org/drawingml/2006/diagram" xmlns:o="urn:schemas-microsoft-com:office:office" xmlns:v="urn:schemas-microsoft-com:vml" xmlns:pvml="urn:schemas-microsoft-com:office:powerpoint" xmlns:com="http://schemas.openxmlformats.org/drawingml/2006/compatibility" xmlns:p14="http://schemas.microsoft.com/office/powerpoint/2010/main" xmlns:p15="http://schemas.microsoft.com/office/powerpoint/2012/main" xmlns:ahyp="http://schemas.microsoft.com/office/drawing/2018/hyperlinkcolor" showMasterPhAnim="0" showMasterSp="0">
+<file path=ppt/notesSlides/notesSlide6.xml><?xml version="1.0" encoding="utf-8"?>
+<p:notes xmlns:a="http://schemas.openxmlformats.org/drawingml/2006/main" xmlns:r="http://schemas.openxmlformats.org/officeDocument/2006/relationships" xmlns:p="http://schemas.openxmlformats.org/presentationml/2006/main" showMasterSp="0" showMasterPhAnim="0">
   <p:cSld>
     <p:spTree>
       <p:nvGrpSpPr>
-        <p:cNvPr id="103" name="Shape 103"/>
+        <p:cNvPr id="1" name="Shape 90"/>
         <p:cNvGrpSpPr/>
         <p:nvPr/>
       </p:nvGrpSpPr>
@@ -3298,10 +3382,12 @@
       </p:grpSpPr>
       <p:sp>
         <p:nvSpPr>
-          <p:cNvPr id="104" name="Google Shape;104;gd640bc8547_0_37:notes"/>
-          <p:cNvSpPr/>
+          <p:cNvPr id="91" name="Google Shape;91;gd640bc8547_0_13:notes"/>
+          <p:cNvSpPr>
+            <a:spLocks noGrp="1" noRot="1" noChangeAspect="1"/>
+          </p:cNvSpPr>
           <p:nvPr>
-            <p:ph idx="2" type="sldImg"/>
+            <p:ph type="sldImg" idx="2"/>
           </p:nvPr>
         </p:nvSpPr>
         <p:spPr>
@@ -3310,9 +3396,13 @@
             <a:ext cx="6096000" cy="3429000"/>
           </a:xfrm>
           <a:custGeom>
-            <a:rect b="b" l="l" r="r" t="t"/>
+            <a:avLst/>
+            <a:gdLst/>
+            <a:ahLst/>
+            <a:cxnLst/>
+            <a:rect l="l" t="t" r="r" b="b"/>
             <a:pathLst>
-              <a:path extrusionOk="0" h="120000" w="120000">
+              <a:path w="120000" h="120000" extrusionOk="0">
                 <a:moveTo>
                   <a:pt x="0" y="0"/>
                 </a:moveTo>
@@ -3333,10 +3423,12 @@
       </p:sp>
       <p:sp>
         <p:nvSpPr>
-          <p:cNvPr id="105" name="Google Shape;105;gd640bc8547_0_37:notes"/>
-          <p:cNvSpPr txBox="1"/>
+          <p:cNvPr id="92" name="Google Shape;92;gd640bc8547_0_13:notes"/>
+          <p:cNvSpPr txBox="1">
+            <a:spLocks noGrp="1"/>
+          </p:cNvSpPr>
           <p:nvPr>
-            <p:ph idx="1" type="body"/>
+            <p:ph type="body" idx="1"/>
           </p:nvPr>
         </p:nvSpPr>
         <p:spPr>
@@ -3349,23 +3441,49 @@
           </a:prstGeom>
         </p:spPr>
         <p:txBody>
-          <a:bodyPr anchorCtr="0" anchor="t" bIns="91425" lIns="91425" spcFirstLastPara="1" rIns="91425" wrap="square" tIns="91425">
+          <a:bodyPr spcFirstLastPara="1" wrap="square" lIns="91425" tIns="91425" rIns="91425" bIns="91425" anchor="t" anchorCtr="0">
             <a:noAutofit/>
           </a:bodyPr>
           <a:lstStyle/>
           <a:p>
-            <a:pPr indent="0" lvl="0" marL="0" rtl="0" algn="l">
-              <a:spcBef>
-                <a:spcPts val="0"/>
-              </a:spcBef>
-              <a:spcAft>
-                <a:spcPts val="0"/>
-              </a:spcAft>
-              <a:buNone/>
-            </a:pPr>
-            <a:r>
-              <a:t/>
-            </a:r>
+            <a:pPr marL="0" lvl="0" indent="0" algn="l" rtl="0">
+              <a:spcBef>
+                <a:spcPts val="0"/>
+              </a:spcBef>
+              <a:spcAft>
+                <a:spcPts val="0"/>
+              </a:spcAft>
+              <a:buClr>
+                <a:schemeClr val="dk1"/>
+              </a:buClr>
+              <a:buSzPts val="1100"/>
+              <a:buFont typeface="Arial"/>
+              <a:buNone/>
+            </a:pPr>
+            <a:r>
+              <a:rPr lang="en-GB">
+                <a:solidFill>
+                  <a:schemeClr val="dk1"/>
+                </a:solidFill>
+              </a:rPr>
+              <a:t>https://www.guru99.com/r-programming-introduction-basics.html</a:t>
+            </a:r>
+            <a:endParaRPr>
+              <a:solidFill>
+                <a:schemeClr val="dk1"/>
+              </a:solidFill>
+            </a:endParaRPr>
+          </a:p>
+          <a:p>
+            <a:pPr marL="0" lvl="0" indent="0" algn="l" rtl="0">
+              <a:spcBef>
+                <a:spcPts val="0"/>
+              </a:spcBef>
+              <a:spcAft>
+                <a:spcPts val="0"/>
+              </a:spcAft>
+              <a:buNone/>
+            </a:pPr>
             <a:endParaRPr/>
           </a:p>
         </p:txBody>
@@ -3378,12 +3496,12 @@
 </p:notes>
 </file>
 
-<file path=ppt/notesSlides/notesSlide9.xml><?xml version="1.0" encoding="utf-8"?>
-<p:notes xmlns:a="http://schemas.openxmlformats.org/drawingml/2006/main" xmlns:r="http://schemas.openxmlformats.org/officeDocument/2006/relationships" xmlns:mc="http://schemas.openxmlformats.org/markup-compatibility/2006" xmlns:mv="urn:schemas-microsoft-com:mac:vml" xmlns:p="http://schemas.openxmlformats.org/presentationml/2006/main" xmlns:c="http://schemas.openxmlformats.org/drawingml/2006/chart" xmlns:dgm="http://schemas.openxmlformats.org/drawingml/2006/diagram" xmlns:o="urn:schemas-microsoft-com:office:office" xmlns:v="urn:schemas-microsoft-com:vml" xmlns:pvml="urn:schemas-microsoft-com:office:powerpoint" xmlns:com="http://schemas.openxmlformats.org/drawingml/2006/compatibility" xmlns:p14="http://schemas.microsoft.com/office/powerpoint/2010/main" xmlns:p15="http://schemas.microsoft.com/office/powerpoint/2012/main" xmlns:ahyp="http://schemas.microsoft.com/office/drawing/2018/hyperlinkcolor" showMasterPhAnim="0" showMasterSp="0">
+<file path=ppt/notesSlides/notesSlide7.xml><?xml version="1.0" encoding="utf-8"?>
+<p:notes xmlns:a="http://schemas.openxmlformats.org/drawingml/2006/main" xmlns:r="http://schemas.openxmlformats.org/officeDocument/2006/relationships" xmlns:p="http://schemas.openxmlformats.org/presentationml/2006/main" showMasterSp="0" showMasterPhAnim="0">
   <p:cSld>
     <p:spTree>
       <p:nvGrpSpPr>
-        <p:cNvPr id="110" name="Shape 110"/>
+        <p:cNvPr id="1" name="Shape 97"/>
         <p:cNvGrpSpPr/>
         <p:nvPr/>
       </p:nvGrpSpPr>
@@ -3397,21 +3515,27 @@
       </p:grpSpPr>
       <p:sp>
         <p:nvSpPr>
-          <p:cNvPr id="111" name="Google Shape;111;gd640bc8547_0_24:notes"/>
-          <p:cNvSpPr/>
+          <p:cNvPr id="98" name="Google Shape;98;gc9bd2ae073_0_16:notes"/>
+          <p:cNvSpPr>
+            <a:spLocks noGrp="1" noRot="1" noChangeAspect="1"/>
+          </p:cNvSpPr>
           <p:nvPr>
-            <p:ph idx="2" type="sldImg"/>
+            <p:ph type="sldImg" idx="2"/>
           </p:nvPr>
         </p:nvSpPr>
         <p:spPr>
           <a:xfrm>
-            <a:off x="381300" y="685800"/>
+            <a:off x="381000" y="685800"/>
             <a:ext cx="6096000" cy="3429000"/>
           </a:xfrm>
           <a:custGeom>
-            <a:rect b="b" l="l" r="r" t="t"/>
+            <a:avLst/>
+            <a:gdLst/>
+            <a:ahLst/>
+            <a:cxnLst/>
+            <a:rect l="l" t="t" r="r" b="b"/>
             <a:pathLst>
-              <a:path extrusionOk="0" h="120000" w="120000">
+              <a:path w="120000" h="120000" extrusionOk="0">
                 <a:moveTo>
                   <a:pt x="0" y="0"/>
                 </a:moveTo>
@@ -3432,10 +3556,12 @@
       </p:sp>
       <p:sp>
         <p:nvSpPr>
-          <p:cNvPr id="112" name="Google Shape;112;gd640bc8547_0_24:notes"/>
-          <p:cNvSpPr txBox="1"/>
+          <p:cNvPr id="99" name="Google Shape;99;gc9bd2ae073_0_16:notes"/>
+          <p:cNvSpPr txBox="1">
+            <a:spLocks noGrp="1"/>
+          </p:cNvSpPr>
           <p:nvPr>
-            <p:ph idx="1" type="body"/>
+            <p:ph type="body" idx="1"/>
           </p:nvPr>
         </p:nvSpPr>
         <p:spPr>
@@ -3448,23 +3574,261 @@
           </a:prstGeom>
         </p:spPr>
         <p:txBody>
-          <a:bodyPr anchorCtr="0" anchor="t" bIns="91425" lIns="91425" spcFirstLastPara="1" rIns="91425" wrap="square" tIns="91425">
+          <a:bodyPr spcFirstLastPara="1" wrap="square" lIns="91425" tIns="91425" rIns="91425" bIns="91425" anchor="t" anchorCtr="0">
             <a:noAutofit/>
           </a:bodyPr>
           <a:lstStyle/>
           <a:p>
-            <a:pPr indent="0" lvl="0" marL="0" rtl="0" algn="l">
-              <a:spcBef>
-                <a:spcPts val="0"/>
-              </a:spcBef>
-              <a:spcAft>
-                <a:spcPts val="0"/>
-              </a:spcAft>
-              <a:buNone/>
-            </a:pPr>
-            <a:r>
-              <a:t/>
-            </a:r>
+            <a:pPr marL="0" lvl="0" indent="0" algn="l" rtl="0">
+              <a:spcBef>
+                <a:spcPts val="0"/>
+              </a:spcBef>
+              <a:spcAft>
+                <a:spcPts val="0"/>
+              </a:spcAft>
+              <a:buNone/>
+            </a:pPr>
+            <a:r>
+              <a:rPr lang="en-GB" u="sng">
+                <a:solidFill>
+                  <a:schemeClr val="hlink"/>
+                </a:solidFill>
+                <a:hlinkClick r:id="rId3"/>
+              </a:rPr>
+              <a:t>https://cran.r-project.org/</a:t>
+            </a:r>
+            <a:endParaRPr/>
+          </a:p>
+          <a:p>
+            <a:pPr marL="0" lvl="0" indent="0" algn="l" rtl="0">
+              <a:spcBef>
+                <a:spcPts val="0"/>
+              </a:spcBef>
+              <a:spcAft>
+                <a:spcPts val="0"/>
+              </a:spcAft>
+              <a:buNone/>
+            </a:pPr>
+            <a:endParaRPr/>
+          </a:p>
+          <a:p>
+            <a:pPr marL="0" lvl="0" indent="0" algn="l" rtl="0">
+              <a:spcBef>
+                <a:spcPts val="0"/>
+              </a:spcBef>
+              <a:spcAft>
+                <a:spcPts val="0"/>
+              </a:spcAft>
+              <a:buNone/>
+            </a:pPr>
+            <a:endParaRPr/>
+          </a:p>
+        </p:txBody>
+      </p:sp>
+    </p:spTree>
+  </p:cSld>
+  <p:clrMapOvr>
+    <a:masterClrMapping/>
+  </p:clrMapOvr>
+</p:notes>
+</file>
+
+<file path=ppt/notesSlides/notesSlide8.xml><?xml version="1.0" encoding="utf-8"?>
+<p:notes xmlns:a="http://schemas.openxmlformats.org/drawingml/2006/main" xmlns:r="http://schemas.openxmlformats.org/officeDocument/2006/relationships" xmlns:p="http://schemas.openxmlformats.org/presentationml/2006/main" showMasterSp="0" showMasterPhAnim="0">
+  <p:cSld>
+    <p:spTree>
+      <p:nvGrpSpPr>
+        <p:cNvPr id="1" name="Shape 103"/>
+        <p:cNvGrpSpPr/>
+        <p:nvPr/>
+      </p:nvGrpSpPr>
+      <p:grpSpPr>
+        <a:xfrm>
+          <a:off x="0" y="0"/>
+          <a:ext cx="0" cy="0"/>
+          <a:chOff x="0" y="0"/>
+          <a:chExt cx="0" cy="0"/>
+        </a:xfrm>
+      </p:grpSpPr>
+      <p:sp>
+        <p:nvSpPr>
+          <p:cNvPr id="104" name="Google Shape;104;gd640bc8547_0_37:notes"/>
+          <p:cNvSpPr>
+            <a:spLocks noGrp="1" noRot="1" noChangeAspect="1"/>
+          </p:cNvSpPr>
+          <p:nvPr>
+            <p:ph type="sldImg" idx="2"/>
+          </p:nvPr>
+        </p:nvSpPr>
+        <p:spPr>
+          <a:xfrm>
+            <a:off x="381300" y="685800"/>
+            <a:ext cx="6096000" cy="3429000"/>
+          </a:xfrm>
+          <a:custGeom>
+            <a:avLst/>
+            <a:gdLst/>
+            <a:ahLst/>
+            <a:cxnLst/>
+            <a:rect l="l" t="t" r="r" b="b"/>
+            <a:pathLst>
+              <a:path w="120000" h="120000" extrusionOk="0">
+                <a:moveTo>
+                  <a:pt x="0" y="0"/>
+                </a:moveTo>
+                <a:lnTo>
+                  <a:pt x="120000" y="0"/>
+                </a:lnTo>
+                <a:lnTo>
+                  <a:pt x="120000" y="120000"/>
+                </a:lnTo>
+                <a:lnTo>
+                  <a:pt x="0" y="120000"/>
+                </a:lnTo>
+                <a:close/>
+              </a:path>
+            </a:pathLst>
+          </a:custGeom>
+        </p:spPr>
+      </p:sp>
+      <p:sp>
+        <p:nvSpPr>
+          <p:cNvPr id="105" name="Google Shape;105;gd640bc8547_0_37:notes"/>
+          <p:cNvSpPr txBox="1">
+            <a:spLocks noGrp="1"/>
+          </p:cNvSpPr>
+          <p:nvPr>
+            <p:ph type="body" idx="1"/>
+          </p:nvPr>
+        </p:nvSpPr>
+        <p:spPr>
+          <a:xfrm>
+            <a:off x="685800" y="4343400"/>
+            <a:ext cx="5486400" cy="4114800"/>
+          </a:xfrm>
+          <a:prstGeom prst="rect">
+            <a:avLst/>
+          </a:prstGeom>
+        </p:spPr>
+        <p:txBody>
+          <a:bodyPr spcFirstLastPara="1" wrap="square" lIns="91425" tIns="91425" rIns="91425" bIns="91425" anchor="t" anchorCtr="0">
+            <a:noAutofit/>
+          </a:bodyPr>
+          <a:lstStyle/>
+          <a:p>
+            <a:pPr marL="0" lvl="0" indent="0" algn="l" rtl="0">
+              <a:spcBef>
+                <a:spcPts val="0"/>
+              </a:spcBef>
+              <a:spcAft>
+                <a:spcPts val="0"/>
+              </a:spcAft>
+              <a:buNone/>
+            </a:pPr>
+            <a:endParaRPr/>
+          </a:p>
+        </p:txBody>
+      </p:sp>
+    </p:spTree>
+  </p:cSld>
+  <p:clrMapOvr>
+    <a:masterClrMapping/>
+  </p:clrMapOvr>
+</p:notes>
+</file>
+
+<file path=ppt/notesSlides/notesSlide9.xml><?xml version="1.0" encoding="utf-8"?>
+<p:notes xmlns:a="http://schemas.openxmlformats.org/drawingml/2006/main" xmlns:r="http://schemas.openxmlformats.org/officeDocument/2006/relationships" xmlns:p="http://schemas.openxmlformats.org/presentationml/2006/main" showMasterSp="0" showMasterPhAnim="0">
+  <p:cSld>
+    <p:spTree>
+      <p:nvGrpSpPr>
+        <p:cNvPr id="1" name="Shape 110"/>
+        <p:cNvGrpSpPr/>
+        <p:nvPr/>
+      </p:nvGrpSpPr>
+      <p:grpSpPr>
+        <a:xfrm>
+          <a:off x="0" y="0"/>
+          <a:ext cx="0" cy="0"/>
+          <a:chOff x="0" y="0"/>
+          <a:chExt cx="0" cy="0"/>
+        </a:xfrm>
+      </p:grpSpPr>
+      <p:sp>
+        <p:nvSpPr>
+          <p:cNvPr id="111" name="Google Shape;111;gd640bc8547_0_24:notes"/>
+          <p:cNvSpPr>
+            <a:spLocks noGrp="1" noRot="1" noChangeAspect="1"/>
+          </p:cNvSpPr>
+          <p:nvPr>
+            <p:ph type="sldImg" idx="2"/>
+          </p:nvPr>
+        </p:nvSpPr>
+        <p:spPr>
+          <a:xfrm>
+            <a:off x="381300" y="685800"/>
+            <a:ext cx="6096000" cy="3429000"/>
+          </a:xfrm>
+          <a:custGeom>
+            <a:avLst/>
+            <a:gdLst/>
+            <a:ahLst/>
+            <a:cxnLst/>
+            <a:rect l="l" t="t" r="r" b="b"/>
+            <a:pathLst>
+              <a:path w="120000" h="120000" extrusionOk="0">
+                <a:moveTo>
+                  <a:pt x="0" y="0"/>
+                </a:moveTo>
+                <a:lnTo>
+                  <a:pt x="120000" y="0"/>
+                </a:lnTo>
+                <a:lnTo>
+                  <a:pt x="120000" y="120000"/>
+                </a:lnTo>
+                <a:lnTo>
+                  <a:pt x="0" y="120000"/>
+                </a:lnTo>
+                <a:close/>
+              </a:path>
+            </a:pathLst>
+          </a:custGeom>
+        </p:spPr>
+      </p:sp>
+      <p:sp>
+        <p:nvSpPr>
+          <p:cNvPr id="112" name="Google Shape;112;gd640bc8547_0_24:notes"/>
+          <p:cNvSpPr txBox="1">
+            <a:spLocks noGrp="1"/>
+          </p:cNvSpPr>
+          <p:nvPr>
+            <p:ph type="body" idx="1"/>
+          </p:nvPr>
+        </p:nvSpPr>
+        <p:spPr>
+          <a:xfrm>
+            <a:off x="685800" y="4343400"/>
+            <a:ext cx="5486400" cy="4114800"/>
+          </a:xfrm>
+          <a:prstGeom prst="rect">
+            <a:avLst/>
+          </a:prstGeom>
+        </p:spPr>
+        <p:txBody>
+          <a:bodyPr spcFirstLastPara="1" wrap="square" lIns="91425" tIns="91425" rIns="91425" bIns="91425" anchor="t" anchorCtr="0">
+            <a:noAutofit/>
+          </a:bodyPr>
+          <a:lstStyle/>
+          <a:p>
+            <a:pPr marL="0" lvl="0" indent="0" algn="l" rtl="0">
+              <a:spcBef>
+                <a:spcPts val="0"/>
+              </a:spcBef>
+              <a:spcAft>
+                <a:spcPts val="0"/>
+              </a:spcAft>
+              <a:buNone/>
+            </a:pPr>
             <a:endParaRPr/>
           </a:p>
         </p:txBody>
@@ -3478,11 +3842,11 @@
 </file>
 
 <file path=ppt/slideLayouts/slideLayout1.xml><?xml version="1.0" encoding="utf-8"?>
-<p:sldLayout xmlns:a="http://schemas.openxmlformats.org/drawingml/2006/main" xmlns:r="http://schemas.openxmlformats.org/officeDocument/2006/relationships" xmlns:mc="http://schemas.openxmlformats.org/markup-compatibility/2006" xmlns:mv="urn:schemas-microsoft-com:mac:vml" xmlns:p="http://schemas.openxmlformats.org/presentationml/2006/main" xmlns:c="http://schemas.openxmlformats.org/drawingml/2006/chart" xmlns:dgm="http://schemas.openxmlformats.org/drawingml/2006/diagram" xmlns:o="urn:schemas-microsoft-com:office:office" xmlns:v="urn:schemas-microsoft-com:vml" xmlns:pvml="urn:schemas-microsoft-com:office:powerpoint" xmlns:com="http://schemas.openxmlformats.org/drawingml/2006/compatibility" xmlns:p14="http://schemas.microsoft.com/office/powerpoint/2010/main" xmlns:p15="http://schemas.microsoft.com/office/powerpoint/2012/main" xmlns:ahyp="http://schemas.microsoft.com/office/drawing/2018/hyperlinkcolor" matchingName="Title slide" type="title">
+<p:sldLayout xmlns:a="http://schemas.openxmlformats.org/drawingml/2006/main" xmlns:r="http://schemas.openxmlformats.org/officeDocument/2006/relationships" xmlns:p="http://schemas.openxmlformats.org/presentationml/2006/main" matchingName="Title slide" type="title">
   <p:cSld name="TITLE">
     <p:spTree>
       <p:nvGrpSpPr>
-        <p:cNvPr id="9" name="Shape 9"/>
+        <p:cNvPr id="1" name="Shape 9"/>
         <p:cNvGrpSpPr/>
         <p:nvPr/>
       </p:nvGrpSpPr>
@@ -3506,9 +3870,13 @@
             <a:ext cx="1081625" cy="1124950"/>
           </a:xfrm>
           <a:custGeom>
-            <a:rect b="b" l="l" r="r" t="t"/>
+            <a:avLst/>
+            <a:gdLst/>
+            <a:ahLst/>
+            <a:cxnLst/>
+            <a:rect l="l" t="t" r="r" b="b"/>
             <a:pathLst>
-              <a:path extrusionOk="0" h="44998" w="43265">
+              <a:path w="43265" h="44998" extrusionOk="0">
                 <a:moveTo>
                   <a:pt x="0" y="44998"/>
                 </a:moveTo>
@@ -3522,14 +3890,14 @@
             </a:pathLst>
           </a:custGeom>
           <a:noFill/>
-          <a:ln cap="flat" cmpd="sng" w="28575">
+          <a:ln w="28575" cap="flat" cmpd="sng">
             <a:solidFill>
               <a:schemeClr val="accent5"/>
             </a:solidFill>
             <a:prstDash val="solid"/>
             <a:miter lim="8000"/>
-            <a:headEnd len="sm" w="sm" type="none"/>
-            <a:tailEnd len="sm" w="sm" type="none"/>
+            <a:headEnd type="none" w="sm" len="sm"/>
+            <a:tailEnd type="none" w="sm" len="sm"/>
           </a:ln>
         </p:spPr>
       </p:sp>
@@ -3545,9 +3913,13 @@
             <a:ext cx="1081625" cy="1124950"/>
           </a:xfrm>
           <a:custGeom>
-            <a:rect b="b" l="l" r="r" t="t"/>
+            <a:avLst/>
+            <a:gdLst/>
+            <a:ahLst/>
+            <a:cxnLst/>
+            <a:rect l="l" t="t" r="r" b="b"/>
             <a:pathLst>
-              <a:path extrusionOk="0" h="44998" w="43265">
+              <a:path w="43265" h="44998" extrusionOk="0">
                 <a:moveTo>
                   <a:pt x="0" y="44998"/>
                 </a:moveTo>
@@ -3561,14 +3933,14 @@
             </a:pathLst>
           </a:custGeom>
           <a:noFill/>
-          <a:ln cap="flat" cmpd="sng" w="28575">
+          <a:ln w="28575" cap="flat" cmpd="sng">
             <a:solidFill>
               <a:schemeClr val="accent5"/>
             </a:solidFill>
             <a:prstDash val="solid"/>
             <a:miter lim="8000"/>
-            <a:headEnd len="sm" w="sm" type="none"/>
-            <a:tailEnd len="sm" w="sm" type="none"/>
+            <a:headEnd type="none" w="sm" len="sm"/>
+            <a:tailEnd type="none" w="sm" len="sm"/>
           </a:ln>
         </p:spPr>
       </p:sp>
@@ -3587,21 +3959,23 @@
             <a:avLst/>
           </a:prstGeom>
           <a:noFill/>
-          <a:ln cap="flat" cmpd="sng" w="38100">
+          <a:ln w="38100" cap="flat" cmpd="sng">
             <a:solidFill>
               <a:schemeClr val="accent4"/>
             </a:solidFill>
             <a:prstDash val="solid"/>
             <a:round/>
-            <a:headEnd len="sm" w="sm" type="none"/>
-            <a:tailEnd len="sm" w="sm" type="none"/>
+            <a:headEnd type="none" w="sm" len="sm"/>
+            <a:tailEnd type="none" w="sm" len="sm"/>
           </a:ln>
         </p:spPr>
       </p:cxnSp>
       <p:sp>
         <p:nvSpPr>
           <p:cNvPr id="13" name="Google Shape;13;p2"/>
-          <p:cNvSpPr txBox="1"/>
+          <p:cNvSpPr txBox="1">
+            <a:spLocks noGrp="1"/>
+          </p:cNvSpPr>
           <p:nvPr>
             <p:ph type="ctrTitle"/>
           </p:nvPr>
@@ -3616,7 +3990,7 @@
           </a:prstGeom>
         </p:spPr>
         <p:txBody>
-          <a:bodyPr anchorCtr="0" anchor="b" bIns="91425" lIns="91425" spcFirstLastPara="1" rIns="91425" wrap="square" tIns="91425">
+          <a:bodyPr spcFirstLastPara="1" wrap="square" lIns="91425" tIns="91425" rIns="91425" bIns="91425" anchor="b" anchorCtr="0">
             <a:normAutofit/>
           </a:bodyPr>
           <a:lstStyle>
@@ -3720,15 +4094,19 @@
               <a:defRPr sz="4000"/>
             </a:lvl9pPr>
           </a:lstStyle>
-          <a:p/>
+          <a:p>
+            <a:endParaRPr/>
+          </a:p>
         </p:txBody>
       </p:sp>
       <p:sp>
         <p:nvSpPr>
           <p:cNvPr id="14" name="Google Shape;14;p2"/>
-          <p:cNvSpPr txBox="1"/>
+          <p:cNvSpPr txBox="1">
+            <a:spLocks noGrp="1"/>
+          </p:cNvSpPr>
           <p:nvPr>
-            <p:ph idx="1" type="subTitle"/>
+            <p:ph type="subTitle" idx="1"/>
           </p:nvPr>
         </p:nvSpPr>
         <p:spPr>
@@ -3741,7 +4119,7 @@
           </a:prstGeom>
         </p:spPr>
         <p:txBody>
-          <a:bodyPr anchorCtr="0" anchor="t" bIns="91425" lIns="91425" spcFirstLastPara="1" rIns="91425" wrap="square" tIns="91425">
+          <a:bodyPr spcFirstLastPara="1" wrap="square" lIns="91425" tIns="91425" rIns="91425" bIns="91425" anchor="t" anchorCtr="0">
             <a:normAutofit/>
           </a:bodyPr>
           <a:lstStyle>
@@ -3980,15 +4358,19 @@
               </a:defRPr>
             </a:lvl9pPr>
           </a:lstStyle>
-          <a:p/>
+          <a:p>
+            <a:endParaRPr/>
+          </a:p>
         </p:txBody>
       </p:sp>
       <p:sp>
         <p:nvSpPr>
           <p:cNvPr id="15" name="Google Shape;15;p2"/>
-          <p:cNvSpPr txBox="1"/>
+          <p:cNvSpPr txBox="1">
+            <a:spLocks noGrp="1"/>
+          </p:cNvSpPr>
           <p:nvPr>
-            <p:ph idx="12" type="sldNum"/>
+            <p:ph type="sldNum" idx="12"/>
           </p:nvPr>
         </p:nvSpPr>
         <p:spPr>
@@ -4001,7 +4383,7 @@
           </a:prstGeom>
         </p:spPr>
         <p:txBody>
-          <a:bodyPr anchorCtr="0" anchor="ctr" bIns="91425" lIns="91425" spcFirstLastPara="1" rIns="91425" wrap="square" tIns="91425">
+          <a:bodyPr spcFirstLastPara="1" wrap="square" lIns="91425" tIns="91425" rIns="91425" bIns="91425" anchor="ctr" anchorCtr="0">
             <a:normAutofit/>
           </a:bodyPr>
           <a:lstStyle>
@@ -4043,7 +4425,7 @@
             </a:lvl9pPr>
           </a:lstStyle>
           <a:p>
-            <a:pPr indent="0" lvl="0" marL="0" rtl="0" algn="r">
+            <a:pPr marL="0" lvl="0" indent="0" algn="r" rtl="0">
               <a:spcBef>
                 <a:spcPts val="0"/>
               </a:spcBef>
@@ -4069,11 +4451,11 @@
 </file>
 
 <file path=ppt/slideLayouts/slideLayout10.xml><?xml version="1.0" encoding="utf-8"?>
-<p:sldLayout xmlns:a="http://schemas.openxmlformats.org/drawingml/2006/main" xmlns:r="http://schemas.openxmlformats.org/officeDocument/2006/relationships" xmlns:mc="http://schemas.openxmlformats.org/markup-compatibility/2006" xmlns:mv="urn:schemas-microsoft-com:mac:vml" xmlns:p="http://schemas.openxmlformats.org/presentationml/2006/main" xmlns:c="http://schemas.openxmlformats.org/drawingml/2006/chart" xmlns:dgm="http://schemas.openxmlformats.org/drawingml/2006/diagram" xmlns:o="urn:schemas-microsoft-com:office:office" xmlns:v="urn:schemas-microsoft-com:vml" xmlns:pvml="urn:schemas-microsoft-com:office:powerpoint" xmlns:com="http://schemas.openxmlformats.org/drawingml/2006/compatibility" xmlns:p14="http://schemas.microsoft.com/office/powerpoint/2010/main" xmlns:p15="http://schemas.microsoft.com/office/powerpoint/2012/main" xmlns:ahyp="http://schemas.microsoft.com/office/drawing/2018/hyperlinkcolor" matchingName="Big number">
+<p:sldLayout xmlns:a="http://schemas.openxmlformats.org/drawingml/2006/main" xmlns:r="http://schemas.openxmlformats.org/officeDocument/2006/relationships" xmlns:p="http://schemas.openxmlformats.org/presentationml/2006/main" matchingName="Big number">
   <p:cSld name="BIG_NUMBER">
     <p:spTree>
       <p:nvGrpSpPr>
-        <p:cNvPr id="52" name="Shape 52"/>
+        <p:cNvPr id="1" name="Shape 52"/>
         <p:cNvGrpSpPr/>
         <p:nvPr/>
       </p:nvGrpSpPr>
@@ -4107,23 +4489,20 @@
           </a:ln>
         </p:spPr>
         <p:txBody>
-          <a:bodyPr anchorCtr="0" anchor="ctr" bIns="91425" lIns="91425" spcFirstLastPara="1" rIns="91425" wrap="square" tIns="91425">
+          <a:bodyPr spcFirstLastPara="1" wrap="square" lIns="91425" tIns="91425" rIns="91425" bIns="91425" anchor="ctr" anchorCtr="0">
             <a:noAutofit/>
           </a:bodyPr>
           <a:lstStyle/>
           <a:p>
-            <a:pPr indent="0" lvl="0" marL="0" rtl="0" algn="l">
-              <a:spcBef>
-                <a:spcPts val="0"/>
-              </a:spcBef>
-              <a:spcAft>
-                <a:spcPts val="0"/>
-              </a:spcAft>
-              <a:buNone/>
-            </a:pPr>
-            <a:r>
-              <a:t/>
-            </a:r>
+            <a:pPr marL="0" lvl="0" indent="0" algn="l" rtl="0">
+              <a:spcBef>
+                <a:spcPts val="0"/>
+              </a:spcBef>
+              <a:spcAft>
+                <a:spcPts val="0"/>
+              </a:spcAft>
+              <a:buNone/>
+            </a:pPr>
             <a:endParaRPr/>
           </a:p>
         </p:txBody>
@@ -4131,9 +4510,11 @@
       <p:sp>
         <p:nvSpPr>
           <p:cNvPr id="54" name="Google Shape;54;p11"/>
-          <p:cNvSpPr txBox="1"/>
+          <p:cNvSpPr txBox="1">
+            <a:spLocks noGrp="1"/>
+          </p:cNvSpPr>
           <p:nvPr>
-            <p:ph hasCustomPrompt="1" type="title"/>
+            <p:ph type="title" hasCustomPrompt="1"/>
           </p:nvPr>
         </p:nvSpPr>
         <p:spPr>
@@ -4146,7 +4527,7 @@
           </a:prstGeom>
         </p:spPr>
         <p:txBody>
-          <a:bodyPr anchorCtr="0" anchor="ctr" bIns="91425" lIns="91425" spcFirstLastPara="1" rIns="91425" wrap="square" tIns="91425">
+          <a:bodyPr spcFirstLastPara="1" wrap="square" lIns="91425" tIns="91425" rIns="91425" bIns="91425" anchor="ctr" anchorCtr="0">
             <a:normAutofit/>
           </a:bodyPr>
           <a:lstStyle>
@@ -4323,9 +4704,11 @@
       <p:sp>
         <p:nvSpPr>
           <p:cNvPr id="55" name="Google Shape;55;p11"/>
-          <p:cNvSpPr txBox="1"/>
+          <p:cNvSpPr txBox="1">
+            <a:spLocks noGrp="1"/>
+          </p:cNvSpPr>
           <p:nvPr>
-            <p:ph idx="1" type="body"/>
+            <p:ph type="body" idx="1"/>
           </p:nvPr>
         </p:nvSpPr>
         <p:spPr>
@@ -4338,11 +4721,11 @@
           </a:prstGeom>
         </p:spPr>
         <p:txBody>
-          <a:bodyPr anchorCtr="0" anchor="t" bIns="91425" lIns="91425" spcFirstLastPara="1" rIns="91425" wrap="square" tIns="91425">
+          <a:bodyPr spcFirstLastPara="1" wrap="square" lIns="91425" tIns="91425" rIns="91425" bIns="91425" anchor="t" anchorCtr="0">
             <a:normAutofit/>
           </a:bodyPr>
           <a:lstStyle>
-            <a:lvl1pPr indent="-342900" lvl="0" marL="457200" algn="ctr">
+            <a:lvl1pPr marL="457200" lvl="0" indent="-342900" algn="ctr">
               <a:spcBef>
                 <a:spcPts val="0"/>
               </a:spcBef>
@@ -4353,7 +4736,7 @@
               <a:buChar char="●"/>
               <a:defRPr/>
             </a:lvl1pPr>
-            <a:lvl2pPr indent="-317500" lvl="1" marL="914400" algn="ctr">
+            <a:lvl2pPr marL="914400" lvl="1" indent="-317500" algn="ctr">
               <a:spcBef>
                 <a:spcPts val="0"/>
               </a:spcBef>
@@ -4364,7 +4747,7 @@
               <a:buChar char="○"/>
               <a:defRPr/>
             </a:lvl2pPr>
-            <a:lvl3pPr indent="-317500" lvl="2" marL="1371600" algn="ctr">
+            <a:lvl3pPr marL="1371600" lvl="2" indent="-317500" algn="ctr">
               <a:spcBef>
                 <a:spcPts val="0"/>
               </a:spcBef>
@@ -4375,7 +4758,7 @@
               <a:buChar char="■"/>
               <a:defRPr/>
             </a:lvl3pPr>
-            <a:lvl4pPr indent="-317500" lvl="3" marL="1828800" algn="ctr">
+            <a:lvl4pPr marL="1828800" lvl="3" indent="-317500" algn="ctr">
               <a:spcBef>
                 <a:spcPts val="0"/>
               </a:spcBef>
@@ -4386,7 +4769,7 @@
               <a:buChar char="●"/>
               <a:defRPr/>
             </a:lvl4pPr>
-            <a:lvl5pPr indent="-317500" lvl="4" marL="2286000" algn="ctr">
+            <a:lvl5pPr marL="2286000" lvl="4" indent="-317500" algn="ctr">
               <a:spcBef>
                 <a:spcPts val="0"/>
               </a:spcBef>
@@ -4397,7 +4780,7 @@
               <a:buChar char="○"/>
               <a:defRPr/>
             </a:lvl5pPr>
-            <a:lvl6pPr indent="-317500" lvl="5" marL="2743200" algn="ctr">
+            <a:lvl6pPr marL="2743200" lvl="5" indent="-317500" algn="ctr">
               <a:spcBef>
                 <a:spcPts val="0"/>
               </a:spcBef>
@@ -4408,7 +4791,7 @@
               <a:buChar char="■"/>
               <a:defRPr/>
             </a:lvl6pPr>
-            <a:lvl7pPr indent="-317500" lvl="6" marL="3200400" algn="ctr">
+            <a:lvl7pPr marL="3200400" lvl="6" indent="-317500" algn="ctr">
               <a:spcBef>
                 <a:spcPts val="0"/>
               </a:spcBef>
@@ -4419,7 +4802,7 @@
               <a:buChar char="●"/>
               <a:defRPr/>
             </a:lvl7pPr>
-            <a:lvl8pPr indent="-317500" lvl="7" marL="3657600" algn="ctr">
+            <a:lvl8pPr marL="3657600" lvl="7" indent="-317500" algn="ctr">
               <a:spcBef>
                 <a:spcPts val="0"/>
               </a:spcBef>
@@ -4430,7 +4813,7 @@
               <a:buChar char="○"/>
               <a:defRPr/>
             </a:lvl8pPr>
-            <a:lvl9pPr indent="-317500" lvl="8" marL="4114800" algn="ctr">
+            <a:lvl9pPr marL="4114800" lvl="8" indent="-317500" algn="ctr">
               <a:spcBef>
                 <a:spcPts val="0"/>
               </a:spcBef>
@@ -4442,15 +4825,19 @@
               <a:defRPr/>
             </a:lvl9pPr>
           </a:lstStyle>
-          <a:p/>
+          <a:p>
+            <a:endParaRPr/>
+          </a:p>
         </p:txBody>
       </p:sp>
       <p:sp>
         <p:nvSpPr>
           <p:cNvPr id="56" name="Google Shape;56;p11"/>
-          <p:cNvSpPr txBox="1"/>
+          <p:cNvSpPr txBox="1">
+            <a:spLocks noGrp="1"/>
+          </p:cNvSpPr>
           <p:nvPr>
-            <p:ph idx="12" type="sldNum"/>
+            <p:ph type="sldNum" idx="12"/>
           </p:nvPr>
         </p:nvSpPr>
         <p:spPr>
@@ -4463,7 +4850,7 @@
           </a:prstGeom>
         </p:spPr>
         <p:txBody>
-          <a:bodyPr anchorCtr="0" anchor="ctr" bIns="91425" lIns="91425" spcFirstLastPara="1" rIns="91425" wrap="square" tIns="91425">
+          <a:bodyPr spcFirstLastPara="1" wrap="square" lIns="91425" tIns="91425" rIns="91425" bIns="91425" anchor="ctr" anchorCtr="0">
             <a:normAutofit/>
           </a:bodyPr>
           <a:lstStyle>
@@ -4505,7 +4892,7 @@
             </a:lvl9pPr>
           </a:lstStyle>
           <a:p>
-            <a:pPr indent="0" lvl="0" marL="0" rtl="0" algn="r">
+            <a:pPr marL="0" lvl="0" indent="0" algn="r" rtl="0">
               <a:spcBef>
                 <a:spcPts val="0"/>
               </a:spcBef>
@@ -4531,11 +4918,11 @@
 </file>
 
 <file path=ppt/slideLayouts/slideLayout11.xml><?xml version="1.0" encoding="utf-8"?>
-<p:sldLayout xmlns:a="http://schemas.openxmlformats.org/drawingml/2006/main" xmlns:r="http://schemas.openxmlformats.org/officeDocument/2006/relationships" xmlns:mc="http://schemas.openxmlformats.org/markup-compatibility/2006" xmlns:mv="urn:schemas-microsoft-com:mac:vml" xmlns:p="http://schemas.openxmlformats.org/presentationml/2006/main" xmlns:c="http://schemas.openxmlformats.org/drawingml/2006/chart" xmlns:dgm="http://schemas.openxmlformats.org/drawingml/2006/diagram" xmlns:o="urn:schemas-microsoft-com:office:office" xmlns:v="urn:schemas-microsoft-com:vml" xmlns:pvml="urn:schemas-microsoft-com:office:powerpoint" xmlns:com="http://schemas.openxmlformats.org/drawingml/2006/compatibility" xmlns:p14="http://schemas.microsoft.com/office/powerpoint/2010/main" xmlns:p15="http://schemas.microsoft.com/office/powerpoint/2012/main" xmlns:ahyp="http://schemas.microsoft.com/office/drawing/2018/hyperlinkcolor" matchingName="Blank" type="blank">
+<p:sldLayout xmlns:a="http://schemas.openxmlformats.org/drawingml/2006/main" xmlns:r="http://schemas.openxmlformats.org/officeDocument/2006/relationships" xmlns:p="http://schemas.openxmlformats.org/presentationml/2006/main" matchingName="Blank" type="blank">
   <p:cSld name="BLANK">
     <p:spTree>
       <p:nvGrpSpPr>
-        <p:cNvPr id="57" name="Shape 57"/>
+        <p:cNvPr id="1" name="Shape 57"/>
         <p:cNvGrpSpPr/>
         <p:nvPr/>
       </p:nvGrpSpPr>
@@ -4550,9 +4937,11 @@
       <p:sp>
         <p:nvSpPr>
           <p:cNvPr id="58" name="Google Shape;58;p12"/>
-          <p:cNvSpPr txBox="1"/>
+          <p:cNvSpPr txBox="1">
+            <a:spLocks noGrp="1"/>
+          </p:cNvSpPr>
           <p:nvPr>
-            <p:ph idx="12" type="sldNum"/>
+            <p:ph type="sldNum" idx="12"/>
           </p:nvPr>
         </p:nvSpPr>
         <p:spPr>
@@ -4565,7 +4954,7 @@
           </a:prstGeom>
         </p:spPr>
         <p:txBody>
-          <a:bodyPr anchorCtr="0" anchor="ctr" bIns="91425" lIns="91425" spcFirstLastPara="1" rIns="91425" wrap="square" tIns="91425">
+          <a:bodyPr spcFirstLastPara="1" wrap="square" lIns="91425" tIns="91425" rIns="91425" bIns="91425" anchor="ctr" anchorCtr="0">
             <a:normAutofit/>
           </a:bodyPr>
           <a:lstStyle>
@@ -4607,7 +4996,7 @@
             </a:lvl9pPr>
           </a:lstStyle>
           <a:p>
-            <a:pPr indent="0" lvl="0" marL="0" rtl="0" algn="r">
+            <a:pPr marL="0" lvl="0" indent="0" algn="r" rtl="0">
               <a:spcBef>
                 <a:spcPts val="0"/>
               </a:spcBef>
@@ -4633,11 +5022,11 @@
 </file>
 
 <file path=ppt/slideLayouts/slideLayout2.xml><?xml version="1.0" encoding="utf-8"?>
-<p:sldLayout xmlns:a="http://schemas.openxmlformats.org/drawingml/2006/main" xmlns:r="http://schemas.openxmlformats.org/officeDocument/2006/relationships" xmlns:mc="http://schemas.openxmlformats.org/markup-compatibility/2006" xmlns:mv="urn:schemas-microsoft-com:mac:vml" xmlns:p="http://schemas.openxmlformats.org/presentationml/2006/main" xmlns:c="http://schemas.openxmlformats.org/drawingml/2006/chart" xmlns:dgm="http://schemas.openxmlformats.org/drawingml/2006/diagram" xmlns:o="urn:schemas-microsoft-com:office:office" xmlns:v="urn:schemas-microsoft-com:vml" xmlns:pvml="urn:schemas-microsoft-com:office:powerpoint" xmlns:com="http://schemas.openxmlformats.org/drawingml/2006/compatibility" xmlns:p14="http://schemas.microsoft.com/office/powerpoint/2010/main" xmlns:p15="http://schemas.microsoft.com/office/powerpoint/2012/main" xmlns:ahyp="http://schemas.microsoft.com/office/drawing/2018/hyperlinkcolor" matchingName="Section header" type="secHead">
+<p:sldLayout xmlns:a="http://schemas.openxmlformats.org/drawingml/2006/main" xmlns:r="http://schemas.openxmlformats.org/officeDocument/2006/relationships" xmlns:p="http://schemas.openxmlformats.org/presentationml/2006/main" matchingName="Section header" type="secHead">
   <p:cSld name="SECTION_HEADER">
     <p:spTree>
       <p:nvGrpSpPr>
-        <p:cNvPr id="16" name="Shape 16"/>
+        <p:cNvPr id="1" name="Shape 16"/>
         <p:cNvGrpSpPr/>
         <p:nvPr/>
       </p:nvGrpSpPr>
@@ -4664,21 +5053,23 @@
             <a:avLst/>
           </a:prstGeom>
           <a:noFill/>
-          <a:ln cap="flat" cmpd="sng" w="38100">
+          <a:ln w="38100" cap="flat" cmpd="sng">
             <a:solidFill>
               <a:schemeClr val="accent4"/>
             </a:solidFill>
             <a:prstDash val="solid"/>
             <a:round/>
-            <a:headEnd len="sm" w="sm" type="none"/>
-            <a:tailEnd len="sm" w="sm" type="none"/>
+            <a:headEnd type="none" w="sm" len="sm"/>
+            <a:tailEnd type="none" w="sm" len="sm"/>
           </a:ln>
         </p:spPr>
       </p:cxnSp>
       <p:sp>
         <p:nvSpPr>
           <p:cNvPr id="18" name="Google Shape;18;p3"/>
-          <p:cNvSpPr txBox="1"/>
+          <p:cNvSpPr txBox="1">
+            <a:spLocks noGrp="1"/>
+          </p:cNvSpPr>
           <p:nvPr>
             <p:ph type="title"/>
           </p:nvPr>
@@ -4693,7 +5084,7 @@
           </a:prstGeom>
         </p:spPr>
         <p:txBody>
-          <a:bodyPr anchorCtr="0" anchor="b" bIns="91425" lIns="91425" spcFirstLastPara="1" rIns="91425" wrap="square" tIns="91425">
+          <a:bodyPr spcFirstLastPara="1" wrap="square" lIns="91425" tIns="91425" rIns="91425" bIns="91425" anchor="b" anchorCtr="0">
             <a:normAutofit/>
           </a:bodyPr>
           <a:lstStyle>
@@ -4797,15 +5188,19 @@
               <a:defRPr sz="4800"/>
             </a:lvl9pPr>
           </a:lstStyle>
-          <a:p/>
+          <a:p>
+            <a:endParaRPr/>
+          </a:p>
         </p:txBody>
       </p:sp>
       <p:sp>
         <p:nvSpPr>
           <p:cNvPr id="19" name="Google Shape;19;p3"/>
-          <p:cNvSpPr txBox="1"/>
+          <p:cNvSpPr txBox="1">
+            <a:spLocks noGrp="1"/>
+          </p:cNvSpPr>
           <p:nvPr>
-            <p:ph idx="12" type="sldNum"/>
+            <p:ph type="sldNum" idx="12"/>
           </p:nvPr>
         </p:nvSpPr>
         <p:spPr>
@@ -4818,7 +5213,7 @@
           </a:prstGeom>
         </p:spPr>
         <p:txBody>
-          <a:bodyPr anchorCtr="0" anchor="ctr" bIns="91425" lIns="91425" spcFirstLastPara="1" rIns="91425" wrap="square" tIns="91425">
+          <a:bodyPr spcFirstLastPara="1" wrap="square" lIns="91425" tIns="91425" rIns="91425" bIns="91425" anchor="ctr" anchorCtr="0">
             <a:normAutofit/>
           </a:bodyPr>
           <a:lstStyle>
@@ -4860,7 +5255,7 @@
             </a:lvl9pPr>
           </a:lstStyle>
           <a:p>
-            <a:pPr indent="0" lvl="0" marL="0" rtl="0" algn="r">
+            <a:pPr marL="0" lvl="0" indent="0" algn="r" rtl="0">
               <a:spcBef>
                 <a:spcPts val="0"/>
               </a:spcBef>
@@ -4886,11 +5281,11 @@
 </file>
 
 <file path=ppt/slideLayouts/slideLayout3.xml><?xml version="1.0" encoding="utf-8"?>
-<p:sldLayout xmlns:a="http://schemas.openxmlformats.org/drawingml/2006/main" xmlns:r="http://schemas.openxmlformats.org/officeDocument/2006/relationships" xmlns:mc="http://schemas.openxmlformats.org/markup-compatibility/2006" xmlns:mv="urn:schemas-microsoft-com:mac:vml" xmlns:p="http://schemas.openxmlformats.org/presentationml/2006/main" xmlns:c="http://schemas.openxmlformats.org/drawingml/2006/chart" xmlns:dgm="http://schemas.openxmlformats.org/drawingml/2006/diagram" xmlns:o="urn:schemas-microsoft-com:office:office" xmlns:v="urn:schemas-microsoft-com:vml" xmlns:pvml="urn:schemas-microsoft-com:office:powerpoint" xmlns:com="http://schemas.openxmlformats.org/drawingml/2006/compatibility" xmlns:p14="http://schemas.microsoft.com/office/powerpoint/2010/main" xmlns:p15="http://schemas.microsoft.com/office/powerpoint/2012/main" xmlns:ahyp="http://schemas.microsoft.com/office/drawing/2018/hyperlinkcolor" matchingName="Title and body" type="tx">
+<p:sldLayout xmlns:a="http://schemas.openxmlformats.org/drawingml/2006/main" xmlns:r="http://schemas.openxmlformats.org/officeDocument/2006/relationships" xmlns:p="http://schemas.openxmlformats.org/presentationml/2006/main" matchingName="Title and body" type="tx">
   <p:cSld name="TITLE_AND_BODY">
     <p:spTree>
       <p:nvGrpSpPr>
-        <p:cNvPr id="20" name="Shape 20"/>
+        <p:cNvPr id="1" name="Shape 20"/>
         <p:cNvGrpSpPr/>
         <p:nvPr/>
       </p:nvGrpSpPr>
@@ -4917,21 +5312,23 @@
             <a:avLst/>
           </a:prstGeom>
           <a:noFill/>
-          <a:ln cap="flat" cmpd="sng" w="38100">
+          <a:ln w="38100" cap="flat" cmpd="sng">
             <a:solidFill>
               <a:schemeClr val="accent4"/>
             </a:solidFill>
             <a:prstDash val="solid"/>
             <a:round/>
-            <a:headEnd len="sm" w="sm" type="none"/>
-            <a:tailEnd len="sm" w="sm" type="none"/>
+            <a:headEnd type="none" w="sm" len="sm"/>
+            <a:tailEnd type="none" w="sm" len="sm"/>
           </a:ln>
         </p:spPr>
       </p:cxnSp>
       <p:sp>
         <p:nvSpPr>
           <p:cNvPr id="22" name="Google Shape;22;p4"/>
-          <p:cNvSpPr txBox="1"/>
+          <p:cNvSpPr txBox="1">
+            <a:spLocks noGrp="1"/>
+          </p:cNvSpPr>
           <p:nvPr>
             <p:ph type="title"/>
           </p:nvPr>
@@ -4946,7 +5343,7 @@
           </a:prstGeom>
         </p:spPr>
         <p:txBody>
-          <a:bodyPr anchorCtr="0" anchor="b" bIns="91425" lIns="91425" spcFirstLastPara="1" rIns="91425" wrap="square" tIns="91425">
+          <a:bodyPr spcFirstLastPara="1" wrap="square" lIns="91425" tIns="91425" rIns="91425" bIns="91425" anchor="b" anchorCtr="0">
             <a:normAutofit/>
           </a:bodyPr>
           <a:lstStyle>
@@ -5050,15 +5447,19 @@
               <a:defRPr/>
             </a:lvl9pPr>
           </a:lstStyle>
-          <a:p/>
+          <a:p>
+            <a:endParaRPr/>
+          </a:p>
         </p:txBody>
       </p:sp>
       <p:sp>
         <p:nvSpPr>
           <p:cNvPr id="23" name="Google Shape;23;p4"/>
-          <p:cNvSpPr txBox="1"/>
+          <p:cNvSpPr txBox="1">
+            <a:spLocks noGrp="1"/>
+          </p:cNvSpPr>
           <p:nvPr>
-            <p:ph idx="1" type="body"/>
+            <p:ph type="body" idx="1"/>
           </p:nvPr>
         </p:nvSpPr>
         <p:spPr>
@@ -5071,11 +5472,11 @@
           </a:prstGeom>
         </p:spPr>
         <p:txBody>
-          <a:bodyPr anchorCtr="0" anchor="t" bIns="91425" lIns="91425" spcFirstLastPara="1" rIns="91425" wrap="square" tIns="91425">
+          <a:bodyPr spcFirstLastPara="1" wrap="square" lIns="91425" tIns="91425" rIns="91425" bIns="91425" anchor="t" anchorCtr="0">
             <a:normAutofit/>
           </a:bodyPr>
           <a:lstStyle>
-            <a:lvl1pPr indent="-342900" lvl="0" marL="457200">
+            <a:lvl1pPr marL="457200" lvl="0" indent="-342900">
               <a:spcBef>
                 <a:spcPts val="0"/>
               </a:spcBef>
@@ -5086,7 +5487,7 @@
               <a:buChar char="●"/>
               <a:defRPr/>
             </a:lvl1pPr>
-            <a:lvl2pPr indent="-317500" lvl="1" marL="914400">
+            <a:lvl2pPr marL="914400" lvl="1" indent="-317500">
               <a:spcBef>
                 <a:spcPts val="0"/>
               </a:spcBef>
@@ -5097,7 +5498,7 @@
               <a:buChar char="○"/>
               <a:defRPr/>
             </a:lvl2pPr>
-            <a:lvl3pPr indent="-317500" lvl="2" marL="1371600">
+            <a:lvl3pPr marL="1371600" lvl="2" indent="-317500">
               <a:spcBef>
                 <a:spcPts val="0"/>
               </a:spcBef>
@@ -5108,7 +5509,7 @@
               <a:buChar char="■"/>
               <a:defRPr/>
             </a:lvl3pPr>
-            <a:lvl4pPr indent="-317500" lvl="3" marL="1828800">
+            <a:lvl4pPr marL="1828800" lvl="3" indent="-317500">
               <a:spcBef>
                 <a:spcPts val="0"/>
               </a:spcBef>
@@ -5119,7 +5520,7 @@
               <a:buChar char="●"/>
               <a:defRPr/>
             </a:lvl4pPr>
-            <a:lvl5pPr indent="-317500" lvl="4" marL="2286000">
+            <a:lvl5pPr marL="2286000" lvl="4" indent="-317500">
               <a:spcBef>
                 <a:spcPts val="0"/>
               </a:spcBef>
@@ -5130,7 +5531,7 @@
               <a:buChar char="○"/>
               <a:defRPr/>
             </a:lvl5pPr>
-            <a:lvl6pPr indent="-317500" lvl="5" marL="2743200">
+            <a:lvl6pPr marL="2743200" lvl="5" indent="-317500">
               <a:spcBef>
                 <a:spcPts val="0"/>
               </a:spcBef>
@@ -5141,7 +5542,7 @@
               <a:buChar char="■"/>
               <a:defRPr/>
             </a:lvl6pPr>
-            <a:lvl7pPr indent="-317500" lvl="6" marL="3200400">
+            <a:lvl7pPr marL="3200400" lvl="6" indent="-317500">
               <a:spcBef>
                 <a:spcPts val="0"/>
               </a:spcBef>
@@ -5152,7 +5553,7 @@
               <a:buChar char="●"/>
               <a:defRPr/>
             </a:lvl7pPr>
-            <a:lvl8pPr indent="-317500" lvl="7" marL="3657600">
+            <a:lvl8pPr marL="3657600" lvl="7" indent="-317500">
               <a:spcBef>
                 <a:spcPts val="0"/>
               </a:spcBef>
@@ -5163,7 +5564,7 @@
               <a:buChar char="○"/>
               <a:defRPr/>
             </a:lvl8pPr>
-            <a:lvl9pPr indent="-317500" lvl="8" marL="4114800">
+            <a:lvl9pPr marL="4114800" lvl="8" indent="-317500">
               <a:spcBef>
                 <a:spcPts val="0"/>
               </a:spcBef>
@@ -5175,15 +5576,19 @@
               <a:defRPr/>
             </a:lvl9pPr>
           </a:lstStyle>
-          <a:p/>
+          <a:p>
+            <a:endParaRPr/>
+          </a:p>
         </p:txBody>
       </p:sp>
       <p:sp>
         <p:nvSpPr>
           <p:cNvPr id="24" name="Google Shape;24;p4"/>
-          <p:cNvSpPr txBox="1"/>
+          <p:cNvSpPr txBox="1">
+            <a:spLocks noGrp="1"/>
+          </p:cNvSpPr>
           <p:nvPr>
-            <p:ph idx="12" type="sldNum"/>
+            <p:ph type="sldNum" idx="12"/>
           </p:nvPr>
         </p:nvSpPr>
         <p:spPr>
@@ -5196,7 +5601,7 @@
           </a:prstGeom>
         </p:spPr>
         <p:txBody>
-          <a:bodyPr anchorCtr="0" anchor="ctr" bIns="91425" lIns="91425" spcFirstLastPara="1" rIns="91425" wrap="square" tIns="91425">
+          <a:bodyPr spcFirstLastPara="1" wrap="square" lIns="91425" tIns="91425" rIns="91425" bIns="91425" anchor="ctr" anchorCtr="0">
             <a:normAutofit/>
           </a:bodyPr>
           <a:lstStyle>
@@ -5238,7 +5643,7 @@
             </a:lvl9pPr>
           </a:lstStyle>
           <a:p>
-            <a:pPr indent="0" lvl="0" marL="0" rtl="0" algn="r">
+            <a:pPr marL="0" lvl="0" indent="0" algn="r" rtl="0">
               <a:spcBef>
                 <a:spcPts val="0"/>
               </a:spcBef>
@@ -5264,11 +5669,11 @@
 </file>
 
 <file path=ppt/slideLayouts/slideLayout4.xml><?xml version="1.0" encoding="utf-8"?>
-<p:sldLayout xmlns:a="http://schemas.openxmlformats.org/drawingml/2006/main" xmlns:r="http://schemas.openxmlformats.org/officeDocument/2006/relationships" xmlns:mc="http://schemas.openxmlformats.org/markup-compatibility/2006" xmlns:mv="urn:schemas-microsoft-com:mac:vml" xmlns:p="http://schemas.openxmlformats.org/presentationml/2006/main" xmlns:c="http://schemas.openxmlformats.org/drawingml/2006/chart" xmlns:dgm="http://schemas.openxmlformats.org/drawingml/2006/diagram" xmlns:o="urn:schemas-microsoft-com:office:office" xmlns:v="urn:schemas-microsoft-com:vml" xmlns:pvml="urn:schemas-microsoft-com:office:powerpoint" xmlns:com="http://schemas.openxmlformats.org/drawingml/2006/compatibility" xmlns:p14="http://schemas.microsoft.com/office/powerpoint/2010/main" xmlns:p15="http://schemas.microsoft.com/office/powerpoint/2012/main" xmlns:ahyp="http://schemas.microsoft.com/office/drawing/2018/hyperlinkcolor" matchingName="Title and two columns" type="twoColTx">
+<p:sldLayout xmlns:a="http://schemas.openxmlformats.org/drawingml/2006/main" xmlns:r="http://schemas.openxmlformats.org/officeDocument/2006/relationships" xmlns:p="http://schemas.openxmlformats.org/presentationml/2006/main" matchingName="Title and two columns" type="twoColTx">
   <p:cSld name="TITLE_AND_TWO_COLUMNS">
     <p:spTree>
       <p:nvGrpSpPr>
-        <p:cNvPr id="25" name="Shape 25"/>
+        <p:cNvPr id="1" name="Shape 25"/>
         <p:cNvGrpSpPr/>
         <p:nvPr/>
       </p:nvGrpSpPr>
@@ -5295,21 +5700,23 @@
             <a:avLst/>
           </a:prstGeom>
           <a:noFill/>
-          <a:ln cap="flat" cmpd="sng" w="38100">
+          <a:ln w="38100" cap="flat" cmpd="sng">
             <a:solidFill>
               <a:schemeClr val="accent4"/>
             </a:solidFill>
             <a:prstDash val="solid"/>
             <a:round/>
-            <a:headEnd len="sm" w="sm" type="none"/>
-            <a:tailEnd len="sm" w="sm" type="none"/>
+            <a:headEnd type="none" w="sm" len="sm"/>
+            <a:tailEnd type="none" w="sm" len="sm"/>
           </a:ln>
         </p:spPr>
       </p:cxnSp>
       <p:sp>
         <p:nvSpPr>
           <p:cNvPr id="27" name="Google Shape;27;p5"/>
-          <p:cNvSpPr txBox="1"/>
+          <p:cNvSpPr txBox="1">
+            <a:spLocks noGrp="1"/>
+          </p:cNvSpPr>
           <p:nvPr>
             <p:ph type="title"/>
           </p:nvPr>
@@ -5324,7 +5731,7 @@
           </a:prstGeom>
         </p:spPr>
         <p:txBody>
-          <a:bodyPr anchorCtr="0" anchor="b" bIns="91425" lIns="91425" spcFirstLastPara="1" rIns="91425" wrap="square" tIns="91425">
+          <a:bodyPr spcFirstLastPara="1" wrap="square" lIns="91425" tIns="91425" rIns="91425" bIns="91425" anchor="b" anchorCtr="0">
             <a:normAutofit/>
           </a:bodyPr>
           <a:lstStyle>
@@ -5428,15 +5835,19 @@
               <a:defRPr/>
             </a:lvl9pPr>
           </a:lstStyle>
-          <a:p/>
+          <a:p>
+            <a:endParaRPr/>
+          </a:p>
         </p:txBody>
       </p:sp>
       <p:sp>
         <p:nvSpPr>
           <p:cNvPr id="28" name="Google Shape;28;p5"/>
-          <p:cNvSpPr txBox="1"/>
+          <p:cNvSpPr txBox="1">
+            <a:spLocks noGrp="1"/>
+          </p:cNvSpPr>
           <p:nvPr>
-            <p:ph idx="1" type="body"/>
+            <p:ph type="body" idx="1"/>
           </p:nvPr>
         </p:nvSpPr>
         <p:spPr>
@@ -5449,11 +5860,11 @@
           </a:prstGeom>
         </p:spPr>
         <p:txBody>
-          <a:bodyPr anchorCtr="0" anchor="t" bIns="91425" lIns="91425" spcFirstLastPara="1" rIns="91425" wrap="square" tIns="91425">
+          <a:bodyPr spcFirstLastPara="1" wrap="square" lIns="91425" tIns="91425" rIns="91425" bIns="91425" anchor="t" anchorCtr="0">
             <a:normAutofit/>
           </a:bodyPr>
           <a:lstStyle>
-            <a:lvl1pPr indent="-317500" lvl="0" marL="457200">
+            <a:lvl1pPr marL="457200" lvl="0" indent="-317500">
               <a:spcBef>
                 <a:spcPts val="0"/>
               </a:spcBef>
@@ -5464,7 +5875,7 @@
               <a:buChar char="●"/>
               <a:defRPr sz="1400"/>
             </a:lvl1pPr>
-            <a:lvl2pPr indent="-304800" lvl="1" marL="914400">
+            <a:lvl2pPr marL="914400" lvl="1" indent="-304800">
               <a:spcBef>
                 <a:spcPts val="0"/>
               </a:spcBef>
@@ -5475,7 +5886,7 @@
               <a:buChar char="○"/>
               <a:defRPr sz="1200"/>
             </a:lvl2pPr>
-            <a:lvl3pPr indent="-304800" lvl="2" marL="1371600">
+            <a:lvl3pPr marL="1371600" lvl="2" indent="-304800">
               <a:spcBef>
                 <a:spcPts val="0"/>
               </a:spcBef>
@@ -5486,7 +5897,7 @@
               <a:buChar char="■"/>
               <a:defRPr sz="1200"/>
             </a:lvl3pPr>
-            <a:lvl4pPr indent="-304800" lvl="3" marL="1828800">
+            <a:lvl4pPr marL="1828800" lvl="3" indent="-304800">
               <a:spcBef>
                 <a:spcPts val="0"/>
               </a:spcBef>
@@ -5497,7 +5908,7 @@
               <a:buChar char="●"/>
               <a:defRPr sz="1200"/>
             </a:lvl4pPr>
-            <a:lvl5pPr indent="-304800" lvl="4" marL="2286000">
+            <a:lvl5pPr marL="2286000" lvl="4" indent="-304800">
               <a:spcBef>
                 <a:spcPts val="0"/>
               </a:spcBef>
@@ -5508,7 +5919,7 @@
               <a:buChar char="○"/>
               <a:defRPr sz="1200"/>
             </a:lvl5pPr>
-            <a:lvl6pPr indent="-304800" lvl="5" marL="2743200">
+            <a:lvl6pPr marL="2743200" lvl="5" indent="-304800">
               <a:spcBef>
                 <a:spcPts val="0"/>
               </a:spcBef>
@@ -5519,7 +5930,7 @@
               <a:buChar char="■"/>
               <a:defRPr sz="1200"/>
             </a:lvl6pPr>
-            <a:lvl7pPr indent="-304800" lvl="6" marL="3200400">
+            <a:lvl7pPr marL="3200400" lvl="6" indent="-304800">
               <a:spcBef>
                 <a:spcPts val="0"/>
               </a:spcBef>
@@ -5530,7 +5941,7 @@
               <a:buChar char="●"/>
               <a:defRPr sz="1200"/>
             </a:lvl7pPr>
-            <a:lvl8pPr indent="-304800" lvl="7" marL="3657600">
+            <a:lvl8pPr marL="3657600" lvl="7" indent="-304800">
               <a:spcBef>
                 <a:spcPts val="0"/>
               </a:spcBef>
@@ -5541,7 +5952,7 @@
               <a:buChar char="○"/>
               <a:defRPr sz="1200"/>
             </a:lvl8pPr>
-            <a:lvl9pPr indent="-304800" lvl="8" marL="4114800">
+            <a:lvl9pPr marL="4114800" lvl="8" indent="-304800">
               <a:spcBef>
                 <a:spcPts val="0"/>
               </a:spcBef>
@@ -5553,15 +5964,19 @@
               <a:defRPr sz="1200"/>
             </a:lvl9pPr>
           </a:lstStyle>
-          <a:p/>
+          <a:p>
+            <a:endParaRPr/>
+          </a:p>
         </p:txBody>
       </p:sp>
       <p:sp>
         <p:nvSpPr>
           <p:cNvPr id="29" name="Google Shape;29;p5"/>
-          <p:cNvSpPr txBox="1"/>
+          <p:cNvSpPr txBox="1">
+            <a:spLocks noGrp="1"/>
+          </p:cNvSpPr>
           <p:nvPr>
-            <p:ph idx="2" type="body"/>
+            <p:ph type="body" idx="2"/>
           </p:nvPr>
         </p:nvSpPr>
         <p:spPr>
@@ -5574,11 +5989,11 @@
           </a:prstGeom>
         </p:spPr>
         <p:txBody>
-          <a:bodyPr anchorCtr="0" anchor="t" bIns="91425" lIns="91425" spcFirstLastPara="1" rIns="91425" wrap="square" tIns="91425">
+          <a:bodyPr spcFirstLastPara="1" wrap="square" lIns="91425" tIns="91425" rIns="91425" bIns="91425" anchor="t" anchorCtr="0">
             <a:normAutofit/>
           </a:bodyPr>
           <a:lstStyle>
-            <a:lvl1pPr indent="-317500" lvl="0" marL="457200">
+            <a:lvl1pPr marL="457200" lvl="0" indent="-317500">
               <a:spcBef>
                 <a:spcPts val="0"/>
               </a:spcBef>
@@ -5589,7 +6004,7 @@
               <a:buChar char="●"/>
               <a:defRPr sz="1400"/>
             </a:lvl1pPr>
-            <a:lvl2pPr indent="-304800" lvl="1" marL="914400">
+            <a:lvl2pPr marL="914400" lvl="1" indent="-304800">
               <a:spcBef>
                 <a:spcPts val="0"/>
               </a:spcBef>
@@ -5600,7 +6015,7 @@
               <a:buChar char="○"/>
               <a:defRPr sz="1200"/>
             </a:lvl2pPr>
-            <a:lvl3pPr indent="-304800" lvl="2" marL="1371600">
+            <a:lvl3pPr marL="1371600" lvl="2" indent="-304800">
               <a:spcBef>
                 <a:spcPts val="0"/>
               </a:spcBef>
@@ -5611,7 +6026,7 @@
               <a:buChar char="■"/>
               <a:defRPr sz="1200"/>
             </a:lvl3pPr>
-            <a:lvl4pPr indent="-304800" lvl="3" marL="1828800">
+            <a:lvl4pPr marL="1828800" lvl="3" indent="-304800">
               <a:spcBef>
                 <a:spcPts val="0"/>
               </a:spcBef>
@@ -5622,7 +6037,7 @@
               <a:buChar char="●"/>
               <a:defRPr sz="1200"/>
             </a:lvl4pPr>
-            <a:lvl5pPr indent="-304800" lvl="4" marL="2286000">
+            <a:lvl5pPr marL="2286000" lvl="4" indent="-304800">
               <a:spcBef>
                 <a:spcPts val="0"/>
               </a:spcBef>
@@ -5633,7 +6048,7 @@
               <a:buChar char="○"/>
               <a:defRPr sz="1200"/>
             </a:lvl5pPr>
-            <a:lvl6pPr indent="-304800" lvl="5" marL="2743200">
+            <a:lvl6pPr marL="2743200" lvl="5" indent="-304800">
               <a:spcBef>
                 <a:spcPts val="0"/>
               </a:spcBef>
@@ -5644,7 +6059,7 @@
               <a:buChar char="■"/>
               <a:defRPr sz="1200"/>
             </a:lvl6pPr>
-            <a:lvl7pPr indent="-304800" lvl="6" marL="3200400">
+            <a:lvl7pPr marL="3200400" lvl="6" indent="-304800">
               <a:spcBef>
                 <a:spcPts val="0"/>
               </a:spcBef>
@@ -5655,7 +6070,7 @@
               <a:buChar char="●"/>
               <a:defRPr sz="1200"/>
             </a:lvl7pPr>
-            <a:lvl8pPr indent="-304800" lvl="7" marL="3657600">
+            <a:lvl8pPr marL="3657600" lvl="7" indent="-304800">
               <a:spcBef>
                 <a:spcPts val="0"/>
               </a:spcBef>
@@ -5666,7 +6081,7 @@
               <a:buChar char="○"/>
               <a:defRPr sz="1200"/>
             </a:lvl8pPr>
-            <a:lvl9pPr indent="-304800" lvl="8" marL="4114800">
+            <a:lvl9pPr marL="4114800" lvl="8" indent="-304800">
               <a:spcBef>
                 <a:spcPts val="0"/>
               </a:spcBef>
@@ -5678,15 +6093,19 @@
               <a:defRPr sz="1200"/>
             </a:lvl9pPr>
           </a:lstStyle>
-          <a:p/>
+          <a:p>
+            <a:endParaRPr/>
+          </a:p>
         </p:txBody>
       </p:sp>
       <p:sp>
         <p:nvSpPr>
           <p:cNvPr id="30" name="Google Shape;30;p5"/>
-          <p:cNvSpPr txBox="1"/>
+          <p:cNvSpPr txBox="1">
+            <a:spLocks noGrp="1"/>
+          </p:cNvSpPr>
           <p:nvPr>
-            <p:ph idx="12" type="sldNum"/>
+            <p:ph type="sldNum" idx="12"/>
           </p:nvPr>
         </p:nvSpPr>
         <p:spPr>
@@ -5699,7 +6118,7 @@
           </a:prstGeom>
         </p:spPr>
         <p:txBody>
-          <a:bodyPr anchorCtr="0" anchor="ctr" bIns="91425" lIns="91425" spcFirstLastPara="1" rIns="91425" wrap="square" tIns="91425">
+          <a:bodyPr spcFirstLastPara="1" wrap="square" lIns="91425" tIns="91425" rIns="91425" bIns="91425" anchor="ctr" anchorCtr="0">
             <a:normAutofit/>
           </a:bodyPr>
           <a:lstStyle>
@@ -5741,7 +6160,7 @@
             </a:lvl9pPr>
           </a:lstStyle>
           <a:p>
-            <a:pPr indent="0" lvl="0" marL="0" rtl="0" algn="r">
+            <a:pPr marL="0" lvl="0" indent="0" algn="r" rtl="0">
               <a:spcBef>
                 <a:spcPts val="0"/>
               </a:spcBef>
@@ -5767,11 +6186,11 @@
 </file>
 
 <file path=ppt/slideLayouts/slideLayout5.xml><?xml version="1.0" encoding="utf-8"?>
-<p:sldLayout xmlns:a="http://schemas.openxmlformats.org/drawingml/2006/main" xmlns:r="http://schemas.openxmlformats.org/officeDocument/2006/relationships" xmlns:mc="http://schemas.openxmlformats.org/markup-compatibility/2006" xmlns:mv="urn:schemas-microsoft-com:mac:vml" xmlns:p="http://schemas.openxmlformats.org/presentationml/2006/main" xmlns:c="http://schemas.openxmlformats.org/drawingml/2006/chart" xmlns:dgm="http://schemas.openxmlformats.org/drawingml/2006/diagram" xmlns:o="urn:schemas-microsoft-com:office:office" xmlns:v="urn:schemas-microsoft-com:vml" xmlns:pvml="urn:schemas-microsoft-com:office:powerpoint" xmlns:com="http://schemas.openxmlformats.org/drawingml/2006/compatibility" xmlns:p14="http://schemas.microsoft.com/office/powerpoint/2010/main" xmlns:p15="http://schemas.microsoft.com/office/powerpoint/2012/main" xmlns:ahyp="http://schemas.microsoft.com/office/drawing/2018/hyperlinkcolor" matchingName="Title only" type="titleOnly">
+<p:sldLayout xmlns:a="http://schemas.openxmlformats.org/drawingml/2006/main" xmlns:r="http://schemas.openxmlformats.org/officeDocument/2006/relationships" xmlns:p="http://schemas.openxmlformats.org/presentationml/2006/main" matchingName="Title only" type="titleOnly">
   <p:cSld name="TITLE_ONLY">
     <p:spTree>
       <p:nvGrpSpPr>
-        <p:cNvPr id="31" name="Shape 31"/>
+        <p:cNvPr id="1" name="Shape 31"/>
         <p:cNvGrpSpPr/>
         <p:nvPr/>
       </p:nvGrpSpPr>
@@ -5786,7 +6205,9 @@
       <p:sp>
         <p:nvSpPr>
           <p:cNvPr id="32" name="Google Shape;32;p6"/>
-          <p:cNvSpPr txBox="1"/>
+          <p:cNvSpPr txBox="1">
+            <a:spLocks noGrp="1"/>
+          </p:cNvSpPr>
           <p:nvPr>
             <p:ph type="title"/>
           </p:nvPr>
@@ -5801,7 +6222,7 @@
           </a:prstGeom>
         </p:spPr>
         <p:txBody>
-          <a:bodyPr anchorCtr="0" anchor="b" bIns="91425" lIns="91425" spcFirstLastPara="1" rIns="91425" wrap="square" tIns="91425">
+          <a:bodyPr spcFirstLastPara="1" wrap="square" lIns="91425" tIns="91425" rIns="91425" bIns="91425" anchor="b" anchorCtr="0">
             <a:normAutofit/>
           </a:bodyPr>
           <a:lstStyle>
@@ -5905,15 +6326,19 @@
               <a:defRPr/>
             </a:lvl9pPr>
           </a:lstStyle>
-          <a:p/>
+          <a:p>
+            <a:endParaRPr/>
+          </a:p>
         </p:txBody>
       </p:sp>
       <p:sp>
         <p:nvSpPr>
           <p:cNvPr id="33" name="Google Shape;33;p6"/>
-          <p:cNvSpPr txBox="1"/>
+          <p:cNvSpPr txBox="1">
+            <a:spLocks noGrp="1"/>
+          </p:cNvSpPr>
           <p:nvPr>
-            <p:ph idx="12" type="sldNum"/>
+            <p:ph type="sldNum" idx="12"/>
           </p:nvPr>
         </p:nvSpPr>
         <p:spPr>
@@ -5926,7 +6351,7 @@
           </a:prstGeom>
         </p:spPr>
         <p:txBody>
-          <a:bodyPr anchorCtr="0" anchor="ctr" bIns="91425" lIns="91425" spcFirstLastPara="1" rIns="91425" wrap="square" tIns="91425">
+          <a:bodyPr spcFirstLastPara="1" wrap="square" lIns="91425" tIns="91425" rIns="91425" bIns="91425" anchor="ctr" anchorCtr="0">
             <a:normAutofit/>
           </a:bodyPr>
           <a:lstStyle>
@@ -5968,7 +6393,7 @@
             </a:lvl9pPr>
           </a:lstStyle>
           <a:p>
-            <a:pPr indent="0" lvl="0" marL="0" rtl="0" algn="r">
+            <a:pPr marL="0" lvl="0" indent="0" algn="r" rtl="0">
               <a:spcBef>
                 <a:spcPts val="0"/>
               </a:spcBef>
@@ -5994,11 +6419,11 @@
 </file>
 
 <file path=ppt/slideLayouts/slideLayout6.xml><?xml version="1.0" encoding="utf-8"?>
-<p:sldLayout xmlns:a="http://schemas.openxmlformats.org/drawingml/2006/main" xmlns:r="http://schemas.openxmlformats.org/officeDocument/2006/relationships" xmlns:mc="http://schemas.openxmlformats.org/markup-compatibility/2006" xmlns:mv="urn:schemas-microsoft-com:mac:vml" xmlns:p="http://schemas.openxmlformats.org/presentationml/2006/main" xmlns:c="http://schemas.openxmlformats.org/drawingml/2006/chart" xmlns:dgm="http://schemas.openxmlformats.org/drawingml/2006/diagram" xmlns:o="urn:schemas-microsoft-com:office:office" xmlns:v="urn:schemas-microsoft-com:vml" xmlns:pvml="urn:schemas-microsoft-com:office:powerpoint" xmlns:com="http://schemas.openxmlformats.org/drawingml/2006/compatibility" xmlns:p14="http://schemas.microsoft.com/office/powerpoint/2010/main" xmlns:p15="http://schemas.microsoft.com/office/powerpoint/2012/main" xmlns:ahyp="http://schemas.microsoft.com/office/drawing/2018/hyperlinkcolor" matchingName="One column text">
+<p:sldLayout xmlns:a="http://schemas.openxmlformats.org/drawingml/2006/main" xmlns:r="http://schemas.openxmlformats.org/officeDocument/2006/relationships" xmlns:p="http://schemas.openxmlformats.org/presentationml/2006/main" matchingName="One column text">
   <p:cSld name="ONE_COLUMN_TEXT">
     <p:spTree>
       <p:nvGrpSpPr>
-        <p:cNvPr id="34" name="Shape 34"/>
+        <p:cNvPr id="1" name="Shape 34"/>
         <p:cNvGrpSpPr/>
         <p:nvPr/>
       </p:nvGrpSpPr>
@@ -6025,21 +6450,23 @@
             <a:avLst/>
           </a:prstGeom>
           <a:noFill/>
-          <a:ln cap="flat" cmpd="sng" w="38100">
+          <a:ln w="38100" cap="flat" cmpd="sng">
             <a:solidFill>
               <a:schemeClr val="accent4"/>
             </a:solidFill>
             <a:prstDash val="solid"/>
             <a:round/>
-            <a:headEnd len="sm" w="sm" type="none"/>
-            <a:tailEnd len="sm" w="sm" type="none"/>
+            <a:headEnd type="none" w="sm" len="sm"/>
+            <a:tailEnd type="none" w="sm" len="sm"/>
           </a:ln>
         </p:spPr>
       </p:cxnSp>
       <p:sp>
         <p:nvSpPr>
           <p:cNvPr id="36" name="Google Shape;36;p7"/>
-          <p:cNvSpPr txBox="1"/>
+          <p:cNvSpPr txBox="1">
+            <a:spLocks noGrp="1"/>
+          </p:cNvSpPr>
           <p:nvPr>
             <p:ph type="title"/>
           </p:nvPr>
@@ -6054,7 +6481,7 @@
           </a:prstGeom>
         </p:spPr>
         <p:txBody>
-          <a:bodyPr anchorCtr="0" anchor="b" bIns="91425" lIns="91425" spcFirstLastPara="1" rIns="91425" wrap="square" tIns="91425">
+          <a:bodyPr spcFirstLastPara="1" wrap="square" lIns="91425" tIns="91425" rIns="91425" bIns="91425" anchor="b" anchorCtr="0">
             <a:normAutofit/>
           </a:bodyPr>
           <a:lstStyle>
@@ -6158,15 +6585,19 @@
               <a:defRPr sz="2400"/>
             </a:lvl9pPr>
           </a:lstStyle>
-          <a:p/>
+          <a:p>
+            <a:endParaRPr/>
+          </a:p>
         </p:txBody>
       </p:sp>
       <p:sp>
         <p:nvSpPr>
           <p:cNvPr id="37" name="Google Shape;37;p7"/>
-          <p:cNvSpPr txBox="1"/>
+          <p:cNvSpPr txBox="1">
+            <a:spLocks noGrp="1"/>
+          </p:cNvSpPr>
           <p:nvPr>
-            <p:ph idx="1" type="body"/>
+            <p:ph type="body" idx="1"/>
           </p:nvPr>
         </p:nvSpPr>
         <p:spPr>
@@ -6179,11 +6610,11 @@
           </a:prstGeom>
         </p:spPr>
         <p:txBody>
-          <a:bodyPr anchorCtr="0" anchor="t" bIns="91425" lIns="91425" spcFirstLastPara="1" rIns="91425" wrap="square" tIns="91425">
+          <a:bodyPr spcFirstLastPara="1" wrap="square" lIns="91425" tIns="91425" rIns="91425" bIns="91425" anchor="t" anchorCtr="0">
             <a:normAutofit/>
           </a:bodyPr>
           <a:lstStyle>
-            <a:lvl1pPr indent="-304800" lvl="0" marL="457200">
+            <a:lvl1pPr marL="457200" lvl="0" indent="-304800">
               <a:spcBef>
                 <a:spcPts val="0"/>
               </a:spcBef>
@@ -6194,7 +6625,7 @@
               <a:buChar char="●"/>
               <a:defRPr sz="1200"/>
             </a:lvl1pPr>
-            <a:lvl2pPr indent="-304800" lvl="1" marL="914400">
+            <a:lvl2pPr marL="914400" lvl="1" indent="-304800">
               <a:spcBef>
                 <a:spcPts val="0"/>
               </a:spcBef>
@@ -6205,7 +6636,7 @@
               <a:buChar char="○"/>
               <a:defRPr sz="1200"/>
             </a:lvl2pPr>
-            <a:lvl3pPr indent="-304800" lvl="2" marL="1371600">
+            <a:lvl3pPr marL="1371600" lvl="2" indent="-304800">
               <a:spcBef>
                 <a:spcPts val="0"/>
               </a:spcBef>
@@ -6216,7 +6647,7 @@
               <a:buChar char="■"/>
               <a:defRPr sz="1200"/>
             </a:lvl3pPr>
-            <a:lvl4pPr indent="-304800" lvl="3" marL="1828800">
+            <a:lvl4pPr marL="1828800" lvl="3" indent="-304800">
               <a:spcBef>
                 <a:spcPts val="0"/>
               </a:spcBef>
@@ -6227,7 +6658,7 @@
               <a:buChar char="●"/>
               <a:defRPr sz="1200"/>
             </a:lvl4pPr>
-            <a:lvl5pPr indent="-304800" lvl="4" marL="2286000">
+            <a:lvl5pPr marL="2286000" lvl="4" indent="-304800">
               <a:spcBef>
                 <a:spcPts val="0"/>
               </a:spcBef>
@@ -6238,7 +6669,7 @@
               <a:buChar char="○"/>
               <a:defRPr sz="1200"/>
             </a:lvl5pPr>
-            <a:lvl6pPr indent="-304800" lvl="5" marL="2743200">
+            <a:lvl6pPr marL="2743200" lvl="5" indent="-304800">
               <a:spcBef>
                 <a:spcPts val="0"/>
               </a:spcBef>
@@ -6249,7 +6680,7 @@
               <a:buChar char="■"/>
               <a:defRPr sz="1200"/>
             </a:lvl6pPr>
-            <a:lvl7pPr indent="-304800" lvl="6" marL="3200400">
+            <a:lvl7pPr marL="3200400" lvl="6" indent="-304800">
               <a:spcBef>
                 <a:spcPts val="0"/>
               </a:spcBef>
@@ -6260,7 +6691,7 @@
               <a:buChar char="●"/>
               <a:defRPr sz="1200"/>
             </a:lvl7pPr>
-            <a:lvl8pPr indent="-304800" lvl="7" marL="3657600">
+            <a:lvl8pPr marL="3657600" lvl="7" indent="-304800">
               <a:spcBef>
                 <a:spcPts val="0"/>
               </a:spcBef>
@@ -6271,7 +6702,7 @@
               <a:buChar char="○"/>
               <a:defRPr sz="1200"/>
             </a:lvl8pPr>
-            <a:lvl9pPr indent="-304800" lvl="8" marL="4114800">
+            <a:lvl9pPr marL="4114800" lvl="8" indent="-304800">
               <a:spcBef>
                 <a:spcPts val="0"/>
               </a:spcBef>
@@ -6283,15 +6714,19 @@
               <a:defRPr sz="1200"/>
             </a:lvl9pPr>
           </a:lstStyle>
-          <a:p/>
+          <a:p>
+            <a:endParaRPr/>
+          </a:p>
         </p:txBody>
       </p:sp>
       <p:sp>
         <p:nvSpPr>
           <p:cNvPr id="38" name="Google Shape;38;p7"/>
-          <p:cNvSpPr txBox="1"/>
+          <p:cNvSpPr txBox="1">
+            <a:spLocks noGrp="1"/>
+          </p:cNvSpPr>
           <p:nvPr>
-            <p:ph idx="12" type="sldNum"/>
+            <p:ph type="sldNum" idx="12"/>
           </p:nvPr>
         </p:nvSpPr>
         <p:spPr>
@@ -6304,7 +6739,7 @@
           </a:prstGeom>
         </p:spPr>
         <p:txBody>
-          <a:bodyPr anchorCtr="0" anchor="ctr" bIns="91425" lIns="91425" spcFirstLastPara="1" rIns="91425" wrap="square" tIns="91425">
+          <a:bodyPr spcFirstLastPara="1" wrap="square" lIns="91425" tIns="91425" rIns="91425" bIns="91425" anchor="ctr" anchorCtr="0">
             <a:normAutofit/>
           </a:bodyPr>
           <a:lstStyle>
@@ -6346,7 +6781,7 @@
             </a:lvl9pPr>
           </a:lstStyle>
           <a:p>
-            <a:pPr indent="0" lvl="0" marL="0" rtl="0" algn="r">
+            <a:pPr marL="0" lvl="0" indent="0" algn="r" rtl="0">
               <a:spcBef>
                 <a:spcPts val="0"/>
               </a:spcBef>
@@ -6372,11 +6807,11 @@
 </file>
 
 <file path=ppt/slideLayouts/slideLayout7.xml><?xml version="1.0" encoding="utf-8"?>
-<p:sldLayout xmlns:a="http://schemas.openxmlformats.org/drawingml/2006/main" xmlns:r="http://schemas.openxmlformats.org/officeDocument/2006/relationships" xmlns:mc="http://schemas.openxmlformats.org/markup-compatibility/2006" xmlns:mv="urn:schemas-microsoft-com:mac:vml" xmlns:p="http://schemas.openxmlformats.org/presentationml/2006/main" xmlns:c="http://schemas.openxmlformats.org/drawingml/2006/chart" xmlns:dgm="http://schemas.openxmlformats.org/drawingml/2006/diagram" xmlns:o="urn:schemas-microsoft-com:office:office" xmlns:v="urn:schemas-microsoft-com:vml" xmlns:pvml="urn:schemas-microsoft-com:office:powerpoint" xmlns:com="http://schemas.openxmlformats.org/drawingml/2006/compatibility" xmlns:p14="http://schemas.microsoft.com/office/powerpoint/2010/main" xmlns:p15="http://schemas.microsoft.com/office/powerpoint/2012/main" xmlns:ahyp="http://schemas.microsoft.com/office/drawing/2018/hyperlinkcolor" matchingName="Main point">
+<p:sldLayout xmlns:a="http://schemas.openxmlformats.org/drawingml/2006/main" xmlns:r="http://schemas.openxmlformats.org/officeDocument/2006/relationships" xmlns:p="http://schemas.openxmlformats.org/presentationml/2006/main" matchingName="Main point">
   <p:cSld name="MAIN_POINT">
     <p:spTree>
       <p:nvGrpSpPr>
-        <p:cNvPr id="39" name="Shape 39"/>
+        <p:cNvPr id="1" name="Shape 39"/>
         <p:cNvGrpSpPr/>
         <p:nvPr/>
       </p:nvGrpSpPr>
@@ -6391,7 +6826,9 @@
       <p:sp>
         <p:nvSpPr>
           <p:cNvPr id="40" name="Google Shape;40;p8"/>
-          <p:cNvSpPr txBox="1"/>
+          <p:cNvSpPr txBox="1">
+            <a:spLocks noGrp="1"/>
+          </p:cNvSpPr>
           <p:nvPr>
             <p:ph type="title"/>
           </p:nvPr>
@@ -6406,7 +6843,7 @@
           </a:prstGeom>
         </p:spPr>
         <p:txBody>
-          <a:bodyPr anchorCtr="0" anchor="ctr" bIns="91425" lIns="91425" spcFirstLastPara="1" rIns="91425" wrap="square" tIns="91425">
+          <a:bodyPr spcFirstLastPara="1" wrap="square" lIns="91425" tIns="91425" rIns="91425" bIns="91425" anchor="ctr" anchorCtr="0">
             <a:normAutofit/>
           </a:bodyPr>
           <a:lstStyle>
@@ -6510,15 +6947,19 @@
               <a:defRPr sz="4800"/>
             </a:lvl9pPr>
           </a:lstStyle>
-          <a:p/>
+          <a:p>
+            <a:endParaRPr/>
+          </a:p>
         </p:txBody>
       </p:sp>
       <p:sp>
         <p:nvSpPr>
           <p:cNvPr id="41" name="Google Shape;41;p8"/>
-          <p:cNvSpPr txBox="1"/>
+          <p:cNvSpPr txBox="1">
+            <a:spLocks noGrp="1"/>
+          </p:cNvSpPr>
           <p:nvPr>
-            <p:ph idx="12" type="sldNum"/>
+            <p:ph type="sldNum" idx="12"/>
           </p:nvPr>
         </p:nvSpPr>
         <p:spPr>
@@ -6531,7 +6972,7 @@
           </a:prstGeom>
         </p:spPr>
         <p:txBody>
-          <a:bodyPr anchorCtr="0" anchor="ctr" bIns="91425" lIns="91425" spcFirstLastPara="1" rIns="91425" wrap="square" tIns="91425">
+          <a:bodyPr spcFirstLastPara="1" wrap="square" lIns="91425" tIns="91425" rIns="91425" bIns="91425" anchor="ctr" anchorCtr="0">
             <a:normAutofit/>
           </a:bodyPr>
           <a:lstStyle>
@@ -6573,7 +7014,7 @@
             </a:lvl9pPr>
           </a:lstStyle>
           <a:p>
-            <a:pPr indent="0" lvl="0" marL="0" rtl="0" algn="r">
+            <a:pPr marL="0" lvl="0" indent="0" algn="r" rtl="0">
               <a:spcBef>
                 <a:spcPts val="0"/>
               </a:spcBef>
@@ -6599,11 +7040,11 @@
 </file>
 
 <file path=ppt/slideLayouts/slideLayout8.xml><?xml version="1.0" encoding="utf-8"?>
-<p:sldLayout xmlns:a="http://schemas.openxmlformats.org/drawingml/2006/main" xmlns:r="http://schemas.openxmlformats.org/officeDocument/2006/relationships" xmlns:mc="http://schemas.openxmlformats.org/markup-compatibility/2006" xmlns:mv="urn:schemas-microsoft-com:mac:vml" xmlns:p="http://schemas.openxmlformats.org/presentationml/2006/main" xmlns:c="http://schemas.openxmlformats.org/drawingml/2006/chart" xmlns:dgm="http://schemas.openxmlformats.org/drawingml/2006/diagram" xmlns:o="urn:schemas-microsoft-com:office:office" xmlns:v="urn:schemas-microsoft-com:vml" xmlns:pvml="urn:schemas-microsoft-com:office:powerpoint" xmlns:com="http://schemas.openxmlformats.org/drawingml/2006/compatibility" xmlns:p14="http://schemas.microsoft.com/office/powerpoint/2010/main" xmlns:p15="http://schemas.microsoft.com/office/powerpoint/2012/main" xmlns:ahyp="http://schemas.microsoft.com/office/drawing/2018/hyperlinkcolor" matchingName="Section title and description">
+<p:sldLayout xmlns:a="http://schemas.openxmlformats.org/drawingml/2006/main" xmlns:r="http://schemas.openxmlformats.org/officeDocument/2006/relationships" xmlns:p="http://schemas.openxmlformats.org/presentationml/2006/main" matchingName="Section title and description">
   <p:cSld name="SECTION_TITLE_AND_DESCRIPTION">
     <p:spTree>
       <p:nvGrpSpPr>
-        <p:cNvPr id="42" name="Shape 42"/>
+        <p:cNvPr id="1" name="Shape 42"/>
         <p:cNvGrpSpPr/>
         <p:nvPr/>
       </p:nvGrpSpPr>
@@ -6637,23 +7078,20 @@
           </a:ln>
         </p:spPr>
         <p:txBody>
-          <a:bodyPr anchorCtr="0" anchor="ctr" bIns="91425" lIns="91425" spcFirstLastPara="1" rIns="91425" wrap="square" tIns="91425">
+          <a:bodyPr spcFirstLastPara="1" wrap="square" lIns="91425" tIns="91425" rIns="91425" bIns="91425" anchor="ctr" anchorCtr="0">
             <a:noAutofit/>
           </a:bodyPr>
           <a:lstStyle/>
           <a:p>
-            <a:pPr indent="0" lvl="0" marL="0" rtl="0" algn="l">
-              <a:spcBef>
-                <a:spcPts val="0"/>
-              </a:spcBef>
-              <a:spcAft>
-                <a:spcPts val="0"/>
-              </a:spcAft>
-              <a:buNone/>
-            </a:pPr>
-            <a:r>
-              <a:t/>
-            </a:r>
+            <a:pPr marL="0" lvl="0" indent="0" algn="l" rtl="0">
+              <a:spcBef>
+                <a:spcPts val="0"/>
+              </a:spcBef>
+              <a:spcAft>
+                <a:spcPts val="0"/>
+              </a:spcAft>
+              <a:buNone/>
+            </a:pPr>
             <a:endParaRPr/>
           </a:p>
         </p:txBody>
@@ -6673,21 +7111,23 @@
             <a:avLst/>
           </a:prstGeom>
           <a:noFill/>
-          <a:ln cap="flat" cmpd="sng" w="38100">
+          <a:ln w="38100" cap="flat" cmpd="sng">
             <a:solidFill>
               <a:schemeClr val="accent5"/>
             </a:solidFill>
             <a:prstDash val="solid"/>
             <a:round/>
-            <a:headEnd len="sm" w="sm" type="none"/>
-            <a:tailEnd len="sm" w="sm" type="none"/>
+            <a:headEnd type="none" w="sm" len="sm"/>
+            <a:tailEnd type="none" w="sm" len="sm"/>
           </a:ln>
         </p:spPr>
       </p:cxnSp>
       <p:sp>
         <p:nvSpPr>
           <p:cNvPr id="45" name="Google Shape;45;p9"/>
-          <p:cNvSpPr txBox="1"/>
+          <p:cNvSpPr txBox="1">
+            <a:spLocks noGrp="1"/>
+          </p:cNvSpPr>
           <p:nvPr>
             <p:ph type="title"/>
           </p:nvPr>
@@ -6702,7 +7142,7 @@
           </a:prstGeom>
         </p:spPr>
         <p:txBody>
-          <a:bodyPr anchorCtr="0" anchor="b" bIns="91425" lIns="91425" spcFirstLastPara="1" rIns="91425" wrap="square" tIns="91425">
+          <a:bodyPr spcFirstLastPara="1" wrap="square" lIns="91425" tIns="91425" rIns="91425" bIns="91425" anchor="b" anchorCtr="0">
             <a:normAutofit/>
           </a:bodyPr>
           <a:lstStyle>
@@ -6806,15 +7246,19 @@
               <a:defRPr sz="3800"/>
             </a:lvl9pPr>
           </a:lstStyle>
-          <a:p/>
+          <a:p>
+            <a:endParaRPr/>
+          </a:p>
         </p:txBody>
       </p:sp>
       <p:sp>
         <p:nvSpPr>
           <p:cNvPr id="46" name="Google Shape;46;p9"/>
-          <p:cNvSpPr txBox="1"/>
+          <p:cNvSpPr txBox="1">
+            <a:spLocks noGrp="1"/>
+          </p:cNvSpPr>
           <p:nvPr>
-            <p:ph idx="1" type="subTitle"/>
+            <p:ph type="subTitle" idx="1"/>
           </p:nvPr>
         </p:nvSpPr>
         <p:spPr>
@@ -6827,7 +7271,7 @@
           </a:prstGeom>
         </p:spPr>
         <p:txBody>
-          <a:bodyPr anchorCtr="0" anchor="t" bIns="91425" lIns="91425" spcFirstLastPara="1" rIns="91425" wrap="square" tIns="91425">
+          <a:bodyPr spcFirstLastPara="1" wrap="square" lIns="91425" tIns="91425" rIns="91425" bIns="91425" anchor="t" anchorCtr="0">
             <a:normAutofit/>
           </a:bodyPr>
           <a:lstStyle>
@@ -7021,15 +7465,19 @@
               </a:defRPr>
             </a:lvl9pPr>
           </a:lstStyle>
-          <a:p/>
+          <a:p>
+            <a:endParaRPr/>
+          </a:p>
         </p:txBody>
       </p:sp>
       <p:sp>
         <p:nvSpPr>
           <p:cNvPr id="47" name="Google Shape;47;p9"/>
-          <p:cNvSpPr txBox="1"/>
+          <p:cNvSpPr txBox="1">
+            <a:spLocks noGrp="1"/>
+          </p:cNvSpPr>
           <p:nvPr>
-            <p:ph idx="2" type="body"/>
+            <p:ph type="body" idx="2"/>
           </p:nvPr>
         </p:nvSpPr>
         <p:spPr>
@@ -7042,11 +7490,11 @@
           </a:prstGeom>
         </p:spPr>
         <p:txBody>
-          <a:bodyPr anchorCtr="0" anchor="ctr" bIns="91425" lIns="91425" spcFirstLastPara="1" rIns="91425" wrap="square" tIns="91425">
+          <a:bodyPr spcFirstLastPara="1" wrap="square" lIns="91425" tIns="91425" rIns="91425" bIns="91425" anchor="ctr" anchorCtr="0">
             <a:normAutofit/>
           </a:bodyPr>
           <a:lstStyle>
-            <a:lvl1pPr indent="-342900" lvl="0" marL="457200">
+            <a:lvl1pPr marL="457200" lvl="0" indent="-342900">
               <a:spcBef>
                 <a:spcPts val="0"/>
               </a:spcBef>
@@ -7057,7 +7505,7 @@
               <a:buChar char="●"/>
               <a:defRPr/>
             </a:lvl1pPr>
-            <a:lvl2pPr indent="-317500" lvl="1" marL="914400">
+            <a:lvl2pPr marL="914400" lvl="1" indent="-317500">
               <a:spcBef>
                 <a:spcPts val="0"/>
               </a:spcBef>
@@ -7068,7 +7516,7 @@
               <a:buChar char="○"/>
               <a:defRPr/>
             </a:lvl2pPr>
-            <a:lvl3pPr indent="-317500" lvl="2" marL="1371600">
+            <a:lvl3pPr marL="1371600" lvl="2" indent="-317500">
               <a:spcBef>
                 <a:spcPts val="0"/>
               </a:spcBef>
@@ -7079,7 +7527,7 @@
               <a:buChar char="■"/>
               <a:defRPr/>
             </a:lvl3pPr>
-            <a:lvl4pPr indent="-317500" lvl="3" marL="1828800">
+            <a:lvl4pPr marL="1828800" lvl="3" indent="-317500">
               <a:spcBef>
                 <a:spcPts val="0"/>
               </a:spcBef>
@@ -7090,7 +7538,7 @@
               <a:buChar char="●"/>
               <a:defRPr/>
             </a:lvl4pPr>
-            <a:lvl5pPr indent="-317500" lvl="4" marL="2286000">
+            <a:lvl5pPr marL="2286000" lvl="4" indent="-317500">
               <a:spcBef>
                 <a:spcPts val="0"/>
               </a:spcBef>
@@ -7101,7 +7549,7 @@
               <a:buChar char="○"/>
               <a:defRPr/>
             </a:lvl5pPr>
-            <a:lvl6pPr indent="-317500" lvl="5" marL="2743200">
+            <a:lvl6pPr marL="2743200" lvl="5" indent="-317500">
               <a:spcBef>
                 <a:spcPts val="0"/>
               </a:spcBef>
@@ -7112,7 +7560,7 @@
               <a:buChar char="■"/>
               <a:defRPr/>
             </a:lvl6pPr>
-            <a:lvl7pPr indent="-317500" lvl="6" marL="3200400">
+            <a:lvl7pPr marL="3200400" lvl="6" indent="-317500">
               <a:spcBef>
                 <a:spcPts val="0"/>
               </a:spcBef>
@@ -7123,7 +7571,7 @@
               <a:buChar char="●"/>
               <a:defRPr/>
             </a:lvl7pPr>
-            <a:lvl8pPr indent="-317500" lvl="7" marL="3657600">
+            <a:lvl8pPr marL="3657600" lvl="7" indent="-317500">
               <a:spcBef>
                 <a:spcPts val="0"/>
               </a:spcBef>
@@ -7134,7 +7582,7 @@
               <a:buChar char="○"/>
               <a:defRPr/>
             </a:lvl8pPr>
-            <a:lvl9pPr indent="-317500" lvl="8" marL="4114800">
+            <a:lvl9pPr marL="4114800" lvl="8" indent="-317500">
               <a:spcBef>
                 <a:spcPts val="0"/>
               </a:spcBef>
@@ -7146,15 +7594,19 @@
               <a:defRPr/>
             </a:lvl9pPr>
           </a:lstStyle>
-          <a:p/>
+          <a:p>
+            <a:endParaRPr/>
+          </a:p>
         </p:txBody>
       </p:sp>
       <p:sp>
         <p:nvSpPr>
           <p:cNvPr id="48" name="Google Shape;48;p9"/>
-          <p:cNvSpPr txBox="1"/>
+          <p:cNvSpPr txBox="1">
+            <a:spLocks noGrp="1"/>
+          </p:cNvSpPr>
           <p:nvPr>
-            <p:ph idx="12" type="sldNum"/>
+            <p:ph type="sldNum" idx="12"/>
           </p:nvPr>
         </p:nvSpPr>
         <p:spPr>
@@ -7167,7 +7619,7 @@
           </a:prstGeom>
         </p:spPr>
         <p:txBody>
-          <a:bodyPr anchorCtr="0" anchor="ctr" bIns="91425" lIns="91425" spcFirstLastPara="1" rIns="91425" wrap="square" tIns="91425">
+          <a:bodyPr spcFirstLastPara="1" wrap="square" lIns="91425" tIns="91425" rIns="91425" bIns="91425" anchor="ctr" anchorCtr="0">
             <a:normAutofit/>
           </a:bodyPr>
           <a:lstStyle>
@@ -7209,7 +7661,7 @@
             </a:lvl9pPr>
           </a:lstStyle>
           <a:p>
-            <a:pPr indent="0" lvl="0" marL="0" rtl="0" algn="r">
+            <a:pPr marL="0" lvl="0" indent="0" algn="r" rtl="0">
               <a:spcBef>
                 <a:spcPts val="0"/>
               </a:spcBef>
@@ -7235,11 +7687,11 @@
 </file>
 
 <file path=ppt/slideLayouts/slideLayout9.xml><?xml version="1.0" encoding="utf-8"?>
-<p:sldLayout xmlns:a="http://schemas.openxmlformats.org/drawingml/2006/main" xmlns:r="http://schemas.openxmlformats.org/officeDocument/2006/relationships" xmlns:mc="http://schemas.openxmlformats.org/markup-compatibility/2006" xmlns:mv="urn:schemas-microsoft-com:mac:vml" xmlns:p="http://schemas.openxmlformats.org/presentationml/2006/main" xmlns:c="http://schemas.openxmlformats.org/drawingml/2006/chart" xmlns:dgm="http://schemas.openxmlformats.org/drawingml/2006/diagram" xmlns:o="urn:schemas-microsoft-com:office:office" xmlns:v="urn:schemas-microsoft-com:vml" xmlns:pvml="urn:schemas-microsoft-com:office:powerpoint" xmlns:com="http://schemas.openxmlformats.org/drawingml/2006/compatibility" xmlns:p14="http://schemas.microsoft.com/office/powerpoint/2010/main" xmlns:p15="http://schemas.microsoft.com/office/powerpoint/2012/main" xmlns:ahyp="http://schemas.microsoft.com/office/drawing/2018/hyperlinkcolor" matchingName="Caption">
+<p:sldLayout xmlns:a="http://schemas.openxmlformats.org/drawingml/2006/main" xmlns:r="http://schemas.openxmlformats.org/officeDocument/2006/relationships" xmlns:p="http://schemas.openxmlformats.org/presentationml/2006/main" matchingName="Caption">
   <p:cSld name="CAPTION_ONLY">
     <p:spTree>
       <p:nvGrpSpPr>
-        <p:cNvPr id="49" name="Shape 49"/>
+        <p:cNvPr id="1" name="Shape 49"/>
         <p:cNvGrpSpPr/>
         <p:nvPr/>
       </p:nvGrpSpPr>
@@ -7254,9 +7706,11 @@
       <p:sp>
         <p:nvSpPr>
           <p:cNvPr id="50" name="Google Shape;50;p10"/>
-          <p:cNvSpPr txBox="1"/>
+          <p:cNvSpPr txBox="1">
+            <a:spLocks noGrp="1"/>
+          </p:cNvSpPr>
           <p:nvPr>
-            <p:ph idx="1" type="body"/>
+            <p:ph type="body" idx="1"/>
           </p:nvPr>
         </p:nvSpPr>
         <p:spPr>
@@ -7269,11 +7723,11 @@
           </a:prstGeom>
         </p:spPr>
         <p:txBody>
-          <a:bodyPr anchorCtr="0" anchor="ctr" bIns="91425" lIns="91425" spcFirstLastPara="1" rIns="91425" wrap="square" tIns="91425">
+          <a:bodyPr spcFirstLastPara="1" wrap="square" lIns="91425" tIns="91425" rIns="91425" bIns="91425" anchor="ctr" anchorCtr="0">
             <a:normAutofit/>
           </a:bodyPr>
           <a:lstStyle>
-            <a:lvl1pPr indent="-228600" lvl="0" marL="457200">
+            <a:lvl1pPr marL="457200" lvl="0" indent="-228600">
               <a:lnSpc>
                 <a:spcPct val="100000"/>
               </a:lnSpc>
@@ -7294,15 +7748,19 @@
               </a:defRPr>
             </a:lvl1pPr>
           </a:lstStyle>
-          <a:p/>
+          <a:p>
+            <a:endParaRPr/>
+          </a:p>
         </p:txBody>
       </p:sp>
       <p:sp>
         <p:nvSpPr>
           <p:cNvPr id="51" name="Google Shape;51;p10"/>
-          <p:cNvSpPr txBox="1"/>
+          <p:cNvSpPr txBox="1">
+            <a:spLocks noGrp="1"/>
+          </p:cNvSpPr>
           <p:nvPr>
-            <p:ph idx="12" type="sldNum"/>
+            <p:ph type="sldNum" idx="12"/>
           </p:nvPr>
         </p:nvSpPr>
         <p:spPr>
@@ -7315,7 +7773,7 @@
           </a:prstGeom>
         </p:spPr>
         <p:txBody>
-          <a:bodyPr anchorCtr="0" anchor="ctr" bIns="91425" lIns="91425" spcFirstLastPara="1" rIns="91425" wrap="square" tIns="91425">
+          <a:bodyPr spcFirstLastPara="1" wrap="square" lIns="91425" tIns="91425" rIns="91425" bIns="91425" anchor="ctr" anchorCtr="0">
             <a:normAutofit/>
           </a:bodyPr>
           <a:lstStyle>
@@ -7357,7 +7815,7 @@
             </a:lvl9pPr>
           </a:lstStyle>
           <a:p>
-            <a:pPr indent="0" lvl="0" marL="0" rtl="0" algn="r">
+            <a:pPr marL="0" lvl="0" indent="0" algn="r" rtl="0">
               <a:spcBef>
                 <a:spcPts val="0"/>
               </a:spcBef>
@@ -7383,18 +7841,19 @@
 </file>
 
 <file path=ppt/slideMasters/slideMaster1.xml><?xml version="1.0" encoding="utf-8"?>
-<p:sldMaster xmlns:a="http://schemas.openxmlformats.org/drawingml/2006/main" xmlns:r="http://schemas.openxmlformats.org/officeDocument/2006/relationships" xmlns:mc="http://schemas.openxmlformats.org/markup-compatibility/2006" xmlns:mv="urn:schemas-microsoft-com:mac:vml" xmlns:p="http://schemas.openxmlformats.org/presentationml/2006/main" xmlns:c="http://schemas.openxmlformats.org/drawingml/2006/chart" xmlns:dgm="http://schemas.openxmlformats.org/drawingml/2006/diagram" xmlns:o="urn:schemas-microsoft-com:office:office" xmlns:v="urn:schemas-microsoft-com:vml" xmlns:pvml="urn:schemas-microsoft-com:office:powerpoint" xmlns:com="http://schemas.openxmlformats.org/drawingml/2006/compatibility" xmlns:p14="http://schemas.microsoft.com/office/powerpoint/2010/main" xmlns:p15="http://schemas.microsoft.com/office/powerpoint/2012/main" xmlns:ahyp="http://schemas.microsoft.com/office/drawing/2018/hyperlinkcolor">
+<p:sldMaster xmlns:a="http://schemas.openxmlformats.org/drawingml/2006/main" xmlns:r="http://schemas.openxmlformats.org/officeDocument/2006/relationships" xmlns:p="http://schemas.openxmlformats.org/presentationml/2006/main">
   <p:cSld name="marina">
     <p:bg>
       <p:bgPr>
         <a:solidFill>
           <a:schemeClr val="lt1"/>
         </a:solidFill>
+        <a:effectLst/>
       </p:bgPr>
     </p:bg>
     <p:spTree>
       <p:nvGrpSpPr>
-        <p:cNvPr id="5" name="Shape 5"/>
+        <p:cNvPr id="1" name="Shape 5"/>
         <p:cNvGrpSpPr/>
         <p:nvPr/>
       </p:nvGrpSpPr>
@@ -7409,7 +7868,9 @@
       <p:sp>
         <p:nvSpPr>
           <p:cNvPr id="6" name="Google Shape;6;p1"/>
-          <p:cNvSpPr txBox="1"/>
+          <p:cNvSpPr txBox="1">
+            <a:spLocks noGrp="1"/>
+          </p:cNvSpPr>
           <p:nvPr>
             <p:ph type="title"/>
           </p:nvPr>
@@ -7428,7 +7889,7 @@
           </a:ln>
         </p:spPr>
         <p:txBody>
-          <a:bodyPr anchorCtr="0" anchor="b" bIns="91425" lIns="91425" spcFirstLastPara="1" rIns="91425" wrap="square" tIns="91425">
+          <a:bodyPr spcFirstLastPara="1" wrap="square" lIns="91425" tIns="91425" rIns="91425" bIns="91425" anchor="b" anchorCtr="0">
             <a:normAutofit/>
           </a:bodyPr>
           <a:lstStyle>
@@ -7640,15 +8101,19 @@
               </a:defRPr>
             </a:lvl9pPr>
           </a:lstStyle>
-          <a:p/>
+          <a:p>
+            <a:endParaRPr/>
+          </a:p>
         </p:txBody>
       </p:sp>
       <p:sp>
         <p:nvSpPr>
           <p:cNvPr id="7" name="Google Shape;7;p1"/>
-          <p:cNvSpPr txBox="1"/>
+          <p:cNvSpPr txBox="1">
+            <a:spLocks noGrp="1"/>
+          </p:cNvSpPr>
           <p:nvPr>
-            <p:ph idx="1" type="body"/>
+            <p:ph type="body" idx="1"/>
           </p:nvPr>
         </p:nvSpPr>
         <p:spPr>
@@ -7665,11 +8130,11 @@
           </a:ln>
         </p:spPr>
         <p:txBody>
-          <a:bodyPr anchorCtr="0" anchor="t" bIns="91425" lIns="91425" spcFirstLastPara="1" rIns="91425" wrap="square" tIns="91425">
+          <a:bodyPr spcFirstLastPara="1" wrap="square" lIns="91425" tIns="91425" rIns="91425" bIns="91425" anchor="t" anchorCtr="0">
             <a:normAutofit/>
           </a:bodyPr>
           <a:lstStyle>
-            <a:lvl1pPr indent="-342900" lvl="0" marL="457200">
+            <a:lvl1pPr marL="457200" lvl="0" indent="-342900">
               <a:lnSpc>
                 <a:spcPct val="115000"/>
               </a:lnSpc>
@@ -7695,7 +8160,7 @@
                 <a:sym typeface="Roboto"/>
               </a:defRPr>
             </a:lvl1pPr>
-            <a:lvl2pPr indent="-317500" lvl="1" marL="914400">
+            <a:lvl2pPr marL="914400" lvl="1" indent="-317500">
               <a:lnSpc>
                 <a:spcPct val="115000"/>
               </a:lnSpc>
@@ -7721,7 +8186,7 @@
                 <a:sym typeface="Roboto"/>
               </a:defRPr>
             </a:lvl2pPr>
-            <a:lvl3pPr indent="-317500" lvl="2" marL="1371600">
+            <a:lvl3pPr marL="1371600" lvl="2" indent="-317500">
               <a:lnSpc>
                 <a:spcPct val="115000"/>
               </a:lnSpc>
@@ -7747,7 +8212,7 @@
                 <a:sym typeface="Roboto"/>
               </a:defRPr>
             </a:lvl3pPr>
-            <a:lvl4pPr indent="-317500" lvl="3" marL="1828800">
+            <a:lvl4pPr marL="1828800" lvl="3" indent="-317500">
               <a:lnSpc>
                 <a:spcPct val="115000"/>
               </a:lnSpc>
@@ -7773,7 +8238,7 @@
                 <a:sym typeface="Roboto"/>
               </a:defRPr>
             </a:lvl4pPr>
-            <a:lvl5pPr indent="-317500" lvl="4" marL="2286000">
+            <a:lvl5pPr marL="2286000" lvl="4" indent="-317500">
               <a:lnSpc>
                 <a:spcPct val="115000"/>
               </a:lnSpc>
@@ -7799,7 +8264,7 @@
                 <a:sym typeface="Roboto"/>
               </a:defRPr>
             </a:lvl5pPr>
-            <a:lvl6pPr indent="-317500" lvl="5" marL="2743200">
+            <a:lvl6pPr marL="2743200" lvl="5" indent="-317500">
               <a:lnSpc>
                 <a:spcPct val="115000"/>
               </a:lnSpc>
@@ -7825,7 +8290,7 @@
                 <a:sym typeface="Roboto"/>
               </a:defRPr>
             </a:lvl6pPr>
-            <a:lvl7pPr indent="-317500" lvl="6" marL="3200400">
+            <a:lvl7pPr marL="3200400" lvl="6" indent="-317500">
               <a:lnSpc>
                 <a:spcPct val="115000"/>
               </a:lnSpc>
@@ -7851,7 +8316,7 @@
                 <a:sym typeface="Roboto"/>
               </a:defRPr>
             </a:lvl7pPr>
-            <a:lvl8pPr indent="-317500" lvl="7" marL="3657600">
+            <a:lvl8pPr marL="3657600" lvl="7" indent="-317500">
               <a:lnSpc>
                 <a:spcPct val="115000"/>
               </a:lnSpc>
@@ -7877,7 +8342,7 @@
                 <a:sym typeface="Roboto"/>
               </a:defRPr>
             </a:lvl8pPr>
-            <a:lvl9pPr indent="-317500" lvl="8" marL="4114800">
+            <a:lvl9pPr marL="4114800" lvl="8" indent="-317500">
               <a:lnSpc>
                 <a:spcPct val="115000"/>
               </a:lnSpc>
@@ -7904,15 +8369,19 @@
               </a:defRPr>
             </a:lvl9pPr>
           </a:lstStyle>
-          <a:p/>
+          <a:p>
+            <a:endParaRPr/>
+          </a:p>
         </p:txBody>
       </p:sp>
       <p:sp>
         <p:nvSpPr>
           <p:cNvPr id="8" name="Google Shape;8;p1"/>
-          <p:cNvSpPr txBox="1"/>
+          <p:cNvSpPr txBox="1">
+            <a:spLocks noGrp="1"/>
+          </p:cNvSpPr>
           <p:nvPr>
-            <p:ph idx="12" type="sldNum"/>
+            <p:ph type="sldNum" idx="12"/>
           </p:nvPr>
         </p:nvSpPr>
         <p:spPr>
@@ -7929,7 +8398,7 @@
           </a:ln>
         </p:spPr>
         <p:txBody>
-          <a:bodyPr anchorCtr="0" anchor="ctr" bIns="91425" lIns="91425" spcFirstLastPara="1" rIns="91425" wrap="square" tIns="91425">
+          <a:bodyPr spcFirstLastPara="1" wrap="square" lIns="91425" tIns="91425" rIns="91425" bIns="91425" anchor="ctr" anchorCtr="0">
             <a:normAutofit/>
           </a:bodyPr>
           <a:lstStyle>
@@ -8043,7 +8512,7 @@
             </a:lvl9pPr>
           </a:lstStyle>
           <a:p>
-            <a:pPr indent="0" lvl="0" marL="0" rtl="0" algn="r">
+            <a:pPr marL="0" lvl="0" indent="0" algn="r" rtl="0">
               <a:spcBef>
                 <a:spcPts val="0"/>
               </a:spcBef>
@@ -8062,7 +8531,7 @@
       </p:sp>
     </p:spTree>
   </p:cSld>
-  <p:clrMap accent1="accent1" accent2="accent2" accent3="accent3" accent4="accent4" accent5="accent5" accent6="accent6" bg1="lt1" bg2="dk2" tx1="dk1" tx2="lt2" folHlink="folHlink" hlink="hlink"/>
+  <p:clrMap bg1="lt1" tx1="dk1" bg2="dk2" tx2="lt2" accent1="accent1" accent2="accent2" accent3="accent3" accent4="accent4" accent5="accent5" accent6="accent6" hlink="hlink" folHlink="folHlink"/>
   <p:sldLayoutIdLst>
     <p:sldLayoutId id="2147483648" r:id="rId1"/>
     <p:sldLayoutId id="2147483649" r:id="rId2"/>
@@ -8076,10 +8545,10 @@
     <p:sldLayoutId id="2147483657" r:id="rId10"/>
     <p:sldLayoutId id="2147483658" r:id="rId11"/>
   </p:sldLayoutIdLst>
-  <p:hf dt="0" ftr="0" hdr="0" sldNum="0"/>
+  <p:hf sldNum="0" hdr="0" ftr="0" dt="0"/>
   <p:txStyles>
     <p:titleStyle>
-      <a:defPPr lvl="0" marR="0" rtl="0" algn="l">
+      <a:defPPr marR="0" lvl="0" algn="l" rtl="0">
         <a:lnSpc>
           <a:spcPct val="100000"/>
         </a:lnSpc>
@@ -8090,7 +8559,7 @@
           <a:spcPts val="0"/>
         </a:spcAft>
       </a:defPPr>
-      <a:lvl1pPr lvl="0" marR="0" rtl="0" algn="l">
+      <a:lvl1pPr marR="0" lvl="0" algn="l" rtl="0">
         <a:lnSpc>
           <a:spcPct val="100000"/>
         </a:lnSpc>
@@ -8104,7 +8573,7 @@
           <a:srgbClr val="000000"/>
         </a:buClr>
         <a:buFont typeface="Arial"/>
-        <a:defRPr b="0" i="0" sz="1400" u="none" cap="none" strike="noStrike">
+        <a:defRPr sz="1400" b="0" i="0" u="none" strike="noStrike" cap="none">
           <a:solidFill>
             <a:srgbClr val="000000"/>
           </a:solidFill>
@@ -8114,7 +8583,7 @@
           <a:sym typeface="Arial"/>
         </a:defRPr>
       </a:lvl1pPr>
-      <a:lvl2pPr lvl="1" marR="0" rtl="0" algn="l">
+      <a:lvl2pPr marR="0" lvl="1" algn="l" rtl="0">
         <a:lnSpc>
           <a:spcPct val="100000"/>
         </a:lnSpc>
@@ -8128,7 +8597,7 @@
           <a:srgbClr val="000000"/>
         </a:buClr>
         <a:buFont typeface="Arial"/>
-        <a:defRPr b="0" i="0" sz="1400" u="none" cap="none" strike="noStrike">
+        <a:defRPr sz="1400" b="0" i="0" u="none" strike="noStrike" cap="none">
           <a:solidFill>
             <a:srgbClr val="000000"/>
           </a:solidFill>
@@ -8138,7 +8607,7 @@
           <a:sym typeface="Arial"/>
         </a:defRPr>
       </a:lvl2pPr>
-      <a:lvl3pPr lvl="2" marR="0" rtl="0" algn="l">
+      <a:lvl3pPr marR="0" lvl="2" algn="l" rtl="0">
         <a:lnSpc>
           <a:spcPct val="100000"/>
         </a:lnSpc>
@@ -8152,7 +8621,7 @@
           <a:srgbClr val="000000"/>
         </a:buClr>
         <a:buFont typeface="Arial"/>
-        <a:defRPr b="0" i="0" sz="1400" u="none" cap="none" strike="noStrike">
+        <a:defRPr sz="1400" b="0" i="0" u="none" strike="noStrike" cap="none">
           <a:solidFill>
             <a:srgbClr val="000000"/>
           </a:solidFill>
@@ -8162,7 +8631,7 @@
           <a:sym typeface="Arial"/>
         </a:defRPr>
       </a:lvl3pPr>
-      <a:lvl4pPr lvl="3" marR="0" rtl="0" algn="l">
+      <a:lvl4pPr marR="0" lvl="3" algn="l" rtl="0">
         <a:lnSpc>
           <a:spcPct val="100000"/>
         </a:lnSpc>
@@ -8176,7 +8645,7 @@
           <a:srgbClr val="000000"/>
         </a:buClr>
         <a:buFont typeface="Arial"/>
-        <a:defRPr b="0" i="0" sz="1400" u="none" cap="none" strike="noStrike">
+        <a:defRPr sz="1400" b="0" i="0" u="none" strike="noStrike" cap="none">
           <a:solidFill>
             <a:srgbClr val="000000"/>
           </a:solidFill>
@@ -8186,7 +8655,7 @@
           <a:sym typeface="Arial"/>
         </a:defRPr>
       </a:lvl4pPr>
-      <a:lvl5pPr lvl="4" marR="0" rtl="0" algn="l">
+      <a:lvl5pPr marR="0" lvl="4" algn="l" rtl="0">
         <a:lnSpc>
           <a:spcPct val="100000"/>
         </a:lnSpc>
@@ -8200,7 +8669,7 @@
           <a:srgbClr val="000000"/>
         </a:buClr>
         <a:buFont typeface="Arial"/>
-        <a:defRPr b="0" i="0" sz="1400" u="none" cap="none" strike="noStrike">
+        <a:defRPr sz="1400" b="0" i="0" u="none" strike="noStrike" cap="none">
           <a:solidFill>
             <a:srgbClr val="000000"/>
           </a:solidFill>
@@ -8210,7 +8679,7 @@
           <a:sym typeface="Arial"/>
         </a:defRPr>
       </a:lvl5pPr>
-      <a:lvl6pPr lvl="5" marR="0" rtl="0" algn="l">
+      <a:lvl6pPr marR="0" lvl="5" algn="l" rtl="0">
         <a:lnSpc>
           <a:spcPct val="100000"/>
         </a:lnSpc>
@@ -8224,7 +8693,7 @@
           <a:srgbClr val="000000"/>
         </a:buClr>
         <a:buFont typeface="Arial"/>
-        <a:defRPr b="0" i="0" sz="1400" u="none" cap="none" strike="noStrike">
+        <a:defRPr sz="1400" b="0" i="0" u="none" strike="noStrike" cap="none">
           <a:solidFill>
             <a:srgbClr val="000000"/>
           </a:solidFill>
@@ -8234,7 +8703,7 @@
           <a:sym typeface="Arial"/>
         </a:defRPr>
       </a:lvl6pPr>
-      <a:lvl7pPr lvl="6" marR="0" rtl="0" algn="l">
+      <a:lvl7pPr marR="0" lvl="6" algn="l" rtl="0">
         <a:lnSpc>
           <a:spcPct val="100000"/>
         </a:lnSpc>
@@ -8248,7 +8717,7 @@
           <a:srgbClr val="000000"/>
         </a:buClr>
         <a:buFont typeface="Arial"/>
-        <a:defRPr b="0" i="0" sz="1400" u="none" cap="none" strike="noStrike">
+        <a:defRPr sz="1400" b="0" i="0" u="none" strike="noStrike" cap="none">
           <a:solidFill>
             <a:srgbClr val="000000"/>
           </a:solidFill>
@@ -8258,7 +8727,7 @@
           <a:sym typeface="Arial"/>
         </a:defRPr>
       </a:lvl7pPr>
-      <a:lvl8pPr lvl="7" marR="0" rtl="0" algn="l">
+      <a:lvl8pPr marR="0" lvl="7" algn="l" rtl="0">
         <a:lnSpc>
           <a:spcPct val="100000"/>
         </a:lnSpc>
@@ -8272,7 +8741,7 @@
           <a:srgbClr val="000000"/>
         </a:buClr>
         <a:buFont typeface="Arial"/>
-        <a:defRPr b="0" i="0" sz="1400" u="none" cap="none" strike="noStrike">
+        <a:defRPr sz="1400" b="0" i="0" u="none" strike="noStrike" cap="none">
           <a:solidFill>
             <a:srgbClr val="000000"/>
           </a:solidFill>
@@ -8282,7 +8751,7 @@
           <a:sym typeface="Arial"/>
         </a:defRPr>
       </a:lvl8pPr>
-      <a:lvl9pPr lvl="8" marR="0" rtl="0" algn="l">
+      <a:lvl9pPr marR="0" lvl="8" algn="l" rtl="0">
         <a:lnSpc>
           <a:spcPct val="100000"/>
         </a:lnSpc>
@@ -8296,7 +8765,7 @@
           <a:srgbClr val="000000"/>
         </a:buClr>
         <a:buFont typeface="Arial"/>
-        <a:defRPr b="0" i="0" sz="1400" u="none" cap="none" strike="noStrike">
+        <a:defRPr sz="1400" b="0" i="0" u="none" strike="noStrike" cap="none">
           <a:solidFill>
             <a:srgbClr val="000000"/>
           </a:solidFill>
@@ -8308,7 +8777,7 @@
       </a:lvl9pPr>
     </p:titleStyle>
     <p:bodyStyle>
-      <a:defPPr lvl="0" marR="0" rtl="0" algn="l">
+      <a:defPPr marR="0" lvl="0" algn="l" rtl="0">
         <a:lnSpc>
           <a:spcPct val="100000"/>
         </a:lnSpc>
@@ -8319,7 +8788,7 @@
           <a:spcPts val="0"/>
         </a:spcAft>
       </a:defPPr>
-      <a:lvl1pPr lvl="0" marR="0" rtl="0" algn="l">
+      <a:lvl1pPr marR="0" lvl="0" algn="l" rtl="0">
         <a:lnSpc>
           <a:spcPct val="100000"/>
         </a:lnSpc>
@@ -8333,7 +8802,7 @@
           <a:srgbClr val="000000"/>
         </a:buClr>
         <a:buFont typeface="Arial"/>
-        <a:defRPr b="0" i="0" sz="1400" u="none" cap="none" strike="noStrike">
+        <a:defRPr sz="1400" b="0" i="0" u="none" strike="noStrike" cap="none">
           <a:solidFill>
             <a:srgbClr val="000000"/>
           </a:solidFill>
@@ -8343,7 +8812,7 @@
           <a:sym typeface="Arial"/>
         </a:defRPr>
       </a:lvl1pPr>
-      <a:lvl2pPr lvl="1" marR="0" rtl="0" algn="l">
+      <a:lvl2pPr marR="0" lvl="1" algn="l" rtl="0">
         <a:lnSpc>
           <a:spcPct val="100000"/>
         </a:lnSpc>
@@ -8357,7 +8826,7 @@
           <a:srgbClr val="000000"/>
         </a:buClr>
         <a:buFont typeface="Arial"/>
-        <a:defRPr b="0" i="0" sz="1400" u="none" cap="none" strike="noStrike">
+        <a:defRPr sz="1400" b="0" i="0" u="none" strike="noStrike" cap="none">
           <a:solidFill>
             <a:srgbClr val="000000"/>
           </a:solidFill>
@@ -8367,7 +8836,7 @@
           <a:sym typeface="Arial"/>
         </a:defRPr>
       </a:lvl2pPr>
-      <a:lvl3pPr lvl="2" marR="0" rtl="0" algn="l">
+      <a:lvl3pPr marR="0" lvl="2" algn="l" rtl="0">
         <a:lnSpc>
           <a:spcPct val="100000"/>
         </a:lnSpc>
@@ -8381,7 +8850,7 @@
           <a:srgbClr val="000000"/>
         </a:buClr>
         <a:buFont typeface="Arial"/>
-        <a:defRPr b="0" i="0" sz="1400" u="none" cap="none" strike="noStrike">
+        <a:defRPr sz="1400" b="0" i="0" u="none" strike="noStrike" cap="none">
           <a:solidFill>
             <a:srgbClr val="000000"/>
           </a:solidFill>
@@ -8391,7 +8860,7 @@
           <a:sym typeface="Arial"/>
         </a:defRPr>
       </a:lvl3pPr>
-      <a:lvl4pPr lvl="3" marR="0" rtl="0" algn="l">
+      <a:lvl4pPr marR="0" lvl="3" algn="l" rtl="0">
         <a:lnSpc>
           <a:spcPct val="100000"/>
         </a:lnSpc>
@@ -8405,7 +8874,7 @@
           <a:srgbClr val="000000"/>
         </a:buClr>
         <a:buFont typeface="Arial"/>
-        <a:defRPr b="0" i="0" sz="1400" u="none" cap="none" strike="noStrike">
+        <a:defRPr sz="1400" b="0" i="0" u="none" strike="noStrike" cap="none">
           <a:solidFill>
             <a:srgbClr val="000000"/>
           </a:solidFill>
@@ -8415,7 +8884,7 @@
           <a:sym typeface="Arial"/>
         </a:defRPr>
       </a:lvl4pPr>
-      <a:lvl5pPr lvl="4" marR="0" rtl="0" algn="l">
+      <a:lvl5pPr marR="0" lvl="4" algn="l" rtl="0">
         <a:lnSpc>
           <a:spcPct val="100000"/>
         </a:lnSpc>
@@ -8429,7 +8898,7 @@
           <a:srgbClr val="000000"/>
         </a:buClr>
         <a:buFont typeface="Arial"/>
-        <a:defRPr b="0" i="0" sz="1400" u="none" cap="none" strike="noStrike">
+        <a:defRPr sz="1400" b="0" i="0" u="none" strike="noStrike" cap="none">
           <a:solidFill>
             <a:srgbClr val="000000"/>
           </a:solidFill>
@@ -8439,7 +8908,7 @@
           <a:sym typeface="Arial"/>
         </a:defRPr>
       </a:lvl5pPr>
-      <a:lvl6pPr lvl="5" marR="0" rtl="0" algn="l">
+      <a:lvl6pPr marR="0" lvl="5" algn="l" rtl="0">
         <a:lnSpc>
           <a:spcPct val="100000"/>
         </a:lnSpc>
@@ -8453,7 +8922,7 @@
           <a:srgbClr val="000000"/>
         </a:buClr>
         <a:buFont typeface="Arial"/>
-        <a:defRPr b="0" i="0" sz="1400" u="none" cap="none" strike="noStrike">
+        <a:defRPr sz="1400" b="0" i="0" u="none" strike="noStrike" cap="none">
           <a:solidFill>
             <a:srgbClr val="000000"/>
           </a:solidFill>
@@ -8463,7 +8932,7 @@
           <a:sym typeface="Arial"/>
         </a:defRPr>
       </a:lvl6pPr>
-      <a:lvl7pPr lvl="6" marR="0" rtl="0" algn="l">
+      <a:lvl7pPr marR="0" lvl="6" algn="l" rtl="0">
         <a:lnSpc>
           <a:spcPct val="100000"/>
         </a:lnSpc>
@@ -8477,7 +8946,7 @@
           <a:srgbClr val="000000"/>
         </a:buClr>
         <a:buFont typeface="Arial"/>
-        <a:defRPr b="0" i="0" sz="1400" u="none" cap="none" strike="noStrike">
+        <a:defRPr sz="1400" b="0" i="0" u="none" strike="noStrike" cap="none">
           <a:solidFill>
             <a:srgbClr val="000000"/>
           </a:solidFill>
@@ -8487,7 +8956,7 @@
           <a:sym typeface="Arial"/>
         </a:defRPr>
       </a:lvl7pPr>
-      <a:lvl8pPr lvl="7" marR="0" rtl="0" algn="l">
+      <a:lvl8pPr marR="0" lvl="7" algn="l" rtl="0">
         <a:lnSpc>
           <a:spcPct val="100000"/>
         </a:lnSpc>
@@ -8501,7 +8970,7 @@
           <a:srgbClr val="000000"/>
         </a:buClr>
         <a:buFont typeface="Arial"/>
-        <a:defRPr b="0" i="0" sz="1400" u="none" cap="none" strike="noStrike">
+        <a:defRPr sz="1400" b="0" i="0" u="none" strike="noStrike" cap="none">
           <a:solidFill>
             <a:srgbClr val="000000"/>
           </a:solidFill>
@@ -8511,7 +8980,7 @@
           <a:sym typeface="Arial"/>
         </a:defRPr>
       </a:lvl8pPr>
-      <a:lvl9pPr lvl="8" marR="0" rtl="0" algn="l">
+      <a:lvl9pPr marR="0" lvl="8" algn="l" rtl="0">
         <a:lnSpc>
           <a:spcPct val="100000"/>
         </a:lnSpc>
@@ -8525,7 +8994,7 @@
           <a:srgbClr val="000000"/>
         </a:buClr>
         <a:buFont typeface="Arial"/>
-        <a:defRPr b="0" i="0" sz="1400" u="none" cap="none" strike="noStrike">
+        <a:defRPr sz="1400" b="0" i="0" u="none" strike="noStrike" cap="none">
           <a:solidFill>
             <a:srgbClr val="000000"/>
           </a:solidFill>
@@ -8537,7 +9006,7 @@
       </a:lvl9pPr>
     </p:bodyStyle>
     <p:otherStyle>
-      <a:defPPr lvl="0" marR="0" rtl="0" algn="l">
+      <a:defPPr marR="0" lvl="0" algn="l" rtl="0">
         <a:lnSpc>
           <a:spcPct val="100000"/>
         </a:lnSpc>
@@ -8548,7 +9017,7 @@
           <a:spcPts val="0"/>
         </a:spcAft>
       </a:defPPr>
-      <a:lvl1pPr lvl="0" marR="0" rtl="0" algn="l">
+      <a:lvl1pPr marR="0" lvl="0" algn="l" rtl="0">
         <a:lnSpc>
           <a:spcPct val="100000"/>
         </a:lnSpc>
@@ -8562,7 +9031,7 @@
           <a:srgbClr val="000000"/>
         </a:buClr>
         <a:buFont typeface="Arial"/>
-        <a:defRPr b="0" i="0" sz="1400" u="none" cap="none" strike="noStrike">
+        <a:defRPr sz="1400" b="0" i="0" u="none" strike="noStrike" cap="none">
           <a:solidFill>
             <a:srgbClr val="000000"/>
           </a:solidFill>
@@ -8572,7 +9041,7 @@
           <a:sym typeface="Arial"/>
         </a:defRPr>
       </a:lvl1pPr>
-      <a:lvl2pPr lvl="1" marR="0" rtl="0" algn="l">
+      <a:lvl2pPr marR="0" lvl="1" algn="l" rtl="0">
         <a:lnSpc>
           <a:spcPct val="100000"/>
         </a:lnSpc>
@@ -8586,7 +9055,7 @@
           <a:srgbClr val="000000"/>
         </a:buClr>
         <a:buFont typeface="Arial"/>
-        <a:defRPr b="0" i="0" sz="1400" u="none" cap="none" strike="noStrike">
+        <a:defRPr sz="1400" b="0" i="0" u="none" strike="noStrike" cap="none">
           <a:solidFill>
             <a:srgbClr val="000000"/>
           </a:solidFill>
@@ -8596,7 +9065,7 @@
           <a:sym typeface="Arial"/>
         </a:defRPr>
       </a:lvl2pPr>
-      <a:lvl3pPr lvl="2" marR="0" rtl="0" algn="l">
+      <a:lvl3pPr marR="0" lvl="2" algn="l" rtl="0">
         <a:lnSpc>
           <a:spcPct val="100000"/>
         </a:lnSpc>
@@ -8610,7 +9079,7 @@
           <a:srgbClr val="000000"/>
         </a:buClr>
         <a:buFont typeface="Arial"/>
-        <a:defRPr b="0" i="0" sz="1400" u="none" cap="none" strike="noStrike">
+        <a:defRPr sz="1400" b="0" i="0" u="none" strike="noStrike" cap="none">
           <a:solidFill>
             <a:srgbClr val="000000"/>
           </a:solidFill>
@@ -8620,7 +9089,7 @@
           <a:sym typeface="Arial"/>
         </a:defRPr>
       </a:lvl3pPr>
-      <a:lvl4pPr lvl="3" marR="0" rtl="0" algn="l">
+      <a:lvl4pPr marR="0" lvl="3" algn="l" rtl="0">
         <a:lnSpc>
           <a:spcPct val="100000"/>
         </a:lnSpc>
@@ -8634,7 +9103,7 @@
           <a:srgbClr val="000000"/>
         </a:buClr>
         <a:buFont typeface="Arial"/>
-        <a:defRPr b="0" i="0" sz="1400" u="none" cap="none" strike="noStrike">
+        <a:defRPr sz="1400" b="0" i="0" u="none" strike="noStrike" cap="none">
           <a:solidFill>
             <a:srgbClr val="000000"/>
           </a:solidFill>
@@ -8644,7 +9113,7 @@
           <a:sym typeface="Arial"/>
         </a:defRPr>
       </a:lvl4pPr>
-      <a:lvl5pPr lvl="4" marR="0" rtl="0" algn="l">
+      <a:lvl5pPr marR="0" lvl="4" algn="l" rtl="0">
         <a:lnSpc>
           <a:spcPct val="100000"/>
         </a:lnSpc>
@@ -8658,7 +9127,7 @@
           <a:srgbClr val="000000"/>
         </a:buClr>
         <a:buFont typeface="Arial"/>
-        <a:defRPr b="0" i="0" sz="1400" u="none" cap="none" strike="noStrike">
+        <a:defRPr sz="1400" b="0" i="0" u="none" strike="noStrike" cap="none">
           <a:solidFill>
             <a:srgbClr val="000000"/>
           </a:solidFill>
@@ -8668,7 +9137,7 @@
           <a:sym typeface="Arial"/>
         </a:defRPr>
       </a:lvl5pPr>
-      <a:lvl6pPr lvl="5" marR="0" rtl="0" algn="l">
+      <a:lvl6pPr marR="0" lvl="5" algn="l" rtl="0">
         <a:lnSpc>
           <a:spcPct val="100000"/>
         </a:lnSpc>
@@ -8682,7 +9151,7 @@
           <a:srgbClr val="000000"/>
         </a:buClr>
         <a:buFont typeface="Arial"/>
-        <a:defRPr b="0" i="0" sz="1400" u="none" cap="none" strike="noStrike">
+        <a:defRPr sz="1400" b="0" i="0" u="none" strike="noStrike" cap="none">
           <a:solidFill>
             <a:srgbClr val="000000"/>
           </a:solidFill>
@@ -8692,7 +9161,7 @@
           <a:sym typeface="Arial"/>
         </a:defRPr>
       </a:lvl6pPr>
-      <a:lvl7pPr lvl="6" marR="0" rtl="0" algn="l">
+      <a:lvl7pPr marR="0" lvl="6" algn="l" rtl="0">
         <a:lnSpc>
           <a:spcPct val="100000"/>
         </a:lnSpc>
@@ -8706,7 +9175,7 @@
           <a:srgbClr val="000000"/>
         </a:buClr>
         <a:buFont typeface="Arial"/>
-        <a:defRPr b="0" i="0" sz="1400" u="none" cap="none" strike="noStrike">
+        <a:defRPr sz="1400" b="0" i="0" u="none" strike="noStrike" cap="none">
           <a:solidFill>
             <a:srgbClr val="000000"/>
           </a:solidFill>
@@ -8716,7 +9185,7 @@
           <a:sym typeface="Arial"/>
         </a:defRPr>
       </a:lvl7pPr>
-      <a:lvl8pPr lvl="7" marR="0" rtl="0" algn="l">
+      <a:lvl8pPr marR="0" lvl="7" algn="l" rtl="0">
         <a:lnSpc>
           <a:spcPct val="100000"/>
         </a:lnSpc>
@@ -8730,7 +9199,7 @@
           <a:srgbClr val="000000"/>
         </a:buClr>
         <a:buFont typeface="Arial"/>
-        <a:defRPr b="0" i="0" sz="1400" u="none" cap="none" strike="noStrike">
+        <a:defRPr sz="1400" b="0" i="0" u="none" strike="noStrike" cap="none">
           <a:solidFill>
             <a:srgbClr val="000000"/>
           </a:solidFill>
@@ -8740,7 +9209,7 @@
           <a:sym typeface="Arial"/>
         </a:defRPr>
       </a:lvl8pPr>
-      <a:lvl9pPr lvl="8" marR="0" rtl="0" algn="l">
+      <a:lvl9pPr marR="0" lvl="8" algn="l" rtl="0">
         <a:lnSpc>
           <a:spcPct val="100000"/>
         </a:lnSpc>
@@ -8754,7 +9223,7 @@
           <a:srgbClr val="000000"/>
         </a:buClr>
         <a:buFont typeface="Arial"/>
-        <a:defRPr b="0" i="0" sz="1400" u="none" cap="none" strike="noStrike">
+        <a:defRPr sz="1400" b="0" i="0" u="none" strike="noStrike" cap="none">
           <a:solidFill>
             <a:srgbClr val="000000"/>
           </a:solidFill>
@@ -8770,18 +9239,19 @@
 </file>
 
 <file path=ppt/slides/slide1.xml><?xml version="1.0" encoding="utf-8"?>
-<p:sld xmlns:a="http://schemas.openxmlformats.org/drawingml/2006/main" xmlns:r="http://schemas.openxmlformats.org/officeDocument/2006/relationships" xmlns:mc="http://schemas.openxmlformats.org/markup-compatibility/2006" xmlns:mv="urn:schemas-microsoft-com:mac:vml" xmlns:p="http://schemas.openxmlformats.org/presentationml/2006/main" xmlns:c="http://schemas.openxmlformats.org/drawingml/2006/chart" xmlns:dgm="http://schemas.openxmlformats.org/drawingml/2006/diagram" xmlns:o="urn:schemas-microsoft-com:office:office" xmlns:v="urn:schemas-microsoft-com:vml" xmlns:pvml="urn:schemas-microsoft-com:office:powerpoint" xmlns:com="http://schemas.openxmlformats.org/drawingml/2006/compatibility" xmlns:p14="http://schemas.microsoft.com/office/powerpoint/2010/main" xmlns:p15="http://schemas.microsoft.com/office/powerpoint/2012/main" xmlns:ahyp="http://schemas.microsoft.com/office/drawing/2018/hyperlinkcolor">
+<p:sld xmlns:a="http://schemas.openxmlformats.org/drawingml/2006/main" xmlns:r="http://schemas.openxmlformats.org/officeDocument/2006/relationships" xmlns:p="http://schemas.openxmlformats.org/presentationml/2006/main">
   <p:cSld>
     <p:bg>
       <p:bgPr>
         <a:solidFill>
           <a:schemeClr val="dk2"/>
         </a:solidFill>
+        <a:effectLst/>
       </p:bgPr>
     </p:bg>
     <p:spTree>
       <p:nvGrpSpPr>
-        <p:cNvPr id="62" name="Shape 62"/>
+        <p:cNvPr id="1" name="Shape 62"/>
         <p:cNvGrpSpPr/>
         <p:nvPr/>
       </p:nvGrpSpPr>
@@ -8796,7 +9266,9 @@
       <p:sp>
         <p:nvSpPr>
           <p:cNvPr id="63" name="Google Shape;63;p13"/>
-          <p:cNvSpPr txBox="1"/>
+          <p:cNvSpPr txBox="1">
+            <a:spLocks noGrp="1"/>
+          </p:cNvSpPr>
           <p:nvPr>
             <p:ph type="ctrTitle"/>
           </p:nvPr>
@@ -8811,12 +9283,12 @@
           </a:prstGeom>
         </p:spPr>
         <p:txBody>
-          <a:bodyPr anchorCtr="0" anchor="b" bIns="91425" lIns="91425" spcFirstLastPara="1" rIns="91425" wrap="square" tIns="91425">
+          <a:bodyPr spcFirstLastPara="1" wrap="square" lIns="91425" tIns="91425" rIns="91425" bIns="91425" anchor="b" anchorCtr="0">
             <a:normAutofit/>
           </a:bodyPr>
           <a:lstStyle/>
           <a:p>
-            <a:pPr indent="0" lvl="0" marL="0" rtl="0" algn="ctr">
+            <a:pPr marL="0" lvl="0" indent="0" algn="ctr" rtl="0">
               <a:spcBef>
                 <a:spcPts val="0"/>
               </a:spcBef>
@@ -8836,9 +9308,11 @@
       <p:sp>
         <p:nvSpPr>
           <p:cNvPr id="64" name="Google Shape;64;p13"/>
-          <p:cNvSpPr txBox="1"/>
+          <p:cNvSpPr txBox="1">
+            <a:spLocks noGrp="1"/>
+          </p:cNvSpPr>
           <p:nvPr>
-            <p:ph idx="1" type="subTitle"/>
+            <p:ph type="subTitle" idx="1"/>
           </p:nvPr>
         </p:nvSpPr>
         <p:spPr>
@@ -8851,12 +9325,12 @@
           </a:prstGeom>
         </p:spPr>
         <p:txBody>
-          <a:bodyPr anchorCtr="0" anchor="t" bIns="91425" lIns="91425" spcFirstLastPara="1" rIns="91425" wrap="square" tIns="91425">
+          <a:bodyPr spcFirstLastPara="1" wrap="square" lIns="91425" tIns="91425" rIns="91425" bIns="91425" anchor="t" anchorCtr="0">
             <a:normAutofit/>
           </a:bodyPr>
           <a:lstStyle/>
           <a:p>
-            <a:pPr indent="0" lvl="0" marL="0" rtl="0" algn="ctr">
+            <a:pPr marL="0" lvl="0" indent="0" algn="ctr" rtl="0">
               <a:spcBef>
                 <a:spcPts val="0"/>
               </a:spcBef>
@@ -8882,11 +9356,11 @@
 </file>
 
 <file path=ppt/slides/slide10.xml><?xml version="1.0" encoding="utf-8"?>
-<p:sld xmlns:a="http://schemas.openxmlformats.org/drawingml/2006/main" xmlns:r="http://schemas.openxmlformats.org/officeDocument/2006/relationships" xmlns:mc="http://schemas.openxmlformats.org/markup-compatibility/2006" xmlns:mv="urn:schemas-microsoft-com:mac:vml" xmlns:p="http://schemas.openxmlformats.org/presentationml/2006/main" xmlns:c="http://schemas.openxmlformats.org/drawingml/2006/chart" xmlns:dgm="http://schemas.openxmlformats.org/drawingml/2006/diagram" xmlns:o="urn:schemas-microsoft-com:office:office" xmlns:v="urn:schemas-microsoft-com:vml" xmlns:pvml="urn:schemas-microsoft-com:office:powerpoint" xmlns:com="http://schemas.openxmlformats.org/drawingml/2006/compatibility" xmlns:p14="http://schemas.microsoft.com/office/powerpoint/2010/main" xmlns:p15="http://schemas.microsoft.com/office/powerpoint/2012/main" xmlns:ahyp="http://schemas.microsoft.com/office/drawing/2018/hyperlinkcolor">
+<p:sld xmlns:a="http://schemas.openxmlformats.org/drawingml/2006/main" xmlns:r="http://schemas.openxmlformats.org/officeDocument/2006/relationships" xmlns:p="http://schemas.openxmlformats.org/presentationml/2006/main">
   <p:cSld>
     <p:spTree>
       <p:nvGrpSpPr>
-        <p:cNvPr id="120" name="Shape 120"/>
+        <p:cNvPr id="1" name="Shape 120"/>
         <p:cNvGrpSpPr/>
         <p:nvPr/>
       </p:nvGrpSpPr>
@@ -8901,7 +9375,9 @@
       <p:sp>
         <p:nvSpPr>
           <p:cNvPr id="121" name="Google Shape;121;p22"/>
-          <p:cNvSpPr txBox="1"/>
+          <p:cNvSpPr txBox="1">
+            <a:spLocks noGrp="1"/>
+          </p:cNvSpPr>
           <p:nvPr>
             <p:ph type="title"/>
           </p:nvPr>
@@ -8916,12 +9392,12 @@
           </a:prstGeom>
         </p:spPr>
         <p:txBody>
-          <a:bodyPr anchorCtr="0" anchor="b" bIns="91425" lIns="91425" spcFirstLastPara="1" rIns="91425" wrap="square" tIns="91425">
+          <a:bodyPr spcFirstLastPara="1" wrap="square" lIns="91425" tIns="91425" rIns="91425" bIns="91425" anchor="b" anchorCtr="0">
             <a:normAutofit/>
           </a:bodyPr>
           <a:lstStyle/>
           <a:p>
-            <a:pPr indent="0" lvl="0" marL="0" rtl="0" algn="l">
+            <a:pPr marL="0" lvl="0" indent="0" algn="l" rtl="0">
               <a:spcBef>
                 <a:spcPts val="0"/>
               </a:spcBef>
@@ -8941,9 +9417,11 @@
       <p:sp>
         <p:nvSpPr>
           <p:cNvPr id="122" name="Google Shape;122;p22"/>
-          <p:cNvSpPr txBox="1"/>
+          <p:cNvSpPr txBox="1">
+            <a:spLocks noGrp="1"/>
+          </p:cNvSpPr>
           <p:nvPr>
-            <p:ph idx="1" type="body"/>
+            <p:ph type="body" idx="1"/>
           </p:nvPr>
         </p:nvSpPr>
         <p:spPr>
@@ -8956,12 +9434,12 @@
           </a:prstGeom>
         </p:spPr>
         <p:txBody>
-          <a:bodyPr anchorCtr="0" anchor="t" bIns="91425" lIns="91425" spcFirstLastPara="1" rIns="91425" wrap="square" tIns="91425">
-            <a:normAutofit lnSpcReduction="10000"/>
+          <a:bodyPr spcFirstLastPara="1" wrap="square" lIns="91425" tIns="91425" rIns="91425" bIns="91425" anchor="t" anchorCtr="0">
+            <a:normAutofit fontScale="92500" lnSpcReduction="10000"/>
           </a:bodyPr>
           <a:lstStyle/>
           <a:p>
-            <a:pPr indent="0" lvl="0" marL="0" rtl="0" algn="l">
+            <a:pPr marL="0" lvl="0" indent="0" algn="l" rtl="0">
               <a:spcBef>
                 <a:spcPts val="0"/>
               </a:spcBef>
@@ -8977,7 +9455,7 @@
             <a:endParaRPr/>
           </a:p>
           <a:p>
-            <a:pPr indent="0" lvl="0" marL="0" rtl="0" algn="l">
+            <a:pPr marL="0" lvl="0" indent="0" algn="l" rtl="0">
               <a:spcBef>
                 <a:spcPts val="1200"/>
               </a:spcBef>
@@ -8987,13 +9465,13 @@
               <a:buNone/>
             </a:pPr>
             <a:r>
-              <a:rPr b="1" lang="en-GB" u="sng"/>
+              <a:rPr lang="en-GB" b="1" u="sng"/>
               <a:t>A.k.a</a:t>
             </a:r>
             <a:endParaRPr b="1" u="sng"/>
           </a:p>
           <a:p>
-            <a:pPr indent="0" lvl="0" marL="0" rtl="0" algn="l">
+            <a:pPr marL="0" lvl="0" indent="0" algn="l" rtl="0">
               <a:spcBef>
                 <a:spcPts val="1200"/>
               </a:spcBef>
@@ -9009,7 +9487,7 @@
             <a:endParaRPr/>
           </a:p>
           <a:p>
-            <a:pPr indent="0" lvl="0" marL="0" rtl="0" algn="l">
+            <a:pPr marL="0" lvl="0" indent="0" algn="l" rtl="0">
               <a:spcBef>
                 <a:spcPts val="1200"/>
               </a:spcBef>
@@ -9018,13 +9496,10 @@
               </a:spcAft>
               <a:buNone/>
             </a:pPr>
-            <a:r>
-              <a:t/>
-            </a:r>
-            <a:endParaRPr/>
-          </a:p>
-          <a:p>
-            <a:pPr indent="0" lvl="0" marL="0" rtl="0" algn="l">
+            <a:endParaRPr/>
+          </a:p>
+          <a:p>
+            <a:pPr marL="0" lvl="0" indent="0" algn="l" rtl="0">
               <a:spcBef>
                 <a:spcPts val="1200"/>
               </a:spcBef>
@@ -9035,20 +9510,12 @@
             </a:pPr>
             <a:r>
               <a:rPr lang="en-GB"/>
-              <a:t>Dothis.txt (R script ends with a r </a:t>
-            </a:r>
-            <a:r>
-              <a:rPr lang="en-GB"/>
-              <a:t>extension</a:t>
-            </a:r>
-            <a:r>
-              <a:rPr lang="en-GB"/>
-              <a:t>) </a:t>
-            </a:r>
-            <a:endParaRPr/>
-          </a:p>
-          <a:p>
-            <a:pPr indent="0" lvl="0" marL="0" rtl="0" algn="l">
+              <a:t>Dothis.txt (R script ends with a r extension) </a:t>
+            </a:r>
+            <a:endParaRPr/>
+          </a:p>
+          <a:p>
+            <a:pPr marL="0" lvl="0" indent="0" algn="l" rtl="0">
               <a:spcBef>
                 <a:spcPts val="1200"/>
               </a:spcBef>
@@ -9074,11 +9541,11 @@
 </file>
 
 <file path=ppt/slides/slide11.xml><?xml version="1.0" encoding="utf-8"?>
-<p:sld xmlns:a="http://schemas.openxmlformats.org/drawingml/2006/main" xmlns:r="http://schemas.openxmlformats.org/officeDocument/2006/relationships" xmlns:mc="http://schemas.openxmlformats.org/markup-compatibility/2006" xmlns:mv="urn:schemas-microsoft-com:mac:vml" xmlns:p="http://schemas.openxmlformats.org/presentationml/2006/main" xmlns:c="http://schemas.openxmlformats.org/drawingml/2006/chart" xmlns:dgm="http://schemas.openxmlformats.org/drawingml/2006/diagram" xmlns:o="urn:schemas-microsoft-com:office:office" xmlns:v="urn:schemas-microsoft-com:vml" xmlns:pvml="urn:schemas-microsoft-com:office:powerpoint" xmlns:com="http://schemas.openxmlformats.org/drawingml/2006/compatibility" xmlns:p14="http://schemas.microsoft.com/office/powerpoint/2010/main" xmlns:p15="http://schemas.microsoft.com/office/powerpoint/2012/main" xmlns:ahyp="http://schemas.microsoft.com/office/drawing/2018/hyperlinkcolor">
+<p:sld xmlns:a="http://schemas.openxmlformats.org/drawingml/2006/main" xmlns:r="http://schemas.openxmlformats.org/officeDocument/2006/relationships" xmlns:p="http://schemas.openxmlformats.org/presentationml/2006/main">
   <p:cSld>
     <p:spTree>
       <p:nvGrpSpPr>
-        <p:cNvPr id="126" name="Shape 126"/>
+        <p:cNvPr id="1" name="Shape 126"/>
         <p:cNvGrpSpPr/>
         <p:nvPr/>
       </p:nvGrpSpPr>
@@ -9127,11 +9594,11 @@
 </file>
 
 <file path=ppt/slides/slide12.xml><?xml version="1.0" encoding="utf-8"?>
-<p:sld xmlns:a="http://schemas.openxmlformats.org/drawingml/2006/main" xmlns:r="http://schemas.openxmlformats.org/officeDocument/2006/relationships" xmlns:mc="http://schemas.openxmlformats.org/markup-compatibility/2006" xmlns:mv="urn:schemas-microsoft-com:mac:vml" xmlns:p="http://schemas.openxmlformats.org/presentationml/2006/main" xmlns:c="http://schemas.openxmlformats.org/drawingml/2006/chart" xmlns:dgm="http://schemas.openxmlformats.org/drawingml/2006/diagram" xmlns:o="urn:schemas-microsoft-com:office:office" xmlns:v="urn:schemas-microsoft-com:vml" xmlns:pvml="urn:schemas-microsoft-com:office:powerpoint" xmlns:com="http://schemas.openxmlformats.org/drawingml/2006/compatibility" xmlns:p14="http://schemas.microsoft.com/office/powerpoint/2010/main" xmlns:p15="http://schemas.microsoft.com/office/powerpoint/2012/main" xmlns:ahyp="http://schemas.microsoft.com/office/drawing/2018/hyperlinkcolor">
+<p:sld xmlns:a="http://schemas.openxmlformats.org/drawingml/2006/main" xmlns:r="http://schemas.openxmlformats.org/officeDocument/2006/relationships" xmlns:p="http://schemas.openxmlformats.org/presentationml/2006/main">
   <p:cSld>
     <p:spTree>
       <p:nvGrpSpPr>
-        <p:cNvPr id="131" name="Shape 131"/>
+        <p:cNvPr id="1" name="Shape 131"/>
         <p:cNvGrpSpPr/>
         <p:nvPr/>
       </p:nvGrpSpPr>
@@ -9146,7 +9613,9 @@
       <p:sp>
         <p:nvSpPr>
           <p:cNvPr id="132" name="Google Shape;132;p24"/>
-          <p:cNvSpPr txBox="1"/>
+          <p:cNvSpPr txBox="1">
+            <a:spLocks noGrp="1"/>
+          </p:cNvSpPr>
           <p:nvPr>
             <p:ph type="title"/>
           </p:nvPr>
@@ -9161,12 +9630,12 @@
           </a:prstGeom>
         </p:spPr>
         <p:txBody>
-          <a:bodyPr anchorCtr="0" anchor="b" bIns="91425" lIns="91425" spcFirstLastPara="1" rIns="91425" wrap="square" tIns="91425">
+          <a:bodyPr spcFirstLastPara="1" wrap="square" lIns="91425" tIns="91425" rIns="91425" bIns="91425" anchor="b" anchorCtr="0">
             <a:normAutofit/>
           </a:bodyPr>
           <a:lstStyle/>
           <a:p>
-            <a:pPr indent="0" lvl="0" marL="0" rtl="0" algn="l">
+            <a:pPr marL="0" lvl="0" indent="0" algn="l" rtl="0">
               <a:spcBef>
                 <a:spcPts val="0"/>
               </a:spcBef>
@@ -9186,9 +9655,11 @@
       <p:sp>
         <p:nvSpPr>
           <p:cNvPr id="133" name="Google Shape;133;p24"/>
-          <p:cNvSpPr txBox="1"/>
+          <p:cNvSpPr txBox="1">
+            <a:spLocks noGrp="1"/>
+          </p:cNvSpPr>
           <p:nvPr>
-            <p:ph idx="1" type="body"/>
+            <p:ph type="body" idx="1"/>
           </p:nvPr>
         </p:nvSpPr>
         <p:spPr>
@@ -9201,12 +9672,12 @@
           </a:prstGeom>
         </p:spPr>
         <p:txBody>
-          <a:bodyPr anchorCtr="0" anchor="t" bIns="91425" lIns="91425" spcFirstLastPara="1" rIns="91425" wrap="square" tIns="91425">
+          <a:bodyPr spcFirstLastPara="1" wrap="square" lIns="91425" tIns="91425" rIns="91425" bIns="91425" anchor="t" anchorCtr="0">
             <a:normAutofit/>
           </a:bodyPr>
           <a:lstStyle/>
           <a:p>
-            <a:pPr indent="0" lvl="0" marL="0" rtl="0" algn="l">
+            <a:pPr marL="0" lvl="0" indent="0" algn="l" rtl="0">
               <a:spcBef>
                 <a:spcPts val="0"/>
               </a:spcBef>
@@ -9222,7 +9693,7 @@
             <a:endParaRPr/>
           </a:p>
           <a:p>
-            <a:pPr indent="0" lvl="0" marL="0" rtl="0" algn="l">
+            <a:pPr marL="0" lvl="0" indent="0" algn="l" rtl="0">
               <a:spcBef>
                 <a:spcPts val="1200"/>
               </a:spcBef>
@@ -9248,11 +9719,11 @@
 </file>
 
 <file path=ppt/slides/slide13.xml><?xml version="1.0" encoding="utf-8"?>
-<p:sld xmlns:a="http://schemas.openxmlformats.org/drawingml/2006/main" xmlns:r="http://schemas.openxmlformats.org/officeDocument/2006/relationships" xmlns:mc="http://schemas.openxmlformats.org/markup-compatibility/2006" xmlns:mv="urn:schemas-microsoft-com:mac:vml" xmlns:p="http://schemas.openxmlformats.org/presentationml/2006/main" xmlns:c="http://schemas.openxmlformats.org/drawingml/2006/chart" xmlns:dgm="http://schemas.openxmlformats.org/drawingml/2006/diagram" xmlns:o="urn:schemas-microsoft-com:office:office" xmlns:v="urn:schemas-microsoft-com:vml" xmlns:pvml="urn:schemas-microsoft-com:office:powerpoint" xmlns:com="http://schemas.openxmlformats.org/drawingml/2006/compatibility" xmlns:p14="http://schemas.microsoft.com/office/powerpoint/2010/main" xmlns:p15="http://schemas.microsoft.com/office/powerpoint/2012/main" xmlns:ahyp="http://schemas.microsoft.com/office/drawing/2018/hyperlinkcolor">
+<p:sld xmlns:a="http://schemas.openxmlformats.org/drawingml/2006/main" xmlns:r="http://schemas.openxmlformats.org/officeDocument/2006/relationships" xmlns:p="http://schemas.openxmlformats.org/presentationml/2006/main">
   <p:cSld>
     <p:spTree>
       <p:nvGrpSpPr>
-        <p:cNvPr id="137" name="Shape 137"/>
+        <p:cNvPr id="1" name="Shape 137"/>
         <p:cNvGrpSpPr/>
         <p:nvPr/>
       </p:nvGrpSpPr>
@@ -9267,7 +9738,9 @@
       <p:sp>
         <p:nvSpPr>
           <p:cNvPr id="138" name="Google Shape;138;p25"/>
-          <p:cNvSpPr txBox="1"/>
+          <p:cNvSpPr txBox="1">
+            <a:spLocks noGrp="1"/>
+          </p:cNvSpPr>
           <p:nvPr>
             <p:ph type="title"/>
           </p:nvPr>
@@ -9282,23 +9755,20 @@
           </a:prstGeom>
         </p:spPr>
         <p:txBody>
-          <a:bodyPr anchorCtr="0" anchor="b" bIns="91425" lIns="91425" spcFirstLastPara="1" rIns="91425" wrap="square" tIns="91425">
+          <a:bodyPr spcFirstLastPara="1" wrap="square" lIns="91425" tIns="91425" rIns="91425" bIns="91425" anchor="b" anchorCtr="0">
             <a:normAutofit/>
           </a:bodyPr>
           <a:lstStyle/>
           <a:p>
-            <a:pPr indent="0" lvl="0" marL="0" rtl="0" algn="l">
-              <a:spcBef>
-                <a:spcPts val="0"/>
-              </a:spcBef>
-              <a:spcAft>
-                <a:spcPts val="0"/>
-              </a:spcAft>
-              <a:buNone/>
-            </a:pPr>
-            <a:r>
-              <a:t/>
-            </a:r>
+            <a:pPr marL="0" lvl="0" indent="0" algn="l" rtl="0">
+              <a:spcBef>
+                <a:spcPts val="0"/>
+              </a:spcBef>
+              <a:spcAft>
+                <a:spcPts val="0"/>
+              </a:spcAft>
+              <a:buNone/>
+            </a:pPr>
             <a:endParaRPr/>
           </a:p>
         </p:txBody>
@@ -9306,9 +9776,11 @@
       <p:sp>
         <p:nvSpPr>
           <p:cNvPr id="139" name="Google Shape;139;p25"/>
-          <p:cNvSpPr txBox="1"/>
+          <p:cNvSpPr txBox="1">
+            <a:spLocks noGrp="1"/>
+          </p:cNvSpPr>
           <p:nvPr>
-            <p:ph idx="1" type="body"/>
+            <p:ph type="body" idx="1"/>
           </p:nvPr>
         </p:nvSpPr>
         <p:spPr>
@@ -9321,12 +9793,12 @@
           </a:prstGeom>
         </p:spPr>
         <p:txBody>
-          <a:bodyPr anchorCtr="0" anchor="t" bIns="91425" lIns="91425" spcFirstLastPara="1" rIns="91425" wrap="square" tIns="91425">
+          <a:bodyPr spcFirstLastPara="1" wrap="square" lIns="91425" tIns="91425" rIns="91425" bIns="91425" anchor="t" anchorCtr="0">
             <a:normAutofit/>
           </a:bodyPr>
           <a:lstStyle/>
           <a:p>
-            <a:pPr indent="0" lvl="0" marL="0" rtl="0" algn="l">
+            <a:pPr marL="0" lvl="0" indent="0" algn="l" rtl="0">
               <a:spcBef>
                 <a:spcPts val="0"/>
               </a:spcBef>
@@ -9335,9 +9807,6 @@
               </a:spcAft>
               <a:buNone/>
             </a:pPr>
-            <a:r>
-              <a:t/>
-            </a:r>
             <a:endParaRPr/>
           </a:p>
         </p:txBody>
@@ -9379,11 +9848,11 @@
 </file>
 
 <file path=ppt/slides/slide14.xml><?xml version="1.0" encoding="utf-8"?>
-<p:sld xmlns:a="http://schemas.openxmlformats.org/drawingml/2006/main" xmlns:r="http://schemas.openxmlformats.org/officeDocument/2006/relationships" xmlns:mc="http://schemas.openxmlformats.org/markup-compatibility/2006" xmlns:mv="urn:schemas-microsoft-com:mac:vml" xmlns:p="http://schemas.openxmlformats.org/presentationml/2006/main" xmlns:c="http://schemas.openxmlformats.org/drawingml/2006/chart" xmlns:dgm="http://schemas.openxmlformats.org/drawingml/2006/diagram" xmlns:o="urn:schemas-microsoft-com:office:office" xmlns:v="urn:schemas-microsoft-com:vml" xmlns:pvml="urn:schemas-microsoft-com:office:powerpoint" xmlns:com="http://schemas.openxmlformats.org/drawingml/2006/compatibility" xmlns:p14="http://schemas.microsoft.com/office/powerpoint/2010/main" xmlns:p15="http://schemas.microsoft.com/office/powerpoint/2012/main" xmlns:ahyp="http://schemas.microsoft.com/office/drawing/2018/hyperlinkcolor">
+<p:sld xmlns:a="http://schemas.openxmlformats.org/drawingml/2006/main" xmlns:r="http://schemas.openxmlformats.org/officeDocument/2006/relationships" xmlns:p="http://schemas.openxmlformats.org/presentationml/2006/main">
   <p:cSld>
     <p:spTree>
       <p:nvGrpSpPr>
-        <p:cNvPr id="144" name="Shape 144"/>
+        <p:cNvPr id="1" name="Shape 144"/>
         <p:cNvGrpSpPr/>
         <p:nvPr/>
       </p:nvGrpSpPr>
@@ -9398,7 +9867,9 @@
       <p:sp>
         <p:nvSpPr>
           <p:cNvPr id="145" name="Google Shape;145;p26"/>
-          <p:cNvSpPr txBox="1"/>
+          <p:cNvSpPr txBox="1">
+            <a:spLocks noGrp="1"/>
+          </p:cNvSpPr>
           <p:nvPr>
             <p:ph type="title"/>
           </p:nvPr>
@@ -9413,12 +9884,12 @@
           </a:prstGeom>
         </p:spPr>
         <p:txBody>
-          <a:bodyPr anchorCtr="0" anchor="b" bIns="91425" lIns="91425" spcFirstLastPara="1" rIns="91425" wrap="square" tIns="91425">
+          <a:bodyPr spcFirstLastPara="1" wrap="square" lIns="91425" tIns="91425" rIns="91425" bIns="91425" anchor="b" anchorCtr="0">
             <a:normAutofit/>
           </a:bodyPr>
           <a:lstStyle/>
           <a:p>
-            <a:pPr indent="0" lvl="0" marL="0" rtl="0" algn="l">
+            <a:pPr marL="0" lvl="0" indent="0" algn="l" rtl="0">
               <a:spcBef>
                 <a:spcPts val="0"/>
               </a:spcBef>
@@ -9438,9 +9909,11 @@
       <p:sp>
         <p:nvSpPr>
           <p:cNvPr id="146" name="Google Shape;146;p26"/>
-          <p:cNvSpPr txBox="1"/>
+          <p:cNvSpPr txBox="1">
+            <a:spLocks noGrp="1"/>
+          </p:cNvSpPr>
           <p:nvPr>
-            <p:ph idx="1" type="body"/>
+            <p:ph type="body" idx="1"/>
           </p:nvPr>
         </p:nvSpPr>
         <p:spPr>
@@ -9453,12 +9926,12 @@
           </a:prstGeom>
         </p:spPr>
         <p:txBody>
-          <a:bodyPr anchorCtr="0" anchor="t" bIns="91425" lIns="91425" spcFirstLastPara="1" rIns="91425" wrap="square" tIns="91425">
+          <a:bodyPr spcFirstLastPara="1" wrap="square" lIns="91425" tIns="91425" rIns="91425" bIns="91425" anchor="t" anchorCtr="0">
             <a:normAutofit/>
           </a:bodyPr>
           <a:lstStyle/>
           <a:p>
-            <a:pPr indent="0" lvl="0" marL="0" rtl="0" algn="l">
+            <a:pPr marL="0" lvl="0" indent="0" algn="l" rtl="0">
               <a:spcBef>
                 <a:spcPts val="0"/>
               </a:spcBef>
@@ -9474,7 +9947,7 @@
             <a:endParaRPr/>
           </a:p>
           <a:p>
-            <a:pPr indent="0" lvl="0" marL="0" rtl="0" algn="l">
+            <a:pPr marL="0" lvl="0" indent="0" algn="l" rtl="0">
               <a:spcBef>
                 <a:spcPts val="1200"/>
               </a:spcBef>
@@ -9490,7 +9963,7 @@
             <a:endParaRPr/>
           </a:p>
           <a:p>
-            <a:pPr indent="0" lvl="0" marL="0" rtl="0" algn="l">
+            <a:pPr marL="0" lvl="0" indent="0" algn="l" rtl="0">
               <a:spcBef>
                 <a:spcPts val="1200"/>
               </a:spcBef>
@@ -9506,7 +9979,7 @@
             <a:endParaRPr/>
           </a:p>
           <a:p>
-            <a:pPr indent="0" lvl="0" marL="0" rtl="0" algn="l">
+            <a:pPr marL="0" lvl="0" indent="0" algn="l" rtl="0">
               <a:spcBef>
                 <a:spcPts val="1200"/>
               </a:spcBef>
@@ -9523,6 +9996,10 @@
                 <a:hlinkClick r:id="rId3"/>
               </a:rPr>
               <a:t>https://brandonyph.github.io/ggplot2-tutorial/</a:t>
+            </a:r>
+            <a:r>
+              <a:rPr lang="en-GB"/>
+              <a:t/>
             </a:r>
             <a:br>
               <a:rPr lang="en-GB"/>
@@ -9540,11 +10017,11 @@
 </file>
 
 <file path=ppt/slides/slide15.xml><?xml version="1.0" encoding="utf-8"?>
-<p:sld xmlns:a="http://schemas.openxmlformats.org/drawingml/2006/main" xmlns:r="http://schemas.openxmlformats.org/officeDocument/2006/relationships" xmlns:mc="http://schemas.openxmlformats.org/markup-compatibility/2006" xmlns:mv="urn:schemas-microsoft-com:mac:vml" xmlns:p="http://schemas.openxmlformats.org/presentationml/2006/main" xmlns:c="http://schemas.openxmlformats.org/drawingml/2006/chart" xmlns:dgm="http://schemas.openxmlformats.org/drawingml/2006/diagram" xmlns:o="urn:schemas-microsoft-com:office:office" xmlns:v="urn:schemas-microsoft-com:vml" xmlns:pvml="urn:schemas-microsoft-com:office:powerpoint" xmlns:com="http://schemas.openxmlformats.org/drawingml/2006/compatibility" xmlns:p14="http://schemas.microsoft.com/office/powerpoint/2010/main" xmlns:p15="http://schemas.microsoft.com/office/powerpoint/2012/main" xmlns:ahyp="http://schemas.microsoft.com/office/drawing/2018/hyperlinkcolor">
+<p:sld xmlns:a="http://schemas.openxmlformats.org/drawingml/2006/main" xmlns:r="http://schemas.openxmlformats.org/officeDocument/2006/relationships" xmlns:p="http://schemas.openxmlformats.org/presentationml/2006/main">
   <p:cSld>
     <p:spTree>
       <p:nvGrpSpPr>
-        <p:cNvPr id="150" name="Shape 150"/>
+        <p:cNvPr id="1" name="Shape 150"/>
         <p:cNvGrpSpPr/>
         <p:nvPr/>
       </p:nvGrpSpPr>
@@ -9559,7 +10036,9 @@
       <p:sp>
         <p:nvSpPr>
           <p:cNvPr id="151" name="Google Shape;151;p27"/>
-          <p:cNvSpPr txBox="1"/>
+          <p:cNvSpPr txBox="1">
+            <a:spLocks noGrp="1"/>
+          </p:cNvSpPr>
           <p:nvPr>
             <p:ph type="title"/>
           </p:nvPr>
@@ -9574,12 +10053,12 @@
           </a:prstGeom>
         </p:spPr>
         <p:txBody>
-          <a:bodyPr anchorCtr="0" anchor="b" bIns="91425" lIns="91425" spcFirstLastPara="1" rIns="91425" wrap="square" tIns="91425">
+          <a:bodyPr spcFirstLastPara="1" wrap="square" lIns="91425" tIns="91425" rIns="91425" bIns="91425" anchor="b" anchorCtr="0">
             <a:normAutofit/>
           </a:bodyPr>
           <a:lstStyle/>
           <a:p>
-            <a:pPr indent="0" lvl="0" marL="0" rtl="0" algn="l">
+            <a:pPr marL="0" lvl="0" indent="0" algn="l" rtl="0">
               <a:spcBef>
                 <a:spcPts val="0"/>
               </a:spcBef>
@@ -9599,9 +10078,11 @@
       <p:sp>
         <p:nvSpPr>
           <p:cNvPr id="152" name="Google Shape;152;p27"/>
-          <p:cNvSpPr txBox="1"/>
+          <p:cNvSpPr txBox="1">
+            <a:spLocks noGrp="1"/>
+          </p:cNvSpPr>
           <p:nvPr>
-            <p:ph idx="1" type="body"/>
+            <p:ph type="body" idx="1"/>
           </p:nvPr>
         </p:nvSpPr>
         <p:spPr>
@@ -9614,12 +10095,12 @@
           </a:prstGeom>
         </p:spPr>
         <p:txBody>
-          <a:bodyPr anchorCtr="0" anchor="t" bIns="91425" lIns="91425" spcFirstLastPara="1" rIns="91425" wrap="square" tIns="91425">
+          <a:bodyPr spcFirstLastPara="1" wrap="square" lIns="91425" tIns="91425" rIns="91425" bIns="91425" anchor="t" anchorCtr="0">
             <a:normAutofit/>
           </a:bodyPr>
           <a:lstStyle/>
           <a:p>
-            <a:pPr indent="0" lvl="0" marL="0" rtl="0" algn="l">
+            <a:pPr marL="0" lvl="0" indent="0" algn="l" rtl="0">
               <a:spcBef>
                 <a:spcPts val="0"/>
               </a:spcBef>
@@ -9635,7 +10116,7 @@
             <a:endParaRPr/>
           </a:p>
           <a:p>
-            <a:pPr indent="0" lvl="0" marL="0" rtl="0" algn="l">
+            <a:pPr marL="0" lvl="0" indent="0" algn="l" rtl="0">
               <a:spcBef>
                 <a:spcPts val="1200"/>
               </a:spcBef>
@@ -9644,13 +10125,10 @@
               </a:spcAft>
               <a:buNone/>
             </a:pPr>
-            <a:r>
-              <a:t/>
-            </a:r>
-            <a:endParaRPr/>
-          </a:p>
-          <a:p>
-            <a:pPr indent="0" lvl="0" marL="0" rtl="0" algn="l">
+            <a:endParaRPr/>
+          </a:p>
+          <a:p>
+            <a:pPr marL="0" lvl="0" indent="0" algn="l" rtl="0">
               <a:spcBef>
                 <a:spcPts val="1200"/>
               </a:spcBef>
@@ -9676,11 +10154,11 @@
 </file>
 
 <file path=ppt/slides/slide16.xml><?xml version="1.0" encoding="utf-8"?>
-<p:sld xmlns:a="http://schemas.openxmlformats.org/drawingml/2006/main" xmlns:r="http://schemas.openxmlformats.org/officeDocument/2006/relationships" xmlns:mc="http://schemas.openxmlformats.org/markup-compatibility/2006" xmlns:mv="urn:schemas-microsoft-com:mac:vml" xmlns:p="http://schemas.openxmlformats.org/presentationml/2006/main" xmlns:c="http://schemas.openxmlformats.org/drawingml/2006/chart" xmlns:dgm="http://schemas.openxmlformats.org/drawingml/2006/diagram" xmlns:o="urn:schemas-microsoft-com:office:office" xmlns:v="urn:schemas-microsoft-com:vml" xmlns:pvml="urn:schemas-microsoft-com:office:powerpoint" xmlns:com="http://schemas.openxmlformats.org/drawingml/2006/compatibility" xmlns:p14="http://schemas.microsoft.com/office/powerpoint/2010/main" xmlns:p15="http://schemas.microsoft.com/office/powerpoint/2012/main" xmlns:ahyp="http://schemas.microsoft.com/office/drawing/2018/hyperlinkcolor">
+<p:sld xmlns:a="http://schemas.openxmlformats.org/drawingml/2006/main" xmlns:r="http://schemas.openxmlformats.org/officeDocument/2006/relationships" xmlns:p="http://schemas.openxmlformats.org/presentationml/2006/main">
   <p:cSld>
     <p:spTree>
       <p:nvGrpSpPr>
-        <p:cNvPr id="156" name="Shape 156"/>
+        <p:cNvPr id="1" name="Shape 156"/>
         <p:cNvGrpSpPr/>
         <p:nvPr/>
       </p:nvGrpSpPr>
@@ -9695,7 +10173,9 @@
       <p:sp>
         <p:nvSpPr>
           <p:cNvPr id="157" name="Google Shape;157;p28"/>
-          <p:cNvSpPr txBox="1"/>
+          <p:cNvSpPr txBox="1">
+            <a:spLocks noGrp="1"/>
+          </p:cNvSpPr>
           <p:nvPr>
             <p:ph type="title"/>
           </p:nvPr>
@@ -9710,12 +10190,12 @@
           </a:prstGeom>
         </p:spPr>
         <p:txBody>
-          <a:bodyPr anchorCtr="0" anchor="b" bIns="91425" lIns="91425" spcFirstLastPara="1" rIns="91425" wrap="square" tIns="91425">
+          <a:bodyPr spcFirstLastPara="1" wrap="square" lIns="91425" tIns="91425" rIns="91425" bIns="91425" anchor="b" anchorCtr="0">
             <a:normAutofit/>
           </a:bodyPr>
           <a:lstStyle/>
           <a:p>
-            <a:pPr indent="0" lvl="0" marL="0" rtl="0" algn="l">
+            <a:pPr marL="0" lvl="0" indent="0" algn="l" rtl="0">
               <a:spcBef>
                 <a:spcPts val="0"/>
               </a:spcBef>
@@ -9735,9 +10215,11 @@
       <p:sp>
         <p:nvSpPr>
           <p:cNvPr id="158" name="Google Shape;158;p28"/>
-          <p:cNvSpPr txBox="1"/>
+          <p:cNvSpPr txBox="1">
+            <a:spLocks noGrp="1"/>
+          </p:cNvSpPr>
           <p:nvPr>
-            <p:ph idx="1" type="body"/>
+            <p:ph type="body" idx="1"/>
           </p:nvPr>
         </p:nvSpPr>
         <p:spPr>
@@ -9750,12 +10232,12 @@
           </a:prstGeom>
         </p:spPr>
         <p:txBody>
-          <a:bodyPr anchorCtr="0" anchor="t" bIns="91425" lIns="91425" spcFirstLastPara="1" rIns="91425" wrap="square" tIns="91425">
+          <a:bodyPr spcFirstLastPara="1" wrap="square" lIns="91425" tIns="91425" rIns="91425" bIns="91425" anchor="t" anchorCtr="0">
             <a:normAutofit/>
           </a:bodyPr>
           <a:lstStyle/>
           <a:p>
-            <a:pPr indent="0" lvl="0" marL="0" rtl="0" algn="l">
+            <a:pPr marL="0" lvl="0" indent="0" algn="l" rtl="0">
               <a:spcBef>
                 <a:spcPts val="0"/>
               </a:spcBef>
@@ -9771,7 +10253,7 @@
             <a:endParaRPr/>
           </a:p>
           <a:p>
-            <a:pPr indent="0" lvl="0" marL="0" rtl="0" algn="l">
+            <a:pPr marL="0" lvl="0" indent="0" algn="l" rtl="0">
               <a:spcBef>
                 <a:spcPts val="1200"/>
               </a:spcBef>
@@ -9780,13 +10262,10 @@
               </a:spcAft>
               <a:buNone/>
             </a:pPr>
-            <a:r>
-              <a:t/>
-            </a:r>
-            <a:endParaRPr/>
-          </a:p>
-          <a:p>
-            <a:pPr indent="0" lvl="0" marL="0" rtl="0" algn="l">
+            <a:endParaRPr/>
+          </a:p>
+          <a:p>
+            <a:pPr marL="0" lvl="0" indent="0" algn="l" rtl="0">
               <a:spcBef>
                 <a:spcPts val="1200"/>
               </a:spcBef>
@@ -9795,9 +10274,6 @@
               </a:spcAft>
               <a:buNone/>
             </a:pPr>
-            <a:r>
-              <a:t/>
-            </a:r>
             <a:endParaRPr/>
           </a:p>
         </p:txBody>
@@ -9811,11 +10287,11 @@
 </file>
 
 <file path=ppt/slides/slide17.xml><?xml version="1.0" encoding="utf-8"?>
-<p:sld xmlns:a="http://schemas.openxmlformats.org/drawingml/2006/main" xmlns:r="http://schemas.openxmlformats.org/officeDocument/2006/relationships" xmlns:mc="http://schemas.openxmlformats.org/markup-compatibility/2006" xmlns:mv="urn:schemas-microsoft-com:mac:vml" xmlns:p="http://schemas.openxmlformats.org/presentationml/2006/main" xmlns:c="http://schemas.openxmlformats.org/drawingml/2006/chart" xmlns:dgm="http://schemas.openxmlformats.org/drawingml/2006/diagram" xmlns:o="urn:schemas-microsoft-com:office:office" xmlns:v="urn:schemas-microsoft-com:vml" xmlns:pvml="urn:schemas-microsoft-com:office:powerpoint" xmlns:com="http://schemas.openxmlformats.org/drawingml/2006/compatibility" xmlns:p14="http://schemas.microsoft.com/office/powerpoint/2010/main" xmlns:p15="http://schemas.microsoft.com/office/powerpoint/2012/main" xmlns:ahyp="http://schemas.microsoft.com/office/drawing/2018/hyperlinkcolor">
+<p:sld xmlns:a="http://schemas.openxmlformats.org/drawingml/2006/main" xmlns:r="http://schemas.openxmlformats.org/officeDocument/2006/relationships" xmlns:p="http://schemas.openxmlformats.org/presentationml/2006/main">
   <p:cSld>
     <p:spTree>
       <p:nvGrpSpPr>
-        <p:cNvPr id="162" name="Shape 162"/>
+        <p:cNvPr id="1" name="Shape 162"/>
         <p:cNvGrpSpPr/>
         <p:nvPr/>
       </p:nvGrpSpPr>
@@ -9830,7 +10306,9 @@
       <p:sp>
         <p:nvSpPr>
           <p:cNvPr id="163" name="Google Shape;163;p29"/>
-          <p:cNvSpPr txBox="1"/>
+          <p:cNvSpPr txBox="1">
+            <a:spLocks noGrp="1"/>
+          </p:cNvSpPr>
           <p:nvPr>
             <p:ph type="title"/>
           </p:nvPr>
@@ -9845,12 +10323,12 @@
           </a:prstGeom>
         </p:spPr>
         <p:txBody>
-          <a:bodyPr anchorCtr="0" anchor="b" bIns="91425" lIns="91425" spcFirstLastPara="1" rIns="91425" wrap="square" tIns="91425">
+          <a:bodyPr spcFirstLastPara="1" wrap="square" lIns="91425" tIns="91425" rIns="91425" bIns="91425" anchor="b" anchorCtr="0">
             <a:normAutofit/>
           </a:bodyPr>
           <a:lstStyle/>
           <a:p>
-            <a:pPr indent="0" lvl="0" marL="0" rtl="0" algn="l">
+            <a:pPr marL="0" lvl="0" indent="0" algn="l" rtl="0">
               <a:spcBef>
                 <a:spcPts val="0"/>
               </a:spcBef>
@@ -9870,9 +10348,11 @@
       <p:sp>
         <p:nvSpPr>
           <p:cNvPr id="164" name="Google Shape;164;p29"/>
-          <p:cNvSpPr txBox="1"/>
+          <p:cNvSpPr txBox="1">
+            <a:spLocks noGrp="1"/>
+          </p:cNvSpPr>
           <p:nvPr>
-            <p:ph idx="1" type="body"/>
+            <p:ph type="body" idx="1"/>
           </p:nvPr>
         </p:nvSpPr>
         <p:spPr>
@@ -9885,12 +10365,12 @@
           </a:prstGeom>
         </p:spPr>
         <p:txBody>
-          <a:bodyPr anchorCtr="0" anchor="t" bIns="91425" lIns="91425" spcFirstLastPara="1" rIns="91425" wrap="square" tIns="91425">
+          <a:bodyPr spcFirstLastPara="1" wrap="square" lIns="91425" tIns="91425" rIns="91425" bIns="91425" anchor="t" anchorCtr="0">
             <a:noAutofit/>
           </a:bodyPr>
           <a:lstStyle/>
           <a:p>
-            <a:pPr indent="0" lvl="0" marL="0" rtl="0" algn="l">
+            <a:pPr marL="0" lvl="0" indent="0" algn="l" rtl="0">
               <a:lnSpc>
                 <a:spcPct val="95000"/>
               </a:lnSpc>
@@ -9907,7 +10387,7 @@
               <a:t>R packages are </a:t>
             </a:r>
             <a:r>
-              <a:rPr b="1" lang="en-GB" sz="2100"/>
+              <a:rPr lang="en-GB" sz="2100" b="1"/>
               <a:t>extensions</a:t>
             </a:r>
             <a:r>
@@ -9915,7 +10395,7 @@
               <a:t> to the R statistical programming language. R packages contain </a:t>
             </a:r>
             <a:r>
-              <a:rPr b="1" lang="en-GB" sz="2100"/>
+              <a:rPr lang="en-GB" sz="2100" b="1"/>
               <a:t>code, data, and documentation</a:t>
             </a:r>
             <a:r>
@@ -9923,7 +10403,7 @@
               <a:t> in a standardised collection format that can be installed by users of R, typically via a centralised software repository such as </a:t>
             </a:r>
             <a:r>
-              <a:rPr b="1" lang="en-GB" sz="2100"/>
+              <a:rPr lang="en-GB" sz="2100" b="1"/>
               <a:t>CRAN </a:t>
             </a:r>
             <a:r>
@@ -9933,7 +10413,7 @@
             <a:endParaRPr sz="2100"/>
           </a:p>
           <a:p>
-            <a:pPr indent="0" lvl="0" marL="0" rtl="0" algn="l">
+            <a:pPr marL="0" lvl="0" indent="0" algn="l" rtl="0">
               <a:lnSpc>
                 <a:spcPct val="95000"/>
               </a:lnSpc>
@@ -9952,7 +10432,7 @@
             <a:endParaRPr sz="2100"/>
           </a:p>
           <a:p>
-            <a:pPr indent="0" lvl="0" marL="0" rtl="0" algn="l">
+            <a:pPr marL="0" lvl="0" indent="0" algn="l" rtl="0">
               <a:lnSpc>
                 <a:spcPct val="95000"/>
               </a:lnSpc>
@@ -9971,7 +10451,7 @@
             <a:endParaRPr sz="2100"/>
           </a:p>
           <a:p>
-            <a:pPr indent="0" lvl="0" marL="0" rtl="0" algn="l">
+            <a:pPr marL="0" lvl="0" indent="0" algn="l" rtl="0">
               <a:lnSpc>
                 <a:spcPct val="95000"/>
               </a:lnSpc>
@@ -9983,13 +10463,10 @@
               </a:spcAft>
               <a:buNone/>
             </a:pPr>
-            <a:r>
-              <a:t/>
-            </a:r>
             <a:endParaRPr sz="2100"/>
           </a:p>
           <a:p>
-            <a:pPr indent="0" lvl="0" marL="0" rtl="0" algn="l">
+            <a:pPr marL="0" lvl="0" indent="0" algn="l" rtl="0">
               <a:lnSpc>
                 <a:spcPct val="95000"/>
               </a:lnSpc>
@@ -10001,9 +10478,6 @@
               </a:spcAft>
               <a:buNone/>
             </a:pPr>
-            <a:r>
-              <a:t/>
-            </a:r>
             <a:endParaRPr sz="2100"/>
           </a:p>
         </p:txBody>
@@ -10017,11 +10491,11 @@
 </file>
 
 <file path=ppt/slides/slide18.xml><?xml version="1.0" encoding="utf-8"?>
-<p:sld xmlns:a="http://schemas.openxmlformats.org/drawingml/2006/main" xmlns:r="http://schemas.openxmlformats.org/officeDocument/2006/relationships" xmlns:mc="http://schemas.openxmlformats.org/markup-compatibility/2006" xmlns:mv="urn:schemas-microsoft-com:mac:vml" xmlns:p="http://schemas.openxmlformats.org/presentationml/2006/main" xmlns:c="http://schemas.openxmlformats.org/drawingml/2006/chart" xmlns:dgm="http://schemas.openxmlformats.org/drawingml/2006/diagram" xmlns:o="urn:schemas-microsoft-com:office:office" xmlns:v="urn:schemas-microsoft-com:vml" xmlns:pvml="urn:schemas-microsoft-com:office:powerpoint" xmlns:com="http://schemas.openxmlformats.org/drawingml/2006/compatibility" xmlns:p14="http://schemas.microsoft.com/office/powerpoint/2010/main" xmlns:p15="http://schemas.microsoft.com/office/powerpoint/2012/main" xmlns:ahyp="http://schemas.microsoft.com/office/drawing/2018/hyperlinkcolor">
+<p:sld xmlns:a="http://schemas.openxmlformats.org/drawingml/2006/main" xmlns:r="http://schemas.openxmlformats.org/officeDocument/2006/relationships" xmlns:p="http://schemas.openxmlformats.org/presentationml/2006/main">
   <p:cSld>
     <p:spTree>
       <p:nvGrpSpPr>
-        <p:cNvPr id="168" name="Shape 168"/>
+        <p:cNvPr id="1" name="Shape 168"/>
         <p:cNvGrpSpPr/>
         <p:nvPr/>
       </p:nvGrpSpPr>
@@ -10036,7 +10510,9 @@
       <p:sp>
         <p:nvSpPr>
           <p:cNvPr id="169" name="Google Shape;169;p30"/>
-          <p:cNvSpPr txBox="1"/>
+          <p:cNvSpPr txBox="1">
+            <a:spLocks noGrp="1"/>
+          </p:cNvSpPr>
           <p:nvPr>
             <p:ph type="title"/>
           </p:nvPr>
@@ -10051,12 +10527,12 @@
           </a:prstGeom>
         </p:spPr>
         <p:txBody>
-          <a:bodyPr anchorCtr="0" anchor="b" bIns="91425" lIns="91425" spcFirstLastPara="1" rIns="91425" wrap="square" tIns="91425">
+          <a:bodyPr spcFirstLastPara="1" wrap="square" lIns="91425" tIns="91425" rIns="91425" bIns="91425" anchor="b" anchorCtr="0">
             <a:normAutofit/>
           </a:bodyPr>
           <a:lstStyle/>
           <a:p>
-            <a:pPr indent="0" lvl="0" marL="0" rtl="0" algn="l">
+            <a:pPr marL="0" lvl="0" indent="0" algn="l" rtl="0">
               <a:spcBef>
                 <a:spcPts val="0"/>
               </a:spcBef>
@@ -10076,9 +10552,11 @@
       <p:sp>
         <p:nvSpPr>
           <p:cNvPr id="170" name="Google Shape;170;p30"/>
-          <p:cNvSpPr txBox="1"/>
+          <p:cNvSpPr txBox="1">
+            <a:spLocks noGrp="1"/>
+          </p:cNvSpPr>
           <p:nvPr>
-            <p:ph idx="1" type="body"/>
+            <p:ph type="body" idx="1"/>
           </p:nvPr>
         </p:nvSpPr>
         <p:spPr>
@@ -10091,12 +10569,12 @@
           </a:prstGeom>
         </p:spPr>
         <p:txBody>
-          <a:bodyPr anchorCtr="0" anchor="t" bIns="91425" lIns="91425" spcFirstLastPara="1" rIns="91425" wrap="square" tIns="91425">
+          <a:bodyPr spcFirstLastPara="1" wrap="square" lIns="91425" tIns="91425" rIns="91425" bIns="91425" anchor="t" anchorCtr="0">
             <a:normAutofit/>
           </a:bodyPr>
           <a:lstStyle/>
           <a:p>
-            <a:pPr indent="0" lvl="0" marL="0" rtl="0" algn="l">
+            <a:pPr marL="0" lvl="0" indent="0" algn="l" rtl="0">
               <a:spcBef>
                 <a:spcPts val="0"/>
               </a:spcBef>
@@ -10112,7 +10590,7 @@
             <a:endParaRPr/>
           </a:p>
           <a:p>
-            <a:pPr indent="0" lvl="0" marL="0" rtl="0" algn="l">
+            <a:pPr marL="0" lvl="0" indent="0" algn="l" rtl="0">
               <a:spcBef>
                 <a:spcPts val="1200"/>
               </a:spcBef>
@@ -10133,7 +10611,7 @@
             <a:endParaRPr/>
           </a:p>
           <a:p>
-            <a:pPr indent="0" lvl="0" marL="0" rtl="0" algn="l">
+            <a:pPr marL="0" lvl="0" indent="0" algn="l" rtl="0">
               <a:spcBef>
                 <a:spcPts val="1200"/>
               </a:spcBef>
@@ -10149,7 +10627,7 @@
             <a:endParaRPr/>
           </a:p>
           <a:p>
-            <a:pPr indent="0" lvl="0" marL="0" rtl="0" algn="l">
+            <a:pPr marL="0" lvl="0" indent="0" algn="l" rtl="0">
               <a:spcBef>
                 <a:spcPts val="1200"/>
               </a:spcBef>
@@ -10165,7 +10643,7 @@
             <a:endParaRPr/>
           </a:p>
           <a:p>
-            <a:pPr indent="0" lvl="0" marL="0" rtl="0" algn="l">
+            <a:pPr marL="0" lvl="0" indent="0" algn="l" rtl="0">
               <a:spcBef>
                 <a:spcPts val="1200"/>
               </a:spcBef>
@@ -10174,9 +10652,6 @@
               </a:spcAft>
               <a:buNone/>
             </a:pPr>
-            <a:r>
-              <a:t/>
-            </a:r>
             <a:endParaRPr/>
           </a:p>
         </p:txBody>
@@ -10190,11 +10665,11 @@
 </file>
 
 <file path=ppt/slides/slide19.xml><?xml version="1.0" encoding="utf-8"?>
-<p:sld xmlns:a="http://schemas.openxmlformats.org/drawingml/2006/main" xmlns:r="http://schemas.openxmlformats.org/officeDocument/2006/relationships" xmlns:mc="http://schemas.openxmlformats.org/markup-compatibility/2006" xmlns:mv="urn:schemas-microsoft-com:mac:vml" xmlns:p="http://schemas.openxmlformats.org/presentationml/2006/main" xmlns:c="http://schemas.openxmlformats.org/drawingml/2006/chart" xmlns:dgm="http://schemas.openxmlformats.org/drawingml/2006/diagram" xmlns:o="urn:schemas-microsoft-com:office:office" xmlns:v="urn:schemas-microsoft-com:vml" xmlns:pvml="urn:schemas-microsoft-com:office:powerpoint" xmlns:com="http://schemas.openxmlformats.org/drawingml/2006/compatibility" xmlns:p14="http://schemas.microsoft.com/office/powerpoint/2010/main" xmlns:p15="http://schemas.microsoft.com/office/powerpoint/2012/main" xmlns:ahyp="http://schemas.microsoft.com/office/drawing/2018/hyperlinkcolor">
+<p:sld xmlns:a="http://schemas.openxmlformats.org/drawingml/2006/main" xmlns:r="http://schemas.openxmlformats.org/officeDocument/2006/relationships" xmlns:p="http://schemas.openxmlformats.org/presentationml/2006/main">
   <p:cSld>
     <p:spTree>
       <p:nvGrpSpPr>
-        <p:cNvPr id="174" name="Shape 174"/>
+        <p:cNvPr id="1" name="Shape 174"/>
         <p:cNvGrpSpPr/>
         <p:nvPr/>
       </p:nvGrpSpPr>
@@ -10209,7 +10684,9 @@
       <p:sp>
         <p:nvSpPr>
           <p:cNvPr id="175" name="Google Shape;175;p31"/>
-          <p:cNvSpPr txBox="1"/>
+          <p:cNvSpPr txBox="1">
+            <a:spLocks noGrp="1"/>
+          </p:cNvSpPr>
           <p:nvPr>
             <p:ph type="title"/>
           </p:nvPr>
@@ -10224,12 +10701,12 @@
           </a:prstGeom>
         </p:spPr>
         <p:txBody>
-          <a:bodyPr anchorCtr="0" anchor="b" bIns="91425" lIns="91425" spcFirstLastPara="1" rIns="91425" wrap="square" tIns="91425">
+          <a:bodyPr spcFirstLastPara="1" wrap="square" lIns="91425" tIns="91425" rIns="91425" bIns="91425" anchor="b" anchorCtr="0">
             <a:normAutofit/>
           </a:bodyPr>
           <a:lstStyle/>
           <a:p>
-            <a:pPr indent="0" lvl="0" marL="0" rtl="0" algn="l">
+            <a:pPr marL="0" lvl="0" indent="0" algn="l" rtl="0">
               <a:spcBef>
                 <a:spcPts val="0"/>
               </a:spcBef>
@@ -10249,9 +10726,11 @@
       <p:sp>
         <p:nvSpPr>
           <p:cNvPr id="176" name="Google Shape;176;p31"/>
-          <p:cNvSpPr txBox="1"/>
+          <p:cNvSpPr txBox="1">
+            <a:spLocks noGrp="1"/>
+          </p:cNvSpPr>
           <p:nvPr>
-            <p:ph idx="1" type="body"/>
+            <p:ph type="body" idx="1"/>
           </p:nvPr>
         </p:nvSpPr>
         <p:spPr>
@@ -10264,12 +10743,12 @@
           </a:prstGeom>
         </p:spPr>
         <p:txBody>
-          <a:bodyPr anchorCtr="0" anchor="t" bIns="91425" lIns="91425" spcFirstLastPara="1" rIns="91425" wrap="square" tIns="91425">
+          <a:bodyPr spcFirstLastPara="1" wrap="square" lIns="91425" tIns="91425" rIns="91425" bIns="91425" anchor="t" anchorCtr="0">
             <a:normAutofit/>
           </a:bodyPr>
           <a:lstStyle/>
           <a:p>
-            <a:pPr indent="0" lvl="0" marL="0" rtl="0" algn="l">
+            <a:pPr marL="0" lvl="0" indent="0" algn="l" rtl="0">
               <a:spcBef>
                 <a:spcPts val="0"/>
               </a:spcBef>
@@ -10323,11 +10802,11 @@
 </file>
 
 <file path=ppt/slides/slide2.xml><?xml version="1.0" encoding="utf-8"?>
-<p:sld xmlns:a="http://schemas.openxmlformats.org/drawingml/2006/main" xmlns:r="http://schemas.openxmlformats.org/officeDocument/2006/relationships" xmlns:mc="http://schemas.openxmlformats.org/markup-compatibility/2006" xmlns:mv="urn:schemas-microsoft-com:mac:vml" xmlns:p="http://schemas.openxmlformats.org/presentationml/2006/main" xmlns:c="http://schemas.openxmlformats.org/drawingml/2006/chart" xmlns:dgm="http://schemas.openxmlformats.org/drawingml/2006/diagram" xmlns:o="urn:schemas-microsoft-com:office:office" xmlns:v="urn:schemas-microsoft-com:vml" xmlns:pvml="urn:schemas-microsoft-com:office:powerpoint" xmlns:com="http://schemas.openxmlformats.org/drawingml/2006/compatibility" xmlns:p14="http://schemas.microsoft.com/office/powerpoint/2010/main" xmlns:p15="http://schemas.microsoft.com/office/powerpoint/2012/main" xmlns:ahyp="http://schemas.microsoft.com/office/drawing/2018/hyperlinkcolor">
+<p:sld xmlns:a="http://schemas.openxmlformats.org/drawingml/2006/main" xmlns:r="http://schemas.openxmlformats.org/officeDocument/2006/relationships" xmlns:p="http://schemas.openxmlformats.org/presentationml/2006/main">
   <p:cSld>
     <p:spTree>
       <p:nvGrpSpPr>
-        <p:cNvPr id="68" name="Shape 68"/>
+        <p:cNvPr id="1" name="Shape 68"/>
         <p:cNvGrpSpPr/>
         <p:nvPr/>
       </p:nvGrpSpPr>
@@ -10342,7 +10821,9 @@
       <p:sp>
         <p:nvSpPr>
           <p:cNvPr id="69" name="Google Shape;69;p14"/>
-          <p:cNvSpPr txBox="1"/>
+          <p:cNvSpPr txBox="1">
+            <a:spLocks noGrp="1"/>
+          </p:cNvSpPr>
           <p:nvPr>
             <p:ph type="title"/>
           </p:nvPr>
@@ -10357,12 +10838,12 @@
           </a:prstGeom>
         </p:spPr>
         <p:txBody>
-          <a:bodyPr anchorCtr="0" anchor="b" bIns="91425" lIns="91425" spcFirstLastPara="1" rIns="91425" wrap="square" tIns="91425">
+          <a:bodyPr spcFirstLastPara="1" wrap="square" lIns="91425" tIns="91425" rIns="91425" bIns="91425" anchor="b" anchorCtr="0">
             <a:normAutofit/>
           </a:bodyPr>
           <a:lstStyle/>
           <a:p>
-            <a:pPr indent="0" lvl="0" marL="0" rtl="0" algn="l">
+            <a:pPr marL="0" lvl="0" indent="0" algn="l" rtl="0">
               <a:spcBef>
                 <a:spcPts val="0"/>
               </a:spcBef>
@@ -10382,9 +10863,11 @@
       <p:sp>
         <p:nvSpPr>
           <p:cNvPr id="70" name="Google Shape;70;p14"/>
-          <p:cNvSpPr txBox="1"/>
+          <p:cNvSpPr txBox="1">
+            <a:spLocks noGrp="1"/>
+          </p:cNvSpPr>
           <p:nvPr>
-            <p:ph idx="1" type="body"/>
+            <p:ph type="body" idx="1"/>
           </p:nvPr>
         </p:nvSpPr>
         <p:spPr>
@@ -10397,12 +10880,12 @@
           </a:prstGeom>
         </p:spPr>
         <p:txBody>
-          <a:bodyPr anchorCtr="0" anchor="t" bIns="91425" lIns="91425" spcFirstLastPara="1" rIns="91425" wrap="square" tIns="91425">
+          <a:bodyPr spcFirstLastPara="1" wrap="square" lIns="91425" tIns="91425" rIns="91425" bIns="91425" anchor="t" anchorCtr="0">
             <a:normAutofit/>
           </a:bodyPr>
           <a:lstStyle/>
           <a:p>
-            <a:pPr indent="-342900" lvl="0" marL="457200" rtl="0" algn="l">
+            <a:pPr marL="457200" lvl="0" indent="-342900" algn="l" rtl="0">
               <a:spcBef>
                 <a:spcPts val="0"/>
               </a:spcBef>
@@ -10419,7 +10902,7 @@
             <a:endParaRPr/>
           </a:p>
           <a:p>
-            <a:pPr indent="-342900" lvl="0" marL="457200" rtl="0" algn="l">
+            <a:pPr marL="457200" lvl="0" indent="-342900" algn="l" rtl="0">
               <a:spcBef>
                 <a:spcPts val="0"/>
               </a:spcBef>
@@ -10436,7 +10919,7 @@
             <a:endParaRPr/>
           </a:p>
           <a:p>
-            <a:pPr indent="-342900" lvl="0" marL="457200" rtl="0" algn="l">
+            <a:pPr marL="457200" lvl="0" indent="-342900" algn="l" rtl="0">
               <a:spcBef>
                 <a:spcPts val="0"/>
               </a:spcBef>
@@ -10453,7 +10936,7 @@
             <a:endParaRPr/>
           </a:p>
           <a:p>
-            <a:pPr indent="-342900" lvl="0" marL="457200" rtl="0" algn="l">
+            <a:pPr marL="457200" lvl="0" indent="-342900" algn="l" rtl="0">
               <a:spcBef>
                 <a:spcPts val="0"/>
               </a:spcBef>
@@ -10470,7 +10953,7 @@
             <a:endParaRPr/>
           </a:p>
           <a:p>
-            <a:pPr indent="-317500" lvl="1" marL="914400" rtl="0" algn="l">
+            <a:pPr marL="914400" lvl="1" indent="-317500" algn="l" rtl="0">
               <a:spcBef>
                 <a:spcPts val="0"/>
               </a:spcBef>
@@ -10487,7 +10970,7 @@
             <a:endParaRPr/>
           </a:p>
           <a:p>
-            <a:pPr indent="-317500" lvl="1" marL="914400" rtl="0" algn="l">
+            <a:pPr marL="914400" lvl="1" indent="-317500" algn="l" rtl="0">
               <a:spcBef>
                 <a:spcPts val="0"/>
               </a:spcBef>
@@ -10504,7 +10987,7 @@
             <a:endParaRPr/>
           </a:p>
           <a:p>
-            <a:pPr indent="-317500" lvl="1" marL="914400" rtl="0" algn="l">
+            <a:pPr marL="914400" lvl="1" indent="-317500" algn="l" rtl="0">
               <a:spcBef>
                 <a:spcPts val="0"/>
               </a:spcBef>
@@ -10521,7 +11004,7 @@
             <a:endParaRPr/>
           </a:p>
           <a:p>
-            <a:pPr indent="-317500" lvl="1" marL="914400" rtl="0" algn="l">
+            <a:pPr marL="914400" lvl="1" indent="-317500" algn="l" rtl="0">
               <a:spcBef>
                 <a:spcPts val="0"/>
               </a:spcBef>
@@ -10538,7 +11021,7 @@
             <a:endParaRPr/>
           </a:p>
           <a:p>
-            <a:pPr indent="-317500" lvl="1" marL="914400" rtl="0" algn="l">
+            <a:pPr marL="914400" lvl="1" indent="-317500" algn="l" rtl="0">
               <a:spcBef>
                 <a:spcPts val="0"/>
               </a:spcBef>
@@ -10565,11 +11048,11 @@
 </file>
 
 <file path=ppt/slides/slide20.xml><?xml version="1.0" encoding="utf-8"?>
-<p:sld xmlns:a="http://schemas.openxmlformats.org/drawingml/2006/main" xmlns:r="http://schemas.openxmlformats.org/officeDocument/2006/relationships" xmlns:mc="http://schemas.openxmlformats.org/markup-compatibility/2006" xmlns:mv="urn:schemas-microsoft-com:mac:vml" xmlns:p="http://schemas.openxmlformats.org/presentationml/2006/main" xmlns:c="http://schemas.openxmlformats.org/drawingml/2006/chart" xmlns:dgm="http://schemas.openxmlformats.org/drawingml/2006/diagram" xmlns:o="urn:schemas-microsoft-com:office:office" xmlns:v="urn:schemas-microsoft-com:vml" xmlns:pvml="urn:schemas-microsoft-com:office:powerpoint" xmlns:com="http://schemas.openxmlformats.org/drawingml/2006/compatibility" xmlns:p14="http://schemas.microsoft.com/office/powerpoint/2010/main" xmlns:p15="http://schemas.microsoft.com/office/powerpoint/2012/main" xmlns:ahyp="http://schemas.microsoft.com/office/drawing/2018/hyperlinkcolor">
+<p:sld xmlns:a="http://schemas.openxmlformats.org/drawingml/2006/main" xmlns:r="http://schemas.openxmlformats.org/officeDocument/2006/relationships" xmlns:p="http://schemas.openxmlformats.org/presentationml/2006/main">
   <p:cSld>
     <p:spTree>
       <p:nvGrpSpPr>
-        <p:cNvPr id="181" name="Shape 181"/>
+        <p:cNvPr id="1" name="Shape 181"/>
         <p:cNvGrpSpPr/>
         <p:nvPr/>
       </p:nvGrpSpPr>
@@ -10584,7 +11067,9 @@
       <p:sp>
         <p:nvSpPr>
           <p:cNvPr id="182" name="Google Shape;182;p32"/>
-          <p:cNvSpPr txBox="1"/>
+          <p:cNvSpPr txBox="1">
+            <a:spLocks noGrp="1"/>
+          </p:cNvSpPr>
           <p:nvPr>
             <p:ph type="title"/>
           </p:nvPr>
@@ -10599,12 +11084,12 @@
           </a:prstGeom>
         </p:spPr>
         <p:txBody>
-          <a:bodyPr anchorCtr="0" anchor="b" bIns="91425" lIns="91425" spcFirstLastPara="1" rIns="91425" wrap="square" tIns="91425">
+          <a:bodyPr spcFirstLastPara="1" wrap="square" lIns="91425" tIns="91425" rIns="91425" bIns="91425" anchor="b" anchorCtr="0">
             <a:normAutofit/>
           </a:bodyPr>
           <a:lstStyle/>
           <a:p>
-            <a:pPr indent="0" lvl="0" marL="0" rtl="0" algn="l">
+            <a:pPr marL="0" lvl="0" indent="0" algn="l" rtl="0">
               <a:spcBef>
                 <a:spcPts val="0"/>
               </a:spcBef>
@@ -10624,9 +11109,11 @@
       <p:sp>
         <p:nvSpPr>
           <p:cNvPr id="183" name="Google Shape;183;p32"/>
-          <p:cNvSpPr txBox="1"/>
+          <p:cNvSpPr txBox="1">
+            <a:spLocks noGrp="1"/>
+          </p:cNvSpPr>
           <p:nvPr>
-            <p:ph idx="1" type="body"/>
+            <p:ph type="body" idx="1"/>
           </p:nvPr>
         </p:nvSpPr>
         <p:spPr>
@@ -10639,12 +11126,12 @@
           </a:prstGeom>
         </p:spPr>
         <p:txBody>
-          <a:bodyPr anchorCtr="0" anchor="t" bIns="91425" lIns="91425" spcFirstLastPara="1" rIns="91425" wrap="square" tIns="91425">
+          <a:bodyPr spcFirstLastPara="1" wrap="square" lIns="91425" tIns="91425" rIns="91425" bIns="91425" anchor="t" anchorCtr="0">
             <a:normAutofit/>
           </a:bodyPr>
           <a:lstStyle/>
           <a:p>
-            <a:pPr indent="0" lvl="0" marL="0" rtl="0" algn="l">
+            <a:pPr marL="0" lvl="0" indent="0" algn="l" rtl="0">
               <a:spcBef>
                 <a:spcPts val="0"/>
               </a:spcBef>
@@ -10660,7 +11147,7 @@
             <a:endParaRPr sz="2100"/>
           </a:p>
           <a:p>
-            <a:pPr indent="0" lvl="0" marL="0" rtl="0" algn="l">
+            <a:pPr marL="0" lvl="0" indent="0" algn="l" rtl="0">
               <a:spcBef>
                 <a:spcPts val="1200"/>
               </a:spcBef>
@@ -10669,13 +11156,10 @@
               </a:spcAft>
               <a:buNone/>
             </a:pPr>
-            <a:r>
-              <a:t/>
-            </a:r>
             <a:endParaRPr sz="2100"/>
           </a:p>
           <a:p>
-            <a:pPr indent="0" lvl="0" marL="0" rtl="0" algn="l">
+            <a:pPr marL="0" lvl="0" indent="0" algn="l" rtl="0">
               <a:spcBef>
                 <a:spcPts val="1200"/>
               </a:spcBef>
@@ -10686,15 +11170,7 @@
             </a:pPr>
             <a:r>
               <a:rPr lang="en-GB" sz="2100"/>
-              <a:t>A collection of </a:t>
-            </a:r>
-            <a:r>
-              <a:rPr lang="en-GB" sz="2100"/>
-              <a:t>scripts</a:t>
-            </a:r>
-            <a:r>
-              <a:rPr lang="en-GB" sz="2100"/>
-              <a:t> into a single folder, that all work together to accomplish a single task</a:t>
+              <a:t>A collection of scripts into a single folder, that all work together to accomplish a single task</a:t>
             </a:r>
             <a:endParaRPr sz="2100"/>
           </a:p>
@@ -10709,11 +11185,505 @@
 </file>
 
 <file path=ppt/slides/slide21.xml><?xml version="1.0" encoding="utf-8"?>
-<p:sld xmlns:a="http://schemas.openxmlformats.org/drawingml/2006/main" xmlns:r="http://schemas.openxmlformats.org/officeDocument/2006/relationships" xmlns:mc="http://schemas.openxmlformats.org/markup-compatibility/2006" xmlns:mv="urn:schemas-microsoft-com:mac:vml" xmlns:p="http://schemas.openxmlformats.org/presentationml/2006/main" xmlns:c="http://schemas.openxmlformats.org/drawingml/2006/chart" xmlns:dgm="http://schemas.openxmlformats.org/drawingml/2006/diagram" xmlns:o="urn:schemas-microsoft-com:office:office" xmlns:v="urn:schemas-microsoft-com:vml" xmlns:pvml="urn:schemas-microsoft-com:office:powerpoint" xmlns:com="http://schemas.openxmlformats.org/drawingml/2006/compatibility" xmlns:p14="http://schemas.microsoft.com/office/powerpoint/2010/main" xmlns:p15="http://schemas.microsoft.com/office/powerpoint/2012/main" xmlns:ahyp="http://schemas.microsoft.com/office/drawing/2018/hyperlinkcolor">
+<p:sld xmlns:a="http://schemas.openxmlformats.org/drawingml/2006/main" xmlns:r="http://schemas.openxmlformats.org/officeDocument/2006/relationships" xmlns:p="http://schemas.openxmlformats.org/presentationml/2006/main">
   <p:cSld>
     <p:spTree>
       <p:nvGrpSpPr>
-        <p:cNvPr id="187" name="Shape 187"/>
+        <p:cNvPr id="1" name="Shape 181"/>
+        <p:cNvGrpSpPr/>
+        <p:nvPr/>
+      </p:nvGrpSpPr>
+      <p:grpSpPr>
+        <a:xfrm>
+          <a:off x="0" y="0"/>
+          <a:ext cx="0" cy="0"/>
+          <a:chOff x="0" y="0"/>
+          <a:chExt cx="0" cy="0"/>
+        </a:xfrm>
+      </p:grpSpPr>
+      <p:sp>
+        <p:nvSpPr>
+          <p:cNvPr id="182" name="Google Shape;182;p32"/>
+          <p:cNvSpPr txBox="1">
+            <a:spLocks noGrp="1"/>
+          </p:cNvSpPr>
+          <p:nvPr>
+            <p:ph type="title"/>
+          </p:nvPr>
+        </p:nvSpPr>
+        <p:spPr>
+          <a:xfrm>
+            <a:off x="387900" y="458025"/>
+            <a:ext cx="8368200" cy="686100"/>
+          </a:xfrm>
+          <a:prstGeom prst="rect">
+            <a:avLst/>
+          </a:prstGeom>
+        </p:spPr>
+        <p:txBody>
+          <a:bodyPr spcFirstLastPara="1" wrap="square" lIns="91425" tIns="91425" rIns="91425" bIns="91425" anchor="b" anchorCtr="0">
+            <a:normAutofit/>
+          </a:bodyPr>
+          <a:lstStyle/>
+          <a:p>
+            <a:pPr marL="0" lvl="0" indent="0" algn="l" rtl="0">
+              <a:spcBef>
+                <a:spcPts val="0"/>
+              </a:spcBef>
+              <a:spcAft>
+                <a:spcPts val="0"/>
+              </a:spcAft>
+              <a:buNone/>
+            </a:pPr>
+            <a:r>
+              <a:rPr lang="en-GB" dirty="0"/>
+              <a:t>Project? </a:t>
+            </a:r>
+            <a:r>
+              <a:rPr lang="en-GB" dirty="0" smtClean="0"/>
+              <a:t>(When and Why?)</a:t>
+            </a:r>
+            <a:endParaRPr dirty="0"/>
+          </a:p>
+        </p:txBody>
+      </p:sp>
+      <p:sp>
+        <p:nvSpPr>
+          <p:cNvPr id="183" name="Google Shape;183;p32"/>
+          <p:cNvSpPr txBox="1">
+            <a:spLocks noGrp="1"/>
+          </p:cNvSpPr>
+          <p:nvPr>
+            <p:ph type="body" idx="1"/>
+          </p:nvPr>
+        </p:nvSpPr>
+        <p:spPr>
+          <a:xfrm>
+            <a:off x="387900" y="1489824"/>
+            <a:ext cx="8368200" cy="3078900"/>
+          </a:xfrm>
+          <a:prstGeom prst="rect">
+            <a:avLst/>
+          </a:prstGeom>
+        </p:spPr>
+        <p:txBody>
+          <a:bodyPr spcFirstLastPara="1" wrap="square" lIns="91425" tIns="91425" rIns="91425" bIns="91425" anchor="t" anchorCtr="0">
+            <a:normAutofit fontScale="92500"/>
+          </a:bodyPr>
+          <a:lstStyle/>
+          <a:p>
+            <a:pPr marL="0" lvl="0" indent="0" algn="l" rtl="0">
+              <a:spcBef>
+                <a:spcPts val="0"/>
+              </a:spcBef>
+              <a:spcAft>
+                <a:spcPts val="0"/>
+              </a:spcAft>
+              <a:buNone/>
+            </a:pPr>
+            <a:r>
+              <a:rPr lang="en-MY" sz="2100" dirty="0" err="1" smtClean="0"/>
+              <a:t>Rstudio</a:t>
+            </a:r>
+            <a:r>
+              <a:rPr lang="en-MY" sz="2100" dirty="0" smtClean="0"/>
+              <a:t> relies on Absolute Path, and when moving scripts from folder to folder (or Computers to Computers), the path “C:\User\Data” might be problem. </a:t>
+            </a:r>
+          </a:p>
+          <a:p>
+            <a:pPr marL="0" lvl="0" indent="0" algn="l" rtl="0">
+              <a:spcBef>
+                <a:spcPts val="0"/>
+              </a:spcBef>
+              <a:spcAft>
+                <a:spcPts val="0"/>
+              </a:spcAft>
+              <a:buNone/>
+            </a:pPr>
+            <a:endParaRPr lang="en-MY" sz="2100" dirty="0"/>
+          </a:p>
+          <a:p>
+            <a:pPr marL="0" lvl="0" indent="0" algn="l" rtl="0">
+              <a:spcBef>
+                <a:spcPts val="0"/>
+              </a:spcBef>
+              <a:spcAft>
+                <a:spcPts val="0"/>
+              </a:spcAft>
+              <a:buNone/>
+            </a:pPr>
+            <a:r>
+              <a:rPr lang="en-MY" sz="2100" dirty="0" smtClean="0"/>
+              <a:t>Use of .</a:t>
+            </a:r>
+            <a:r>
+              <a:rPr lang="en-MY" sz="2100" dirty="0" err="1" smtClean="0"/>
+              <a:t>Rpropj</a:t>
+            </a:r>
+            <a:r>
+              <a:rPr lang="en-MY" sz="2100" dirty="0" smtClean="0"/>
+              <a:t> allow </a:t>
+            </a:r>
+            <a:r>
+              <a:rPr lang="en-MY" sz="2100" dirty="0" smtClean="0"/>
+              <a:t>the use of relative path directory and you can move the </a:t>
+            </a:r>
+            <a:r>
+              <a:rPr lang="en-MY" sz="2100" dirty="0" smtClean="0"/>
+              <a:t>whole folder without affecting the directory. </a:t>
+            </a:r>
+            <a:endParaRPr lang="en-MY" sz="2100" dirty="0"/>
+          </a:p>
+          <a:p>
+            <a:pPr marL="0" lvl="0" indent="0" algn="l" rtl="0">
+              <a:spcBef>
+                <a:spcPts val="0"/>
+              </a:spcBef>
+              <a:spcAft>
+                <a:spcPts val="0"/>
+              </a:spcAft>
+              <a:buNone/>
+            </a:pPr>
+            <a:endParaRPr lang="en-MY" sz="2100" dirty="0" smtClean="0"/>
+          </a:p>
+          <a:p>
+            <a:pPr marL="0" lvl="0" indent="0" algn="l" rtl="0">
+              <a:spcBef>
+                <a:spcPts val="0"/>
+              </a:spcBef>
+              <a:spcAft>
+                <a:spcPts val="0"/>
+              </a:spcAft>
+              <a:buNone/>
+            </a:pPr>
+            <a:r>
+              <a:rPr lang="en-MY" sz="2100" dirty="0" smtClean="0"/>
+              <a:t>Just remember to move the whole folder and open it using the .</a:t>
+            </a:r>
+            <a:r>
+              <a:rPr lang="en-MY" sz="2100" dirty="0" err="1" smtClean="0"/>
+              <a:t>Rproj</a:t>
+            </a:r>
+            <a:r>
+              <a:rPr lang="en-MY" sz="2100" dirty="0" smtClean="0"/>
+              <a:t> file. </a:t>
+            </a:r>
+            <a:endParaRPr sz="2100" dirty="0"/>
+          </a:p>
+        </p:txBody>
+      </p:sp>
+    </p:spTree>
+    <p:extLst>
+      <p:ext uri="{BB962C8B-B14F-4D97-AF65-F5344CB8AC3E}">
+        <p14:creationId xmlns:p14="http://schemas.microsoft.com/office/powerpoint/2010/main" val="1684039146"/>
+      </p:ext>
+    </p:extLst>
+  </p:cSld>
+  <p:clrMapOvr>
+    <a:masterClrMapping/>
+  </p:clrMapOvr>
+</p:sld>
+</file>
+
+<file path=ppt/slides/slide22.xml><?xml version="1.0" encoding="utf-8"?>
+<p:sld xmlns:a="http://schemas.openxmlformats.org/drawingml/2006/main" xmlns:r="http://schemas.openxmlformats.org/officeDocument/2006/relationships" xmlns:p="http://schemas.openxmlformats.org/presentationml/2006/main">
+  <p:cSld>
+    <p:spTree>
+      <p:nvGrpSpPr>
+        <p:cNvPr id="1" name="Shape 181"/>
+        <p:cNvGrpSpPr/>
+        <p:nvPr/>
+      </p:nvGrpSpPr>
+      <p:grpSpPr>
+        <a:xfrm>
+          <a:off x="0" y="0"/>
+          <a:ext cx="0" cy="0"/>
+          <a:chOff x="0" y="0"/>
+          <a:chExt cx="0" cy="0"/>
+        </a:xfrm>
+      </p:grpSpPr>
+      <p:sp>
+        <p:nvSpPr>
+          <p:cNvPr id="182" name="Google Shape;182;p32"/>
+          <p:cNvSpPr txBox="1">
+            <a:spLocks noGrp="1"/>
+          </p:cNvSpPr>
+          <p:nvPr>
+            <p:ph type="title"/>
+          </p:nvPr>
+        </p:nvSpPr>
+        <p:spPr>
+          <a:xfrm>
+            <a:off x="387900" y="458025"/>
+            <a:ext cx="8368200" cy="686100"/>
+          </a:xfrm>
+          <a:prstGeom prst="rect">
+            <a:avLst/>
+          </a:prstGeom>
+        </p:spPr>
+        <p:txBody>
+          <a:bodyPr spcFirstLastPara="1" wrap="square" lIns="91425" tIns="91425" rIns="91425" bIns="91425" anchor="b" anchorCtr="0">
+            <a:normAutofit/>
+          </a:bodyPr>
+          <a:lstStyle/>
+          <a:p>
+            <a:pPr marL="0" lvl="0" indent="0" algn="l" rtl="0">
+              <a:spcBef>
+                <a:spcPts val="0"/>
+              </a:spcBef>
+              <a:spcAft>
+                <a:spcPts val="0"/>
+              </a:spcAft>
+              <a:buNone/>
+            </a:pPr>
+            <a:r>
+              <a:rPr lang="en-GB" dirty="0"/>
+              <a:t>Project? </a:t>
+            </a:r>
+            <a:endParaRPr dirty="0"/>
+          </a:p>
+        </p:txBody>
+      </p:sp>
+      <p:sp>
+        <p:nvSpPr>
+          <p:cNvPr id="183" name="Google Shape;183;p32"/>
+          <p:cNvSpPr txBox="1">
+            <a:spLocks noGrp="1"/>
+          </p:cNvSpPr>
+          <p:nvPr>
+            <p:ph type="body" idx="1"/>
+          </p:nvPr>
+        </p:nvSpPr>
+        <p:spPr>
+          <a:xfrm>
+            <a:off x="387900" y="1489823"/>
+            <a:ext cx="4471483" cy="3626212"/>
+          </a:xfrm>
+          <a:prstGeom prst="rect">
+            <a:avLst/>
+          </a:prstGeom>
+        </p:spPr>
+        <p:txBody>
+          <a:bodyPr spcFirstLastPara="1" wrap="square" lIns="91425" tIns="91425" rIns="91425" bIns="91425" anchor="t" anchorCtr="0">
+            <a:normAutofit fontScale="62500" lnSpcReduction="20000"/>
+          </a:bodyPr>
+          <a:lstStyle/>
+          <a:p>
+            <a:pPr fontAlgn="base"/>
+            <a:r>
+              <a:rPr lang="en-US" dirty="0" err="1"/>
+              <a:t>RStudio</a:t>
+            </a:r>
+            <a:r>
+              <a:rPr lang="en-US" dirty="0"/>
+              <a:t> projects solve the problem of ‘fragile’ file paths by making file paths </a:t>
+            </a:r>
+            <a:r>
+              <a:rPr lang="en-US" i="1" dirty="0"/>
+              <a:t>relative</a:t>
+            </a:r>
+            <a:r>
+              <a:rPr lang="en-US" dirty="0"/>
+              <a:t>. The </a:t>
+            </a:r>
+            <a:r>
+              <a:rPr lang="en-US" dirty="0" err="1"/>
+              <a:t>RStudio</a:t>
+            </a:r>
+            <a:r>
+              <a:rPr lang="en-US" dirty="0"/>
+              <a:t> project file is a file that sits in the root directory, with the extension .</a:t>
+            </a:r>
+            <a:r>
+              <a:rPr lang="en-US" dirty="0" err="1"/>
+              <a:t>Rproj</a:t>
+            </a:r>
+            <a:r>
+              <a:rPr lang="en-US" dirty="0"/>
+              <a:t>. When your </a:t>
+            </a:r>
+            <a:r>
+              <a:rPr lang="en-US" dirty="0" err="1"/>
+              <a:t>RStudio</a:t>
+            </a:r>
+            <a:r>
+              <a:rPr lang="en-US" dirty="0"/>
+              <a:t> session is running through the project file (.</a:t>
+            </a:r>
+            <a:r>
+              <a:rPr lang="en-US" dirty="0" err="1"/>
+              <a:t>Rproj</a:t>
+            </a:r>
+            <a:r>
+              <a:rPr lang="en-US" dirty="0"/>
+              <a:t>), the current working directory points to the root folder where that .</a:t>
+            </a:r>
+            <a:r>
+              <a:rPr lang="en-US" dirty="0" err="1"/>
+              <a:t>Rproj</a:t>
+            </a:r>
+            <a:r>
+              <a:rPr lang="en-US" dirty="0"/>
+              <a:t> file is saved.</a:t>
+            </a:r>
+          </a:p>
+          <a:p>
+            <a:pPr fontAlgn="base"/>
+            <a:r>
+              <a:rPr lang="en-US" dirty="0"/>
+              <a:t>Here’s an example – let’s suppose my working directory is a folder named </a:t>
+            </a:r>
+            <a:r>
+              <a:rPr lang="en-US" i="1" dirty="0"/>
+              <a:t>SurveyAnalysis1</a:t>
+            </a:r>
+            <a:r>
+              <a:rPr lang="en-US" dirty="0"/>
+              <a:t>. Instead of listing out the full absolute file path, </a:t>
+            </a:r>
+            <a:endParaRPr lang="en-US" dirty="0" smtClean="0"/>
+          </a:p>
+          <a:p>
+            <a:pPr lvl="1" fontAlgn="base"/>
+            <a:r>
+              <a:rPr lang="en-US" i="1" dirty="0" smtClean="0"/>
+              <a:t>C</a:t>
+            </a:r>
+            <a:r>
+              <a:rPr lang="en-US" i="1" dirty="0"/>
+              <a:t>:/Users/Martin/Documents/Analysis/SurveyAnalysis1/Data/Data1.xlsx</a:t>
+            </a:r>
+            <a:r>
+              <a:rPr lang="en-US" dirty="0"/>
+              <a:t>, </a:t>
+            </a:r>
+            <a:endParaRPr lang="en-US" dirty="0" smtClean="0"/>
+          </a:p>
+          <a:p>
+            <a:pPr fontAlgn="base"/>
+            <a:r>
+              <a:rPr lang="en-US" dirty="0" smtClean="0"/>
+              <a:t>I </a:t>
+            </a:r>
+            <a:r>
+              <a:rPr lang="en-US" dirty="0"/>
+              <a:t>can simply refer the same Excel file at the directory level when using projects, i.e. just refer to the file by </a:t>
+            </a:r>
+            <a:endParaRPr lang="en-US" dirty="0" smtClean="0"/>
+          </a:p>
+          <a:p>
+            <a:pPr lvl="1" fontAlgn="base"/>
+            <a:r>
+              <a:rPr lang="en-US" i="1" dirty="0" smtClean="0"/>
+              <a:t>Data/Data1.xlsx</a:t>
+            </a:r>
+            <a:r>
+              <a:rPr lang="en-US" dirty="0"/>
+              <a:t>. </a:t>
+            </a:r>
+            <a:endParaRPr lang="en-US" dirty="0" smtClean="0"/>
+          </a:p>
+          <a:p>
+            <a:pPr fontAlgn="base"/>
+            <a:r>
+              <a:rPr lang="en-US" dirty="0" smtClean="0"/>
+              <a:t>The </a:t>
+            </a:r>
+            <a:r>
+              <a:rPr lang="en-US" dirty="0"/>
+              <a:t>idea is that if one day I decide to move my entire </a:t>
+            </a:r>
+            <a:r>
+              <a:rPr lang="en-US" i="1" dirty="0"/>
+              <a:t>SurveyAnalysis1</a:t>
+            </a:r>
+            <a:r>
+              <a:rPr lang="en-US" dirty="0"/>
+              <a:t> folder/directory to another location, or perhaps open this up on a different computer, all the file paths specified in my R scripts would still work as long as I start the session through opening the .</a:t>
+            </a:r>
+            <a:r>
+              <a:rPr lang="en-US" dirty="0" err="1"/>
+              <a:t>Rproj</a:t>
+            </a:r>
+            <a:r>
+              <a:rPr lang="en-US" dirty="0"/>
+              <a:t> file.</a:t>
+            </a:r>
+          </a:p>
+          <a:p>
+            <a:pPr marL="0" lvl="0" indent="0" algn="l" rtl="0">
+              <a:spcBef>
+                <a:spcPts val="0"/>
+              </a:spcBef>
+              <a:spcAft>
+                <a:spcPts val="0"/>
+              </a:spcAft>
+              <a:buNone/>
+            </a:pPr>
+            <a:endParaRPr sz="2100" dirty="0"/>
+          </a:p>
+        </p:txBody>
+      </p:sp>
+      <p:pic>
+        <p:nvPicPr>
+          <p:cNvPr id="1026" name="Picture 2" descr="Basic Structure"/>
+          <p:cNvPicPr>
+            <a:picLocks noChangeAspect="1" noChangeArrowheads="1"/>
+          </p:cNvPicPr>
+          <p:nvPr/>
+        </p:nvPicPr>
+        <p:blipFill>
+          <a:blip r:embed="rId3">
+            <a:extLst>
+              <a:ext uri="{28A0092B-C50C-407E-A947-70E740481C1C}">
+                <a14:useLocalDpi xmlns:a14="http://schemas.microsoft.com/office/drawing/2010/main" val="0"/>
+              </a:ext>
+            </a:extLst>
+          </a:blip>
+          <a:srcRect/>
+          <a:stretch>
+            <a:fillRect/>
+          </a:stretch>
+        </p:blipFill>
+        <p:spPr bwMode="auto">
+          <a:xfrm>
+            <a:off x="4937760" y="91740"/>
+            <a:ext cx="4160520" cy="5024295"/>
+          </a:xfrm>
+          <a:prstGeom prst="rect">
+            <a:avLst/>
+          </a:prstGeom>
+          <a:noFill/>
+          <a:extLst>
+            <a:ext uri="{909E8E84-426E-40DD-AFC4-6F175D3DCCD1}">
+              <a14:hiddenFill xmlns:a14="http://schemas.microsoft.com/office/drawing/2010/main">
+                <a:solidFill>
+                  <a:srgbClr val="FFFFFF"/>
+                </a:solidFill>
+              </a14:hiddenFill>
+            </a:ext>
+          </a:extLst>
+        </p:spPr>
+      </p:pic>
+    </p:spTree>
+    <p:extLst>
+      <p:ext uri="{BB962C8B-B14F-4D97-AF65-F5344CB8AC3E}">
+        <p14:creationId xmlns:p14="http://schemas.microsoft.com/office/powerpoint/2010/main" val="730268676"/>
+      </p:ext>
+    </p:extLst>
+  </p:cSld>
+  <p:clrMapOvr>
+    <a:masterClrMapping/>
+  </p:clrMapOvr>
+</p:sld>
+</file>
+
+<file path=ppt/slides/slide23.xml><?xml version="1.0" encoding="utf-8"?>
+<p:sld xmlns:a="http://schemas.openxmlformats.org/drawingml/2006/main" xmlns:r="http://schemas.openxmlformats.org/officeDocument/2006/relationships" xmlns:p="http://schemas.openxmlformats.org/presentationml/2006/main">
+  <p:cSld>
+    <p:spTree>
+      <p:nvGrpSpPr>
+        <p:cNvPr id="1" name="Shape 187"/>
         <p:cNvGrpSpPr/>
         <p:nvPr/>
       </p:nvGrpSpPr>
@@ -10728,7 +11698,9 @@
       <p:sp>
         <p:nvSpPr>
           <p:cNvPr id="188" name="Google Shape;188;p33"/>
-          <p:cNvSpPr txBox="1"/>
+          <p:cNvSpPr txBox="1">
+            <a:spLocks noGrp="1"/>
+          </p:cNvSpPr>
           <p:nvPr>
             <p:ph type="title"/>
           </p:nvPr>
@@ -10743,12 +11715,12 @@
           </a:prstGeom>
         </p:spPr>
         <p:txBody>
-          <a:bodyPr anchorCtr="0" anchor="b" bIns="91425" lIns="91425" spcFirstLastPara="1" rIns="91425" wrap="square" tIns="91425">
+          <a:bodyPr spcFirstLastPara="1" wrap="square" lIns="91425" tIns="91425" rIns="91425" bIns="91425" anchor="b" anchorCtr="0">
             <a:normAutofit/>
           </a:bodyPr>
           <a:lstStyle/>
           <a:p>
-            <a:pPr indent="0" lvl="0" marL="0" rtl="0" algn="l">
+            <a:pPr marL="0" lvl="0" indent="0" algn="l" rtl="0">
               <a:spcBef>
                 <a:spcPts val="0"/>
               </a:spcBef>
@@ -10768,9 +11740,11 @@
       <p:sp>
         <p:nvSpPr>
           <p:cNvPr id="189" name="Google Shape;189;p33"/>
-          <p:cNvSpPr txBox="1"/>
+          <p:cNvSpPr txBox="1">
+            <a:spLocks noGrp="1"/>
+          </p:cNvSpPr>
           <p:nvPr>
-            <p:ph idx="1" type="body"/>
+            <p:ph type="body" idx="1"/>
           </p:nvPr>
         </p:nvSpPr>
         <p:spPr>
@@ -10783,12 +11757,12 @@
           </a:prstGeom>
         </p:spPr>
         <p:txBody>
-          <a:bodyPr anchorCtr="0" anchor="t" bIns="91425" lIns="91425" spcFirstLastPara="1" rIns="91425" wrap="square" tIns="91425">
+          <a:bodyPr spcFirstLastPara="1" wrap="square" lIns="91425" tIns="91425" rIns="91425" bIns="91425" anchor="t" anchorCtr="0">
             <a:normAutofit/>
           </a:bodyPr>
           <a:lstStyle/>
           <a:p>
-            <a:pPr indent="-342900" lvl="0" marL="457200" rtl="0" algn="l">
+            <a:pPr marL="457200" lvl="0" indent="-342900" algn="l" rtl="0">
               <a:spcBef>
                 <a:spcPts val="0"/>
               </a:spcBef>
@@ -10805,7 +11779,7 @@
             <a:endParaRPr/>
           </a:p>
           <a:p>
-            <a:pPr indent="-342900" lvl="0" marL="457200" rtl="0" algn="l">
+            <a:pPr marL="457200" lvl="0" indent="-342900" algn="l" rtl="0">
               <a:spcBef>
                 <a:spcPts val="0"/>
               </a:spcBef>
@@ -10822,7 +11796,7 @@
             <a:endParaRPr/>
           </a:p>
           <a:p>
-            <a:pPr indent="-342900" lvl="0" marL="457200" rtl="0" algn="l">
+            <a:pPr marL="457200" lvl="0" indent="-342900" algn="l" rtl="0">
               <a:spcBef>
                 <a:spcPts val="0"/>
               </a:spcBef>
@@ -10839,7 +11813,7 @@
             <a:endParaRPr/>
           </a:p>
           <a:p>
-            <a:pPr indent="-342900" lvl="0" marL="457200" rtl="0" algn="l">
+            <a:pPr marL="457200" lvl="0" indent="-342900" algn="l" rtl="0">
               <a:spcBef>
                 <a:spcPts val="0"/>
               </a:spcBef>
@@ -10856,7 +11830,7 @@
             <a:endParaRPr/>
           </a:p>
           <a:p>
-            <a:pPr indent="-342900" lvl="0" marL="457200" rtl="0" algn="l">
+            <a:pPr marL="457200" lvl="0" indent="-342900" algn="l" rtl="0">
               <a:spcBef>
                 <a:spcPts val="0"/>
               </a:spcBef>
@@ -10866,9 +11840,6 @@
               <a:buSzPts val="1800"/>
               <a:buAutoNum type="arabicPeriod"/>
             </a:pPr>
-            <a:r>
-              <a:t/>
-            </a:r>
             <a:endParaRPr/>
           </a:p>
         </p:txBody>
@@ -10889,7 +11860,7 @@
         </p:blipFill>
         <p:spPr>
           <a:xfrm>
-            <a:off x="3933300" y="2228425"/>
+            <a:off x="3913705" y="2326396"/>
             <a:ext cx="5120024" cy="2663025"/>
           </a:xfrm>
           <a:prstGeom prst="rect">
@@ -10909,12 +11880,12 @@
 </p:sld>
 </file>
 
-<file path=ppt/slides/slide22.xml><?xml version="1.0" encoding="utf-8"?>
-<p:sld xmlns:a="http://schemas.openxmlformats.org/drawingml/2006/main" xmlns:r="http://schemas.openxmlformats.org/officeDocument/2006/relationships" xmlns:mc="http://schemas.openxmlformats.org/markup-compatibility/2006" xmlns:mv="urn:schemas-microsoft-com:mac:vml" xmlns:p="http://schemas.openxmlformats.org/presentationml/2006/main" xmlns:c="http://schemas.openxmlformats.org/drawingml/2006/chart" xmlns:dgm="http://schemas.openxmlformats.org/drawingml/2006/diagram" xmlns:o="urn:schemas-microsoft-com:office:office" xmlns:v="urn:schemas-microsoft-com:vml" xmlns:pvml="urn:schemas-microsoft-com:office:powerpoint" xmlns:com="http://schemas.openxmlformats.org/drawingml/2006/compatibility" xmlns:p14="http://schemas.microsoft.com/office/powerpoint/2010/main" xmlns:p15="http://schemas.microsoft.com/office/powerpoint/2012/main" xmlns:ahyp="http://schemas.microsoft.com/office/drawing/2018/hyperlinkcolor">
+<file path=ppt/slides/slide24.xml><?xml version="1.0" encoding="utf-8"?>
+<p:sld xmlns:a="http://schemas.openxmlformats.org/drawingml/2006/main" xmlns:r="http://schemas.openxmlformats.org/officeDocument/2006/relationships" xmlns:p="http://schemas.openxmlformats.org/presentationml/2006/main">
   <p:cSld>
     <p:spTree>
       <p:nvGrpSpPr>
-        <p:cNvPr id="194" name="Shape 194"/>
+        <p:cNvPr id="1" name="Shape 194"/>
         <p:cNvGrpSpPr/>
         <p:nvPr/>
       </p:nvGrpSpPr>
@@ -10929,7 +11900,9 @@
       <p:sp>
         <p:nvSpPr>
           <p:cNvPr id="195" name="Google Shape;195;p34"/>
-          <p:cNvSpPr txBox="1"/>
+          <p:cNvSpPr txBox="1">
+            <a:spLocks noGrp="1"/>
+          </p:cNvSpPr>
           <p:nvPr>
             <p:ph type="title"/>
           </p:nvPr>
@@ -10944,12 +11917,12 @@
           </a:prstGeom>
         </p:spPr>
         <p:txBody>
-          <a:bodyPr anchorCtr="0" anchor="b" bIns="91425" lIns="91425" spcFirstLastPara="1" rIns="91425" wrap="square" tIns="91425">
+          <a:bodyPr spcFirstLastPara="1" wrap="square" lIns="91425" tIns="91425" rIns="91425" bIns="91425" anchor="b" anchorCtr="0">
             <a:normAutofit/>
           </a:bodyPr>
           <a:lstStyle/>
           <a:p>
-            <a:pPr indent="0" lvl="0" marL="0" rtl="0" algn="l">
+            <a:pPr marL="0" lvl="0" indent="0" algn="l" rtl="0">
               <a:spcBef>
                 <a:spcPts val="0"/>
               </a:spcBef>
@@ -10969,9 +11942,11 @@
       <p:sp>
         <p:nvSpPr>
           <p:cNvPr id="196" name="Google Shape;196;p34"/>
-          <p:cNvSpPr txBox="1"/>
+          <p:cNvSpPr txBox="1">
+            <a:spLocks noGrp="1"/>
+          </p:cNvSpPr>
           <p:nvPr>
-            <p:ph idx="1" type="body"/>
+            <p:ph type="body" idx="1"/>
           </p:nvPr>
         </p:nvSpPr>
         <p:spPr>
@@ -10984,12 +11959,12 @@
           </a:prstGeom>
         </p:spPr>
         <p:txBody>
-          <a:bodyPr anchorCtr="0" anchor="t" bIns="91425" lIns="91425" spcFirstLastPara="1" rIns="91425" wrap="square" tIns="91425">
-            <a:normAutofit lnSpcReduction="20000"/>
+          <a:bodyPr spcFirstLastPara="1" wrap="square" lIns="91425" tIns="91425" rIns="91425" bIns="91425" anchor="t" anchorCtr="0">
+            <a:normAutofit fontScale="92500" lnSpcReduction="20000"/>
           </a:bodyPr>
           <a:lstStyle/>
           <a:p>
-            <a:pPr indent="-342900" lvl="0" marL="457200" rtl="0" algn="l">
+            <a:pPr marL="457200" lvl="0" indent="-342900" algn="l" rtl="0">
               <a:spcBef>
                 <a:spcPts val="0"/>
               </a:spcBef>
@@ -11000,13 +11975,29 @@
               <a:buAutoNum type="arabicPeriod"/>
             </a:pPr>
             <a:r>
-              <a:rPr lang="en-GB"/>
-              <a:t>Install R, RStudio ( you can use any IDE you desire,but I might be familiar)</a:t>
-            </a:r>
-            <a:endParaRPr/>
-          </a:p>
-          <a:p>
-            <a:pPr indent="-342900" lvl="0" marL="457200" rtl="0" algn="l">
+              <a:rPr lang="en-GB" dirty="0"/>
+              <a:t>Install R, </a:t>
+            </a:r>
+            <a:r>
+              <a:rPr lang="en-GB" dirty="0" err="1"/>
+              <a:t>RStudio</a:t>
+            </a:r>
+            <a:r>
+              <a:rPr lang="en-GB" dirty="0"/>
+              <a:t> ( you can use any IDE you </a:t>
+            </a:r>
+            <a:r>
+              <a:rPr lang="en-GB" dirty="0" err="1"/>
+              <a:t>desire,but</a:t>
+            </a:r>
+            <a:r>
+              <a:rPr lang="en-GB" dirty="0"/>
+              <a:t> I might be familiar)</a:t>
+            </a:r>
+            <a:endParaRPr dirty="0"/>
+          </a:p>
+          <a:p>
+            <a:pPr marL="457200" lvl="0" indent="-342900" algn="l" rtl="0">
               <a:spcBef>
                 <a:spcPts val="0"/>
               </a:spcBef>
@@ -11017,13 +12008,13 @@
               <a:buAutoNum type="arabicPeriod"/>
             </a:pPr>
             <a:r>
-              <a:rPr lang="en-GB"/>
+              <a:rPr lang="en-GB" dirty="0"/>
               <a:t>In R, use the command print, </a:t>
             </a:r>
-            <a:endParaRPr/>
-          </a:p>
-          <a:p>
-            <a:pPr indent="0" lvl="0" marL="914400" rtl="0" algn="l">
+            <a:endParaRPr dirty="0"/>
+          </a:p>
+          <a:p>
+            <a:pPr marL="914400" lvl="0" indent="0" algn="l" rtl="0">
               <a:spcBef>
                 <a:spcPts val="1200"/>
               </a:spcBef>
@@ -11033,13 +12024,13 @@
               <a:buNone/>
             </a:pPr>
             <a:r>
-              <a:rPr lang="en-GB"/>
+              <a:rPr lang="en-GB" dirty="0"/>
               <a:t>&gt; print(“Hello world”)</a:t>
             </a:r>
-            <a:endParaRPr/>
-          </a:p>
-          <a:p>
-            <a:pPr indent="0" lvl="0" marL="914400" rtl="0" algn="l">
+            <a:endParaRPr dirty="0"/>
+          </a:p>
+          <a:p>
+            <a:pPr marL="914400" lvl="0" indent="0" algn="l" rtl="0">
               <a:spcBef>
                 <a:spcPts val="1200"/>
               </a:spcBef>
@@ -11049,13 +12040,21 @@
               <a:buNone/>
             </a:pPr>
             <a:r>
-              <a:rPr lang="en-GB"/>
-              <a:t>&gt; 1	+ 3</a:t>
-            </a:r>
-            <a:endParaRPr/>
-          </a:p>
-          <a:p>
-            <a:pPr indent="0" lvl="0" marL="914400" rtl="0" algn="l">
+              <a:rPr lang="en-GB" dirty="0"/>
+              <a:t>&gt; </a:t>
+            </a:r>
+            <a:r>
+              <a:rPr lang="en-GB" dirty="0" smtClean="0"/>
+              <a:t>1+ </a:t>
+            </a:r>
+            <a:r>
+              <a:rPr lang="en-GB" dirty="0"/>
+              <a:t>3</a:t>
+            </a:r>
+            <a:endParaRPr dirty="0"/>
+          </a:p>
+          <a:p>
+            <a:pPr marL="914400" lvl="0" indent="0" algn="l" rtl="0">
               <a:spcBef>
                 <a:spcPts val="1200"/>
               </a:spcBef>
@@ -11065,13 +12064,13 @@
               <a:buNone/>
             </a:pPr>
             <a:r>
-              <a:rPr lang="en-GB"/>
+              <a:rPr lang="en-GB" dirty="0"/>
               <a:t>&gt; 3 / 5</a:t>
             </a:r>
-            <a:endParaRPr/>
-          </a:p>
-          <a:p>
-            <a:pPr indent="0" lvl="0" marL="914400" rtl="0" algn="l">
+            <a:endParaRPr dirty="0"/>
+          </a:p>
+          <a:p>
+            <a:pPr marL="914400" lvl="0" indent="0" algn="l" rtl="0">
               <a:spcBef>
                 <a:spcPts val="1200"/>
               </a:spcBef>
@@ -11081,13 +12080,13 @@
               <a:buNone/>
             </a:pPr>
             <a:r>
-              <a:rPr lang="en-GB"/>
+              <a:rPr lang="en-GB" dirty="0"/>
               <a:t>&gt; pi</a:t>
             </a:r>
-            <a:endParaRPr/>
-          </a:p>
-          <a:p>
-            <a:pPr indent="-342900" lvl="0" marL="457200" rtl="0" algn="l">
+            <a:endParaRPr dirty="0"/>
+          </a:p>
+          <a:p>
+            <a:pPr marL="457200" lvl="0" indent="-342900" algn="l" rtl="0">
               <a:spcBef>
                 <a:spcPts val="1200"/>
               </a:spcBef>
@@ -11098,13 +12097,29 @@
               <a:buAutoNum type="arabicPeriod"/>
             </a:pPr>
             <a:r>
-              <a:rPr lang="en-GB"/>
-              <a:t>Writer a R script or rmd file that install “readr” and;  print out 7 digits of pi</a:t>
-            </a:r>
-            <a:endParaRPr/>
-          </a:p>
-          <a:p>
-            <a:pPr indent="-342900" lvl="0" marL="457200" rtl="0" algn="l">
+              <a:rPr lang="en-GB" dirty="0"/>
+              <a:t>Writer a R script or </a:t>
+            </a:r>
+            <a:r>
+              <a:rPr lang="en-GB" dirty="0" err="1"/>
+              <a:t>rmd</a:t>
+            </a:r>
+            <a:r>
+              <a:rPr lang="en-GB" dirty="0"/>
+              <a:t> file that install “</a:t>
+            </a:r>
+            <a:r>
+              <a:rPr lang="en-GB" dirty="0" err="1"/>
+              <a:t>readr</a:t>
+            </a:r>
+            <a:r>
+              <a:rPr lang="en-GB" dirty="0"/>
+              <a:t>” and;  print out 7 digits of pi</a:t>
+            </a:r>
+            <a:endParaRPr dirty="0"/>
+          </a:p>
+          <a:p>
+            <a:pPr marL="457200" lvl="0" indent="-342900" algn="l" rtl="0">
               <a:spcBef>
                 <a:spcPts val="0"/>
               </a:spcBef>
@@ -11115,10 +12130,10 @@
               <a:buAutoNum type="arabicPeriod"/>
             </a:pPr>
             <a:r>
-              <a:rPr lang="en-GB"/>
+              <a:rPr lang="en-GB" dirty="0"/>
               <a:t>(Going Further) print out 20 digits of pi</a:t>
             </a:r>
-            <a:endParaRPr/>
+            <a:endParaRPr dirty="0"/>
           </a:p>
         </p:txBody>
       </p:sp>
@@ -11130,12 +12145,12 @@
 </p:sld>
 </file>
 
-<file path=ppt/slides/slide23.xml><?xml version="1.0" encoding="utf-8"?>
-<p:sld xmlns:a="http://schemas.openxmlformats.org/drawingml/2006/main" xmlns:r="http://schemas.openxmlformats.org/officeDocument/2006/relationships" xmlns:mc="http://schemas.openxmlformats.org/markup-compatibility/2006" xmlns:mv="urn:schemas-microsoft-com:mac:vml" xmlns:p="http://schemas.openxmlformats.org/presentationml/2006/main" xmlns:c="http://schemas.openxmlformats.org/drawingml/2006/chart" xmlns:dgm="http://schemas.openxmlformats.org/drawingml/2006/diagram" xmlns:o="urn:schemas-microsoft-com:office:office" xmlns:v="urn:schemas-microsoft-com:vml" xmlns:pvml="urn:schemas-microsoft-com:office:powerpoint" xmlns:com="http://schemas.openxmlformats.org/drawingml/2006/compatibility" xmlns:p14="http://schemas.microsoft.com/office/powerpoint/2010/main" xmlns:p15="http://schemas.microsoft.com/office/powerpoint/2012/main" xmlns:ahyp="http://schemas.microsoft.com/office/drawing/2018/hyperlinkcolor">
+<file path=ppt/slides/slide25.xml><?xml version="1.0" encoding="utf-8"?>
+<p:sld xmlns:a="http://schemas.openxmlformats.org/drawingml/2006/main" xmlns:r="http://schemas.openxmlformats.org/officeDocument/2006/relationships" xmlns:p="http://schemas.openxmlformats.org/presentationml/2006/main">
   <p:cSld>
     <p:spTree>
       <p:nvGrpSpPr>
-        <p:cNvPr id="200" name="Shape 200"/>
+        <p:cNvPr id="1" name="Shape 200"/>
         <p:cNvGrpSpPr/>
         <p:nvPr/>
       </p:nvGrpSpPr>
@@ -11150,7 +12165,9 @@
       <p:sp>
         <p:nvSpPr>
           <p:cNvPr id="201" name="Google Shape;201;p35"/>
-          <p:cNvSpPr txBox="1"/>
+          <p:cNvSpPr txBox="1">
+            <a:spLocks noGrp="1"/>
+          </p:cNvSpPr>
           <p:nvPr>
             <p:ph type="title"/>
           </p:nvPr>
@@ -11165,12 +12182,12 @@
           </a:prstGeom>
         </p:spPr>
         <p:txBody>
-          <a:bodyPr anchorCtr="0" anchor="b" bIns="91425" lIns="91425" spcFirstLastPara="1" rIns="91425" wrap="square" tIns="91425">
+          <a:bodyPr spcFirstLastPara="1" wrap="square" lIns="91425" tIns="91425" rIns="91425" bIns="91425" anchor="b" anchorCtr="0">
             <a:normAutofit/>
           </a:bodyPr>
           <a:lstStyle/>
           <a:p>
-            <a:pPr indent="0" lvl="0" marL="0" rtl="0" algn="l">
+            <a:pPr marL="0" lvl="0" indent="0" algn="l" rtl="0">
               <a:spcBef>
                 <a:spcPts val="0"/>
               </a:spcBef>
@@ -11190,9 +12207,11 @@
       <p:sp>
         <p:nvSpPr>
           <p:cNvPr id="202" name="Google Shape;202;p35"/>
-          <p:cNvSpPr txBox="1"/>
+          <p:cNvSpPr txBox="1">
+            <a:spLocks noGrp="1"/>
+          </p:cNvSpPr>
           <p:nvPr>
-            <p:ph idx="1" type="body"/>
+            <p:ph type="body" idx="1"/>
           </p:nvPr>
         </p:nvSpPr>
         <p:spPr>
@@ -11205,12 +12224,12 @@
           </a:prstGeom>
         </p:spPr>
         <p:txBody>
-          <a:bodyPr anchorCtr="0" anchor="t" bIns="91425" lIns="91425" spcFirstLastPara="1" rIns="91425" wrap="square" tIns="91425">
+          <a:bodyPr spcFirstLastPara="1" wrap="square" lIns="91425" tIns="91425" rIns="91425" bIns="91425" anchor="t" anchorCtr="0">
             <a:normAutofit/>
           </a:bodyPr>
           <a:lstStyle/>
           <a:p>
-            <a:pPr indent="0" lvl="0" marL="0" rtl="0" algn="l">
+            <a:pPr marL="0" lvl="0" indent="0" algn="l" rtl="0">
               <a:spcBef>
                 <a:spcPts val="0"/>
               </a:spcBef>
@@ -11226,7 +12245,7 @@
             <a:endParaRPr/>
           </a:p>
           <a:p>
-            <a:pPr indent="0" lvl="0" marL="0" rtl="0" algn="l">
+            <a:pPr marL="0" lvl="0" indent="0" algn="l" rtl="0">
               <a:spcBef>
                 <a:spcPts val="1200"/>
               </a:spcBef>
@@ -11252,11 +12271,11 @@
 </file>
 
 <file path=ppt/slides/slide3.xml><?xml version="1.0" encoding="utf-8"?>
-<p:sld xmlns:a="http://schemas.openxmlformats.org/drawingml/2006/main" xmlns:r="http://schemas.openxmlformats.org/officeDocument/2006/relationships" xmlns:mc="http://schemas.openxmlformats.org/markup-compatibility/2006" xmlns:mv="urn:schemas-microsoft-com:mac:vml" xmlns:p="http://schemas.openxmlformats.org/presentationml/2006/main" xmlns:c="http://schemas.openxmlformats.org/drawingml/2006/chart" xmlns:dgm="http://schemas.openxmlformats.org/drawingml/2006/diagram" xmlns:o="urn:schemas-microsoft-com:office:office" xmlns:v="urn:schemas-microsoft-com:vml" xmlns:pvml="urn:schemas-microsoft-com:office:powerpoint" xmlns:com="http://schemas.openxmlformats.org/drawingml/2006/compatibility" xmlns:p14="http://schemas.microsoft.com/office/powerpoint/2010/main" xmlns:p15="http://schemas.microsoft.com/office/powerpoint/2012/main" xmlns:ahyp="http://schemas.microsoft.com/office/drawing/2018/hyperlinkcolor">
+<p:sld xmlns:a="http://schemas.openxmlformats.org/drawingml/2006/main" xmlns:r="http://schemas.openxmlformats.org/officeDocument/2006/relationships" xmlns:p="http://schemas.openxmlformats.org/presentationml/2006/main">
   <p:cSld>
     <p:spTree>
       <p:nvGrpSpPr>
-        <p:cNvPr id="74" name="Shape 74"/>
+        <p:cNvPr id="1" name="Shape 74"/>
         <p:cNvGrpSpPr/>
         <p:nvPr/>
       </p:nvGrpSpPr>
@@ -11271,7 +12290,9 @@
       <p:sp>
         <p:nvSpPr>
           <p:cNvPr id="75" name="Google Shape;75;p15"/>
-          <p:cNvSpPr txBox="1"/>
+          <p:cNvSpPr txBox="1">
+            <a:spLocks noGrp="1"/>
+          </p:cNvSpPr>
           <p:nvPr>
             <p:ph type="title"/>
           </p:nvPr>
@@ -11286,12 +12307,12 @@
           </a:prstGeom>
         </p:spPr>
         <p:txBody>
-          <a:bodyPr anchorCtr="0" anchor="b" bIns="91425" lIns="91425" spcFirstLastPara="1" rIns="91425" wrap="square" tIns="91425">
+          <a:bodyPr spcFirstLastPara="1" wrap="square" lIns="91425" tIns="91425" rIns="91425" bIns="91425" anchor="b" anchorCtr="0">
             <a:normAutofit/>
           </a:bodyPr>
           <a:lstStyle/>
           <a:p>
-            <a:pPr indent="0" lvl="0" marL="0" rtl="0" algn="l">
+            <a:pPr marL="0" lvl="0" indent="0" algn="l" rtl="0">
               <a:spcBef>
                 <a:spcPts val="0"/>
               </a:spcBef>
@@ -11311,9 +12332,11 @@
       <p:sp>
         <p:nvSpPr>
           <p:cNvPr id="76" name="Google Shape;76;p15"/>
-          <p:cNvSpPr txBox="1"/>
+          <p:cNvSpPr txBox="1">
+            <a:spLocks noGrp="1"/>
+          </p:cNvSpPr>
           <p:nvPr>
-            <p:ph idx="1" type="body"/>
+            <p:ph type="body" idx="1"/>
           </p:nvPr>
         </p:nvSpPr>
         <p:spPr>
@@ -11326,12 +12349,12 @@
           </a:prstGeom>
         </p:spPr>
         <p:txBody>
-          <a:bodyPr anchorCtr="0" anchor="t" bIns="91425" lIns="91425" spcFirstLastPara="1" rIns="91425" wrap="square" tIns="91425">
+          <a:bodyPr spcFirstLastPara="1" wrap="square" lIns="91425" tIns="91425" rIns="91425" bIns="91425" anchor="t" anchorCtr="0">
             <a:normAutofit/>
           </a:bodyPr>
           <a:lstStyle/>
           <a:p>
-            <a:pPr indent="0" lvl="0" marL="0" rtl="0" algn="l">
+            <a:pPr marL="0" lvl="0" indent="0" algn="l" rtl="0">
               <a:spcBef>
                 <a:spcPts val="0"/>
               </a:spcBef>
@@ -11345,7 +12368,7 @@
               <a:t>R is a free software environment for </a:t>
             </a:r>
             <a:r>
-              <a:rPr b="1" lang="en-GB"/>
+              <a:rPr lang="en-GB" b="1"/>
               <a:t>statistical computing and graphics</a:t>
             </a:r>
             <a:r>
@@ -11353,7 +12376,7 @@
               <a:t>.  It is a GNU project which is similar to the</a:t>
             </a:r>
             <a:r>
-              <a:rPr b="1" lang="en-GB"/>
+              <a:rPr lang="en-GB" b="1"/>
               <a:t> S language </a:t>
             </a:r>
             <a:r>
@@ -11361,7 +12384,7 @@
               <a:t>and environment which was developed at </a:t>
             </a:r>
             <a:r>
-              <a:rPr b="1" lang="en-GB"/>
+              <a:rPr lang="en-GB" b="1"/>
               <a:t>Bell Laboratories</a:t>
             </a:r>
             <a:r>
@@ -11371,7 +12394,7 @@
             <a:endParaRPr/>
           </a:p>
           <a:p>
-            <a:pPr indent="0" lvl="0" marL="0" rtl="0" algn="l">
+            <a:pPr marL="0" lvl="0" indent="0" algn="l" rtl="0">
               <a:spcBef>
                 <a:spcPts val="1200"/>
               </a:spcBef>
@@ -11385,7 +12408,7 @@
               <a:t>One of R’s strengths is the ease with which well-designed </a:t>
             </a:r>
             <a:r>
-              <a:rPr b="1" lang="en-GB"/>
+              <a:rPr lang="en-GB" b="1"/>
               <a:t>publication-quality plots</a:t>
             </a:r>
             <a:r>
@@ -11393,7 +12416,7 @@
               <a:t> can be produced, including </a:t>
             </a:r>
             <a:r>
-              <a:rPr b="1" lang="en-GB"/>
+              <a:rPr lang="en-GB" b="1"/>
               <a:t>mathematical symbols </a:t>
             </a:r>
             <a:r>
@@ -11413,11 +12436,11 @@
 </file>
 
 <file path=ppt/slides/slide4.xml><?xml version="1.0" encoding="utf-8"?>
-<p:sld xmlns:a="http://schemas.openxmlformats.org/drawingml/2006/main" xmlns:r="http://schemas.openxmlformats.org/officeDocument/2006/relationships" xmlns:mc="http://schemas.openxmlformats.org/markup-compatibility/2006" xmlns:mv="urn:schemas-microsoft-com:mac:vml" xmlns:p="http://schemas.openxmlformats.org/presentationml/2006/main" xmlns:c="http://schemas.openxmlformats.org/drawingml/2006/chart" xmlns:dgm="http://schemas.openxmlformats.org/drawingml/2006/diagram" xmlns:o="urn:schemas-microsoft-com:office:office" xmlns:v="urn:schemas-microsoft-com:vml" xmlns:pvml="urn:schemas-microsoft-com:office:powerpoint" xmlns:com="http://schemas.openxmlformats.org/drawingml/2006/compatibility" xmlns:p14="http://schemas.microsoft.com/office/powerpoint/2010/main" xmlns:p15="http://schemas.microsoft.com/office/powerpoint/2012/main" xmlns:ahyp="http://schemas.microsoft.com/office/drawing/2018/hyperlinkcolor">
+<p:sld xmlns:a="http://schemas.openxmlformats.org/drawingml/2006/main" xmlns:r="http://schemas.openxmlformats.org/officeDocument/2006/relationships" xmlns:p="http://schemas.openxmlformats.org/presentationml/2006/main">
   <p:cSld>
     <p:spTree>
       <p:nvGrpSpPr>
-        <p:cNvPr id="80" name="Shape 80"/>
+        <p:cNvPr id="1" name="Shape 80"/>
         <p:cNvGrpSpPr/>
         <p:nvPr/>
       </p:nvGrpSpPr>
@@ -11432,7 +12455,9 @@
       <p:sp>
         <p:nvSpPr>
           <p:cNvPr id="81" name="Google Shape;81;p16"/>
-          <p:cNvSpPr txBox="1"/>
+          <p:cNvSpPr txBox="1">
+            <a:spLocks noGrp="1"/>
+          </p:cNvSpPr>
           <p:nvPr>
             <p:ph type="title"/>
           </p:nvPr>
@@ -11447,12 +12472,12 @@
           </a:prstGeom>
         </p:spPr>
         <p:txBody>
-          <a:bodyPr anchorCtr="0" anchor="b" bIns="91425" lIns="91425" spcFirstLastPara="1" rIns="91425" wrap="square" tIns="91425">
+          <a:bodyPr spcFirstLastPara="1" wrap="square" lIns="91425" tIns="91425" rIns="91425" bIns="91425" anchor="b" anchorCtr="0">
             <a:normAutofit/>
           </a:bodyPr>
           <a:lstStyle/>
           <a:p>
-            <a:pPr indent="0" lvl="0" marL="0" rtl="0" algn="l">
+            <a:pPr marL="0" lvl="0" indent="0" algn="l" rtl="0">
               <a:spcBef>
                 <a:spcPts val="0"/>
               </a:spcBef>
@@ -11472,9 +12497,11 @@
       <p:sp>
         <p:nvSpPr>
           <p:cNvPr id="82" name="Google Shape;82;p16"/>
-          <p:cNvSpPr txBox="1"/>
+          <p:cNvSpPr txBox="1">
+            <a:spLocks noGrp="1"/>
+          </p:cNvSpPr>
           <p:nvPr>
-            <p:ph idx="1" type="body"/>
+            <p:ph type="body" idx="1"/>
           </p:nvPr>
         </p:nvSpPr>
         <p:spPr>
@@ -11487,12 +12514,12 @@
           </a:prstGeom>
         </p:spPr>
         <p:txBody>
-          <a:bodyPr anchorCtr="0" anchor="t" bIns="91425" lIns="91425" spcFirstLastPara="1" rIns="91425" wrap="square" tIns="91425">
-            <a:normAutofit lnSpcReduction="20000"/>
+          <a:bodyPr spcFirstLastPara="1" wrap="square" lIns="91425" tIns="91425" rIns="91425" bIns="91425" anchor="t" anchorCtr="0">
+            <a:normAutofit/>
           </a:bodyPr>
           <a:lstStyle/>
           <a:p>
-            <a:pPr indent="-342900" lvl="0" marL="457200" rtl="0" algn="l">
+            <a:pPr marL="457200" lvl="0" indent="-342900" algn="l" rtl="0">
               <a:spcBef>
                 <a:spcPts val="0"/>
               </a:spcBef>
@@ -11509,7 +12536,7 @@
             <a:endParaRPr/>
           </a:p>
           <a:p>
-            <a:pPr indent="-342900" lvl="0" marL="457200" rtl="0" algn="l">
+            <a:pPr marL="457200" lvl="0" indent="-342900" algn="l" rtl="0">
               <a:spcBef>
                 <a:spcPts val="0"/>
               </a:spcBef>
@@ -11526,7 +12553,7 @@
             <a:endParaRPr/>
           </a:p>
           <a:p>
-            <a:pPr indent="-342900" lvl="0" marL="457200" rtl="0" algn="l">
+            <a:pPr marL="457200" lvl="0" indent="-342900" algn="l" rtl="0">
               <a:spcBef>
                 <a:spcPts val="0"/>
               </a:spcBef>
@@ -11543,7 +12570,7 @@
             <a:endParaRPr/>
           </a:p>
           <a:p>
-            <a:pPr indent="-342900" lvl="0" marL="457200" rtl="0" algn="l">
+            <a:pPr marL="457200" lvl="0" indent="-342900" algn="l" rtl="0">
               <a:spcBef>
                 <a:spcPts val="0"/>
               </a:spcBef>
@@ -11560,7 +12587,7 @@
             <a:endParaRPr/>
           </a:p>
           <a:p>
-            <a:pPr indent="-342900" lvl="0" marL="457200" rtl="0" algn="l">
+            <a:pPr marL="457200" lvl="0" indent="-342900" algn="l" rtl="0">
               <a:spcBef>
                 <a:spcPts val="0"/>
               </a:spcBef>
@@ -11577,7 +12604,7 @@
             <a:endParaRPr/>
           </a:p>
           <a:p>
-            <a:pPr indent="0" lvl="0" marL="0" rtl="0" algn="l">
+            <a:pPr marL="0" lvl="0" indent="0" algn="l" rtl="0">
               <a:spcBef>
                 <a:spcPts val="1200"/>
               </a:spcBef>
@@ -11586,9 +12613,6 @@
               </a:spcAft>
               <a:buNone/>
             </a:pPr>
-            <a:r>
-              <a:t/>
-            </a:r>
             <a:endParaRPr/>
           </a:p>
         </p:txBody>
@@ -11602,11 +12626,11 @@
 </file>
 
 <file path=ppt/slides/slide5.xml><?xml version="1.0" encoding="utf-8"?>
-<p:sld xmlns:a="http://schemas.openxmlformats.org/drawingml/2006/main" xmlns:r="http://schemas.openxmlformats.org/officeDocument/2006/relationships" xmlns:mc="http://schemas.openxmlformats.org/markup-compatibility/2006" xmlns:mv="urn:schemas-microsoft-com:mac:vml" xmlns:p="http://schemas.openxmlformats.org/presentationml/2006/main" xmlns:c="http://schemas.openxmlformats.org/drawingml/2006/chart" xmlns:dgm="http://schemas.openxmlformats.org/drawingml/2006/diagram" xmlns:o="urn:schemas-microsoft-com:office:office" xmlns:v="urn:schemas-microsoft-com:vml" xmlns:pvml="urn:schemas-microsoft-com:office:powerpoint" xmlns:com="http://schemas.openxmlformats.org/drawingml/2006/compatibility" xmlns:p14="http://schemas.microsoft.com/office/powerpoint/2010/main" xmlns:p15="http://schemas.microsoft.com/office/powerpoint/2012/main" xmlns:ahyp="http://schemas.microsoft.com/office/drawing/2018/hyperlinkcolor">
+<p:sld xmlns:a="http://schemas.openxmlformats.org/drawingml/2006/main" xmlns:r="http://schemas.openxmlformats.org/officeDocument/2006/relationships" xmlns:p="http://schemas.openxmlformats.org/presentationml/2006/main">
   <p:cSld>
     <p:spTree>
       <p:nvGrpSpPr>
-        <p:cNvPr id="86" name="Shape 86"/>
+        <p:cNvPr id="1" name="Shape 86"/>
         <p:cNvGrpSpPr/>
         <p:nvPr/>
       </p:nvGrpSpPr>
@@ -11621,7 +12645,9 @@
       <p:sp>
         <p:nvSpPr>
           <p:cNvPr id="87" name="Google Shape;87;p17"/>
-          <p:cNvSpPr txBox="1"/>
+          <p:cNvSpPr txBox="1">
+            <a:spLocks noGrp="1"/>
+          </p:cNvSpPr>
           <p:nvPr>
             <p:ph type="title"/>
           </p:nvPr>
@@ -11636,12 +12662,12 @@
           </a:prstGeom>
         </p:spPr>
         <p:txBody>
-          <a:bodyPr anchorCtr="0" anchor="b" bIns="91425" lIns="91425" spcFirstLastPara="1" rIns="91425" wrap="square" tIns="91425">
+          <a:bodyPr spcFirstLastPara="1" wrap="square" lIns="91425" tIns="91425" rIns="91425" bIns="91425" anchor="b" anchorCtr="0">
             <a:normAutofit/>
           </a:bodyPr>
           <a:lstStyle/>
           <a:p>
-            <a:pPr indent="0" lvl="0" marL="0" rtl="0" algn="l">
+            <a:pPr marL="0" lvl="0" indent="0" algn="l" rtl="0">
               <a:spcBef>
                 <a:spcPts val="0"/>
               </a:spcBef>
@@ -11661,9 +12687,11 @@
       <p:sp>
         <p:nvSpPr>
           <p:cNvPr id="88" name="Google Shape;88;p17"/>
-          <p:cNvSpPr txBox="1"/>
+          <p:cNvSpPr txBox="1">
+            <a:spLocks noGrp="1"/>
+          </p:cNvSpPr>
           <p:nvPr>
-            <p:ph idx="1" type="body"/>
+            <p:ph type="body" idx="1"/>
           </p:nvPr>
         </p:nvSpPr>
         <p:spPr>
@@ -11676,12 +12704,12 @@
           </a:prstGeom>
         </p:spPr>
         <p:txBody>
-          <a:bodyPr anchorCtr="0" anchor="t" bIns="91425" lIns="91425" spcFirstLastPara="1" rIns="91425" wrap="square" tIns="91425">
+          <a:bodyPr spcFirstLastPara="1" wrap="square" lIns="91425" tIns="91425" rIns="91425" bIns="91425" anchor="t" anchorCtr="0">
             <a:normAutofit/>
           </a:bodyPr>
           <a:lstStyle/>
           <a:p>
-            <a:pPr indent="0" lvl="0" marL="0" rtl="0" algn="l">
+            <a:pPr marL="0" lvl="0" indent="0" algn="l" rtl="0">
               <a:spcBef>
                 <a:spcPts val="0"/>
               </a:spcBef>
@@ -11690,9 +12718,6 @@
               </a:spcAft>
               <a:buNone/>
             </a:pPr>
-            <a:r>
-              <a:t/>
-            </a:r>
             <a:endParaRPr/>
           </a:p>
         </p:txBody>
@@ -11707,7 +12732,7 @@
           <a:blip r:embed="rId3">
             <a:alphaModFix/>
           </a:blip>
-          <a:srcRect b="41779" l="0" r="0" t="0"/>
+          <a:srcRect b="41779"/>
           <a:stretch/>
         </p:blipFill>
         <p:spPr>
@@ -11733,11 +12758,11 @@
 </file>
 
 <file path=ppt/slides/slide6.xml><?xml version="1.0" encoding="utf-8"?>
-<p:sld xmlns:a="http://schemas.openxmlformats.org/drawingml/2006/main" xmlns:r="http://schemas.openxmlformats.org/officeDocument/2006/relationships" xmlns:mc="http://schemas.openxmlformats.org/markup-compatibility/2006" xmlns:mv="urn:schemas-microsoft-com:mac:vml" xmlns:p="http://schemas.openxmlformats.org/presentationml/2006/main" xmlns:c="http://schemas.openxmlformats.org/drawingml/2006/chart" xmlns:dgm="http://schemas.openxmlformats.org/drawingml/2006/diagram" xmlns:o="urn:schemas-microsoft-com:office:office" xmlns:v="urn:schemas-microsoft-com:vml" xmlns:pvml="urn:schemas-microsoft-com:office:powerpoint" xmlns:com="http://schemas.openxmlformats.org/drawingml/2006/compatibility" xmlns:p14="http://schemas.microsoft.com/office/powerpoint/2010/main" xmlns:p15="http://schemas.microsoft.com/office/powerpoint/2012/main" xmlns:ahyp="http://schemas.microsoft.com/office/drawing/2018/hyperlinkcolor">
+<p:sld xmlns:a="http://schemas.openxmlformats.org/drawingml/2006/main" xmlns:r="http://schemas.openxmlformats.org/officeDocument/2006/relationships" xmlns:p="http://schemas.openxmlformats.org/presentationml/2006/main">
   <p:cSld>
     <p:spTree>
       <p:nvGrpSpPr>
-        <p:cNvPr id="93" name="Shape 93"/>
+        <p:cNvPr id="1" name="Shape 93"/>
         <p:cNvGrpSpPr/>
         <p:nvPr/>
       </p:nvGrpSpPr>
@@ -11752,7 +12777,9 @@
       <p:sp>
         <p:nvSpPr>
           <p:cNvPr id="94" name="Google Shape;94;p18"/>
-          <p:cNvSpPr txBox="1"/>
+          <p:cNvSpPr txBox="1">
+            <a:spLocks noGrp="1"/>
+          </p:cNvSpPr>
           <p:nvPr>
             <p:ph type="title"/>
           </p:nvPr>
@@ -11767,23 +12794,20 @@
           </a:prstGeom>
         </p:spPr>
         <p:txBody>
-          <a:bodyPr anchorCtr="0" anchor="b" bIns="91425" lIns="91425" spcFirstLastPara="1" rIns="91425" wrap="square" tIns="91425">
+          <a:bodyPr spcFirstLastPara="1" wrap="square" lIns="91425" tIns="91425" rIns="91425" bIns="91425" anchor="b" anchorCtr="0">
             <a:normAutofit/>
           </a:bodyPr>
           <a:lstStyle/>
           <a:p>
-            <a:pPr indent="0" lvl="0" marL="0" rtl="0" algn="l">
-              <a:spcBef>
-                <a:spcPts val="0"/>
-              </a:spcBef>
-              <a:spcAft>
-                <a:spcPts val="0"/>
-              </a:spcAft>
-              <a:buNone/>
-            </a:pPr>
-            <a:r>
-              <a:t/>
-            </a:r>
+            <a:pPr marL="0" lvl="0" indent="0" algn="l" rtl="0">
+              <a:spcBef>
+                <a:spcPts val="0"/>
+              </a:spcBef>
+              <a:spcAft>
+                <a:spcPts val="0"/>
+              </a:spcAft>
+              <a:buNone/>
+            </a:pPr>
             <a:endParaRPr/>
           </a:p>
         </p:txBody>
@@ -11791,9 +12815,11 @@
       <p:sp>
         <p:nvSpPr>
           <p:cNvPr id="95" name="Google Shape;95;p18"/>
-          <p:cNvSpPr txBox="1"/>
+          <p:cNvSpPr txBox="1">
+            <a:spLocks noGrp="1"/>
+          </p:cNvSpPr>
           <p:nvPr>
-            <p:ph idx="1" type="body"/>
+            <p:ph type="body" idx="1"/>
           </p:nvPr>
         </p:nvSpPr>
         <p:spPr>
@@ -11806,12 +12832,12 @@
           </a:prstGeom>
         </p:spPr>
         <p:txBody>
-          <a:bodyPr anchorCtr="0" anchor="t" bIns="91425" lIns="91425" spcFirstLastPara="1" rIns="91425" wrap="square" tIns="91425">
+          <a:bodyPr spcFirstLastPara="1" wrap="square" lIns="91425" tIns="91425" rIns="91425" bIns="91425" anchor="t" anchorCtr="0">
             <a:normAutofit/>
           </a:bodyPr>
           <a:lstStyle/>
           <a:p>
-            <a:pPr indent="0" lvl="0" marL="0" rtl="0" algn="l">
+            <a:pPr marL="0" lvl="0" indent="0" algn="l" rtl="0">
               <a:spcBef>
                 <a:spcPts val="0"/>
               </a:spcBef>
@@ -11820,9 +12846,6 @@
               </a:spcAft>
               <a:buNone/>
             </a:pPr>
-            <a:r>
-              <a:t/>
-            </a:r>
             <a:endParaRPr/>
           </a:p>
         </p:txBody>
@@ -11837,7 +12860,7 @@
           <a:blip r:embed="rId3">
             <a:alphaModFix/>
           </a:blip>
-          <a:srcRect b="40083" l="0" r="0" t="0"/>
+          <a:srcRect b="40083"/>
           <a:stretch/>
         </p:blipFill>
         <p:spPr>
@@ -11863,11 +12886,11 @@
 </file>
 
 <file path=ppt/slides/slide7.xml><?xml version="1.0" encoding="utf-8"?>
-<p:sld xmlns:a="http://schemas.openxmlformats.org/drawingml/2006/main" xmlns:r="http://schemas.openxmlformats.org/officeDocument/2006/relationships" xmlns:mc="http://schemas.openxmlformats.org/markup-compatibility/2006" xmlns:mv="urn:schemas-microsoft-com:mac:vml" xmlns:p="http://schemas.openxmlformats.org/presentationml/2006/main" xmlns:c="http://schemas.openxmlformats.org/drawingml/2006/chart" xmlns:dgm="http://schemas.openxmlformats.org/drawingml/2006/diagram" xmlns:o="urn:schemas-microsoft-com:office:office" xmlns:v="urn:schemas-microsoft-com:vml" xmlns:pvml="urn:schemas-microsoft-com:office:powerpoint" xmlns:com="http://schemas.openxmlformats.org/drawingml/2006/compatibility" xmlns:p14="http://schemas.microsoft.com/office/powerpoint/2010/main" xmlns:p15="http://schemas.microsoft.com/office/powerpoint/2012/main" xmlns:ahyp="http://schemas.microsoft.com/office/drawing/2018/hyperlinkcolor">
+<p:sld xmlns:a="http://schemas.openxmlformats.org/drawingml/2006/main" xmlns:r="http://schemas.openxmlformats.org/officeDocument/2006/relationships" xmlns:p="http://schemas.openxmlformats.org/presentationml/2006/main">
   <p:cSld>
     <p:spTree>
       <p:nvGrpSpPr>
-        <p:cNvPr id="100" name="Shape 100"/>
+        <p:cNvPr id="1" name="Shape 100"/>
         <p:cNvGrpSpPr/>
         <p:nvPr/>
       </p:nvGrpSpPr>
@@ -11882,7 +12905,9 @@
       <p:sp>
         <p:nvSpPr>
           <p:cNvPr id="101" name="Google Shape;101;p19"/>
-          <p:cNvSpPr txBox="1"/>
+          <p:cNvSpPr txBox="1">
+            <a:spLocks noGrp="1"/>
+          </p:cNvSpPr>
           <p:nvPr>
             <p:ph type="title"/>
           </p:nvPr>
@@ -11897,12 +12922,12 @@
           </a:prstGeom>
         </p:spPr>
         <p:txBody>
-          <a:bodyPr anchorCtr="0" anchor="b" bIns="91425" lIns="91425" spcFirstLastPara="1" rIns="91425" wrap="square" tIns="91425">
+          <a:bodyPr spcFirstLastPara="1" wrap="square" lIns="91425" tIns="91425" rIns="91425" bIns="91425" anchor="b" anchorCtr="0">
             <a:normAutofit/>
           </a:bodyPr>
           <a:lstStyle/>
           <a:p>
-            <a:pPr indent="0" lvl="0" marL="0" rtl="0" algn="l">
+            <a:pPr marL="0" lvl="0" indent="0" algn="l" rtl="0">
               <a:spcBef>
                 <a:spcPts val="0"/>
               </a:spcBef>
@@ -11922,9 +12947,11 @@
       <p:sp>
         <p:nvSpPr>
           <p:cNvPr id="102" name="Google Shape;102;p19"/>
-          <p:cNvSpPr txBox="1"/>
+          <p:cNvSpPr txBox="1">
+            <a:spLocks noGrp="1"/>
+          </p:cNvSpPr>
           <p:nvPr>
-            <p:ph idx="1" type="body"/>
+            <p:ph type="body" idx="1"/>
           </p:nvPr>
         </p:nvSpPr>
         <p:spPr>
@@ -11937,12 +12964,12 @@
           </a:prstGeom>
         </p:spPr>
         <p:txBody>
-          <a:bodyPr anchorCtr="0" anchor="t" bIns="91425" lIns="91425" spcFirstLastPara="1" rIns="91425" wrap="square" tIns="91425">
-            <a:normAutofit lnSpcReduction="10000"/>
+          <a:bodyPr spcFirstLastPara="1" wrap="square" lIns="91425" tIns="91425" rIns="91425" bIns="91425" anchor="t" anchorCtr="0">
+            <a:normAutofit/>
           </a:bodyPr>
           <a:lstStyle/>
           <a:p>
-            <a:pPr indent="0" lvl="0" marL="0" rtl="0" algn="l">
+            <a:pPr marL="0" lvl="0" indent="0" algn="l" rtl="0">
               <a:spcBef>
                 <a:spcPts val="0"/>
               </a:spcBef>
@@ -11958,7 +12985,7 @@
             <a:endParaRPr/>
           </a:p>
           <a:p>
-            <a:pPr indent="0" lvl="0" marL="0" rtl="0" algn="l">
+            <a:pPr marL="0" lvl="0" indent="0" algn="l" rtl="0">
               <a:spcBef>
                 <a:spcPts val="1200"/>
               </a:spcBef>
@@ -11967,13 +12994,10 @@
               </a:spcAft>
               <a:buNone/>
             </a:pPr>
-            <a:r>
-              <a:t/>
-            </a:r>
-            <a:endParaRPr/>
-          </a:p>
-          <a:p>
-            <a:pPr indent="0" lvl="0" marL="0" rtl="0" algn="l">
+            <a:endParaRPr/>
+          </a:p>
+          <a:p>
+            <a:pPr marL="0" lvl="0" indent="0" algn="l" rtl="0">
               <a:spcBef>
                 <a:spcPts val="1200"/>
               </a:spcBef>
@@ -11989,7 +13013,7 @@
             <a:endParaRPr/>
           </a:p>
           <a:p>
-            <a:pPr indent="0" lvl="0" marL="0" rtl="0" algn="l">
+            <a:pPr marL="0" lvl="0" indent="0" algn="l" rtl="0">
               <a:spcBef>
                 <a:spcPts val="1200"/>
               </a:spcBef>
@@ -12005,7 +13029,7 @@
             <a:endParaRPr/>
           </a:p>
           <a:p>
-            <a:pPr indent="0" lvl="0" marL="0" rtl="0" algn="l">
+            <a:pPr marL="0" lvl="0" indent="0" algn="l" rtl="0">
               <a:spcBef>
                 <a:spcPts val="1200"/>
               </a:spcBef>
@@ -12021,7 +13045,7 @@
             <a:endParaRPr/>
           </a:p>
           <a:p>
-            <a:pPr indent="0" lvl="0" marL="0" rtl="0" algn="l">
+            <a:pPr marL="0" lvl="0" indent="0" algn="l" rtl="0">
               <a:spcBef>
                 <a:spcPts val="1200"/>
               </a:spcBef>
@@ -12030,9 +13054,6 @@
               </a:spcAft>
               <a:buNone/>
             </a:pPr>
-            <a:r>
-              <a:t/>
-            </a:r>
             <a:endParaRPr/>
           </a:p>
         </p:txBody>
@@ -12046,11 +13067,11 @@
 </file>
 
 <file path=ppt/slides/slide8.xml><?xml version="1.0" encoding="utf-8"?>
-<p:sld xmlns:a="http://schemas.openxmlformats.org/drawingml/2006/main" xmlns:r="http://schemas.openxmlformats.org/officeDocument/2006/relationships" xmlns:mc="http://schemas.openxmlformats.org/markup-compatibility/2006" xmlns:mv="urn:schemas-microsoft-com:mac:vml" xmlns:p="http://schemas.openxmlformats.org/presentationml/2006/main" xmlns:c="http://schemas.openxmlformats.org/drawingml/2006/chart" xmlns:dgm="http://schemas.openxmlformats.org/drawingml/2006/diagram" xmlns:o="urn:schemas-microsoft-com:office:office" xmlns:v="urn:schemas-microsoft-com:vml" xmlns:pvml="urn:schemas-microsoft-com:office:powerpoint" xmlns:com="http://schemas.openxmlformats.org/drawingml/2006/compatibility" xmlns:p14="http://schemas.microsoft.com/office/powerpoint/2010/main" xmlns:p15="http://schemas.microsoft.com/office/powerpoint/2012/main" xmlns:ahyp="http://schemas.microsoft.com/office/drawing/2018/hyperlinkcolor">
+<p:sld xmlns:a="http://schemas.openxmlformats.org/drawingml/2006/main" xmlns:r="http://schemas.openxmlformats.org/officeDocument/2006/relationships" xmlns:p="http://schemas.openxmlformats.org/presentationml/2006/main">
   <p:cSld>
     <p:spTree>
       <p:nvGrpSpPr>
-        <p:cNvPr id="106" name="Shape 106"/>
+        <p:cNvPr id="1" name="Shape 106"/>
         <p:cNvGrpSpPr/>
         <p:nvPr/>
       </p:nvGrpSpPr>
@@ -12065,7 +13086,9 @@
       <p:sp>
         <p:nvSpPr>
           <p:cNvPr id="107" name="Google Shape;107;p20"/>
-          <p:cNvSpPr txBox="1"/>
+          <p:cNvSpPr txBox="1">
+            <a:spLocks noGrp="1"/>
+          </p:cNvSpPr>
           <p:nvPr>
             <p:ph type="title"/>
           </p:nvPr>
@@ -12080,12 +13103,12 @@
           </a:prstGeom>
         </p:spPr>
         <p:txBody>
-          <a:bodyPr anchorCtr="0" anchor="b" bIns="91425" lIns="91425" spcFirstLastPara="1" rIns="91425" wrap="square" tIns="91425">
+          <a:bodyPr spcFirstLastPara="1" wrap="square" lIns="91425" tIns="91425" rIns="91425" bIns="91425" anchor="b" anchorCtr="0">
             <a:normAutofit/>
           </a:bodyPr>
           <a:lstStyle/>
           <a:p>
-            <a:pPr indent="0" lvl="0" marL="0" rtl="0" algn="l">
+            <a:pPr marL="0" lvl="0" indent="0" algn="l" rtl="0">
               <a:spcBef>
                 <a:spcPts val="0"/>
               </a:spcBef>
@@ -12105,9 +13128,11 @@
       <p:sp>
         <p:nvSpPr>
           <p:cNvPr id="108" name="Google Shape;108;p20"/>
-          <p:cNvSpPr txBox="1"/>
+          <p:cNvSpPr txBox="1">
+            <a:spLocks noGrp="1"/>
+          </p:cNvSpPr>
           <p:nvPr>
-            <p:ph idx="1" type="body"/>
+            <p:ph type="body" idx="1"/>
           </p:nvPr>
         </p:nvSpPr>
         <p:spPr>
@@ -12120,12 +13145,12 @@
           </a:prstGeom>
         </p:spPr>
         <p:txBody>
-          <a:bodyPr anchorCtr="0" anchor="t" bIns="91425" lIns="91425" spcFirstLastPara="1" rIns="91425" wrap="square" tIns="91425">
+          <a:bodyPr spcFirstLastPara="1" wrap="square" lIns="91425" tIns="91425" rIns="91425" bIns="91425" anchor="t" anchorCtr="0">
             <a:normAutofit/>
           </a:bodyPr>
           <a:lstStyle/>
           <a:p>
-            <a:pPr indent="0" lvl="0" marL="0" rtl="0" algn="l">
+            <a:pPr marL="0" lvl="0" indent="0" algn="l" rtl="0">
               <a:spcBef>
                 <a:spcPts val="0"/>
               </a:spcBef>
@@ -12141,7 +13166,7 @@
             <a:endParaRPr/>
           </a:p>
           <a:p>
-            <a:pPr indent="0" lvl="0" marL="0" rtl="0" algn="l">
+            <a:pPr marL="0" lvl="0" indent="0" algn="l" rtl="0">
               <a:spcBef>
                 <a:spcPts val="1200"/>
               </a:spcBef>
@@ -12162,7 +13187,7 @@
             <a:endParaRPr/>
           </a:p>
           <a:p>
-            <a:pPr indent="0" lvl="0" marL="0" rtl="0" algn="l">
+            <a:pPr marL="0" lvl="0" indent="0" algn="l" rtl="0">
               <a:spcBef>
                 <a:spcPts val="1200"/>
               </a:spcBef>
@@ -12171,13 +13196,10 @@
               </a:spcAft>
               <a:buNone/>
             </a:pPr>
-            <a:r>
-              <a:t/>
-            </a:r>
-            <a:endParaRPr/>
-          </a:p>
-          <a:p>
-            <a:pPr indent="0" lvl="0" marL="0" rtl="0" algn="l">
+            <a:endParaRPr/>
+          </a:p>
+          <a:p>
+            <a:pPr marL="0" lvl="0" indent="0" algn="l" rtl="0">
               <a:spcBef>
                 <a:spcPts val="1200"/>
               </a:spcBef>
@@ -12186,9 +13208,6 @@
               </a:spcAft>
               <a:buNone/>
             </a:pPr>
-            <a:r>
-              <a:t/>
-            </a:r>
             <a:endParaRPr/>
           </a:p>
         </p:txBody>
@@ -12230,11 +13249,11 @@
 </file>
 
 <file path=ppt/slides/slide9.xml><?xml version="1.0" encoding="utf-8"?>
-<p:sld xmlns:a="http://schemas.openxmlformats.org/drawingml/2006/main" xmlns:r="http://schemas.openxmlformats.org/officeDocument/2006/relationships" xmlns:mc="http://schemas.openxmlformats.org/markup-compatibility/2006" xmlns:mv="urn:schemas-microsoft-com:mac:vml" xmlns:p="http://schemas.openxmlformats.org/presentationml/2006/main" xmlns:c="http://schemas.openxmlformats.org/drawingml/2006/chart" xmlns:dgm="http://schemas.openxmlformats.org/drawingml/2006/diagram" xmlns:o="urn:schemas-microsoft-com:office:office" xmlns:v="urn:schemas-microsoft-com:vml" xmlns:pvml="urn:schemas-microsoft-com:office:powerpoint" xmlns:com="http://schemas.openxmlformats.org/drawingml/2006/compatibility" xmlns:p14="http://schemas.microsoft.com/office/powerpoint/2010/main" xmlns:p15="http://schemas.microsoft.com/office/powerpoint/2012/main" xmlns:ahyp="http://schemas.microsoft.com/office/drawing/2018/hyperlinkcolor">
+<p:sld xmlns:a="http://schemas.openxmlformats.org/drawingml/2006/main" xmlns:r="http://schemas.openxmlformats.org/officeDocument/2006/relationships" xmlns:p="http://schemas.openxmlformats.org/presentationml/2006/main">
   <p:cSld>
     <p:spTree>
       <p:nvGrpSpPr>
-        <p:cNvPr id="113" name="Shape 113"/>
+        <p:cNvPr id="1" name="Shape 113"/>
         <p:cNvGrpSpPr/>
         <p:nvPr/>
       </p:nvGrpSpPr>
@@ -12249,7 +13268,9 @@
       <p:sp>
         <p:nvSpPr>
           <p:cNvPr id="114" name="Google Shape;114;p21"/>
-          <p:cNvSpPr txBox="1"/>
+          <p:cNvSpPr txBox="1">
+            <a:spLocks noGrp="1"/>
+          </p:cNvSpPr>
           <p:nvPr>
             <p:ph type="title"/>
           </p:nvPr>
@@ -12264,12 +13285,12 @@
           </a:prstGeom>
         </p:spPr>
         <p:txBody>
-          <a:bodyPr anchorCtr="0" anchor="b" bIns="91425" lIns="91425" spcFirstLastPara="1" rIns="91425" wrap="square" tIns="91425">
+          <a:bodyPr spcFirstLastPara="1" wrap="square" lIns="91425" tIns="91425" rIns="91425" bIns="91425" anchor="b" anchorCtr="0">
             <a:normAutofit/>
           </a:bodyPr>
           <a:lstStyle/>
           <a:p>
-            <a:pPr indent="0" lvl="0" marL="0" rtl="0" algn="l">
+            <a:pPr marL="0" lvl="0" indent="0" algn="l" rtl="0">
               <a:spcBef>
                 <a:spcPts val="0"/>
               </a:spcBef>
@@ -12289,9 +13310,11 @@
       <p:sp>
         <p:nvSpPr>
           <p:cNvPr id="115" name="Google Shape;115;p21"/>
-          <p:cNvSpPr txBox="1"/>
+          <p:cNvSpPr txBox="1">
+            <a:spLocks noGrp="1"/>
+          </p:cNvSpPr>
           <p:nvPr>
-            <p:ph idx="1" type="body"/>
+            <p:ph type="body" idx="1"/>
           </p:nvPr>
         </p:nvSpPr>
         <p:spPr>
@@ -12304,12 +13327,12 @@
           </a:prstGeom>
         </p:spPr>
         <p:txBody>
-          <a:bodyPr anchorCtr="0" anchor="t" bIns="91425" lIns="91425" spcFirstLastPara="1" rIns="91425" wrap="square" tIns="91425">
+          <a:bodyPr spcFirstLastPara="1" wrap="square" lIns="91425" tIns="91425" rIns="91425" bIns="91425" anchor="t" anchorCtr="0">
             <a:normAutofit/>
           </a:bodyPr>
           <a:lstStyle/>
           <a:p>
-            <a:pPr indent="0" lvl="0" marL="0" rtl="0" algn="l">
+            <a:pPr marL="0" lvl="0" indent="0" algn="l" rtl="0">
               <a:spcBef>
                 <a:spcPts val="0"/>
               </a:spcBef>
@@ -12363,7 +13386,7 @@
 </file>
 
 <file path=ppt/theme/theme1.xml><?xml version="1.0" encoding="utf-8"?>
-<a:theme xmlns:a="http://schemas.openxmlformats.org/drawingml/2006/main" xmlns:r="http://schemas.openxmlformats.org/officeDocument/2006/relationships" name="Marina">
+<a:theme xmlns:a="http://schemas.openxmlformats.org/drawingml/2006/main" name="Marina">
   <a:themeElements>
     <a:clrScheme name="Marina">
       <a:dk1>
@@ -12638,11 +13661,13 @@
       </a:bgFillStyleLst>
     </a:fmtScheme>
   </a:themeElements>
+  <a:objectDefaults/>
+  <a:extraClrSchemeLst/>
 </a:theme>
 </file>
 
 <file path=ppt/theme/theme2.xml><?xml version="1.0" encoding="utf-8"?>
-<a:theme xmlns:a="http://schemas.openxmlformats.org/drawingml/2006/main" xmlns:r="http://schemas.openxmlformats.org/officeDocument/2006/relationships">
+<a:theme xmlns:a="http://schemas.openxmlformats.org/drawingml/2006/main">
   <a:themeElements>
     <a:clrScheme name="Default">
       <a:dk1>
@@ -12917,5 +13942,7 @@
       </a:bgFillStyleLst>
     </a:fmtScheme>
   </a:themeElements>
+  <a:objectDefaults/>
+  <a:extraClrSchemeLst/>
 </a:theme>
 </file>